--- a/RL-001-MemoryManagement/results/202005May20-TestsTDLambda&AdaptiveTDLambda-1DGridworld.pptx
+++ b/RL-001-MemoryManagement/results/202005May20-TestsTDLambda&AdaptiveTDLambda-1DGridworld.pptx
@@ -5,7 +5,7 @@
     <p:sldMasterId id="2147483648" r:id="rId1"/>
   </p:sldMasterIdLst>
   <p:notesMasterIdLst>
-    <p:notesMasterId r:id="rId13"/>
+    <p:notesMasterId r:id="rId14"/>
   </p:notesMasterIdLst>
   <p:sldIdLst>
     <p:sldId id="264" r:id="rId2"/>
@@ -19,6 +19,7 @@
     <p:sldId id="285" r:id="rId10"/>
     <p:sldId id="286" r:id="rId11"/>
     <p:sldId id="287" r:id="rId12"/>
+    <p:sldId id="289" r:id="rId13"/>
   </p:sldIdLst>
   <p:sldSz cx="9144000" cy="6858000" type="screen4x3"/>
   <p:notesSz cx="6858000" cy="9144000"/>
@@ -202,7 +203,7 @@
           <a:p>
             <a:fld id="{20C8C433-DA52-491B-A73E-C12FDEDAADD7}" type="datetimeFigureOut">
               <a:rPr lang="en-US" smtClean="0"/>
-              <a:t>5/20/2020</a:t>
+              <a:t>5/24/2020</a:t>
             </a:fld>
             <a:endParaRPr lang="en-US"/>
           </a:p>
@@ -651,7 +652,7 @@
           <a:p>
             <a:fld id="{0DE82379-504A-4D22-912F-5AD071F65510}" type="datetime1">
               <a:rPr lang="en-US" smtClean="0"/>
-              <a:t>5/20/2020</a:t>
+              <a:t>5/24/2020</a:t>
             </a:fld>
             <a:endParaRPr lang="en-US"/>
           </a:p>
@@ -821,7 +822,7 @@
           <a:p>
             <a:fld id="{0A308B76-0F46-4867-A704-020E0510BAB9}" type="datetime1">
               <a:rPr lang="en-US" smtClean="0"/>
-              <a:t>5/20/2020</a:t>
+              <a:t>5/24/2020</a:t>
             </a:fld>
             <a:endParaRPr lang="en-US"/>
           </a:p>
@@ -1001,7 +1002,7 @@
           <a:p>
             <a:fld id="{9EFF22E2-E7CD-4BE6-BC79-8DA58B78DFB6}" type="datetime1">
               <a:rPr lang="en-US" smtClean="0"/>
-              <a:t>5/20/2020</a:t>
+              <a:t>5/24/2020</a:t>
             </a:fld>
             <a:endParaRPr lang="en-US"/>
           </a:p>
@@ -1171,7 +1172,7 @@
           <a:p>
             <a:fld id="{6CA885D4-6B25-42CC-AB85-BE2955A0365B}" type="datetime1">
               <a:rPr lang="en-US" smtClean="0"/>
-              <a:t>5/20/2020</a:t>
+              <a:t>5/24/2020</a:t>
             </a:fld>
             <a:endParaRPr lang="en-US"/>
           </a:p>
@@ -1417,7 +1418,7 @@
           <a:p>
             <a:fld id="{80351717-A3AD-4C3A-BE51-731713DEEB71}" type="datetime1">
               <a:rPr lang="en-US" smtClean="0"/>
-              <a:t>5/20/2020</a:t>
+              <a:t>5/24/2020</a:t>
             </a:fld>
             <a:endParaRPr lang="en-US"/>
           </a:p>
@@ -1705,7 +1706,7 @@
           <a:p>
             <a:fld id="{62BCE9C6-0B67-4DEA-90FE-A224EA57A00A}" type="datetime1">
               <a:rPr lang="en-US" smtClean="0"/>
-              <a:t>5/20/2020</a:t>
+              <a:t>5/24/2020</a:t>
             </a:fld>
             <a:endParaRPr lang="en-US"/>
           </a:p>
@@ -2127,7 +2128,7 @@
           <a:p>
             <a:fld id="{8D602F8B-96AF-427F-AFB0-5AA790D1A556}" type="datetime1">
               <a:rPr lang="en-US" smtClean="0"/>
-              <a:t>5/20/2020</a:t>
+              <a:t>5/24/2020</a:t>
             </a:fld>
             <a:endParaRPr lang="en-US"/>
           </a:p>
@@ -2245,7 +2246,7 @@
           <a:p>
             <a:fld id="{DE59CFD8-766C-49D0-8B25-5E5802F68280}" type="datetime1">
               <a:rPr lang="en-US" smtClean="0"/>
-              <a:t>5/20/2020</a:t>
+              <a:t>5/24/2020</a:t>
             </a:fld>
             <a:endParaRPr lang="en-US"/>
           </a:p>
@@ -2340,7 +2341,7 @@
           <a:p>
             <a:fld id="{CF61C585-8DA1-4E43-85B1-8A0CE4C96C73}" type="datetime1">
               <a:rPr lang="en-US" smtClean="0"/>
-              <a:t>5/20/2020</a:t>
+              <a:t>5/24/2020</a:t>
             </a:fld>
             <a:endParaRPr lang="en-US"/>
           </a:p>
@@ -2617,7 +2618,7 @@
           <a:p>
             <a:fld id="{8DBCACC1-07A6-4180-8A86-AE9BA3E8681E}" type="datetime1">
               <a:rPr lang="en-US" smtClean="0"/>
-              <a:t>5/20/2020</a:t>
+              <a:t>5/24/2020</a:t>
             </a:fld>
             <a:endParaRPr lang="en-US"/>
           </a:p>
@@ -2870,7 +2871,7 @@
           <a:p>
             <a:fld id="{E2B91FF2-4C13-4DE6-856A-67C242DD3908}" type="datetime1">
               <a:rPr lang="en-US" smtClean="0"/>
-              <a:t>5/20/2020</a:t>
+              <a:t>5/24/2020</a:t>
             </a:fld>
             <a:endParaRPr lang="en-US"/>
           </a:p>
@@ -3083,7 +3084,7 @@
           <a:p>
             <a:fld id="{88B6596B-24FF-458E-ADAE-08D8D099933C}" type="datetime1">
               <a:rPr lang="en-US" smtClean="0"/>
-              <a:t>5/20/2020</a:t>
+              <a:t>5/24/2020</a:t>
             </a:fld>
             <a:endParaRPr lang="en-US"/>
           </a:p>
@@ -3555,15 +3556,7 @@
                   <a:schemeClr val="tx1"/>
                 </a:solidFill>
               </a:rPr>
-              <a:t>Ref: </a:t>
-            </a:r>
-            <a:r>
-              <a:rPr lang="en-US" sz="2000" dirty="0" smtClean="0">
-                <a:solidFill>
-                  <a:schemeClr val="tx1"/>
-                </a:solidFill>
-              </a:rPr>
-              <a:t>Python/test/simu_lambdas.py</a:t>
+              <a:t>Ref: Python/test/simu_lambdas.py</a:t>
             </a:r>
             <a:endParaRPr lang="en-US" sz="2000" dirty="0">
               <a:solidFill>
@@ -4040,6 +4033,253 @@
     <p:extLst>
       <p:ext uri="{BB962C8B-B14F-4D97-AF65-F5344CB8AC3E}">
         <p14:creationId xmlns:p14="http://schemas.microsoft.com/office/powerpoint/2010/main" val="1422381103"/>
+      </p:ext>
+    </p:extLst>
+  </p:cSld>
+  <p:clrMapOvr>
+    <a:masterClrMapping/>
+  </p:clrMapOvr>
+</p:sld>
+</file>
+
+<file path=ppt/slides/slide12.xml><?xml version="1.0" encoding="utf-8"?>
+<p:sld xmlns:a="http://schemas.openxmlformats.org/drawingml/2006/main" xmlns:r="http://schemas.openxmlformats.org/officeDocument/2006/relationships" xmlns:p="http://schemas.openxmlformats.org/presentationml/2006/main">
+  <p:cSld>
+    <p:spTree>
+      <p:nvGrpSpPr>
+        <p:cNvPr id="1" name=""/>
+        <p:cNvGrpSpPr/>
+        <p:nvPr/>
+      </p:nvGrpSpPr>
+      <p:grpSpPr>
+        <a:xfrm>
+          <a:off x="0" y="0"/>
+          <a:ext cx="0" cy="0"/>
+          <a:chOff x="0" y="0"/>
+          <a:chExt cx="0" cy="0"/>
+        </a:xfrm>
+      </p:grpSpPr>
+      <p:sp>
+        <p:nvSpPr>
+          <p:cNvPr id="2" name="Title 1"/>
+          <p:cNvSpPr>
+            <a:spLocks noGrp="1"/>
+          </p:cNvSpPr>
+          <p:nvPr>
+            <p:ph type="title"/>
+          </p:nvPr>
+        </p:nvSpPr>
+        <p:spPr/>
+        <p:txBody>
+          <a:bodyPr>
+            <a:normAutofit fontScale="90000"/>
+          </a:bodyPr>
+          <a:lstStyle/>
+          <a:p>
+            <a:r>
+              <a:rPr lang="en-US" dirty="0" smtClean="0"/>
+              <a:t>Adaptive TD(</a:t>
+            </a:r>
+            <a:r>
+              <a:rPr lang="en-US" dirty="0" smtClean="0">
+                <a:sym typeface="Symbol"/>
+              </a:rPr>
+              <a:t>) -  distribution</a:t>
+            </a:r>
+            <a:br>
+              <a:rPr lang="en-US" dirty="0" smtClean="0">
+                <a:sym typeface="Symbol"/>
+              </a:rPr>
+            </a:br>
+            <a:r>
+              <a:rPr lang="en-US" sz="3100" dirty="0" smtClean="0">
+                <a:sym typeface="Symbol"/>
+              </a:rPr>
+              <a:t>Three ways of  = function((t))</a:t>
+            </a:r>
+            <a:endParaRPr lang="en-US" sz="3100" dirty="0"/>
+          </a:p>
+        </p:txBody>
+      </p:sp>
+      <p:sp>
+        <p:nvSpPr>
+          <p:cNvPr id="4" name="Slide Number Placeholder 3"/>
+          <p:cNvSpPr>
+            <a:spLocks noGrp="1"/>
+          </p:cNvSpPr>
+          <p:nvPr>
+            <p:ph type="sldNum" sz="quarter" idx="12"/>
+          </p:nvPr>
+        </p:nvSpPr>
+        <p:spPr/>
+        <p:txBody>
+          <a:bodyPr/>
+          <a:lstStyle/>
+          <a:p>
+            <a:fld id="{62D96F91-737B-4795-86FD-3CFC620DA94D}" type="slidenum">
+              <a:rPr lang="en-US" smtClean="0"/>
+              <a:t>12</a:t>
+            </a:fld>
+            <a:endParaRPr lang="en-US"/>
+          </a:p>
+        </p:txBody>
+      </p:sp>
+      <p:pic>
+        <p:nvPicPr>
+          <p:cNvPr id="1028" name="Picture 4"/>
+          <p:cNvPicPr>
+            <a:picLocks noChangeAspect="1" noChangeArrowheads="1"/>
+          </p:cNvPicPr>
+          <p:nvPr/>
+        </p:nvPicPr>
+        <p:blipFill>
+          <a:blip r:embed="rId2">
+            <a:extLst>
+              <a:ext uri="{28A0092B-C50C-407E-A947-70E740481C1C}">
+                <a14:useLocalDpi xmlns:a14="http://schemas.microsoft.com/office/drawing/2010/main" val="0"/>
+              </a:ext>
+            </a:extLst>
+          </a:blip>
+          <a:srcRect/>
+          <a:stretch>
+            <a:fillRect/>
+          </a:stretch>
+        </p:blipFill>
+        <p:spPr bwMode="auto">
+          <a:xfrm>
+            <a:off x="611560" y="2132856"/>
+            <a:ext cx="7712943" cy="4389625"/>
+          </a:xfrm>
+          <a:prstGeom prst="rect">
+            <a:avLst/>
+          </a:prstGeom>
+          <a:noFill/>
+          <a:ln>
+            <a:noFill/>
+          </a:ln>
+          <a:extLst>
+            <a:ext uri="{909E8E84-426E-40DD-AFC4-6F175D3DCCD1}">
+              <a14:hiddenFill xmlns:a14="http://schemas.microsoft.com/office/drawing/2010/main">
+                <a:solidFill>
+                  <a:schemeClr val="accent1"/>
+                </a:solidFill>
+              </a14:hiddenFill>
+            </a:ext>
+            <a:ext uri="{91240B29-F687-4F45-9708-019B960494DF}">
+              <a14:hiddenLine xmlns:a14="http://schemas.microsoft.com/office/drawing/2010/main" w="9525">
+                <a:solidFill>
+                  <a:schemeClr val="tx1"/>
+                </a:solidFill>
+                <a:miter lim="800000"/>
+                <a:headEnd/>
+                <a:tailEnd/>
+              </a14:hiddenLine>
+            </a:ext>
+          </a:extLst>
+        </p:spPr>
+      </p:pic>
+      <p:sp>
+        <p:nvSpPr>
+          <p:cNvPr id="5" name="TextBox 4"/>
+          <p:cNvSpPr txBox="1"/>
+          <p:nvPr/>
+        </p:nvSpPr>
+        <p:spPr>
+          <a:xfrm>
+            <a:off x="845249" y="1700808"/>
+            <a:ext cx="2070567" cy="369332"/>
+          </a:xfrm>
+          <a:prstGeom prst="rect">
+            <a:avLst/>
+          </a:prstGeom>
+          <a:noFill/>
+        </p:spPr>
+        <p:txBody>
+          <a:bodyPr wrap="none" rtlCol="0">
+            <a:spAutoFit/>
+          </a:bodyPr>
+          <a:lstStyle/>
+          <a:p>
+            <a:r>
+              <a:rPr lang="en-US" b="1" dirty="0" smtClean="0"/>
+              <a:t>~ |Delta| / |value |</a:t>
+            </a:r>
+            <a:endParaRPr lang="en-US" b="1" dirty="0"/>
+          </a:p>
+        </p:txBody>
+      </p:sp>
+      <p:sp>
+        <p:nvSpPr>
+          <p:cNvPr id="9" name="TextBox 8"/>
+          <p:cNvSpPr txBox="1"/>
+          <p:nvPr/>
+        </p:nvSpPr>
+        <p:spPr>
+          <a:xfrm>
+            <a:off x="3203848" y="1700808"/>
+            <a:ext cx="2579937" cy="369332"/>
+          </a:xfrm>
+          <a:prstGeom prst="rect">
+            <a:avLst/>
+          </a:prstGeom>
+          <a:noFill/>
+        </p:spPr>
+        <p:txBody>
+          <a:bodyPr wrap="none" rtlCol="0">
+            <a:spAutoFit/>
+          </a:bodyPr>
+          <a:lstStyle/>
+          <a:p>
+            <a:r>
+              <a:rPr lang="en-US" b="1" dirty="0" smtClean="0"/>
+              <a:t>~ </a:t>
+            </a:r>
+            <a:r>
+              <a:rPr lang="en-US" b="1" dirty="0" err="1" smtClean="0"/>
+              <a:t>exp</a:t>
+            </a:r>
+            <a:r>
+              <a:rPr lang="en-US" b="1" dirty="0" smtClean="0"/>
+              <a:t>( |Delta| - |value| )</a:t>
+            </a:r>
+            <a:endParaRPr lang="en-US" b="1" dirty="0"/>
+          </a:p>
+        </p:txBody>
+      </p:sp>
+      <p:sp>
+        <p:nvSpPr>
+          <p:cNvPr id="10" name="TextBox 9"/>
+          <p:cNvSpPr txBox="1"/>
+          <p:nvPr/>
+        </p:nvSpPr>
+        <p:spPr>
+          <a:xfrm>
+            <a:off x="6612540" y="1688148"/>
+            <a:ext cx="1080104" cy="369332"/>
+          </a:xfrm>
+          <a:prstGeom prst="rect">
+            <a:avLst/>
+          </a:prstGeom>
+          <a:noFill/>
+        </p:spPr>
+        <p:txBody>
+          <a:bodyPr wrap="none" rtlCol="0">
+            <a:spAutoFit/>
+          </a:bodyPr>
+          <a:lstStyle/>
+          <a:p>
+            <a:r>
+              <a:rPr lang="en-US" b="1" dirty="0" smtClean="0"/>
+              <a:t>~ |Delta|</a:t>
+            </a:r>
+            <a:endParaRPr lang="en-US" b="1" dirty="0"/>
+          </a:p>
+        </p:txBody>
+      </p:sp>
+    </p:spTree>
+    <p:extLst>
+      <p:ext uri="{BB962C8B-B14F-4D97-AF65-F5344CB8AC3E}">
+        <p14:creationId xmlns:p14="http://schemas.microsoft.com/office/powerpoint/2010/main" val="3053468085"/>
       </p:ext>
     </p:extLst>
   </p:cSld>

--- a/RL-001-MemoryManagement/results/202005May20-TestsTDLambda&AdaptiveTDLambda-1DGridworld.pptx
+++ b/RL-001-MemoryManagement/results/202005May20-TestsTDLambda&AdaptiveTDLambda-1DGridworld.pptx
@@ -5,7 +5,7 @@
     <p:sldMasterId id="2147483648" r:id="rId1"/>
   </p:sldMasterIdLst>
   <p:notesMasterIdLst>
-    <p:notesMasterId r:id="rId14"/>
+    <p:notesMasterId r:id="rId25"/>
   </p:notesMasterIdLst>
   <p:sldIdLst>
     <p:sldId id="264" r:id="rId2"/>
@@ -18,8 +18,19 @@
     <p:sldId id="278" r:id="rId9"/>
     <p:sldId id="285" r:id="rId10"/>
     <p:sldId id="286" r:id="rId11"/>
-    <p:sldId id="287" r:id="rId12"/>
-    <p:sldId id="289" r:id="rId13"/>
+    <p:sldId id="290" r:id="rId12"/>
+    <p:sldId id="291" r:id="rId13"/>
+    <p:sldId id="292" r:id="rId14"/>
+    <p:sldId id="293" r:id="rId15"/>
+    <p:sldId id="295" r:id="rId16"/>
+    <p:sldId id="296" r:id="rId17"/>
+    <p:sldId id="297" r:id="rId18"/>
+    <p:sldId id="298" r:id="rId19"/>
+    <p:sldId id="287" r:id="rId20"/>
+    <p:sldId id="299" r:id="rId21"/>
+    <p:sldId id="300" r:id="rId22"/>
+    <p:sldId id="294" r:id="rId23"/>
+    <p:sldId id="289" r:id="rId24"/>
   </p:sldIdLst>
   <p:sldSz cx="9144000" cy="6858000" type="screen4x3"/>
   <p:notesSz cx="6858000" cy="9144000"/>
@@ -203,7 +214,7 @@
           <a:p>
             <a:fld id="{20C8C433-DA52-491B-A73E-C12FDEDAADD7}" type="datetimeFigureOut">
               <a:rPr lang="en-US" smtClean="0"/>
-              <a:t>5/24/2020</a:t>
+              <a:t>5/25/2020</a:t>
             </a:fld>
             <a:endParaRPr lang="en-US"/>
           </a:p>
@@ -652,7 +663,7 @@
           <a:p>
             <a:fld id="{0DE82379-504A-4D22-912F-5AD071F65510}" type="datetime1">
               <a:rPr lang="en-US" smtClean="0"/>
-              <a:t>5/24/2020</a:t>
+              <a:t>5/25/2020</a:t>
             </a:fld>
             <a:endParaRPr lang="en-US"/>
           </a:p>
@@ -822,7 +833,7 @@
           <a:p>
             <a:fld id="{0A308B76-0F46-4867-A704-020E0510BAB9}" type="datetime1">
               <a:rPr lang="en-US" smtClean="0"/>
-              <a:t>5/24/2020</a:t>
+              <a:t>5/25/2020</a:t>
             </a:fld>
             <a:endParaRPr lang="en-US"/>
           </a:p>
@@ -1002,7 +1013,7 @@
           <a:p>
             <a:fld id="{9EFF22E2-E7CD-4BE6-BC79-8DA58B78DFB6}" type="datetime1">
               <a:rPr lang="en-US" smtClean="0"/>
-              <a:t>5/24/2020</a:t>
+              <a:t>5/25/2020</a:t>
             </a:fld>
             <a:endParaRPr lang="en-US"/>
           </a:p>
@@ -1113,66 +1124,71 @@
             <p:ph idx="1"/>
           </p:nvPr>
         </p:nvSpPr>
+        <p:spPr>
+          <a:xfrm>
+            <a:off x="457200" y="1412776"/>
+            <a:ext cx="8229600" cy="4713387"/>
+          </a:xfrm>
+        </p:spPr>
+        <p:txBody>
+          <a:bodyPr/>
+          <a:lstStyle/>
+          <a:p>
+            <a:pPr lvl="0"/>
+            <a:r>
+              <a:rPr lang="en-US" smtClean="0"/>
+              <a:t>Click to edit Master text styles</a:t>
+            </a:r>
+          </a:p>
+          <a:p>
+            <a:pPr lvl="1"/>
+            <a:r>
+              <a:rPr lang="en-US" smtClean="0"/>
+              <a:t>Second level</a:t>
+            </a:r>
+          </a:p>
+          <a:p>
+            <a:pPr lvl="2"/>
+            <a:r>
+              <a:rPr lang="en-US" smtClean="0"/>
+              <a:t>Third level</a:t>
+            </a:r>
+          </a:p>
+          <a:p>
+            <a:pPr lvl="3"/>
+            <a:r>
+              <a:rPr lang="en-US" smtClean="0"/>
+              <a:t>Fourth level</a:t>
+            </a:r>
+          </a:p>
+          <a:p>
+            <a:pPr lvl="4"/>
+            <a:r>
+              <a:rPr lang="en-US" smtClean="0"/>
+              <a:t>Fifth level</a:t>
+            </a:r>
+            <a:endParaRPr lang="en-US"/>
+          </a:p>
+        </p:txBody>
+      </p:sp>
+      <p:sp>
+        <p:nvSpPr>
+          <p:cNvPr id="4" name="Date Placeholder 3"/>
+          <p:cNvSpPr>
+            <a:spLocks noGrp="1"/>
+          </p:cNvSpPr>
+          <p:nvPr>
+            <p:ph type="dt" sz="half" idx="10"/>
+          </p:nvPr>
+        </p:nvSpPr>
         <p:spPr/>
         <p:txBody>
           <a:bodyPr/>
           <a:lstStyle/>
           <a:p>
-            <a:pPr lvl="0"/>
-            <a:r>
-              <a:rPr lang="en-US" smtClean="0"/>
-              <a:t>Click to edit Master text styles</a:t>
-            </a:r>
-          </a:p>
-          <a:p>
-            <a:pPr lvl="1"/>
-            <a:r>
-              <a:rPr lang="en-US" smtClean="0"/>
-              <a:t>Second level</a:t>
-            </a:r>
-          </a:p>
-          <a:p>
-            <a:pPr lvl="2"/>
-            <a:r>
-              <a:rPr lang="en-US" smtClean="0"/>
-              <a:t>Third level</a:t>
-            </a:r>
-          </a:p>
-          <a:p>
-            <a:pPr lvl="3"/>
-            <a:r>
-              <a:rPr lang="en-US" smtClean="0"/>
-              <a:t>Fourth level</a:t>
-            </a:r>
-          </a:p>
-          <a:p>
-            <a:pPr lvl="4"/>
-            <a:r>
-              <a:rPr lang="en-US" smtClean="0"/>
-              <a:t>Fifth level</a:t>
-            </a:r>
-            <a:endParaRPr lang="en-US"/>
-          </a:p>
-        </p:txBody>
-      </p:sp>
-      <p:sp>
-        <p:nvSpPr>
-          <p:cNvPr id="4" name="Date Placeholder 3"/>
-          <p:cNvSpPr>
-            <a:spLocks noGrp="1"/>
-          </p:cNvSpPr>
-          <p:nvPr>
-            <p:ph type="dt" sz="half" idx="10"/>
-          </p:nvPr>
-        </p:nvSpPr>
-        <p:spPr/>
-        <p:txBody>
-          <a:bodyPr/>
-          <a:lstStyle/>
-          <a:p>
             <a:fld id="{6CA885D4-6B25-42CC-AB85-BE2955A0365B}" type="datetime1">
               <a:rPr lang="en-US" smtClean="0"/>
-              <a:t>5/24/2020</a:t>
+              <a:t>5/25/2020</a:t>
             </a:fld>
             <a:endParaRPr lang="en-US"/>
           </a:p>
@@ -1418,7 +1434,7 @@
           <a:p>
             <a:fld id="{80351717-A3AD-4C3A-BE51-731713DEEB71}" type="datetime1">
               <a:rPr lang="en-US" smtClean="0"/>
-              <a:t>5/24/2020</a:t>
+              <a:t>5/25/2020</a:t>
             </a:fld>
             <a:endParaRPr lang="en-US"/>
           </a:p>
@@ -1706,7 +1722,7 @@
           <a:p>
             <a:fld id="{62BCE9C6-0B67-4DEA-90FE-A224EA57A00A}" type="datetime1">
               <a:rPr lang="en-US" smtClean="0"/>
-              <a:t>5/24/2020</a:t>
+              <a:t>5/25/2020</a:t>
             </a:fld>
             <a:endParaRPr lang="en-US"/>
           </a:p>
@@ -2128,7 +2144,7 @@
           <a:p>
             <a:fld id="{8D602F8B-96AF-427F-AFB0-5AA790D1A556}" type="datetime1">
               <a:rPr lang="en-US" smtClean="0"/>
-              <a:t>5/24/2020</a:t>
+              <a:t>5/25/2020</a:t>
             </a:fld>
             <a:endParaRPr lang="en-US"/>
           </a:p>
@@ -2246,7 +2262,7 @@
           <a:p>
             <a:fld id="{DE59CFD8-766C-49D0-8B25-5E5802F68280}" type="datetime1">
               <a:rPr lang="en-US" smtClean="0"/>
-              <a:t>5/24/2020</a:t>
+              <a:t>5/25/2020</a:t>
             </a:fld>
             <a:endParaRPr lang="en-US"/>
           </a:p>
@@ -2341,7 +2357,7 @@
           <a:p>
             <a:fld id="{CF61C585-8DA1-4E43-85B1-8A0CE4C96C73}" type="datetime1">
               <a:rPr lang="en-US" smtClean="0"/>
-              <a:t>5/24/2020</a:t>
+              <a:t>5/25/2020</a:t>
             </a:fld>
             <a:endParaRPr lang="en-US"/>
           </a:p>
@@ -2618,7 +2634,7 @@
           <a:p>
             <a:fld id="{8DBCACC1-07A6-4180-8A86-AE9BA3E8681E}" type="datetime1">
               <a:rPr lang="en-US" smtClean="0"/>
-              <a:t>5/24/2020</a:t>
+              <a:t>5/25/2020</a:t>
             </a:fld>
             <a:endParaRPr lang="en-US"/>
           </a:p>
@@ -2871,7 +2887,7 @@
           <a:p>
             <a:fld id="{E2B91FF2-4C13-4DE6-856A-67C242DD3908}" type="datetime1">
               <a:rPr lang="en-US" smtClean="0"/>
-              <a:t>5/24/2020</a:t>
+              <a:t>5/25/2020</a:t>
             </a:fld>
             <a:endParaRPr lang="en-US"/>
           </a:p>
@@ -3084,7 +3100,7 @@
           <a:p>
             <a:fld id="{88B6596B-24FF-458E-ADAE-08D8D099933C}" type="datetime1">
               <a:rPr lang="en-US" smtClean="0"/>
-              <a:t>5/24/2020</a:t>
+              <a:t>5/25/2020</a:t>
             </a:fld>
             <a:endParaRPr lang="en-US"/>
           </a:p>
@@ -3536,8 +3552,31 @@
                   <a:schemeClr val="tx1"/>
                 </a:solidFill>
               </a:rPr>
-              <a:t>Wed, 20-May-2020</a:t>
-            </a:r>
+              <a:t>Wed, </a:t>
+            </a:r>
+            <a:r>
+              <a:rPr lang="en-US" sz="2000" dirty="0" smtClean="0">
+                <a:solidFill>
+                  <a:schemeClr val="tx1"/>
+                </a:solidFill>
+              </a:rPr>
+              <a:t>20-May-2020</a:t>
+            </a:r>
+          </a:p>
+          <a:p>
+            <a:r>
+              <a:rPr lang="en-US" sz="2000" b="1" i="1" dirty="0" smtClean="0">
+                <a:solidFill>
+                  <a:schemeClr val="tx1"/>
+                </a:solidFill>
+              </a:rPr>
+              <a:t>Updated: Mon, 25-May-2020</a:t>
+            </a:r>
+            <a:endParaRPr lang="en-US" sz="2000" b="1" i="1" dirty="0" smtClean="0">
+              <a:solidFill>
+                <a:schemeClr val="tx1"/>
+              </a:solidFill>
+            </a:endParaRPr>
           </a:p>
           <a:p>
             <a:r>
@@ -3659,7 +3698,27 @@
             </a:r>
             <a:r>
               <a:rPr lang="en-US" sz="3600" dirty="0"/>
-              <a:t>, adjust by </a:t>
+              <a:t>, </a:t>
+            </a:r>
+            <a:r>
+              <a:rPr lang="en-US" sz="3600" dirty="0">
+                <a:sym typeface="Symbol"/>
+              </a:rPr>
+              <a:t></a:t>
+            </a:r>
+            <a:r>
+              <a:rPr lang="en-US" sz="3600" dirty="0" smtClean="0">
+                <a:sym typeface="Symbol"/>
+              </a:rPr>
+              <a:t>-</a:t>
+            </a:r>
+            <a:r>
+              <a:rPr lang="en-US" sz="3600" dirty="0" smtClean="0"/>
+              <a:t>adjust </a:t>
+            </a:r>
+            <a:r>
+              <a:rPr lang="en-US" sz="3600" dirty="0"/>
+              <a:t>by </a:t>
             </a:r>
             <a:r>
               <a:rPr lang="en-US" sz="3600" dirty="0" smtClean="0"/>
@@ -3846,163 +3905,63 @@
             <a:spLocks noGrp="1"/>
           </p:cNvSpPr>
           <p:nvPr>
-            <p:ph type="title"/>
+            <p:ph type="ctrTitle"/>
           </p:nvPr>
         </p:nvSpPr>
         <p:spPr/>
         <p:txBody>
-          <a:bodyPr/>
-          <a:lstStyle/>
-          <a:p>
-            <a:r>
-              <a:rPr lang="en-US" dirty="0" smtClean="0"/>
-              <a:t>Observations</a:t>
-            </a:r>
-            <a:endParaRPr lang="en-US" dirty="0"/>
-          </a:p>
-        </p:txBody>
-      </p:sp>
-      <p:sp>
-        <p:nvSpPr>
-          <p:cNvPr id="3" name="Content Placeholder 2"/>
-          <p:cNvSpPr>
-            <a:spLocks noGrp="1"/>
-          </p:cNvSpPr>
-          <p:nvPr>
-            <p:ph idx="1"/>
-          </p:nvPr>
-        </p:nvSpPr>
-        <p:spPr/>
-        <p:txBody>
           <a:bodyPr>
-            <a:normAutofit/>
+            <a:normAutofit fontScale="90000"/>
           </a:bodyPr>
           <a:lstStyle/>
           <a:p>
-            <a:pPr marL="0" indent="0">
-              <a:buNone/>
-            </a:pPr>
-            <a:r>
-              <a:rPr lang="en-US" sz="2400" dirty="0" smtClean="0"/>
-              <a:t>Given the </a:t>
-            </a:r>
-            <a:r>
-              <a:rPr lang="en-US" sz="2400" dirty="0" smtClean="0">
-                <a:sym typeface="Symbol"/>
-              </a:rPr>
-              <a:t> and </a:t>
-            </a:r>
-            <a:r>
-              <a:rPr lang="en-US" sz="2400" dirty="0">
-                <a:sym typeface="Symbol"/>
-              </a:rPr>
-              <a:t> values </a:t>
-            </a:r>
-            <a:r>
-              <a:rPr lang="en-US" sz="2400" dirty="0" smtClean="0">
-                <a:sym typeface="Symbol"/>
-              </a:rPr>
-              <a:t>considered:</a:t>
-            </a:r>
-            <a:endParaRPr lang="en-US" sz="2400" dirty="0" smtClean="0"/>
-          </a:p>
-          <a:p>
-            <a:r>
-              <a:rPr lang="en-US" sz="2400" dirty="0" smtClean="0"/>
-              <a:t>MC with </a:t>
-            </a:r>
-            <a:r>
-              <a:rPr lang="en-US" sz="2400" dirty="0" smtClean="0">
-                <a:sym typeface="Symbol"/>
-              </a:rPr>
-              <a:t> adjusted by state count </a:t>
-            </a:r>
-            <a:r>
-              <a:rPr lang="en-US" sz="2400" dirty="0" smtClean="0"/>
-              <a:t>shows the smallest RMSE at the end of 200 episodes.</a:t>
-            </a:r>
-          </a:p>
-          <a:p>
-            <a:r>
-              <a:rPr lang="en-US" sz="2400" dirty="0" smtClean="0"/>
-              <a:t>The smallest RMSE for TD(</a:t>
-            </a:r>
-            <a:r>
-              <a:rPr lang="en-US" sz="2400" dirty="0" smtClean="0">
-                <a:sym typeface="Symbol"/>
-              </a:rPr>
-              <a:t>) is observed:</a:t>
-            </a:r>
-          </a:p>
-          <a:p>
-            <a:pPr lvl="1"/>
-            <a:r>
-              <a:rPr lang="en-US" sz="2000" dirty="0" smtClean="0">
-                <a:sym typeface="Symbol"/>
-              </a:rPr>
-              <a:t>for  = 0.4 when  is adjusted by state count</a:t>
-            </a:r>
-          </a:p>
-          <a:p>
-            <a:pPr lvl="1"/>
-            <a:r>
-              <a:rPr lang="en-US" sz="2000" dirty="0" smtClean="0">
-                <a:sym typeface="Symbol"/>
-              </a:rPr>
-              <a:t>for  = 0.9 when  is adjusted by episode</a:t>
-            </a:r>
-          </a:p>
-          <a:p>
-            <a:r>
-              <a:rPr lang="en-US" sz="2400" dirty="0" smtClean="0">
-                <a:sym typeface="Symbol"/>
-              </a:rPr>
-              <a:t>For the same initial , </a:t>
-            </a:r>
-            <a:r>
-              <a:rPr lang="en-US" sz="2400" b="1" dirty="0" smtClean="0">
-                <a:sym typeface="Symbol"/>
-              </a:rPr>
-              <a:t>the Adaptive TD() gives a very similar RMSE by episode as the best TD()</a:t>
-            </a:r>
-            <a:r>
-              <a:rPr lang="en-US" sz="2400" dirty="0" smtClean="0">
-                <a:sym typeface="Symbol"/>
-              </a:rPr>
-              <a:t>.</a:t>
-            </a:r>
-          </a:p>
-          <a:p>
-            <a:pPr indent="0">
-              <a:buNone/>
-            </a:pPr>
-            <a:r>
-              <a:rPr lang="en-US" sz="2400" i="1" dirty="0" smtClean="0">
-                <a:sym typeface="Symbol"/>
-              </a:rPr>
-              <a:t>This is a promising result for the goal of eliminating the need to define the </a:t>
-            </a:r>
-            <a:r>
-              <a:rPr lang="en-US" sz="2400" i="1" dirty="0" err="1" smtClean="0">
-                <a:sym typeface="Symbol"/>
-              </a:rPr>
-              <a:t>hyperparameter</a:t>
-            </a:r>
-            <a:r>
-              <a:rPr lang="en-US" sz="2400" i="1" dirty="0" smtClean="0">
-                <a:sym typeface="Symbol"/>
-              </a:rPr>
-              <a:t> .</a:t>
-            </a:r>
-          </a:p>
-          <a:p>
-            <a:endParaRPr lang="en-US" sz="2400" dirty="0" smtClean="0"/>
-          </a:p>
-          <a:p>
-            <a:endParaRPr lang="en-US" sz="2400" dirty="0" smtClean="0"/>
-          </a:p>
-          <a:p>
-            <a:endParaRPr lang="en-US" sz="2400" dirty="0"/>
+            <a:r>
+              <a:rPr lang="en-US" sz="3600" dirty="0" smtClean="0">
+                <a:sym typeface="Symbol"/>
+              </a:rPr>
+              <a:t>(C)</a:t>
+            </a:r>
+            <a:br>
+              <a:rPr lang="en-US" sz="3600" dirty="0" smtClean="0">
+                <a:sym typeface="Symbol"/>
+              </a:rPr>
+            </a:br>
+            <a:r>
+              <a:rPr lang="en-US" sz="3600" dirty="0" smtClean="0">
+                <a:sym typeface="Symbol"/>
+              </a:rPr>
+              <a:t> adjusted by FIRST-VISIT state count;</a:t>
+            </a:r>
+            <a:br>
+              <a:rPr lang="en-US" sz="3600" dirty="0" smtClean="0">
+                <a:sym typeface="Symbol"/>
+              </a:rPr>
+            </a:br>
+            <a:r>
+              <a:rPr lang="en-US" sz="3600" dirty="0" smtClean="0">
+                <a:sym typeface="Symbol"/>
+              </a:rPr>
+              <a:t>adaptive </a:t>
+            </a:r>
+            <a:r>
+              <a:rPr lang="en-US" sz="3600" dirty="0" smtClean="0">
+                <a:sym typeface="Symbol"/>
+              </a:rPr>
+              <a:t> </a:t>
+            </a:r>
+            <a:r>
+              <a:rPr lang="en-US" sz="3600" dirty="0">
+                <a:sym typeface="Symbol"/>
+              </a:rPr>
+              <a:t>as a function of (t</a:t>
+            </a:r>
+            <a:r>
+              <a:rPr lang="en-US" sz="3600" dirty="0" smtClean="0">
+                <a:sym typeface="Symbol"/>
+              </a:rPr>
+              <a:t>)/V(S(t))</a:t>
+            </a:r>
+            <a:endParaRPr lang="en-US" sz="3600" dirty="0"/>
           </a:p>
         </p:txBody>
       </p:sp>
@@ -4029,16 +3988,42 @@
           </a:p>
         </p:txBody>
       </p:sp>
+      <p:sp>
+        <p:nvSpPr>
+          <p:cNvPr id="6" name="Subtitle 5"/>
+          <p:cNvSpPr>
+            <a:spLocks noGrp="1"/>
+          </p:cNvSpPr>
+          <p:nvPr>
+            <p:ph type="subTitle" idx="1"/>
+          </p:nvPr>
+        </p:nvSpPr>
+        <p:spPr/>
+        <p:txBody>
+          <a:bodyPr/>
+          <a:lstStyle/>
+          <a:p>
+            <a:endParaRPr lang="en-US"/>
+          </a:p>
+        </p:txBody>
+      </p:sp>
     </p:spTree>
     <p:extLst>
       <p:ext uri="{BB962C8B-B14F-4D97-AF65-F5344CB8AC3E}">
-        <p14:creationId xmlns:p14="http://schemas.microsoft.com/office/powerpoint/2010/main" val="1422381103"/>
+        <p14:creationId xmlns:p14="http://schemas.microsoft.com/office/powerpoint/2010/main" val="2091203576"/>
       </p:ext>
     </p:extLst>
   </p:cSld>
   <p:clrMapOvr>
     <a:masterClrMapping/>
   </p:clrMapOvr>
+  <p:timing>
+    <p:tnLst>
+      <p:par>
+        <p:cTn id="1" dur="indefinite" restart="never" nodeType="tmRoot"/>
+      </p:par>
+    </p:tnLst>
+  </p:timing>
 </p:sld>
 </file>
 
@@ -4072,6 +4057,3418 @@
         <p:spPr/>
         <p:txBody>
           <a:bodyPr>
+            <a:noAutofit/>
+          </a:bodyPr>
+          <a:lstStyle/>
+          <a:p>
+            <a:r>
+              <a:rPr lang="en-US" sz="3600" dirty="0" smtClean="0">
+                <a:solidFill>
+                  <a:schemeClr val="bg1">
+                    <a:lumMod val="65000"/>
+                  </a:schemeClr>
+                </a:solidFill>
+              </a:rPr>
+              <a:t>MC, </a:t>
+            </a:r>
+            <a:r>
+              <a:rPr lang="en-US" sz="3600" dirty="0">
+                <a:solidFill>
+                  <a:schemeClr val="bg1">
+                    <a:lumMod val="65000"/>
+                  </a:schemeClr>
+                </a:solidFill>
+                <a:sym typeface="Symbol"/>
+              </a:rPr>
+              <a:t></a:t>
+            </a:r>
+            <a:r>
+              <a:rPr lang="en-US" sz="3600" dirty="0" smtClean="0">
+                <a:solidFill>
+                  <a:schemeClr val="bg1">
+                    <a:lumMod val="65000"/>
+                  </a:schemeClr>
+                </a:solidFill>
+                <a:sym typeface="Symbol"/>
+              </a:rPr>
+              <a:t>-</a:t>
+            </a:r>
+            <a:r>
+              <a:rPr lang="en-US" sz="3600" dirty="0" smtClean="0">
+                <a:solidFill>
+                  <a:schemeClr val="bg1">
+                    <a:lumMod val="65000"/>
+                  </a:schemeClr>
+                </a:solidFill>
+              </a:rPr>
+              <a:t>adjust </a:t>
+            </a:r>
+            <a:r>
+              <a:rPr lang="en-US" sz="3600" dirty="0" smtClean="0">
+                <a:solidFill>
+                  <a:schemeClr val="bg1">
+                    <a:lumMod val="65000"/>
+                  </a:schemeClr>
+                </a:solidFill>
+              </a:rPr>
+              <a:t>by first-visit State Count</a:t>
+            </a:r>
+            <a:r>
+              <a:rPr lang="en-US" sz="3600" dirty="0">
+                <a:solidFill>
+                  <a:schemeClr val="bg1">
+                    <a:lumMod val="65000"/>
+                  </a:schemeClr>
+                </a:solidFill>
+              </a:rPr>
+              <a:t/>
+            </a:r>
+            <a:br>
+              <a:rPr lang="en-US" sz="3600" dirty="0">
+                <a:solidFill>
+                  <a:schemeClr val="bg1">
+                    <a:lumMod val="65000"/>
+                  </a:schemeClr>
+                </a:solidFill>
+              </a:rPr>
+            </a:br>
+            <a:r>
+              <a:rPr lang="en-US" sz="3600" dirty="0" smtClean="0">
+                <a:solidFill>
+                  <a:schemeClr val="bg1">
+                    <a:lumMod val="65000"/>
+                  </a:schemeClr>
+                </a:solidFill>
+              </a:rPr>
+              <a:t>seed=1717</a:t>
+            </a:r>
+            <a:r>
+              <a:rPr lang="en-US" sz="3600" dirty="0">
+                <a:solidFill>
+                  <a:schemeClr val="bg1">
+                    <a:lumMod val="65000"/>
+                  </a:schemeClr>
+                </a:solidFill>
+              </a:rPr>
+              <a:t>, #</a:t>
+            </a:r>
+            <a:r>
+              <a:rPr lang="en-US" sz="3600" dirty="0" err="1" smtClean="0">
+                <a:solidFill>
+                  <a:schemeClr val="bg1">
+                    <a:lumMod val="65000"/>
+                  </a:schemeClr>
+                </a:solidFill>
+              </a:rPr>
+              <a:t>exp</a:t>
+            </a:r>
+            <a:r>
+              <a:rPr lang="en-US" sz="3600" dirty="0" smtClean="0">
+                <a:solidFill>
+                  <a:schemeClr val="bg1">
+                    <a:lumMod val="65000"/>
+                  </a:schemeClr>
+                </a:solidFill>
+              </a:rPr>
+              <a:t>=10, start=10</a:t>
+            </a:r>
+            <a:r>
+              <a:rPr lang="en-US" sz="3600" baseline="30000" dirty="0" smtClean="0">
+                <a:solidFill>
+                  <a:schemeClr val="bg1">
+                    <a:lumMod val="65000"/>
+                  </a:schemeClr>
+                </a:solidFill>
+              </a:rPr>
+              <a:t>(*)</a:t>
+            </a:r>
+            <a:endParaRPr lang="en-US" sz="3600" baseline="30000" dirty="0">
+              <a:solidFill>
+                <a:schemeClr val="bg1">
+                  <a:lumMod val="65000"/>
+                </a:schemeClr>
+              </a:solidFill>
+            </a:endParaRPr>
+          </a:p>
+        </p:txBody>
+      </p:sp>
+      <p:sp>
+        <p:nvSpPr>
+          <p:cNvPr id="4" name="TextBox 3"/>
+          <p:cNvSpPr txBox="1"/>
+          <p:nvPr/>
+        </p:nvSpPr>
+        <p:spPr>
+          <a:xfrm>
+            <a:off x="1115616" y="6309320"/>
+            <a:ext cx="7128792" cy="307777"/>
+          </a:xfrm>
+          <a:prstGeom prst="rect">
+            <a:avLst/>
+          </a:prstGeom>
+          <a:noFill/>
+        </p:spPr>
+        <p:txBody>
+          <a:bodyPr wrap="square" rtlCol="0">
+            <a:spAutoFit/>
+          </a:bodyPr>
+          <a:lstStyle/>
+          <a:p>
+            <a:r>
+              <a:rPr lang="en-US" sz="1400" i="1" dirty="0" smtClean="0"/>
+              <a:t>The variability observed across experiments (not plotted) is reasonable</a:t>
+            </a:r>
+            <a:endParaRPr lang="en-US" sz="1400" i="1" dirty="0"/>
+          </a:p>
+        </p:txBody>
+      </p:sp>
+      <p:sp>
+        <p:nvSpPr>
+          <p:cNvPr id="5" name="TextBox 4"/>
+          <p:cNvSpPr txBox="1"/>
+          <p:nvPr/>
+        </p:nvSpPr>
+        <p:spPr>
+          <a:xfrm>
+            <a:off x="1115616" y="6033434"/>
+            <a:ext cx="7128792" cy="307777"/>
+          </a:xfrm>
+          <a:prstGeom prst="rect">
+            <a:avLst/>
+          </a:prstGeom>
+          <a:noFill/>
+        </p:spPr>
+        <p:txBody>
+          <a:bodyPr wrap="square" rtlCol="0">
+            <a:spAutoFit/>
+          </a:bodyPr>
+          <a:lstStyle/>
+          <a:p>
+            <a:r>
+              <a:rPr lang="en-US" sz="1400" i="1" dirty="0" smtClean="0"/>
+              <a:t>Initial </a:t>
+            </a:r>
+            <a:r>
+              <a:rPr lang="en-US" sz="1400" i="1" dirty="0" smtClean="0">
+                <a:sym typeface="Symbol"/>
+              </a:rPr>
+              <a:t> = 1</a:t>
+            </a:r>
+            <a:endParaRPr lang="en-US" sz="1400" i="1" dirty="0"/>
+          </a:p>
+        </p:txBody>
+      </p:sp>
+      <p:sp>
+        <p:nvSpPr>
+          <p:cNvPr id="3" name="Slide Number Placeholder 2"/>
+          <p:cNvSpPr>
+            <a:spLocks noGrp="1"/>
+          </p:cNvSpPr>
+          <p:nvPr>
+            <p:ph type="sldNum" sz="quarter" idx="12"/>
+          </p:nvPr>
+        </p:nvSpPr>
+        <p:spPr/>
+        <p:txBody>
+          <a:bodyPr/>
+          <a:lstStyle/>
+          <a:p>
+            <a:fld id="{62D96F91-737B-4795-86FD-3CFC620DA94D}" type="slidenum">
+              <a:rPr lang="en-US" smtClean="0"/>
+              <a:t>12</a:t>
+            </a:fld>
+            <a:endParaRPr lang="en-US"/>
+          </a:p>
+        </p:txBody>
+      </p:sp>
+      <p:pic>
+        <p:nvPicPr>
+          <p:cNvPr id="1027" name="Picture 3" descr="E:\Daniel\Projects\PhD-RL-Toulouse\projects\RL-001-MemoryManagement\results\SimulateTDLambda-DifferentLambdas&amp;Adaptive\mc_adjust_by_count_first_visit.png"/>
+          <p:cNvPicPr>
+            <a:picLocks noChangeAspect="1" noChangeArrowheads="1"/>
+          </p:cNvPicPr>
+          <p:nvPr/>
+        </p:nvPicPr>
+        <p:blipFill>
+          <a:blip r:embed="rId2">
+            <a:extLst>
+              <a:ext uri="{28A0092B-C50C-407E-A947-70E740481C1C}">
+                <a14:useLocalDpi xmlns:a14="http://schemas.microsoft.com/office/drawing/2010/main" val="0"/>
+              </a:ext>
+            </a:extLst>
+          </a:blip>
+          <a:srcRect/>
+          <a:stretch>
+            <a:fillRect/>
+          </a:stretch>
+        </p:blipFill>
+        <p:spPr bwMode="auto">
+          <a:xfrm>
+            <a:off x="0" y="1620000"/>
+            <a:ext cx="9144000" cy="4317628"/>
+          </a:xfrm>
+          <a:prstGeom prst="rect">
+            <a:avLst/>
+          </a:prstGeom>
+          <a:noFill/>
+          <a:extLst>
+            <a:ext uri="{909E8E84-426E-40DD-AFC4-6F175D3DCCD1}">
+              <a14:hiddenFill xmlns:a14="http://schemas.microsoft.com/office/drawing/2010/main">
+                <a:solidFill>
+                  <a:srgbClr val="FFFFFF"/>
+                </a:solidFill>
+              </a14:hiddenFill>
+            </a:ext>
+          </a:extLst>
+        </p:spPr>
+      </p:pic>
+      <p:sp>
+        <p:nvSpPr>
+          <p:cNvPr id="10" name="TextBox 9"/>
+          <p:cNvSpPr txBox="1"/>
+          <p:nvPr/>
+        </p:nvSpPr>
+        <p:spPr>
+          <a:xfrm>
+            <a:off x="1007604" y="1344000"/>
+            <a:ext cx="7128792" cy="307777"/>
+          </a:xfrm>
+          <a:prstGeom prst="rect">
+            <a:avLst/>
+          </a:prstGeom>
+          <a:noFill/>
+        </p:spPr>
+        <p:txBody>
+          <a:bodyPr wrap="square" rtlCol="0">
+            <a:spAutoFit/>
+          </a:bodyPr>
+          <a:lstStyle/>
+          <a:p>
+            <a:pPr algn="ctr"/>
+            <a:r>
+              <a:rPr lang="en-US" sz="1400" i="1" dirty="0" smtClean="0">
+                <a:solidFill>
+                  <a:schemeClr val="bg1">
+                    <a:lumMod val="65000"/>
+                  </a:schemeClr>
+                </a:solidFill>
+              </a:rPr>
+              <a:t>(*) This output is the same as already shown in slide 4.</a:t>
+            </a:r>
+            <a:endParaRPr lang="en-US" sz="1400" i="1" dirty="0">
+              <a:solidFill>
+                <a:schemeClr val="bg1">
+                  <a:lumMod val="65000"/>
+                </a:schemeClr>
+              </a:solidFill>
+            </a:endParaRPr>
+          </a:p>
+        </p:txBody>
+      </p:sp>
+    </p:spTree>
+    <p:extLst>
+      <p:ext uri="{BB962C8B-B14F-4D97-AF65-F5344CB8AC3E}">
+        <p14:creationId xmlns:p14="http://schemas.microsoft.com/office/powerpoint/2010/main" val="315406260"/>
+      </p:ext>
+    </p:extLst>
+  </p:cSld>
+  <p:clrMapOvr>
+    <a:masterClrMapping/>
+  </p:clrMapOvr>
+  <p:timing>
+    <p:tnLst>
+      <p:par>
+        <p:cTn id="1" dur="indefinite" restart="never" nodeType="tmRoot"/>
+      </p:par>
+    </p:tnLst>
+  </p:timing>
+</p:sld>
+</file>
+
+<file path=ppt/slides/slide13.xml><?xml version="1.0" encoding="utf-8"?>
+<p:sld xmlns:a="http://schemas.openxmlformats.org/drawingml/2006/main" xmlns:r="http://schemas.openxmlformats.org/officeDocument/2006/relationships" xmlns:p="http://schemas.openxmlformats.org/presentationml/2006/main">
+  <p:cSld>
+    <p:spTree>
+      <p:nvGrpSpPr>
+        <p:cNvPr id="1" name=""/>
+        <p:cNvGrpSpPr/>
+        <p:nvPr/>
+      </p:nvGrpSpPr>
+      <p:grpSpPr>
+        <a:xfrm>
+          <a:off x="0" y="0"/>
+          <a:ext cx="0" cy="0"/>
+          <a:chOff x="0" y="0"/>
+          <a:chExt cx="0" cy="0"/>
+        </a:xfrm>
+      </p:grpSpPr>
+      <p:sp>
+        <p:nvSpPr>
+          <p:cNvPr id="2" name="Title 1"/>
+          <p:cNvSpPr>
+            <a:spLocks noGrp="1"/>
+          </p:cNvSpPr>
+          <p:nvPr>
+            <p:ph type="title"/>
+          </p:nvPr>
+        </p:nvSpPr>
+        <p:spPr/>
+        <p:txBody>
+          <a:bodyPr>
+            <a:noAutofit/>
+          </a:bodyPr>
+          <a:lstStyle/>
+          <a:p>
+            <a:r>
+              <a:rPr lang="en-US" sz="3600" dirty="0" smtClean="0"/>
+              <a:t>TD(</a:t>
+            </a:r>
+            <a:r>
+              <a:rPr lang="en-US" sz="3600" dirty="0" smtClean="0">
+                <a:sym typeface="Symbol"/>
+              </a:rPr>
+              <a:t>)</a:t>
+            </a:r>
+            <a:r>
+              <a:rPr lang="en-US" sz="3600" dirty="0" smtClean="0"/>
+              <a:t>, </a:t>
+            </a:r>
+            <a:r>
+              <a:rPr lang="en-US" sz="3600" dirty="0">
+                <a:sym typeface="Symbol"/>
+              </a:rPr>
+              <a:t></a:t>
+            </a:r>
+            <a:r>
+              <a:rPr lang="en-US" sz="3600" dirty="0" smtClean="0">
+                <a:sym typeface="Symbol"/>
+              </a:rPr>
+              <a:t>-</a:t>
+            </a:r>
+            <a:r>
+              <a:rPr lang="en-US" sz="3600" dirty="0" smtClean="0"/>
+              <a:t>adjust </a:t>
+            </a:r>
+            <a:r>
+              <a:rPr lang="en-US" sz="3600" dirty="0" smtClean="0"/>
+              <a:t>by </a:t>
+            </a:r>
+            <a:r>
+              <a:rPr lang="en-US" sz="3600" dirty="0" smtClean="0"/>
+              <a:t>FIRST-VISIT State </a:t>
+            </a:r>
+            <a:r>
+              <a:rPr lang="en-US" sz="3600" dirty="0" smtClean="0"/>
+              <a:t>Count</a:t>
+            </a:r>
+            <a:br>
+              <a:rPr lang="en-US" sz="3600" dirty="0" smtClean="0"/>
+            </a:br>
+            <a:r>
+              <a:rPr lang="en-US" sz="3600" dirty="0" smtClean="0"/>
+              <a:t>seed=1717</a:t>
+            </a:r>
+            <a:r>
+              <a:rPr lang="en-US" sz="3600" dirty="0"/>
+              <a:t>, #</a:t>
+            </a:r>
+            <a:r>
+              <a:rPr lang="en-US" sz="3600" dirty="0" err="1" smtClean="0"/>
+              <a:t>exp</a:t>
+            </a:r>
+            <a:r>
+              <a:rPr lang="en-US" sz="3600" dirty="0" smtClean="0"/>
+              <a:t>=10, </a:t>
+            </a:r>
+            <a:r>
+              <a:rPr lang="en-US" sz="3600" dirty="0" smtClean="0"/>
+              <a:t>start=10</a:t>
+            </a:r>
+            <a:endParaRPr lang="en-US" sz="3600" dirty="0"/>
+          </a:p>
+        </p:txBody>
+      </p:sp>
+      <p:sp>
+        <p:nvSpPr>
+          <p:cNvPr id="5" name="TextBox 4"/>
+          <p:cNvSpPr txBox="1"/>
+          <p:nvPr/>
+        </p:nvSpPr>
+        <p:spPr>
+          <a:xfrm>
+            <a:off x="1115616" y="6309320"/>
+            <a:ext cx="7416824" cy="307777"/>
+          </a:xfrm>
+          <a:prstGeom prst="rect">
+            <a:avLst/>
+          </a:prstGeom>
+          <a:noFill/>
+        </p:spPr>
+        <p:txBody>
+          <a:bodyPr wrap="square" rtlCol="0">
+            <a:spAutoFit/>
+          </a:bodyPr>
+          <a:lstStyle/>
+          <a:p>
+            <a:r>
+              <a:rPr lang="en-US" sz="1400" i="1" dirty="0" smtClean="0"/>
+              <a:t>The variability observed across experiments </a:t>
+            </a:r>
+            <a:r>
+              <a:rPr lang="en-US" sz="1400" i="1" dirty="0"/>
+              <a:t>(not plotted) </a:t>
+            </a:r>
+            <a:r>
+              <a:rPr lang="en-US" sz="1400" i="1" dirty="0" smtClean="0"/>
+              <a:t>is reasonable, but increases for larger </a:t>
+            </a:r>
+            <a:r>
+              <a:rPr lang="en-US" sz="1400" i="1" dirty="0" smtClean="0">
+                <a:sym typeface="Symbol"/>
+              </a:rPr>
+              <a:t>’s</a:t>
+            </a:r>
+            <a:endParaRPr lang="en-US" sz="1400" i="1" dirty="0"/>
+          </a:p>
+        </p:txBody>
+      </p:sp>
+      <p:sp>
+        <p:nvSpPr>
+          <p:cNvPr id="3" name="Slide Number Placeholder 2"/>
+          <p:cNvSpPr>
+            <a:spLocks noGrp="1"/>
+          </p:cNvSpPr>
+          <p:nvPr>
+            <p:ph type="sldNum" sz="quarter" idx="12"/>
+          </p:nvPr>
+        </p:nvSpPr>
+        <p:spPr/>
+        <p:txBody>
+          <a:bodyPr/>
+          <a:lstStyle/>
+          <a:p>
+            <a:fld id="{62D96F91-737B-4795-86FD-3CFC620DA94D}" type="slidenum">
+              <a:rPr lang="en-US" smtClean="0"/>
+              <a:t>13</a:t>
+            </a:fld>
+            <a:endParaRPr lang="en-US"/>
+          </a:p>
+        </p:txBody>
+      </p:sp>
+      <p:pic>
+        <p:nvPicPr>
+          <p:cNvPr id="2053" name="Picture 5" descr="E:\Daniel\Projects\PhD-RL-Toulouse\projects\RL-001-MemoryManagement\results\SimulateTDLambda-DifferentLambdas&amp;Adaptive\td_adjust_by_count_FIRST_VISIT_alpha=1_200episodes.png"/>
+          <p:cNvPicPr>
+            <a:picLocks noChangeAspect="1" noChangeArrowheads="1"/>
+          </p:cNvPicPr>
+          <p:nvPr/>
+        </p:nvPicPr>
+        <p:blipFill>
+          <a:blip r:embed="rId2">
+            <a:extLst>
+              <a:ext uri="{28A0092B-C50C-407E-A947-70E740481C1C}">
+                <a14:useLocalDpi xmlns:a14="http://schemas.microsoft.com/office/drawing/2010/main" val="0"/>
+              </a:ext>
+            </a:extLst>
+          </a:blip>
+          <a:srcRect/>
+          <a:stretch>
+            <a:fillRect/>
+          </a:stretch>
+        </p:blipFill>
+        <p:spPr bwMode="auto">
+          <a:xfrm>
+            <a:off x="0" y="1620000"/>
+            <a:ext cx="9144000" cy="4317628"/>
+          </a:xfrm>
+          <a:prstGeom prst="rect">
+            <a:avLst/>
+          </a:prstGeom>
+          <a:noFill/>
+          <a:extLst>
+            <a:ext uri="{909E8E84-426E-40DD-AFC4-6F175D3DCCD1}">
+              <a14:hiddenFill xmlns:a14="http://schemas.microsoft.com/office/drawing/2010/main">
+                <a:solidFill>
+                  <a:srgbClr val="FFFFFF"/>
+                </a:solidFill>
+              </a14:hiddenFill>
+            </a:ext>
+          </a:extLst>
+        </p:spPr>
+      </p:pic>
+      <p:sp>
+        <p:nvSpPr>
+          <p:cNvPr id="11" name="TextBox 10"/>
+          <p:cNvSpPr txBox="1"/>
+          <p:nvPr/>
+        </p:nvSpPr>
+        <p:spPr>
+          <a:xfrm>
+            <a:off x="1115616" y="6033434"/>
+            <a:ext cx="7128792" cy="307777"/>
+          </a:xfrm>
+          <a:prstGeom prst="rect">
+            <a:avLst/>
+          </a:prstGeom>
+          <a:noFill/>
+        </p:spPr>
+        <p:txBody>
+          <a:bodyPr wrap="square" rtlCol="0">
+            <a:spAutoFit/>
+          </a:bodyPr>
+          <a:lstStyle/>
+          <a:p>
+            <a:r>
+              <a:rPr lang="en-US" sz="1400" i="1" dirty="0" smtClean="0"/>
+              <a:t>Initial </a:t>
+            </a:r>
+            <a:r>
+              <a:rPr lang="en-US" sz="1400" i="1" dirty="0" smtClean="0">
+                <a:sym typeface="Symbol"/>
+              </a:rPr>
+              <a:t> = 1</a:t>
+            </a:r>
+            <a:endParaRPr lang="en-US" sz="1400" i="1" dirty="0"/>
+          </a:p>
+        </p:txBody>
+      </p:sp>
+    </p:spTree>
+    <p:extLst>
+      <p:ext uri="{BB962C8B-B14F-4D97-AF65-F5344CB8AC3E}">
+        <p14:creationId xmlns:p14="http://schemas.microsoft.com/office/powerpoint/2010/main" val="50145346"/>
+      </p:ext>
+    </p:extLst>
+  </p:cSld>
+  <p:clrMapOvr>
+    <a:masterClrMapping/>
+  </p:clrMapOvr>
+  <p:timing>
+    <p:tnLst>
+      <p:par>
+        <p:cTn id="1" dur="indefinite" restart="never" nodeType="tmRoot"/>
+      </p:par>
+    </p:tnLst>
+  </p:timing>
+</p:sld>
+</file>
+
+<file path=ppt/slides/slide14.xml><?xml version="1.0" encoding="utf-8"?>
+<p:sld xmlns:a="http://schemas.openxmlformats.org/drawingml/2006/main" xmlns:r="http://schemas.openxmlformats.org/officeDocument/2006/relationships" xmlns:p="http://schemas.openxmlformats.org/presentationml/2006/main">
+  <p:cSld>
+    <p:spTree>
+      <p:nvGrpSpPr>
+        <p:cNvPr id="1" name=""/>
+        <p:cNvGrpSpPr/>
+        <p:nvPr/>
+      </p:nvGrpSpPr>
+      <p:grpSpPr>
+        <a:xfrm>
+          <a:off x="0" y="0"/>
+          <a:ext cx="0" cy="0"/>
+          <a:chOff x="0" y="0"/>
+          <a:chExt cx="0" cy="0"/>
+        </a:xfrm>
+      </p:grpSpPr>
+      <p:sp>
+        <p:nvSpPr>
+          <p:cNvPr id="2" name="Title 1"/>
+          <p:cNvSpPr>
+            <a:spLocks noGrp="1"/>
+          </p:cNvSpPr>
+          <p:nvPr>
+            <p:ph type="title"/>
+          </p:nvPr>
+        </p:nvSpPr>
+        <p:spPr/>
+        <p:txBody>
+          <a:bodyPr>
+            <a:noAutofit/>
+          </a:bodyPr>
+          <a:lstStyle/>
+          <a:p>
+            <a:r>
+              <a:rPr lang="en-US" sz="2800" dirty="0" smtClean="0"/>
+              <a:t>Adaptive TD</a:t>
+            </a:r>
+            <a:r>
+              <a:rPr lang="en-US" sz="2800" dirty="0"/>
+              <a:t>(</a:t>
+            </a:r>
+            <a:r>
+              <a:rPr lang="en-US" sz="2800" dirty="0">
+                <a:sym typeface="Symbol"/>
+              </a:rPr>
+              <a:t>)</a:t>
+            </a:r>
+            <a:r>
+              <a:rPr lang="en-US" sz="2800" dirty="0"/>
+              <a:t>, </a:t>
+            </a:r>
+            <a:r>
+              <a:rPr lang="en-US" sz="2800" dirty="0">
+                <a:sym typeface="Symbol"/>
+              </a:rPr>
+              <a:t></a:t>
+            </a:r>
+            <a:r>
+              <a:rPr lang="en-US" sz="2800" dirty="0" smtClean="0">
+                <a:sym typeface="Symbol"/>
+              </a:rPr>
+              <a:t>-</a:t>
+            </a:r>
+            <a:r>
+              <a:rPr lang="en-US" sz="2800" dirty="0" smtClean="0"/>
+              <a:t>adjust </a:t>
+            </a:r>
+            <a:r>
+              <a:rPr lang="en-US" sz="2800" dirty="0"/>
+              <a:t>by </a:t>
+            </a:r>
+            <a:r>
+              <a:rPr lang="en-US" sz="2800" dirty="0" smtClean="0"/>
+              <a:t>FIRST-VISIT State </a:t>
+            </a:r>
+            <a:r>
+              <a:rPr lang="en-US" sz="2800" dirty="0"/>
+              <a:t>Count </a:t>
+            </a:r>
+            <a:r>
+              <a:rPr lang="en-US" sz="2800" dirty="0" smtClean="0"/>
+              <a:t/>
+            </a:r>
+            <a:br>
+              <a:rPr lang="en-US" sz="2800" dirty="0" smtClean="0"/>
+            </a:br>
+            <a:r>
+              <a:rPr lang="en-US" sz="2800" dirty="0" smtClean="0"/>
+              <a:t>seed=1717</a:t>
+            </a:r>
+            <a:r>
+              <a:rPr lang="en-US" sz="2800" dirty="0"/>
+              <a:t>, #</a:t>
+            </a:r>
+            <a:r>
+              <a:rPr lang="en-US" sz="2800" dirty="0" err="1" smtClean="0"/>
+              <a:t>exp</a:t>
+            </a:r>
+            <a:r>
+              <a:rPr lang="en-US" sz="2800" dirty="0" smtClean="0"/>
+              <a:t>=10, </a:t>
+            </a:r>
+            <a:r>
+              <a:rPr lang="en-US" sz="2800" dirty="0" smtClean="0"/>
+              <a:t>start=10</a:t>
+            </a:r>
+            <a:endParaRPr lang="en-US" sz="2800" dirty="0"/>
+          </a:p>
+        </p:txBody>
+      </p:sp>
+      <p:sp>
+        <p:nvSpPr>
+          <p:cNvPr id="5" name="TextBox 4"/>
+          <p:cNvSpPr txBox="1"/>
+          <p:nvPr/>
+        </p:nvSpPr>
+        <p:spPr>
+          <a:xfrm>
+            <a:off x="1115616" y="6309320"/>
+            <a:ext cx="7416824" cy="307777"/>
+          </a:xfrm>
+          <a:prstGeom prst="rect">
+            <a:avLst/>
+          </a:prstGeom>
+          <a:noFill/>
+        </p:spPr>
+        <p:txBody>
+          <a:bodyPr wrap="square" rtlCol="0">
+            <a:spAutoFit/>
+          </a:bodyPr>
+          <a:lstStyle/>
+          <a:p>
+            <a:r>
+              <a:rPr lang="en-US" sz="1400" i="1" dirty="0" smtClean="0"/>
+              <a:t>The variability observed across experiments </a:t>
+            </a:r>
+            <a:r>
+              <a:rPr lang="en-US" sz="1400" i="1" dirty="0"/>
+              <a:t>(not plotted) </a:t>
+            </a:r>
+            <a:r>
+              <a:rPr lang="en-US" sz="1400" i="1" dirty="0" smtClean="0"/>
+              <a:t>is reasonable, but increases for larger </a:t>
+            </a:r>
+            <a:r>
+              <a:rPr lang="en-US" sz="1400" i="1" dirty="0" smtClean="0">
+                <a:sym typeface="Symbol"/>
+              </a:rPr>
+              <a:t>’s</a:t>
+            </a:r>
+            <a:endParaRPr lang="en-US" sz="1400" i="1" dirty="0"/>
+          </a:p>
+        </p:txBody>
+      </p:sp>
+      <p:sp>
+        <p:nvSpPr>
+          <p:cNvPr id="3" name="Slide Number Placeholder 2"/>
+          <p:cNvSpPr>
+            <a:spLocks noGrp="1"/>
+          </p:cNvSpPr>
+          <p:nvPr>
+            <p:ph type="sldNum" sz="quarter" idx="12"/>
+          </p:nvPr>
+        </p:nvSpPr>
+        <p:spPr/>
+        <p:txBody>
+          <a:bodyPr/>
+          <a:lstStyle/>
+          <a:p>
+            <a:fld id="{62D96F91-737B-4795-86FD-3CFC620DA94D}" type="slidenum">
+              <a:rPr lang="en-US" smtClean="0"/>
+              <a:t>14</a:t>
+            </a:fld>
+            <a:endParaRPr lang="en-US"/>
+          </a:p>
+        </p:txBody>
+      </p:sp>
+      <p:pic>
+        <p:nvPicPr>
+          <p:cNvPr id="11" name="Picture 2" descr="E:\Daniel\Projects\PhD-RL-Toulouse\projects\RL-001-MemoryManagement\results\SimulateTDLambda-DifferentLambdas&amp;Adaptive\td_adap.png"/>
+          <p:cNvPicPr>
+            <a:picLocks noChangeAspect="1" noChangeArrowheads="1"/>
+          </p:cNvPicPr>
+          <p:nvPr/>
+        </p:nvPicPr>
+        <p:blipFill>
+          <a:blip r:embed="rId2">
+            <a:extLst>
+              <a:ext uri="{28A0092B-C50C-407E-A947-70E740481C1C}">
+                <a14:useLocalDpi xmlns:a14="http://schemas.microsoft.com/office/drawing/2010/main" val="0"/>
+              </a:ext>
+            </a:extLst>
+          </a:blip>
+          <a:srcRect/>
+          <a:stretch>
+            <a:fillRect/>
+          </a:stretch>
+        </p:blipFill>
+        <p:spPr bwMode="auto">
+          <a:xfrm>
+            <a:off x="0" y="1620000"/>
+            <a:ext cx="9144000" cy="4317628"/>
+          </a:xfrm>
+          <a:prstGeom prst="rect">
+            <a:avLst/>
+          </a:prstGeom>
+          <a:noFill/>
+          <a:extLst>
+            <a:ext uri="{909E8E84-426E-40DD-AFC4-6F175D3DCCD1}">
+              <a14:hiddenFill xmlns:a14="http://schemas.microsoft.com/office/drawing/2010/main">
+                <a:solidFill>
+                  <a:srgbClr val="FFFFFF"/>
+                </a:solidFill>
+              </a14:hiddenFill>
+            </a:ext>
+          </a:extLst>
+        </p:spPr>
+      </p:pic>
+    </p:spTree>
+    <p:extLst>
+      <p:ext uri="{BB962C8B-B14F-4D97-AF65-F5344CB8AC3E}">
+        <p14:creationId xmlns:p14="http://schemas.microsoft.com/office/powerpoint/2010/main" val="2819956005"/>
+      </p:ext>
+    </p:extLst>
+  </p:cSld>
+  <p:clrMapOvr>
+    <a:masterClrMapping/>
+  </p:clrMapOvr>
+  <p:timing>
+    <p:tnLst>
+      <p:par>
+        <p:cTn id="1" dur="indefinite" restart="never" nodeType="tmRoot"/>
+      </p:par>
+    </p:tnLst>
+  </p:timing>
+</p:sld>
+</file>
+
+<file path=ppt/slides/slide15.xml><?xml version="1.0" encoding="utf-8"?>
+<p:sld xmlns:a="http://schemas.openxmlformats.org/drawingml/2006/main" xmlns:r="http://schemas.openxmlformats.org/officeDocument/2006/relationships" xmlns:p="http://schemas.openxmlformats.org/presentationml/2006/main">
+  <p:cSld>
+    <p:spTree>
+      <p:nvGrpSpPr>
+        <p:cNvPr id="1" name=""/>
+        <p:cNvGrpSpPr/>
+        <p:nvPr/>
+      </p:nvGrpSpPr>
+      <p:grpSpPr>
+        <a:xfrm>
+          <a:off x="0" y="0"/>
+          <a:ext cx="0" cy="0"/>
+          <a:chOff x="0" y="0"/>
+          <a:chExt cx="0" cy="0"/>
+        </a:xfrm>
+      </p:grpSpPr>
+      <mc:AlternateContent xmlns:mc="http://schemas.openxmlformats.org/markup-compatibility/2006">
+        <mc:Choice xmlns:a14="http://schemas.microsoft.com/office/drawing/2010/main" Requires="a14">
+          <p:sp>
+            <p:nvSpPr>
+              <p:cNvPr id="2" name="Title 1"/>
+              <p:cNvSpPr>
+                <a:spLocks noGrp="1"/>
+              </p:cNvSpPr>
+              <p:nvPr>
+                <p:ph type="ctrTitle"/>
+              </p:nvPr>
+            </p:nvSpPr>
+            <p:spPr/>
+            <p:txBody>
+              <a:bodyPr>
+                <a:normAutofit fontScale="90000"/>
+              </a:bodyPr>
+              <a:lstStyle/>
+              <a:p>
+                <a:r>
+                  <a:rPr lang="en-US" sz="3600" dirty="0" smtClean="0">
+                    <a:sym typeface="Symbol"/>
+                  </a:rPr>
+                  <a:t>(D)</a:t>
+                </a:r>
+                <a:br>
+                  <a:rPr lang="en-US" sz="3600" dirty="0" smtClean="0">
+                    <a:sym typeface="Symbol"/>
+                  </a:rPr>
+                </a:br>
+                <a:r>
+                  <a:rPr lang="en-US" sz="3600" dirty="0" smtClean="0">
+                    <a:sym typeface="Symbol"/>
+                  </a:rPr>
+                  <a:t> adjusted by FIRST-VISIT state count;</a:t>
+                </a:r>
+                <a:br>
+                  <a:rPr lang="en-US" sz="3600" dirty="0" smtClean="0">
+                    <a:sym typeface="Symbol"/>
+                  </a:rPr>
+                </a:br>
+                <a:r>
+                  <a:rPr lang="en-US" sz="3600" dirty="0" smtClean="0">
+                    <a:sym typeface="Symbol"/>
+                  </a:rPr>
+                  <a:t>adaptive </a:t>
+                </a:r>
+                <a:r>
+                  <a:rPr lang="en-US" sz="3600" dirty="0" smtClean="0">
+                    <a:sym typeface="Symbol"/>
+                  </a:rPr>
+                  <a:t> as a function of (t)/</a:t>
+                </a:r>
+                <a14:m>
+                  <m:oMath xmlns:m="http://schemas.openxmlformats.org/officeDocument/2006/math">
+                    <m:acc>
+                      <m:accPr>
+                        <m:chr m:val="̅"/>
+                        <m:ctrlPr>
+                          <a:rPr lang="en-US" sz="3600" i="1" smtClean="0">
+                            <a:latin typeface="Cambria Math"/>
+                            <a:sym typeface="Symbol"/>
+                          </a:rPr>
+                        </m:ctrlPr>
+                      </m:accPr>
+                      <m:e>
+                        <m:r>
+                          <a:rPr lang="en-US" sz="3600" b="0" i="1" smtClean="0">
+                            <a:latin typeface="Cambria Math"/>
+                            <a:sym typeface="Symbol"/>
+                          </a:rPr>
+                          <m:t>𝑉</m:t>
+                        </m:r>
+                      </m:e>
+                    </m:acc>
+                    <m:r>
+                      <a:rPr lang="en-US" sz="3600" b="0" i="1" smtClean="0">
+                        <a:latin typeface="Cambria Math"/>
+                        <a:sym typeface="Symbol"/>
+                      </a:rPr>
+                      <m:t>(</m:t>
+                    </m:r>
+                    <m:r>
+                      <a:rPr lang="en-US" sz="3600" b="0" i="1" smtClean="0">
+                        <a:latin typeface="Cambria Math"/>
+                        <a:sym typeface="Symbol"/>
+                      </a:rPr>
+                      <m:t>𝑡</m:t>
+                    </m:r>
+                    <m:r>
+                      <a:rPr lang="en-US" sz="3600" b="0" i="1" smtClean="0">
+                        <a:latin typeface="Cambria Math"/>
+                        <a:sym typeface="Symbol"/>
+                      </a:rPr>
+                      <m:t>)</m:t>
+                    </m:r>
+                  </m:oMath>
+                </a14:m>
+                <a:endParaRPr lang="en-US" sz="3600" dirty="0"/>
+              </a:p>
+            </p:txBody>
+          </p:sp>
+        </mc:Choice>
+        <mc:Fallback>
+          <p:sp>
+            <p:nvSpPr>
+              <p:cNvPr id="2" name="Title 1"/>
+              <p:cNvSpPr>
+                <a:spLocks noGrp="1" noRot="1" noChangeAspect="1" noMove="1" noResize="1" noEditPoints="1" noAdjustHandles="1" noChangeArrowheads="1" noChangeShapeType="1" noTextEdit="1"/>
+              </p:cNvSpPr>
+              <p:nvPr>
+                <p:ph type="ctrTitle"/>
+              </p:nvPr>
+            </p:nvSpPr>
+            <p:spPr>
+              <a:blipFill rotWithShape="1">
+                <a:blip r:embed="rId2"/>
+                <a:stretch>
+                  <a:fillRect t="-7851" b="-16942"/>
+                </a:stretch>
+              </a:blipFill>
+            </p:spPr>
+            <p:txBody>
+              <a:bodyPr/>
+              <a:lstStyle/>
+              <a:p>
+                <a:r>
+                  <a:rPr lang="en-US">
+                    <a:noFill/>
+                  </a:rPr>
+                  <a:t> </a:t>
+                </a:r>
+              </a:p>
+            </p:txBody>
+          </p:sp>
+        </mc:Fallback>
+      </mc:AlternateContent>
+      <p:sp>
+        <p:nvSpPr>
+          <p:cNvPr id="3" name="Subtitle 2"/>
+          <p:cNvSpPr>
+            <a:spLocks noGrp="1"/>
+          </p:cNvSpPr>
+          <p:nvPr>
+            <p:ph type="subTitle" idx="1"/>
+          </p:nvPr>
+        </p:nvSpPr>
+        <p:spPr/>
+        <p:txBody>
+          <a:bodyPr>
+            <a:noAutofit/>
+          </a:bodyPr>
+          <a:lstStyle/>
+          <a:p>
+            <a:pPr algn="l"/>
+            <a:r>
+              <a:rPr lang="en-US" sz="2000" i="1" dirty="0" smtClean="0">
+                <a:solidFill>
+                  <a:schemeClr val="tx1"/>
+                </a:solidFill>
+              </a:rPr>
+              <a:t>For faster generation of results:</a:t>
+            </a:r>
+          </a:p>
+          <a:p>
+            <a:pPr marL="457200" indent="-457200" algn="l">
+              <a:buFont typeface="Arial" panose="020B0604020202020204" pitchFamily="34" charset="0"/>
+              <a:buChar char="•"/>
+            </a:pPr>
+            <a:r>
+              <a:rPr lang="en-US" sz="2000" i="1" dirty="0" smtClean="0">
+                <a:solidFill>
+                  <a:schemeClr val="tx1"/>
+                </a:solidFill>
+              </a:rPr>
+              <a:t>only </a:t>
+            </a:r>
+            <a:r>
+              <a:rPr lang="en-US" sz="2000" b="1" i="1" dirty="0" smtClean="0">
+                <a:solidFill>
+                  <a:schemeClr val="tx1"/>
+                </a:solidFill>
+              </a:rPr>
+              <a:t>5 experiments </a:t>
+            </a:r>
+            <a:r>
+              <a:rPr lang="en-US" sz="2000" i="1" dirty="0" smtClean="0">
+                <a:solidFill>
+                  <a:schemeClr val="tx1"/>
+                </a:solidFill>
+              </a:rPr>
+              <a:t>were run per algorithm,</a:t>
+            </a:r>
+          </a:p>
+          <a:p>
+            <a:pPr marL="457200" indent="-457200" algn="l">
+              <a:buFont typeface="Arial" panose="020B0604020202020204" pitchFamily="34" charset="0"/>
+              <a:buChar char="•"/>
+            </a:pPr>
+            <a:r>
+              <a:rPr lang="en-US" sz="2000" i="1" dirty="0" smtClean="0">
+                <a:solidFill>
+                  <a:schemeClr val="tx1"/>
+                </a:solidFill>
+              </a:rPr>
+              <a:t>on a smaller environment with</a:t>
+            </a:r>
+            <a:r>
+              <a:rPr lang="en-US" sz="2000" b="1" i="1" dirty="0" smtClean="0">
+                <a:solidFill>
+                  <a:schemeClr val="tx1"/>
+                </a:solidFill>
+              </a:rPr>
+              <a:t> 7 non-terminal states</a:t>
+            </a:r>
+            <a:r>
+              <a:rPr lang="en-US" sz="2000" i="1" dirty="0" smtClean="0">
+                <a:solidFill>
+                  <a:schemeClr val="tx1"/>
+                </a:solidFill>
+              </a:rPr>
+              <a:t>.</a:t>
+            </a:r>
+            <a:endParaRPr lang="en-US" sz="2000" i="1" dirty="0">
+              <a:solidFill>
+                <a:schemeClr val="tx1"/>
+              </a:solidFill>
+            </a:endParaRPr>
+          </a:p>
+        </p:txBody>
+      </p:sp>
+      <p:sp>
+        <p:nvSpPr>
+          <p:cNvPr id="4" name="Slide Number Placeholder 3"/>
+          <p:cNvSpPr>
+            <a:spLocks noGrp="1"/>
+          </p:cNvSpPr>
+          <p:nvPr>
+            <p:ph type="sldNum" sz="quarter" idx="12"/>
+          </p:nvPr>
+        </p:nvSpPr>
+        <p:spPr/>
+        <p:txBody>
+          <a:bodyPr/>
+          <a:lstStyle/>
+          <a:p>
+            <a:fld id="{62D96F91-737B-4795-86FD-3CFC620DA94D}" type="slidenum">
+              <a:rPr lang="en-US" smtClean="0"/>
+              <a:t>15</a:t>
+            </a:fld>
+            <a:endParaRPr lang="en-US"/>
+          </a:p>
+        </p:txBody>
+      </p:sp>
+    </p:spTree>
+    <p:extLst>
+      <p:ext uri="{BB962C8B-B14F-4D97-AF65-F5344CB8AC3E}">
+        <p14:creationId xmlns:p14="http://schemas.microsoft.com/office/powerpoint/2010/main" val="4233579038"/>
+      </p:ext>
+    </p:extLst>
+  </p:cSld>
+  <p:clrMapOvr>
+    <a:masterClrMapping/>
+  </p:clrMapOvr>
+  <p:timing>
+    <p:tnLst>
+      <p:par>
+        <p:cTn id="1" dur="indefinite" restart="never" nodeType="tmRoot"/>
+      </p:par>
+    </p:tnLst>
+  </p:timing>
+</p:sld>
+</file>
+
+<file path=ppt/slides/slide16.xml><?xml version="1.0" encoding="utf-8"?>
+<p:sld xmlns:a="http://schemas.openxmlformats.org/drawingml/2006/main" xmlns:r="http://schemas.openxmlformats.org/officeDocument/2006/relationships" xmlns:p="http://schemas.openxmlformats.org/presentationml/2006/main">
+  <p:cSld>
+    <p:spTree>
+      <p:nvGrpSpPr>
+        <p:cNvPr id="1" name=""/>
+        <p:cNvGrpSpPr/>
+        <p:nvPr/>
+      </p:nvGrpSpPr>
+      <p:grpSpPr>
+        <a:xfrm>
+          <a:off x="0" y="0"/>
+          <a:ext cx="0" cy="0"/>
+          <a:chOff x="0" y="0"/>
+          <a:chExt cx="0" cy="0"/>
+        </a:xfrm>
+      </p:grpSpPr>
+      <p:sp>
+        <p:nvSpPr>
+          <p:cNvPr id="2" name="Title 1"/>
+          <p:cNvSpPr>
+            <a:spLocks noGrp="1"/>
+          </p:cNvSpPr>
+          <p:nvPr>
+            <p:ph type="title"/>
+          </p:nvPr>
+        </p:nvSpPr>
+        <p:spPr/>
+        <p:txBody>
+          <a:bodyPr>
+            <a:noAutofit/>
+          </a:bodyPr>
+          <a:lstStyle/>
+          <a:p>
+            <a:r>
+              <a:rPr lang="en-US" sz="3600" dirty="0" smtClean="0"/>
+              <a:t>MC, adjust by first-visit State Count</a:t>
+            </a:r>
+            <a:r>
+              <a:rPr lang="en-US" sz="3600" dirty="0"/>
+              <a:t/>
+            </a:r>
+            <a:br>
+              <a:rPr lang="en-US" sz="3600" dirty="0"/>
+            </a:br>
+            <a:r>
+              <a:rPr lang="en-US" sz="3600" dirty="0" smtClean="0"/>
+              <a:t>seed=1717</a:t>
+            </a:r>
+            <a:r>
+              <a:rPr lang="en-US" sz="3600" dirty="0"/>
+              <a:t>, #</a:t>
+            </a:r>
+            <a:r>
+              <a:rPr lang="en-US" sz="3600" dirty="0" err="1" smtClean="0"/>
+              <a:t>exp</a:t>
+            </a:r>
+            <a:r>
+              <a:rPr lang="en-US" sz="3600" dirty="0" smtClean="0"/>
+              <a:t>=5, </a:t>
+            </a:r>
+            <a:r>
+              <a:rPr lang="en-US" sz="3600" dirty="0" smtClean="0"/>
+              <a:t>start=10</a:t>
+            </a:r>
+            <a:endParaRPr lang="en-US" sz="3600" dirty="0"/>
+          </a:p>
+        </p:txBody>
+      </p:sp>
+      <p:sp>
+        <p:nvSpPr>
+          <p:cNvPr id="5" name="TextBox 4"/>
+          <p:cNvSpPr txBox="1"/>
+          <p:nvPr/>
+        </p:nvSpPr>
+        <p:spPr>
+          <a:xfrm>
+            <a:off x="1115616" y="6033434"/>
+            <a:ext cx="7128792" cy="307777"/>
+          </a:xfrm>
+          <a:prstGeom prst="rect">
+            <a:avLst/>
+          </a:prstGeom>
+          <a:noFill/>
+        </p:spPr>
+        <p:txBody>
+          <a:bodyPr wrap="square" rtlCol="0">
+            <a:spAutoFit/>
+          </a:bodyPr>
+          <a:lstStyle/>
+          <a:p>
+            <a:r>
+              <a:rPr lang="en-US" sz="1400" i="1" dirty="0" smtClean="0"/>
+              <a:t>Initial </a:t>
+            </a:r>
+            <a:r>
+              <a:rPr lang="en-US" sz="1400" i="1" dirty="0" smtClean="0">
+                <a:sym typeface="Symbol"/>
+              </a:rPr>
+              <a:t> = 1</a:t>
+            </a:r>
+            <a:endParaRPr lang="en-US" sz="1400" i="1" dirty="0"/>
+          </a:p>
+        </p:txBody>
+      </p:sp>
+      <p:sp>
+        <p:nvSpPr>
+          <p:cNvPr id="3" name="Slide Number Placeholder 2"/>
+          <p:cNvSpPr>
+            <a:spLocks noGrp="1"/>
+          </p:cNvSpPr>
+          <p:nvPr>
+            <p:ph type="sldNum" sz="quarter" idx="12"/>
+          </p:nvPr>
+        </p:nvSpPr>
+        <p:spPr/>
+        <p:txBody>
+          <a:bodyPr/>
+          <a:lstStyle/>
+          <a:p>
+            <a:fld id="{62D96F91-737B-4795-86FD-3CFC620DA94D}" type="slidenum">
+              <a:rPr lang="en-US" smtClean="0"/>
+              <a:t>16</a:t>
+            </a:fld>
+            <a:endParaRPr lang="en-US"/>
+          </a:p>
+        </p:txBody>
+      </p:sp>
+      <p:pic>
+        <p:nvPicPr>
+          <p:cNvPr id="1026" name="Picture 2" descr="E:\Daniel\Projects\PhD-RL-Toulouse\projects\RL-001-MemoryManagement\results\SimulateTDLambda-DifferentLambdas&amp;Adaptive\mc_adjust_by_count_first_visit_7states_200episodes.png"/>
+          <p:cNvPicPr>
+            <a:picLocks noChangeAspect="1" noChangeArrowheads="1"/>
+          </p:cNvPicPr>
+          <p:nvPr/>
+        </p:nvPicPr>
+        <p:blipFill>
+          <a:blip r:embed="rId2">
+            <a:extLst>
+              <a:ext uri="{28A0092B-C50C-407E-A947-70E740481C1C}">
+                <a14:useLocalDpi xmlns:a14="http://schemas.microsoft.com/office/drawing/2010/main" val="0"/>
+              </a:ext>
+            </a:extLst>
+          </a:blip>
+          <a:srcRect/>
+          <a:stretch>
+            <a:fillRect/>
+          </a:stretch>
+        </p:blipFill>
+        <p:spPr bwMode="auto">
+          <a:xfrm>
+            <a:off x="0" y="1620000"/>
+            <a:ext cx="9144000" cy="4317628"/>
+          </a:xfrm>
+          <a:prstGeom prst="rect">
+            <a:avLst/>
+          </a:prstGeom>
+          <a:noFill/>
+          <a:extLst>
+            <a:ext uri="{909E8E84-426E-40DD-AFC4-6F175D3DCCD1}">
+              <a14:hiddenFill xmlns:a14="http://schemas.microsoft.com/office/drawing/2010/main">
+                <a:solidFill>
+                  <a:srgbClr val="FFFFFF"/>
+                </a:solidFill>
+              </a14:hiddenFill>
+            </a:ext>
+          </a:extLst>
+        </p:spPr>
+      </p:pic>
+    </p:spTree>
+    <p:extLst>
+      <p:ext uri="{BB962C8B-B14F-4D97-AF65-F5344CB8AC3E}">
+        <p14:creationId xmlns:p14="http://schemas.microsoft.com/office/powerpoint/2010/main" val="3471002409"/>
+      </p:ext>
+    </p:extLst>
+  </p:cSld>
+  <p:clrMapOvr>
+    <a:masterClrMapping/>
+  </p:clrMapOvr>
+  <p:timing>
+    <p:tnLst>
+      <p:par>
+        <p:cTn id="1" dur="indefinite" restart="never" nodeType="tmRoot"/>
+      </p:par>
+    </p:tnLst>
+  </p:timing>
+</p:sld>
+</file>
+
+<file path=ppt/slides/slide17.xml><?xml version="1.0" encoding="utf-8"?>
+<p:sld xmlns:a="http://schemas.openxmlformats.org/drawingml/2006/main" xmlns:r="http://schemas.openxmlformats.org/officeDocument/2006/relationships" xmlns:p="http://schemas.openxmlformats.org/presentationml/2006/main">
+  <p:cSld>
+    <p:spTree>
+      <p:nvGrpSpPr>
+        <p:cNvPr id="1" name=""/>
+        <p:cNvGrpSpPr/>
+        <p:nvPr/>
+      </p:nvGrpSpPr>
+      <p:grpSpPr>
+        <a:xfrm>
+          <a:off x="0" y="0"/>
+          <a:ext cx="0" cy="0"/>
+          <a:chOff x="0" y="0"/>
+          <a:chExt cx="0" cy="0"/>
+        </a:xfrm>
+      </p:grpSpPr>
+      <p:sp>
+        <p:nvSpPr>
+          <p:cNvPr id="2" name="Title 1"/>
+          <p:cNvSpPr>
+            <a:spLocks noGrp="1"/>
+          </p:cNvSpPr>
+          <p:nvPr>
+            <p:ph type="title"/>
+          </p:nvPr>
+        </p:nvSpPr>
+        <p:spPr/>
+        <p:txBody>
+          <a:bodyPr>
+            <a:noAutofit/>
+          </a:bodyPr>
+          <a:lstStyle/>
+          <a:p>
+            <a:r>
+              <a:rPr lang="en-US" sz="3600" dirty="0" smtClean="0"/>
+              <a:t>TD(</a:t>
+            </a:r>
+            <a:r>
+              <a:rPr lang="en-US" sz="3600" dirty="0" smtClean="0">
+                <a:sym typeface="Symbol"/>
+              </a:rPr>
+              <a:t>)</a:t>
+            </a:r>
+            <a:r>
+              <a:rPr lang="en-US" sz="3600" dirty="0" smtClean="0"/>
+              <a:t>, adjust by </a:t>
+            </a:r>
+            <a:r>
+              <a:rPr lang="en-US" sz="3600" dirty="0" smtClean="0"/>
+              <a:t>FIRST-VISIT State </a:t>
+            </a:r>
+            <a:r>
+              <a:rPr lang="en-US" sz="3600" dirty="0" smtClean="0"/>
+              <a:t>Count</a:t>
+            </a:r>
+            <a:br>
+              <a:rPr lang="en-US" sz="3600" dirty="0" smtClean="0"/>
+            </a:br>
+            <a:r>
+              <a:rPr lang="en-US" sz="3600" dirty="0" smtClean="0"/>
+              <a:t>seed=1717</a:t>
+            </a:r>
+            <a:r>
+              <a:rPr lang="en-US" sz="3600" dirty="0"/>
+              <a:t>, #</a:t>
+            </a:r>
+            <a:r>
+              <a:rPr lang="en-US" sz="3600" dirty="0" err="1" smtClean="0"/>
+              <a:t>exp</a:t>
+            </a:r>
+            <a:r>
+              <a:rPr lang="en-US" sz="3600" dirty="0" smtClean="0"/>
+              <a:t>=5, </a:t>
+            </a:r>
+            <a:r>
+              <a:rPr lang="en-US" sz="3600" dirty="0" smtClean="0"/>
+              <a:t>start=10</a:t>
+            </a:r>
+            <a:endParaRPr lang="en-US" sz="3600" dirty="0"/>
+          </a:p>
+        </p:txBody>
+      </p:sp>
+      <p:sp>
+        <p:nvSpPr>
+          <p:cNvPr id="3" name="Slide Number Placeholder 2"/>
+          <p:cNvSpPr>
+            <a:spLocks noGrp="1"/>
+          </p:cNvSpPr>
+          <p:nvPr>
+            <p:ph type="sldNum" sz="quarter" idx="12"/>
+          </p:nvPr>
+        </p:nvSpPr>
+        <p:spPr/>
+        <p:txBody>
+          <a:bodyPr/>
+          <a:lstStyle/>
+          <a:p>
+            <a:fld id="{62D96F91-737B-4795-86FD-3CFC620DA94D}" type="slidenum">
+              <a:rPr lang="en-US" smtClean="0"/>
+              <a:t>17</a:t>
+            </a:fld>
+            <a:endParaRPr lang="en-US"/>
+          </a:p>
+        </p:txBody>
+      </p:sp>
+      <p:pic>
+        <p:nvPicPr>
+          <p:cNvPr id="8" name="Picture 3" descr="E:\Daniel\Projects\PhD-RL-Toulouse\projects\RL-001-MemoryManagement\results\SimulateTDLambda-DifferentLambdas&amp;Adaptive\td_adjust_by_count_FIRST_VISIT_alpha=1_7states_200episodes.png"/>
+          <p:cNvPicPr>
+            <a:picLocks noChangeAspect="1" noChangeArrowheads="1"/>
+          </p:cNvPicPr>
+          <p:nvPr/>
+        </p:nvPicPr>
+        <p:blipFill>
+          <a:blip r:embed="rId2">
+            <a:extLst>
+              <a:ext uri="{28A0092B-C50C-407E-A947-70E740481C1C}">
+                <a14:useLocalDpi xmlns:a14="http://schemas.microsoft.com/office/drawing/2010/main" val="0"/>
+              </a:ext>
+            </a:extLst>
+          </a:blip>
+          <a:srcRect/>
+          <a:stretch>
+            <a:fillRect/>
+          </a:stretch>
+        </p:blipFill>
+        <p:spPr bwMode="auto">
+          <a:xfrm>
+            <a:off x="0" y="1620000"/>
+            <a:ext cx="9144000" cy="4317628"/>
+          </a:xfrm>
+          <a:prstGeom prst="rect">
+            <a:avLst/>
+          </a:prstGeom>
+          <a:noFill/>
+          <a:extLst>
+            <a:ext uri="{909E8E84-426E-40DD-AFC4-6F175D3DCCD1}">
+              <a14:hiddenFill xmlns:a14="http://schemas.microsoft.com/office/drawing/2010/main">
+                <a:solidFill>
+                  <a:srgbClr val="FFFFFF"/>
+                </a:solidFill>
+              </a14:hiddenFill>
+            </a:ext>
+          </a:extLst>
+        </p:spPr>
+      </p:pic>
+      <p:sp>
+        <p:nvSpPr>
+          <p:cNvPr id="6" name="TextBox 5"/>
+          <p:cNvSpPr txBox="1"/>
+          <p:nvPr/>
+        </p:nvSpPr>
+        <p:spPr>
+          <a:xfrm>
+            <a:off x="1115616" y="6033434"/>
+            <a:ext cx="7128792" cy="307777"/>
+          </a:xfrm>
+          <a:prstGeom prst="rect">
+            <a:avLst/>
+          </a:prstGeom>
+          <a:noFill/>
+        </p:spPr>
+        <p:txBody>
+          <a:bodyPr wrap="square" rtlCol="0">
+            <a:spAutoFit/>
+          </a:bodyPr>
+          <a:lstStyle/>
+          <a:p>
+            <a:r>
+              <a:rPr lang="en-US" sz="1400" i="1" dirty="0" smtClean="0"/>
+              <a:t>Initial </a:t>
+            </a:r>
+            <a:r>
+              <a:rPr lang="en-US" sz="1400" i="1" dirty="0" smtClean="0">
+                <a:sym typeface="Symbol"/>
+              </a:rPr>
+              <a:t> = 1</a:t>
+            </a:r>
+            <a:endParaRPr lang="en-US" sz="1400" i="1" dirty="0"/>
+          </a:p>
+        </p:txBody>
+      </p:sp>
+    </p:spTree>
+    <p:extLst>
+      <p:ext uri="{BB962C8B-B14F-4D97-AF65-F5344CB8AC3E}">
+        <p14:creationId xmlns:p14="http://schemas.microsoft.com/office/powerpoint/2010/main" val="3389004946"/>
+      </p:ext>
+    </p:extLst>
+  </p:cSld>
+  <p:clrMapOvr>
+    <a:masterClrMapping/>
+  </p:clrMapOvr>
+  <p:timing>
+    <p:tnLst>
+      <p:par>
+        <p:cTn id="1" dur="indefinite" restart="never" nodeType="tmRoot"/>
+      </p:par>
+    </p:tnLst>
+  </p:timing>
+</p:sld>
+</file>
+
+<file path=ppt/slides/slide18.xml><?xml version="1.0" encoding="utf-8"?>
+<p:sld xmlns:a="http://schemas.openxmlformats.org/drawingml/2006/main" xmlns:r="http://schemas.openxmlformats.org/officeDocument/2006/relationships" xmlns:p="http://schemas.openxmlformats.org/presentationml/2006/main">
+  <p:cSld>
+    <p:spTree>
+      <p:nvGrpSpPr>
+        <p:cNvPr id="1" name=""/>
+        <p:cNvGrpSpPr/>
+        <p:nvPr/>
+      </p:nvGrpSpPr>
+      <p:grpSpPr>
+        <a:xfrm>
+          <a:off x="0" y="0"/>
+          <a:ext cx="0" cy="0"/>
+          <a:chOff x="0" y="0"/>
+          <a:chExt cx="0" cy="0"/>
+        </a:xfrm>
+      </p:grpSpPr>
+      <p:sp>
+        <p:nvSpPr>
+          <p:cNvPr id="2" name="Title 1"/>
+          <p:cNvSpPr>
+            <a:spLocks noGrp="1"/>
+          </p:cNvSpPr>
+          <p:nvPr>
+            <p:ph type="title"/>
+          </p:nvPr>
+        </p:nvSpPr>
+        <p:spPr/>
+        <p:txBody>
+          <a:bodyPr>
+            <a:noAutofit/>
+          </a:bodyPr>
+          <a:lstStyle/>
+          <a:p>
+            <a:r>
+              <a:rPr lang="en-US" sz="2800" dirty="0" smtClean="0"/>
+              <a:t>Adaptive TD</a:t>
+            </a:r>
+            <a:r>
+              <a:rPr lang="en-US" sz="2800" dirty="0"/>
+              <a:t>(</a:t>
+            </a:r>
+            <a:r>
+              <a:rPr lang="en-US" sz="2800" dirty="0">
+                <a:sym typeface="Symbol"/>
+              </a:rPr>
+              <a:t>)</a:t>
+            </a:r>
+            <a:r>
+              <a:rPr lang="en-US" sz="2800" dirty="0"/>
+              <a:t>, adjust by </a:t>
+            </a:r>
+            <a:r>
+              <a:rPr lang="en-US" sz="2800" dirty="0" smtClean="0"/>
+              <a:t>FIRST-VISIT State </a:t>
+            </a:r>
+            <a:r>
+              <a:rPr lang="en-US" sz="2800" dirty="0"/>
+              <a:t>Count </a:t>
+            </a:r>
+            <a:r>
+              <a:rPr lang="en-US" sz="2800" dirty="0" smtClean="0"/>
+              <a:t/>
+            </a:r>
+            <a:br>
+              <a:rPr lang="en-US" sz="2800" dirty="0" smtClean="0"/>
+            </a:br>
+            <a:r>
+              <a:rPr lang="en-US" sz="2800" dirty="0" smtClean="0"/>
+              <a:t>seed=1717</a:t>
+            </a:r>
+            <a:r>
+              <a:rPr lang="en-US" sz="2800" dirty="0"/>
+              <a:t>, #</a:t>
+            </a:r>
+            <a:r>
+              <a:rPr lang="en-US" sz="2800" dirty="0" err="1" smtClean="0"/>
+              <a:t>exp</a:t>
+            </a:r>
+            <a:r>
+              <a:rPr lang="en-US" sz="2800" dirty="0" smtClean="0"/>
+              <a:t>=5, </a:t>
+            </a:r>
+            <a:r>
+              <a:rPr lang="en-US" sz="2800" dirty="0" smtClean="0"/>
+              <a:t>start=10</a:t>
+            </a:r>
+            <a:endParaRPr lang="en-US" sz="2800" dirty="0"/>
+          </a:p>
+        </p:txBody>
+      </p:sp>
+      <p:sp>
+        <p:nvSpPr>
+          <p:cNvPr id="3" name="Slide Number Placeholder 2"/>
+          <p:cNvSpPr>
+            <a:spLocks noGrp="1"/>
+          </p:cNvSpPr>
+          <p:nvPr>
+            <p:ph type="sldNum" sz="quarter" idx="12"/>
+          </p:nvPr>
+        </p:nvSpPr>
+        <p:spPr/>
+        <p:txBody>
+          <a:bodyPr/>
+          <a:lstStyle/>
+          <a:p>
+            <a:fld id="{62D96F91-737B-4795-86FD-3CFC620DA94D}" type="slidenum">
+              <a:rPr lang="en-US" smtClean="0"/>
+              <a:t>18</a:t>
+            </a:fld>
+            <a:endParaRPr lang="en-US"/>
+          </a:p>
+        </p:txBody>
+      </p:sp>
+      <p:pic>
+        <p:nvPicPr>
+          <p:cNvPr id="8" name="Picture 2" descr="E:\Daniel\Projects\PhD-RL-Toulouse\projects\RL-001-MemoryManagement\results\SimulateTDLambda-DifferentLambdas&amp;Adaptive\td_adap_adjust_by_count_FIRST_VISIT_diff_alphas_7states_200episodes.png"/>
+          <p:cNvPicPr>
+            <a:picLocks noChangeAspect="1" noChangeArrowheads="1"/>
+          </p:cNvPicPr>
+          <p:nvPr/>
+        </p:nvPicPr>
+        <p:blipFill>
+          <a:blip r:embed="rId2">
+            <a:extLst>
+              <a:ext uri="{28A0092B-C50C-407E-A947-70E740481C1C}">
+                <a14:useLocalDpi xmlns:a14="http://schemas.microsoft.com/office/drawing/2010/main" val="0"/>
+              </a:ext>
+            </a:extLst>
+          </a:blip>
+          <a:srcRect/>
+          <a:stretch>
+            <a:fillRect/>
+          </a:stretch>
+        </p:blipFill>
+        <p:spPr bwMode="auto">
+          <a:xfrm>
+            <a:off x="-7030" y="1628800"/>
+            <a:ext cx="9144000" cy="4317628"/>
+          </a:xfrm>
+          <a:prstGeom prst="rect">
+            <a:avLst/>
+          </a:prstGeom>
+          <a:noFill/>
+          <a:extLst>
+            <a:ext uri="{909E8E84-426E-40DD-AFC4-6F175D3DCCD1}">
+              <a14:hiddenFill xmlns:a14="http://schemas.microsoft.com/office/drawing/2010/main">
+                <a:solidFill>
+                  <a:srgbClr val="FFFFFF"/>
+                </a:solidFill>
+              </a14:hiddenFill>
+            </a:ext>
+          </a:extLst>
+        </p:spPr>
+      </p:pic>
+    </p:spTree>
+    <p:extLst>
+      <p:ext uri="{BB962C8B-B14F-4D97-AF65-F5344CB8AC3E}">
+        <p14:creationId xmlns:p14="http://schemas.microsoft.com/office/powerpoint/2010/main" val="1363146740"/>
+      </p:ext>
+    </p:extLst>
+  </p:cSld>
+  <p:clrMapOvr>
+    <a:masterClrMapping/>
+  </p:clrMapOvr>
+  <p:timing>
+    <p:tnLst>
+      <p:par>
+        <p:cTn id="1" dur="indefinite" restart="never" nodeType="tmRoot"/>
+      </p:par>
+    </p:tnLst>
+  </p:timing>
+</p:sld>
+</file>
+
+<file path=ppt/slides/slide19.xml><?xml version="1.0" encoding="utf-8"?>
+<p:sld xmlns:a="http://schemas.openxmlformats.org/drawingml/2006/main" xmlns:r="http://schemas.openxmlformats.org/officeDocument/2006/relationships" xmlns:p="http://schemas.openxmlformats.org/presentationml/2006/main">
+  <p:cSld>
+    <p:spTree>
+      <p:nvGrpSpPr>
+        <p:cNvPr id="1" name=""/>
+        <p:cNvGrpSpPr/>
+        <p:nvPr/>
+      </p:nvGrpSpPr>
+      <p:grpSpPr>
+        <a:xfrm>
+          <a:off x="0" y="0"/>
+          <a:ext cx="0" cy="0"/>
+          <a:chOff x="0" y="0"/>
+          <a:chExt cx="0" cy="0"/>
+        </a:xfrm>
+      </p:grpSpPr>
+      <p:sp>
+        <p:nvSpPr>
+          <p:cNvPr id="2" name="Title 1"/>
+          <p:cNvSpPr>
+            <a:spLocks noGrp="1"/>
+          </p:cNvSpPr>
+          <p:nvPr>
+            <p:ph type="title"/>
+          </p:nvPr>
+        </p:nvSpPr>
+        <p:spPr/>
+        <p:txBody>
+          <a:bodyPr/>
+          <a:lstStyle/>
+          <a:p>
+            <a:r>
+              <a:rPr lang="en-US" dirty="0" smtClean="0"/>
+              <a:t>Observations</a:t>
+            </a:r>
+            <a:endParaRPr lang="en-US" dirty="0"/>
+          </a:p>
+        </p:txBody>
+      </p:sp>
+      <p:sp>
+        <p:nvSpPr>
+          <p:cNvPr id="3" name="Content Placeholder 2"/>
+          <p:cNvSpPr>
+            <a:spLocks noGrp="1"/>
+          </p:cNvSpPr>
+          <p:nvPr>
+            <p:ph idx="1"/>
+          </p:nvPr>
+        </p:nvSpPr>
+        <p:spPr/>
+        <p:txBody>
+          <a:bodyPr>
+            <a:normAutofit fontScale="77500" lnSpcReduction="20000"/>
+          </a:bodyPr>
+          <a:lstStyle/>
+          <a:p>
+            <a:pPr marL="0" indent="0">
+              <a:buNone/>
+            </a:pPr>
+            <a:r>
+              <a:rPr lang="en-US" sz="2400" dirty="0" smtClean="0"/>
+              <a:t>Given the </a:t>
+            </a:r>
+            <a:r>
+              <a:rPr lang="en-US" sz="2400" dirty="0" smtClean="0">
+                <a:sym typeface="Symbol"/>
+              </a:rPr>
+              <a:t> and </a:t>
+            </a:r>
+            <a:r>
+              <a:rPr lang="en-US" sz="2400" dirty="0">
+                <a:sym typeface="Symbol"/>
+              </a:rPr>
+              <a:t> values </a:t>
+            </a:r>
+            <a:r>
+              <a:rPr lang="en-US" sz="2400" dirty="0" smtClean="0">
+                <a:sym typeface="Symbol"/>
+              </a:rPr>
+              <a:t>considered in these experiments, the following is observed for both the 7-state and 19-state 1D </a:t>
+            </a:r>
+            <a:r>
+              <a:rPr lang="en-US" sz="2400" dirty="0" err="1" smtClean="0">
+                <a:sym typeface="Symbol"/>
+              </a:rPr>
+              <a:t>gridworld</a:t>
+            </a:r>
+            <a:r>
+              <a:rPr lang="en-US" sz="2400" dirty="0" smtClean="0">
+                <a:sym typeface="Symbol"/>
+              </a:rPr>
+              <a:t> environment:</a:t>
+            </a:r>
+            <a:br>
+              <a:rPr lang="en-US" sz="2400" dirty="0" smtClean="0">
+                <a:sym typeface="Symbol"/>
+              </a:rPr>
+            </a:br>
+            <a:endParaRPr lang="en-US" sz="2400" dirty="0" smtClean="0"/>
+          </a:p>
+          <a:p>
+            <a:pPr marL="457200" indent="-457200">
+              <a:buFont typeface="+mj-lt"/>
+              <a:buAutoNum type="arabicPeriod"/>
+            </a:pPr>
+            <a:r>
+              <a:rPr lang="en-US" sz="2400" dirty="0" smtClean="0"/>
+              <a:t>The </a:t>
+            </a:r>
+            <a:r>
+              <a:rPr lang="en-US" sz="2400" b="1" dirty="0" smtClean="0"/>
+              <a:t>smallest RMSE </a:t>
+            </a:r>
+            <a:r>
+              <a:rPr lang="en-US" sz="2400" dirty="0" smtClean="0"/>
+              <a:t>at the end of 200 episodes is observed for the </a:t>
+            </a:r>
+            <a:r>
+              <a:rPr lang="en-US" sz="2400" b="1" dirty="0" smtClean="0"/>
+              <a:t>Adaptive TD(</a:t>
+            </a:r>
+            <a:r>
+              <a:rPr lang="en-US" sz="2400" b="1" dirty="0" smtClean="0">
+                <a:sym typeface="Symbol"/>
+              </a:rPr>
+              <a:t>) algorithm</a:t>
+            </a:r>
+            <a:r>
+              <a:rPr lang="en-US" sz="2400" dirty="0" smtClean="0">
+                <a:sym typeface="Symbol"/>
+              </a:rPr>
+              <a:t>, </a:t>
+            </a:r>
+            <a:r>
+              <a:rPr lang="en-US" sz="2400" dirty="0" smtClean="0"/>
+              <a:t>with </a:t>
+            </a:r>
+            <a:r>
+              <a:rPr lang="en-US" sz="2400" dirty="0" smtClean="0">
+                <a:sym typeface="Symbol"/>
+              </a:rPr>
+              <a:t> adjusted by </a:t>
+            </a:r>
+            <a:r>
+              <a:rPr lang="en-US" sz="2400" dirty="0" smtClean="0">
+                <a:sym typeface="Symbol"/>
+              </a:rPr>
+              <a:t>FIRST-VISIT state count</a:t>
+            </a:r>
+            <a:r>
+              <a:rPr lang="en-US" sz="2400" dirty="0" smtClean="0"/>
+              <a:t>.</a:t>
+            </a:r>
+            <a:endParaRPr lang="en-US" sz="2400" dirty="0" smtClean="0"/>
+          </a:p>
+          <a:p>
+            <a:pPr marL="457200" indent="-457200">
+              <a:buFont typeface="+mj-lt"/>
+              <a:buAutoNum type="arabicPeriod"/>
+            </a:pPr>
+            <a:r>
+              <a:rPr lang="en-US" sz="2400" dirty="0" smtClean="0"/>
+              <a:t>The </a:t>
+            </a:r>
+            <a:r>
+              <a:rPr lang="en-US" sz="2400" b="1" dirty="0" smtClean="0"/>
+              <a:t>smallest RMSE for TD(</a:t>
+            </a:r>
+            <a:r>
+              <a:rPr lang="en-US" sz="2400" b="1" dirty="0" smtClean="0">
+                <a:sym typeface="Symbol"/>
+              </a:rPr>
+              <a:t>)</a:t>
+            </a:r>
+            <a:r>
+              <a:rPr lang="en-US" sz="2400" dirty="0" smtClean="0">
+                <a:sym typeface="Symbol"/>
+              </a:rPr>
+              <a:t> is </a:t>
+            </a:r>
+            <a:r>
+              <a:rPr lang="en-US" sz="2400" dirty="0" smtClean="0">
+                <a:sym typeface="Symbol"/>
+              </a:rPr>
+              <a:t>observed for  = 0.8 (also for </a:t>
+            </a:r>
+            <a:r>
+              <a:rPr lang="en-US" sz="2400" dirty="0" smtClean="0">
+                <a:sym typeface="Symbol"/>
+              </a:rPr>
+              <a:t>the “ adjusted by FIRST-VISIT state count” case), with an RMSE at the end of 200 episodes very similar to the adaptive TD() case.</a:t>
+            </a:r>
+          </a:p>
+          <a:p>
+            <a:pPr marL="457200" indent="-457200">
+              <a:buFont typeface="+mj-lt"/>
+              <a:buAutoNum type="arabicPeriod"/>
+            </a:pPr>
+            <a:r>
+              <a:rPr lang="en-US" sz="2400" b="1" dirty="0" smtClean="0">
+                <a:sym typeface="Symbol"/>
+              </a:rPr>
+              <a:t>MC is the slowest algorithm to converge </a:t>
+            </a:r>
+            <a:r>
+              <a:rPr lang="en-US" sz="2400" dirty="0" smtClean="0">
+                <a:sym typeface="Symbol"/>
+              </a:rPr>
+              <a:t>and it converges to the largest RMSE at the end of 200 episodes.</a:t>
+            </a:r>
+          </a:p>
+          <a:p>
+            <a:pPr marL="457200" indent="-457200">
+              <a:buFont typeface="+mj-lt"/>
+              <a:buAutoNum type="arabicPeriod"/>
+            </a:pPr>
+            <a:endParaRPr lang="en-US" sz="2400" dirty="0" smtClean="0">
+              <a:sym typeface="Symbol"/>
+            </a:endParaRPr>
+          </a:p>
+          <a:p>
+            <a:pPr marL="457200" indent="-457200">
+              <a:buFont typeface="+mj-lt"/>
+              <a:buAutoNum type="arabicPeriod"/>
+            </a:pPr>
+            <a:r>
+              <a:rPr lang="en-US" sz="2400" dirty="0" smtClean="0">
+                <a:sym typeface="Symbol"/>
+              </a:rPr>
+              <a:t>As expected, t</a:t>
+            </a:r>
+            <a:r>
+              <a:rPr lang="en-US" sz="2400" dirty="0" smtClean="0">
+                <a:sym typeface="Symbol"/>
+              </a:rPr>
+              <a:t>he </a:t>
+            </a:r>
+            <a:r>
+              <a:rPr lang="en-US" sz="2400" b="1" dirty="0" smtClean="0">
+                <a:sym typeface="Symbol"/>
+              </a:rPr>
+              <a:t>convergence of MC is very similar to TD(0.9</a:t>
+            </a:r>
+            <a:r>
+              <a:rPr lang="en-US" sz="2400" b="1" dirty="0" smtClean="0">
+                <a:sym typeface="Symbol"/>
+              </a:rPr>
+              <a:t>)</a:t>
+            </a:r>
+            <a:r>
+              <a:rPr lang="en-US" sz="2400" dirty="0" smtClean="0">
+                <a:sym typeface="Symbol"/>
+              </a:rPr>
+              <a:t> --i.e. the closest we got to  = 1 in our simulations– although this is the case only when  is updated by FIRST-VISIT state count, which is </a:t>
+            </a:r>
+            <a:r>
+              <a:rPr lang="en-US" sz="2400" b="1" dirty="0" smtClean="0">
+                <a:sym typeface="Symbol"/>
+              </a:rPr>
+              <a:t>the setting under which the two algorithms are most similar</a:t>
+            </a:r>
+            <a:r>
+              <a:rPr lang="en-US" sz="2400" dirty="0" smtClean="0">
+                <a:sym typeface="Symbol"/>
+              </a:rPr>
+              <a:t>.</a:t>
+            </a:r>
+            <a:endParaRPr lang="en-US" sz="2400" dirty="0" smtClean="0">
+              <a:sym typeface="Symbol"/>
+            </a:endParaRPr>
+          </a:p>
+          <a:p>
+            <a:pPr marL="457200" indent="-457200">
+              <a:buFont typeface="+mj-lt"/>
+              <a:buAutoNum type="arabicPeriod"/>
+            </a:pPr>
+            <a:r>
+              <a:rPr lang="en-US" sz="2400" dirty="0" smtClean="0">
+                <a:sym typeface="Symbol"/>
+              </a:rPr>
+              <a:t>The convergence </a:t>
+            </a:r>
+            <a:r>
+              <a:rPr lang="en-US" sz="2400" dirty="0" smtClean="0">
+                <a:sym typeface="Symbol"/>
+              </a:rPr>
+              <a:t>to the RMSE at the last episode </a:t>
+            </a:r>
+            <a:r>
+              <a:rPr lang="en-US" sz="2400" dirty="0" smtClean="0">
+                <a:sym typeface="Symbol"/>
+              </a:rPr>
+              <a:t>is a little slower in the adaptive TD() case than in TD() for the 19-state environment, but faster for the 7-state environment.</a:t>
+            </a:r>
+            <a:endParaRPr lang="en-US" sz="2400" dirty="0" smtClean="0"/>
+          </a:p>
+        </p:txBody>
+      </p:sp>
+      <p:sp>
+        <p:nvSpPr>
+          <p:cNvPr id="4" name="Slide Number Placeholder 3"/>
+          <p:cNvSpPr>
+            <a:spLocks noGrp="1"/>
+          </p:cNvSpPr>
+          <p:nvPr>
+            <p:ph type="sldNum" sz="quarter" idx="12"/>
+          </p:nvPr>
+        </p:nvSpPr>
+        <p:spPr/>
+        <p:txBody>
+          <a:bodyPr/>
+          <a:lstStyle/>
+          <a:p>
+            <a:fld id="{62D96F91-737B-4795-86FD-3CFC620DA94D}" type="slidenum">
+              <a:rPr lang="en-US" smtClean="0"/>
+              <a:t>19</a:t>
+            </a:fld>
+            <a:endParaRPr lang="en-US"/>
+          </a:p>
+        </p:txBody>
+      </p:sp>
+    </p:spTree>
+    <p:extLst>
+      <p:ext uri="{BB962C8B-B14F-4D97-AF65-F5344CB8AC3E}">
+        <p14:creationId xmlns:p14="http://schemas.microsoft.com/office/powerpoint/2010/main" val="1422381103"/>
+      </p:ext>
+    </p:extLst>
+  </p:cSld>
+  <p:clrMapOvr>
+    <a:masterClrMapping/>
+  </p:clrMapOvr>
+</p:sld>
+</file>
+
+<file path=ppt/slides/slide2.xml><?xml version="1.0" encoding="utf-8"?>
+<p:sld xmlns:a="http://schemas.openxmlformats.org/drawingml/2006/main" xmlns:r="http://schemas.openxmlformats.org/officeDocument/2006/relationships" xmlns:p="http://schemas.openxmlformats.org/presentationml/2006/main">
+  <p:cSld>
+    <p:spTree>
+      <p:nvGrpSpPr>
+        <p:cNvPr id="1" name=""/>
+        <p:cNvGrpSpPr/>
+        <p:nvPr/>
+      </p:nvGrpSpPr>
+      <p:grpSpPr>
+        <a:xfrm>
+          <a:off x="0" y="0"/>
+          <a:ext cx="0" cy="0"/>
+          <a:chOff x="0" y="0"/>
+          <a:chExt cx="0" cy="0"/>
+        </a:xfrm>
+      </p:grpSpPr>
+      <p:sp>
+        <p:nvSpPr>
+          <p:cNvPr id="2" name="Title 1"/>
+          <p:cNvSpPr>
+            <a:spLocks noGrp="1"/>
+          </p:cNvSpPr>
+          <p:nvPr>
+            <p:ph type="title"/>
+          </p:nvPr>
+        </p:nvSpPr>
+        <p:spPr/>
+        <p:txBody>
+          <a:bodyPr/>
+          <a:lstStyle/>
+          <a:p>
+            <a:r>
+              <a:rPr lang="en-US" dirty="0" smtClean="0"/>
+              <a:t>Simulation setup</a:t>
+            </a:r>
+            <a:endParaRPr lang="en-US" dirty="0"/>
+          </a:p>
+        </p:txBody>
+      </p:sp>
+      <mc:AlternateContent xmlns:mc="http://schemas.openxmlformats.org/markup-compatibility/2006">
+        <mc:Choice xmlns:a14="http://schemas.microsoft.com/office/drawing/2010/main" Requires="a14">
+          <p:sp>
+            <p:nvSpPr>
+              <p:cNvPr id="3" name="Content Placeholder 2"/>
+              <p:cNvSpPr>
+                <a:spLocks noGrp="1"/>
+              </p:cNvSpPr>
+              <p:nvPr>
+                <p:ph idx="1"/>
+              </p:nvPr>
+            </p:nvSpPr>
+            <p:spPr/>
+            <p:txBody>
+              <a:bodyPr>
+                <a:noAutofit/>
+              </a:bodyPr>
+              <a:lstStyle/>
+              <a:p>
+                <a:r>
+                  <a:rPr lang="en-US" sz="1600" dirty="0" smtClean="0"/>
+                  <a:t>Three algorithms are analyzed on </a:t>
+                </a:r>
+                <a:r>
+                  <a:rPr lang="en-US" sz="1600" dirty="0" smtClean="0"/>
+                  <a:t>a 19+2-state and 7+2-state 1D </a:t>
+                </a:r>
+                <a:r>
+                  <a:rPr lang="en-US" sz="1600" dirty="0" err="1" smtClean="0"/>
+                  <a:t>gridworld</a:t>
+                </a:r>
+                <a:r>
+                  <a:rPr lang="en-US" sz="1600" dirty="0" smtClean="0"/>
+                  <a:t> with non-zero rewards only at left-most and right-most states.</a:t>
+                </a:r>
+              </a:p>
+              <a:p>
+                <a:pPr lvl="1"/>
+                <a:r>
+                  <a:rPr lang="en-US" sz="1400" dirty="0" smtClean="0"/>
+                  <a:t>First-visit MC</a:t>
+                </a:r>
+              </a:p>
+              <a:p>
+                <a:pPr lvl="1"/>
+                <a:r>
+                  <a:rPr lang="en-US" sz="1400" dirty="0" smtClean="0"/>
+                  <a:t>TD(</a:t>
+                </a:r>
+                <a:r>
+                  <a:rPr lang="en-US" sz="1400" dirty="0" smtClean="0">
+                    <a:sym typeface="Symbol"/>
+                  </a:rPr>
+                  <a:t>)</a:t>
+                </a:r>
+              </a:p>
+              <a:p>
+                <a:pPr lvl="1"/>
+                <a:r>
+                  <a:rPr lang="en-US" sz="1400" dirty="0" smtClean="0"/>
+                  <a:t>Adaptive TD</a:t>
+                </a:r>
+                <a:r>
+                  <a:rPr lang="en-US" sz="1400" dirty="0"/>
+                  <a:t>(</a:t>
+                </a:r>
+                <a:r>
+                  <a:rPr lang="en-US" sz="1400" dirty="0">
+                    <a:sym typeface="Symbol"/>
+                  </a:rPr>
+                  <a:t></a:t>
+                </a:r>
+                <a:r>
+                  <a:rPr lang="en-US" sz="1400" dirty="0" smtClean="0">
+                    <a:sym typeface="Symbol"/>
+                  </a:rPr>
+                  <a:t>), i.e. with a state-dependent </a:t>
+                </a:r>
+                <a:endParaRPr lang="en-US" sz="1400" dirty="0" smtClean="0"/>
+              </a:p>
+              <a:p>
+                <a:r>
+                  <a:rPr lang="en-US" sz="1600" b="1" dirty="0" smtClean="0"/>
+                  <a:t>Four set of simulations </a:t>
+                </a:r>
+                <a:r>
+                  <a:rPr lang="en-US" sz="1600" b="1" dirty="0" smtClean="0"/>
+                  <a:t>are carried out for each algorithm </a:t>
+                </a:r>
+                <a:r>
+                  <a:rPr lang="en-US" sz="1600" dirty="0" smtClean="0"/>
+                  <a:t>making up </a:t>
+                </a:r>
+                <a:r>
+                  <a:rPr lang="en-US" sz="1600" dirty="0" smtClean="0"/>
+                  <a:t>12 </a:t>
+                </a:r>
+                <a:r>
+                  <a:rPr lang="en-US" sz="1600" dirty="0" smtClean="0"/>
+                  <a:t>simulations shown in </a:t>
+                </a:r>
+                <a:r>
+                  <a:rPr lang="en-US" sz="1600" dirty="0" smtClean="0"/>
+                  <a:t>12 different </a:t>
+                </a:r>
+                <a:r>
+                  <a:rPr lang="en-US" sz="1600" dirty="0" smtClean="0"/>
+                  <a:t>pages, where the RMSE by episode averaged over 10 </a:t>
+                </a:r>
+                <a:r>
+                  <a:rPr lang="en-US" sz="1600" dirty="0" smtClean="0"/>
+                  <a:t>or 5 experiments </a:t>
+                </a:r>
+                <a:r>
+                  <a:rPr lang="en-US" sz="1600" dirty="0" smtClean="0"/>
+                  <a:t>is </a:t>
+                </a:r>
+                <a:r>
+                  <a:rPr lang="en-US" sz="1600" dirty="0" smtClean="0"/>
+                  <a:t>plotted. The four set of </a:t>
+                </a:r>
+                <a:r>
+                  <a:rPr lang="en-US" sz="1600" dirty="0" smtClean="0"/>
+                  <a:t>simulations are as follows</a:t>
+                </a:r>
+                <a:endParaRPr lang="en-US" sz="1600" dirty="0" smtClean="0"/>
+              </a:p>
+              <a:p>
+                <a:pPr marL="800100" lvl="1" indent="-342900">
+                  <a:buFont typeface="+mj-lt"/>
+                  <a:buAutoNum type="alphaUcPeriod"/>
+                </a:pPr>
+                <a:r>
+                  <a:rPr lang="en-US" sz="1400" dirty="0" smtClean="0">
+                    <a:solidFill>
+                      <a:schemeClr val="tx2"/>
+                    </a:solidFill>
+                    <a:sym typeface="Symbol"/>
+                  </a:rPr>
+                  <a:t> is adjusted by state </a:t>
+                </a:r>
+                <a:r>
+                  <a:rPr lang="en-US" sz="1400" dirty="0" smtClean="0">
+                    <a:solidFill>
+                      <a:schemeClr val="tx2"/>
+                    </a:solidFill>
+                    <a:sym typeface="Symbol"/>
+                  </a:rPr>
+                  <a:t>count on the 19+2-state </a:t>
+                </a:r>
+                <a:r>
+                  <a:rPr lang="en-US" sz="1400" dirty="0" err="1" smtClean="0">
+                    <a:solidFill>
+                      <a:schemeClr val="tx2"/>
+                    </a:solidFill>
+                    <a:sym typeface="Symbol"/>
+                  </a:rPr>
+                  <a:t>gridworld</a:t>
+                </a:r>
+                <a:endParaRPr lang="en-US" sz="1400" dirty="0" smtClean="0">
+                  <a:solidFill>
+                    <a:schemeClr val="tx2"/>
+                  </a:solidFill>
+                  <a:sym typeface="Symbol"/>
+                </a:endParaRPr>
+              </a:p>
+              <a:p>
+                <a:pPr marL="800100" lvl="1" indent="-342900">
+                  <a:buFont typeface="+mj-lt"/>
+                  <a:buAutoNum type="alphaUcPeriod"/>
+                </a:pPr>
+                <a:r>
+                  <a:rPr lang="en-US" sz="1400" dirty="0">
+                    <a:solidFill>
+                      <a:schemeClr val="tx2"/>
+                    </a:solidFill>
+                    <a:sym typeface="Symbol"/>
+                  </a:rPr>
+                  <a:t> is adjusted by </a:t>
+                </a:r>
+                <a:r>
+                  <a:rPr lang="en-US" sz="1400" dirty="0" smtClean="0">
+                    <a:solidFill>
+                      <a:schemeClr val="tx2"/>
+                    </a:solidFill>
+                    <a:sym typeface="Symbol"/>
+                  </a:rPr>
+                  <a:t>episode on </a:t>
+                </a:r>
+                <a:r>
+                  <a:rPr lang="en-US" sz="1400" dirty="0">
+                    <a:solidFill>
+                      <a:schemeClr val="tx2"/>
+                    </a:solidFill>
+                    <a:sym typeface="Symbol"/>
+                  </a:rPr>
+                  <a:t>the 19+2-state </a:t>
+                </a:r>
+                <a:r>
+                  <a:rPr lang="en-US" sz="1400" dirty="0" err="1" smtClean="0">
+                    <a:solidFill>
+                      <a:schemeClr val="tx2"/>
+                    </a:solidFill>
+                    <a:sym typeface="Symbol"/>
+                  </a:rPr>
+                  <a:t>gridworld</a:t>
+                </a:r>
+                <a:endParaRPr lang="en-US" sz="1400" dirty="0" smtClean="0">
+                  <a:solidFill>
+                    <a:schemeClr val="tx2"/>
+                  </a:solidFill>
+                  <a:sym typeface="Symbol"/>
+                </a:endParaRPr>
+              </a:p>
+              <a:p>
+                <a:pPr marL="800100" lvl="1" indent="-342900">
+                  <a:buFont typeface="+mj-lt"/>
+                  <a:buAutoNum type="alphaUcPeriod"/>
+                </a:pPr>
+                <a:r>
+                  <a:rPr lang="en-US" sz="1400" dirty="0">
+                    <a:solidFill>
+                      <a:schemeClr val="tx2"/>
+                    </a:solidFill>
+                    <a:sym typeface="Symbol"/>
+                  </a:rPr>
+                  <a:t> is adjusted by </a:t>
+                </a:r>
+                <a:r>
+                  <a:rPr lang="en-US" sz="1400" dirty="0" smtClean="0">
+                    <a:solidFill>
+                      <a:schemeClr val="tx2"/>
+                    </a:solidFill>
+                    <a:sym typeface="Symbol"/>
+                  </a:rPr>
+                  <a:t>FIRST-VISIT state count on the 19+2-state </a:t>
+                </a:r>
+                <a:r>
+                  <a:rPr lang="en-US" sz="1400" dirty="0" err="1" smtClean="0">
+                    <a:solidFill>
+                      <a:schemeClr val="tx2"/>
+                    </a:solidFill>
+                    <a:sym typeface="Symbol"/>
+                  </a:rPr>
+                  <a:t>gridworld</a:t>
+                </a:r>
+                <a:endParaRPr lang="en-US" sz="1400" dirty="0" smtClean="0">
+                  <a:solidFill>
+                    <a:schemeClr val="tx2"/>
+                  </a:solidFill>
+                  <a:sym typeface="Symbol"/>
+                </a:endParaRPr>
+              </a:p>
+              <a:p>
+                <a:pPr marL="800100" lvl="1" indent="-342900">
+                  <a:buFont typeface="+mj-lt"/>
+                  <a:buAutoNum type="alphaUcPeriod"/>
+                </a:pPr>
+                <a:r>
+                  <a:rPr lang="en-US" sz="1400" dirty="0">
+                    <a:solidFill>
+                      <a:srgbClr val="00B050"/>
+                    </a:solidFill>
+                    <a:sym typeface="Symbol"/>
+                  </a:rPr>
+                  <a:t> is adjusted by FIRST-VISIT state count on the </a:t>
+                </a:r>
+                <a:r>
+                  <a:rPr lang="en-US" sz="1400" dirty="0" smtClean="0">
+                    <a:solidFill>
+                      <a:srgbClr val="00B050"/>
+                    </a:solidFill>
+                    <a:sym typeface="Symbol"/>
+                  </a:rPr>
+                  <a:t>7+2-state </a:t>
+                </a:r>
+                <a:r>
+                  <a:rPr lang="en-US" sz="1400" dirty="0" err="1" smtClean="0">
+                    <a:solidFill>
+                      <a:srgbClr val="00B050"/>
+                    </a:solidFill>
+                    <a:sym typeface="Symbol"/>
+                  </a:rPr>
+                  <a:t>gridworld</a:t>
+                </a:r>
+                <a:endParaRPr lang="en-US" sz="1400" dirty="0" smtClean="0">
+                  <a:solidFill>
+                    <a:srgbClr val="00B050"/>
+                  </a:solidFill>
+                  <a:sym typeface="Symbol"/>
+                </a:endParaRPr>
+              </a:p>
+              <a:p>
+                <a:pPr marL="363538" indent="0">
+                  <a:buNone/>
+                </a:pPr>
+                <a:r>
+                  <a:rPr lang="en-US" sz="1400" i="1" dirty="0" smtClean="0"/>
+                  <a:t>For </a:t>
+                </a:r>
+                <a:r>
+                  <a:rPr lang="en-US" sz="1400" b="1" i="1" dirty="0" smtClean="0"/>
+                  <a:t>adaptive TD(</a:t>
+                </a:r>
+                <a:r>
+                  <a:rPr lang="en-US" sz="1400" b="1" i="1" dirty="0" smtClean="0">
+                    <a:sym typeface="Symbol"/>
+                  </a:rPr>
+                  <a:t>)</a:t>
+                </a:r>
+                <a:r>
+                  <a:rPr lang="en-US" sz="1400" i="1" dirty="0">
+                    <a:sym typeface="Symbol"/>
+                  </a:rPr>
+                  <a:t>, </a:t>
+                </a:r>
+                <a:r>
+                  <a:rPr lang="en-US" sz="1400" i="1" dirty="0">
+                    <a:solidFill>
+                      <a:schemeClr val="tx2"/>
+                    </a:solidFill>
+                    <a:sym typeface="Symbol"/>
+                  </a:rPr>
+                  <a:t> in </a:t>
+                </a:r>
+                <a:r>
+                  <a:rPr lang="en-US" sz="1400" i="1" dirty="0" smtClean="0">
+                    <a:solidFill>
+                      <a:schemeClr val="tx2"/>
+                    </a:solidFill>
+                    <a:sym typeface="Symbol"/>
+                  </a:rPr>
+                  <a:t>(A), (B) </a:t>
+                </a:r>
+                <a:r>
+                  <a:rPr lang="en-US" sz="1400" i="1" dirty="0">
+                    <a:solidFill>
+                      <a:schemeClr val="tx2"/>
+                    </a:solidFill>
+                    <a:sym typeface="Symbol"/>
+                  </a:rPr>
+                  <a:t>and </a:t>
+                </a:r>
+                <a:r>
+                  <a:rPr lang="en-US" sz="1400" i="1" dirty="0" smtClean="0">
+                    <a:solidFill>
+                      <a:schemeClr val="tx2"/>
+                    </a:solidFill>
+                    <a:sym typeface="Symbol"/>
+                  </a:rPr>
+                  <a:t>(C) </a:t>
+                </a:r>
+                <a:r>
+                  <a:rPr lang="en-US" sz="1400" i="1" dirty="0">
+                    <a:solidFill>
+                      <a:schemeClr val="tx2"/>
+                    </a:solidFill>
+                    <a:sym typeface="Symbol"/>
+                  </a:rPr>
+                  <a:t>is </a:t>
+                </a:r>
+                <a:r>
+                  <a:rPr lang="en-US" sz="1400" i="1" dirty="0" smtClean="0">
+                    <a:solidFill>
+                      <a:schemeClr val="tx2"/>
+                    </a:solidFill>
+                    <a:sym typeface="Symbol"/>
+                  </a:rPr>
+                  <a:t>considered a state-dependent value that is defined </a:t>
+                </a:r>
+                <a:r>
+                  <a:rPr lang="en-US" sz="1400" i="1" dirty="0" smtClean="0">
+                    <a:solidFill>
+                      <a:schemeClr val="tx2"/>
+                    </a:solidFill>
+                    <a:sym typeface="Symbol"/>
+                  </a:rPr>
+                  <a:t>by a Boltzman</a:t>
+                </a:r>
+                <a:r>
+                  <a:rPr lang="en-US" sz="1400" i="1" dirty="0" smtClean="0">
+                    <a:solidFill>
+                      <a:schemeClr val="tx2"/>
+                    </a:solidFill>
+                    <a:sym typeface="Symbol"/>
+                  </a:rPr>
+                  <a:t>n function of (t)/V(S(t)), i.e. of the </a:t>
+                </a:r>
+                <a:r>
+                  <a:rPr lang="en-US" sz="1400" b="1" i="1" dirty="0" smtClean="0">
+                    <a:solidFill>
+                      <a:schemeClr val="tx2"/>
+                    </a:solidFill>
+                    <a:sym typeface="Symbol"/>
+                  </a:rPr>
+                  <a:t>target error relative to the state’s value visited at time t</a:t>
+                </a:r>
+                <a:r>
+                  <a:rPr lang="en-US" sz="1400" i="1" dirty="0" smtClean="0">
+                    <a:sym typeface="Symbol"/>
+                  </a:rPr>
+                  <a:t>, while </a:t>
+                </a:r>
+                <a:r>
+                  <a:rPr lang="en-US" sz="1400" i="1" dirty="0" smtClean="0">
+                    <a:solidFill>
+                      <a:srgbClr val="00B050"/>
+                    </a:solidFill>
+                    <a:sym typeface="Symbol"/>
+                  </a:rPr>
+                  <a:t>in case (D) it is defined by a Boltzmann function of </a:t>
+                </a:r>
+                <a:r>
+                  <a:rPr lang="en-US" sz="1400" i="1" dirty="0">
+                    <a:solidFill>
+                      <a:srgbClr val="00B050"/>
+                    </a:solidFill>
+                    <a:sym typeface="Symbol"/>
+                  </a:rPr>
+                  <a:t>(t)</a:t>
+                </a:r>
+                <a:r>
+                  <a:rPr lang="en-US" sz="1400" dirty="0">
+                    <a:solidFill>
+                      <a:srgbClr val="00B050"/>
+                    </a:solidFill>
+                    <a:sym typeface="Symbol"/>
+                  </a:rPr>
+                  <a:t>/</a:t>
+                </a:r>
+                <a14:m>
+                  <m:oMath xmlns:m="http://schemas.openxmlformats.org/officeDocument/2006/math">
+                    <m:acc>
+                      <m:accPr>
+                        <m:chr m:val="̅"/>
+                        <m:ctrlPr>
+                          <a:rPr lang="en-US" sz="1400" i="1">
+                            <a:solidFill>
+                              <a:srgbClr val="00B050"/>
+                            </a:solidFill>
+                            <a:latin typeface="Cambria Math"/>
+                            <a:sym typeface="Symbol"/>
+                          </a:rPr>
+                        </m:ctrlPr>
+                      </m:accPr>
+                      <m:e>
+                        <m:r>
+                          <a:rPr lang="en-US" sz="1400" i="1">
+                            <a:solidFill>
+                              <a:srgbClr val="00B050"/>
+                            </a:solidFill>
+                            <a:latin typeface="Cambria Math"/>
+                            <a:sym typeface="Symbol"/>
+                          </a:rPr>
+                          <m:t>𝑉</m:t>
+                        </m:r>
+                      </m:e>
+                    </m:acc>
+                    <m:r>
+                      <a:rPr lang="en-US" sz="1400" i="1">
+                        <a:solidFill>
+                          <a:srgbClr val="00B050"/>
+                        </a:solidFill>
+                        <a:latin typeface="Cambria Math"/>
+                        <a:sym typeface="Symbol"/>
+                      </a:rPr>
+                      <m:t>(</m:t>
+                    </m:r>
+                    <m:r>
+                      <a:rPr lang="en-US" sz="1400" i="1">
+                        <a:solidFill>
+                          <a:srgbClr val="00B050"/>
+                        </a:solidFill>
+                        <a:latin typeface="Cambria Math"/>
+                        <a:sym typeface="Symbol"/>
+                      </a:rPr>
+                      <m:t>𝑡</m:t>
+                    </m:r>
+                    <m:r>
+                      <a:rPr lang="en-US" sz="1400" i="1">
+                        <a:solidFill>
+                          <a:srgbClr val="00B050"/>
+                        </a:solidFill>
+                        <a:latin typeface="Cambria Math"/>
+                        <a:sym typeface="Symbol"/>
+                      </a:rPr>
+                      <m:t>)</m:t>
+                    </m:r>
+                  </m:oMath>
+                </a14:m>
+                <a:r>
+                  <a:rPr lang="en-US" sz="1400" i="1" dirty="0" smtClean="0">
+                    <a:solidFill>
+                      <a:srgbClr val="00B050"/>
+                    </a:solidFill>
+                  </a:rPr>
+                  <a:t>, i.e. of the </a:t>
+                </a:r>
+                <a:r>
+                  <a:rPr lang="en-US" sz="1400" b="1" i="1" dirty="0" smtClean="0">
+                    <a:solidFill>
+                      <a:srgbClr val="00B050"/>
+                    </a:solidFill>
+                  </a:rPr>
+                  <a:t>target error relative to the average estimated value function </a:t>
+                </a:r>
+                <a:r>
+                  <a:rPr lang="en-US" sz="1400" i="1" dirty="0" smtClean="0">
+                    <a:solidFill>
+                      <a:srgbClr val="00B050"/>
+                    </a:solidFill>
+                  </a:rPr>
+                  <a:t>over all states at time t</a:t>
+                </a:r>
+                <a:r>
+                  <a:rPr lang="en-US" sz="1400" i="1" dirty="0" smtClean="0"/>
+                  <a:t>. The latter setup is considered in an attempt to eliminate the undesired situation of large ratios </a:t>
+                </a:r>
+                <a:r>
+                  <a:rPr lang="en-US" sz="1400" i="1" dirty="0"/>
+                  <a:t>for very small V(S(t)) </a:t>
+                </a:r>
+                <a:r>
+                  <a:rPr lang="en-US" sz="1400" i="1" dirty="0" smtClean="0"/>
+                  <a:t>(as is the case for middle states).</a:t>
+                </a:r>
+                <a:endParaRPr lang="en-US" sz="1400" i="1" dirty="0" smtClean="0"/>
+              </a:p>
+              <a:p>
+                <a:r>
+                  <a:rPr lang="en-US" sz="1600" dirty="0" smtClean="0">
+                    <a:sym typeface="Symbol"/>
+                  </a:rPr>
+                  <a:t>For TD(), a set of </a:t>
+                </a:r>
+                <a:r>
+                  <a:rPr lang="en-US" sz="1600" b="1" dirty="0" smtClean="0">
+                    <a:sym typeface="Symbol"/>
+                  </a:rPr>
+                  <a:t>different  values </a:t>
+                </a:r>
+                <a:r>
+                  <a:rPr lang="en-US" sz="1600" dirty="0" smtClean="0">
+                    <a:sym typeface="Symbol"/>
+                  </a:rPr>
+                  <a:t>are considered and compared.</a:t>
+                </a:r>
+                <a:endParaRPr lang="en-US" sz="1600" dirty="0" smtClean="0">
+                  <a:sym typeface="Symbol"/>
+                </a:endParaRPr>
+              </a:p>
+              <a:p>
+                <a:r>
+                  <a:rPr lang="en-US" sz="1600" i="1" dirty="0" smtClean="0">
+                    <a:sym typeface="Symbol"/>
+                  </a:rPr>
+                  <a:t>All </a:t>
+                </a:r>
+                <a:r>
+                  <a:rPr lang="en-US" sz="1600" i="1" dirty="0" smtClean="0">
+                    <a:sym typeface="Symbol"/>
+                  </a:rPr>
+                  <a:t>plots on the LHS are visually comparable as they use the same scale.</a:t>
+                </a:r>
+              </a:p>
+              <a:p>
+                <a:endParaRPr lang="en-US" sz="1600" dirty="0" smtClean="0"/>
+              </a:p>
+              <a:p>
+                <a:endParaRPr lang="en-US" sz="1600" dirty="0" smtClean="0"/>
+              </a:p>
+              <a:p>
+                <a:endParaRPr lang="en-US" sz="1600" dirty="0"/>
+              </a:p>
+            </p:txBody>
+          </p:sp>
+        </mc:Choice>
+        <mc:Fallback>
+          <p:sp>
+            <p:nvSpPr>
+              <p:cNvPr id="3" name="Content Placeholder 2"/>
+              <p:cNvSpPr>
+                <a:spLocks noGrp="1" noRot="1" noChangeAspect="1" noMove="1" noResize="1" noEditPoints="1" noAdjustHandles="1" noChangeArrowheads="1" noChangeShapeType="1" noTextEdit="1"/>
+              </p:cNvSpPr>
+              <p:nvPr>
+                <p:ph idx="1"/>
+              </p:nvPr>
+            </p:nvSpPr>
+            <p:spPr>
+              <a:blipFill rotWithShape="1">
+                <a:blip r:embed="rId2"/>
+                <a:stretch>
+                  <a:fillRect l="-222" t="-388" b="-4528"/>
+                </a:stretch>
+              </a:blipFill>
+            </p:spPr>
+            <p:txBody>
+              <a:bodyPr/>
+              <a:lstStyle/>
+              <a:p>
+                <a:r>
+                  <a:rPr lang="en-US">
+                    <a:noFill/>
+                  </a:rPr>
+                  <a:t> </a:t>
+                </a:r>
+              </a:p>
+            </p:txBody>
+          </p:sp>
+        </mc:Fallback>
+      </mc:AlternateContent>
+      <p:sp>
+        <p:nvSpPr>
+          <p:cNvPr id="4" name="Slide Number Placeholder 3"/>
+          <p:cNvSpPr>
+            <a:spLocks noGrp="1"/>
+          </p:cNvSpPr>
+          <p:nvPr>
+            <p:ph type="sldNum" sz="quarter" idx="12"/>
+          </p:nvPr>
+        </p:nvSpPr>
+        <p:spPr/>
+        <p:txBody>
+          <a:bodyPr/>
+          <a:lstStyle/>
+          <a:p>
+            <a:fld id="{62D96F91-737B-4795-86FD-3CFC620DA94D}" type="slidenum">
+              <a:rPr lang="en-US" smtClean="0"/>
+              <a:t>2</a:t>
+            </a:fld>
+            <a:endParaRPr lang="en-US"/>
+          </a:p>
+        </p:txBody>
+      </p:sp>
+    </p:spTree>
+    <p:extLst>
+      <p:ext uri="{BB962C8B-B14F-4D97-AF65-F5344CB8AC3E}">
+        <p14:creationId xmlns:p14="http://schemas.microsoft.com/office/powerpoint/2010/main" val="4175381661"/>
+      </p:ext>
+    </p:extLst>
+  </p:cSld>
+  <p:clrMapOvr>
+    <a:masterClrMapping/>
+  </p:clrMapOvr>
+</p:sld>
+</file>
+
+<file path=ppt/slides/slide20.xml><?xml version="1.0" encoding="utf-8"?>
+<p:sld xmlns:a="http://schemas.openxmlformats.org/drawingml/2006/main" xmlns:r="http://schemas.openxmlformats.org/officeDocument/2006/relationships" xmlns:p="http://schemas.openxmlformats.org/presentationml/2006/main">
+  <p:cSld>
+    <p:spTree>
+      <p:nvGrpSpPr>
+        <p:cNvPr id="1" name=""/>
+        <p:cNvGrpSpPr/>
+        <p:nvPr/>
+      </p:nvGrpSpPr>
+      <p:grpSpPr>
+        <a:xfrm>
+          <a:off x="0" y="0"/>
+          <a:ext cx="0" cy="0"/>
+          <a:chOff x="0" y="0"/>
+          <a:chExt cx="0" cy="0"/>
+        </a:xfrm>
+      </p:grpSpPr>
+      <p:sp>
+        <p:nvSpPr>
+          <p:cNvPr id="2" name="Title 1"/>
+          <p:cNvSpPr>
+            <a:spLocks noGrp="1"/>
+          </p:cNvSpPr>
+          <p:nvPr>
+            <p:ph type="title"/>
+          </p:nvPr>
+        </p:nvSpPr>
+        <p:spPr/>
+        <p:txBody>
+          <a:bodyPr/>
+          <a:lstStyle/>
+          <a:p>
+            <a:r>
+              <a:rPr lang="en-US" dirty="0" smtClean="0"/>
+              <a:t>Conclusions (1/2)</a:t>
+            </a:r>
+            <a:endParaRPr lang="en-US" dirty="0"/>
+          </a:p>
+        </p:txBody>
+      </p:sp>
+      <p:sp>
+        <p:nvSpPr>
+          <p:cNvPr id="3" name="Content Placeholder 2"/>
+          <p:cNvSpPr>
+            <a:spLocks noGrp="1"/>
+          </p:cNvSpPr>
+          <p:nvPr>
+            <p:ph idx="1"/>
+          </p:nvPr>
+        </p:nvSpPr>
+        <p:spPr/>
+        <p:txBody>
+          <a:bodyPr>
+            <a:normAutofit fontScale="92500" lnSpcReduction="10000"/>
+          </a:bodyPr>
+          <a:lstStyle/>
+          <a:p>
+            <a:pPr marL="0" indent="0">
+              <a:buNone/>
+            </a:pPr>
+            <a:r>
+              <a:rPr lang="en-US" sz="3000" b="1" dirty="0" smtClean="0"/>
+              <a:t>In terms of </a:t>
+            </a:r>
+            <a:r>
+              <a:rPr lang="en-US" sz="3000" b="1" dirty="0" smtClean="0">
+                <a:sym typeface="Symbol"/>
+              </a:rPr>
+              <a:t>-update strategies</a:t>
+            </a:r>
+          </a:p>
+          <a:p>
+            <a:pPr marL="0" indent="0">
+              <a:buNone/>
+            </a:pPr>
+            <a:r>
+              <a:rPr lang="en-US" sz="2400" dirty="0" smtClean="0"/>
+              <a:t>Given the </a:t>
+            </a:r>
+            <a:r>
+              <a:rPr lang="en-US" sz="2400" dirty="0" smtClean="0">
+                <a:sym typeface="Symbol"/>
+              </a:rPr>
+              <a:t>convergence rates observed in the 1D </a:t>
+            </a:r>
+            <a:r>
+              <a:rPr lang="en-US" sz="2400" dirty="0" err="1" smtClean="0">
+                <a:sym typeface="Symbol"/>
+              </a:rPr>
+              <a:t>gridworld</a:t>
+            </a:r>
+            <a:r>
+              <a:rPr lang="en-US" sz="2400" dirty="0" smtClean="0">
+                <a:sym typeface="Symbol"/>
+              </a:rPr>
+              <a:t> environment </a:t>
+            </a:r>
+            <a:r>
+              <a:rPr lang="en-US" sz="2400" dirty="0" smtClean="0"/>
+              <a:t>for the three </a:t>
+            </a:r>
+            <a:r>
+              <a:rPr lang="en-US" sz="2400" dirty="0" smtClean="0">
+                <a:sym typeface="Symbol"/>
+              </a:rPr>
+              <a:t>studied -update </a:t>
+            </a:r>
+            <a:r>
+              <a:rPr lang="en-US" sz="2400" dirty="0" smtClean="0"/>
+              <a:t>strategies</a:t>
+            </a:r>
+            <a:r>
+              <a:rPr lang="en-US" sz="2400" dirty="0" smtClean="0">
+                <a:sym typeface="Symbol"/>
+              </a:rPr>
+              <a:t>, </a:t>
+            </a:r>
+            <a:r>
+              <a:rPr lang="en-US" sz="2400" dirty="0" smtClean="0">
+                <a:sym typeface="Symbol"/>
+              </a:rPr>
+              <a:t>we may conclude that:</a:t>
+            </a:r>
+            <a:endParaRPr lang="en-US" sz="2400" dirty="0" smtClean="0"/>
+          </a:p>
+          <a:p>
+            <a:pPr marL="457200" indent="-457200">
+              <a:buFont typeface="+mj-lt"/>
+              <a:buAutoNum type="arabicPeriod"/>
+            </a:pPr>
+            <a:r>
+              <a:rPr lang="en-US" sz="2400" b="1" dirty="0" smtClean="0"/>
+              <a:t>Update by state count </a:t>
+            </a:r>
+            <a:r>
+              <a:rPr lang="en-US" sz="2400" dirty="0" smtClean="0"/>
+              <a:t>is too aggressive, as it prevents most algorithms to learn fast enough</a:t>
+            </a:r>
+            <a:r>
+              <a:rPr lang="en-US" sz="2400" baseline="30000" dirty="0" smtClean="0"/>
+              <a:t>(*)</a:t>
+            </a:r>
+            <a:r>
+              <a:rPr lang="en-US" sz="2400" dirty="0" smtClean="0">
+                <a:sym typeface="Symbol"/>
+              </a:rPr>
+              <a:t>.</a:t>
+            </a:r>
+            <a:endParaRPr lang="en-US" sz="2400" dirty="0" smtClean="0"/>
+          </a:p>
+          <a:p>
+            <a:pPr marL="457200" indent="-457200">
+              <a:buFont typeface="+mj-lt"/>
+              <a:buAutoNum type="arabicPeriod"/>
+            </a:pPr>
+            <a:r>
+              <a:rPr lang="en-US" sz="2400" b="1" dirty="0" smtClean="0"/>
+              <a:t>Update by episode </a:t>
+            </a:r>
+            <a:r>
+              <a:rPr lang="en-US" sz="2400" dirty="0" smtClean="0"/>
+              <a:t>is less aggressive, allowing the algorithm to learn for more time, but it penalizes states that are not visited in an episode.</a:t>
+            </a:r>
+          </a:p>
+          <a:p>
+            <a:pPr marL="457200" indent="-457200">
+              <a:buFont typeface="+mj-lt"/>
+              <a:buAutoNum type="arabicPeriod"/>
+            </a:pPr>
+            <a:r>
+              <a:rPr lang="en-US" sz="2400" b="1" dirty="0" smtClean="0"/>
+              <a:t>Update by FIRST-VISIT state count </a:t>
+            </a:r>
+            <a:r>
+              <a:rPr lang="en-US" sz="2400" dirty="0" smtClean="0"/>
+              <a:t>is a trade-off strategy, that brings the best from both worlds, as it proposes a less aggressive decrease than “by state count” strategy and at the same time does not penalize states non-visited in an episode.</a:t>
+            </a:r>
+          </a:p>
+          <a:p>
+            <a:endParaRPr lang="en-US" sz="2400" dirty="0" smtClean="0"/>
+          </a:p>
+          <a:p>
+            <a:endParaRPr lang="en-US" sz="2400" dirty="0"/>
+          </a:p>
+        </p:txBody>
+      </p:sp>
+      <p:sp>
+        <p:nvSpPr>
+          <p:cNvPr id="4" name="Slide Number Placeholder 3"/>
+          <p:cNvSpPr>
+            <a:spLocks noGrp="1"/>
+          </p:cNvSpPr>
+          <p:nvPr>
+            <p:ph type="sldNum" sz="quarter" idx="12"/>
+          </p:nvPr>
+        </p:nvSpPr>
+        <p:spPr/>
+        <p:txBody>
+          <a:bodyPr/>
+          <a:lstStyle/>
+          <a:p>
+            <a:fld id="{62D96F91-737B-4795-86FD-3CFC620DA94D}" type="slidenum">
+              <a:rPr lang="en-US" smtClean="0"/>
+              <a:t>20</a:t>
+            </a:fld>
+            <a:endParaRPr lang="en-US"/>
+          </a:p>
+        </p:txBody>
+      </p:sp>
+      <p:sp>
+        <p:nvSpPr>
+          <p:cNvPr id="5" name="TextBox 4"/>
+          <p:cNvSpPr txBox="1"/>
+          <p:nvPr/>
+        </p:nvSpPr>
+        <p:spPr>
+          <a:xfrm>
+            <a:off x="467544" y="6093296"/>
+            <a:ext cx="8206798" cy="576064"/>
+          </a:xfrm>
+          <a:prstGeom prst="rect">
+            <a:avLst/>
+          </a:prstGeom>
+          <a:noFill/>
+        </p:spPr>
+        <p:txBody>
+          <a:bodyPr wrap="square" rtlCol="0">
+            <a:noAutofit/>
+          </a:bodyPr>
+          <a:lstStyle/>
+          <a:p>
+            <a:r>
+              <a:rPr lang="en-US" sz="1400" dirty="0" smtClean="0"/>
+              <a:t>(*) This lack of learning most likely happens because the value of </a:t>
+            </a:r>
+            <a:r>
+              <a:rPr lang="en-US" sz="1400" dirty="0" smtClean="0">
+                <a:sym typeface="Symbol"/>
+              </a:rPr>
+              <a:t> is reduced even when there is no actual update of the state value because non-zero rewards only occur at the two terminal states.</a:t>
+            </a:r>
+            <a:endParaRPr lang="en-US" sz="1400" dirty="0"/>
+          </a:p>
+        </p:txBody>
+      </p:sp>
+    </p:spTree>
+    <p:extLst>
+      <p:ext uri="{BB962C8B-B14F-4D97-AF65-F5344CB8AC3E}">
+        <p14:creationId xmlns:p14="http://schemas.microsoft.com/office/powerpoint/2010/main" val="2908566134"/>
+      </p:ext>
+    </p:extLst>
+  </p:cSld>
+  <p:clrMapOvr>
+    <a:masterClrMapping/>
+  </p:clrMapOvr>
+</p:sld>
+</file>
+
+<file path=ppt/slides/slide21.xml><?xml version="1.0" encoding="utf-8"?>
+<p:sld xmlns:a="http://schemas.openxmlformats.org/drawingml/2006/main" xmlns:r="http://schemas.openxmlformats.org/officeDocument/2006/relationships" xmlns:p="http://schemas.openxmlformats.org/presentationml/2006/main">
+  <p:cSld>
+    <p:spTree>
+      <p:nvGrpSpPr>
+        <p:cNvPr id="1" name=""/>
+        <p:cNvGrpSpPr/>
+        <p:nvPr/>
+      </p:nvGrpSpPr>
+      <p:grpSpPr>
+        <a:xfrm>
+          <a:off x="0" y="0"/>
+          <a:ext cx="0" cy="0"/>
+          <a:chOff x="0" y="0"/>
+          <a:chExt cx="0" cy="0"/>
+        </a:xfrm>
+      </p:grpSpPr>
+      <p:sp>
+        <p:nvSpPr>
+          <p:cNvPr id="2" name="Title 1"/>
+          <p:cNvSpPr>
+            <a:spLocks noGrp="1"/>
+          </p:cNvSpPr>
+          <p:nvPr>
+            <p:ph type="title"/>
+          </p:nvPr>
+        </p:nvSpPr>
+        <p:spPr/>
+        <p:txBody>
+          <a:bodyPr/>
+          <a:lstStyle/>
+          <a:p>
+            <a:r>
+              <a:rPr lang="en-US" dirty="0" smtClean="0"/>
+              <a:t>Conclusions (2/2)</a:t>
+            </a:r>
+            <a:endParaRPr lang="en-US" dirty="0"/>
+          </a:p>
+        </p:txBody>
+      </p:sp>
+      <p:sp>
+        <p:nvSpPr>
+          <p:cNvPr id="3" name="Content Placeholder 2"/>
+          <p:cNvSpPr>
+            <a:spLocks noGrp="1"/>
+          </p:cNvSpPr>
+          <p:nvPr>
+            <p:ph idx="1"/>
+          </p:nvPr>
+        </p:nvSpPr>
+        <p:spPr>
+          <a:xfrm>
+            <a:off x="457200" y="1451917"/>
+            <a:ext cx="8229600" cy="4713387"/>
+          </a:xfrm>
+        </p:spPr>
+        <p:txBody>
+          <a:bodyPr>
+            <a:normAutofit lnSpcReduction="10000"/>
+          </a:bodyPr>
+          <a:lstStyle/>
+          <a:p>
+            <a:pPr marL="0" indent="0">
+              <a:buNone/>
+            </a:pPr>
+            <a:r>
+              <a:rPr lang="en-US" sz="3000" b="1" dirty="0" smtClean="0"/>
+              <a:t>In terms of </a:t>
+            </a:r>
+            <a:r>
+              <a:rPr lang="en-US" sz="3000" b="1" dirty="0" smtClean="0">
+                <a:sym typeface="Symbol"/>
+              </a:rPr>
+              <a:t>learning strategies</a:t>
+            </a:r>
+          </a:p>
+          <a:p>
+            <a:pPr marL="457200" indent="-457200">
+              <a:buFont typeface="+mj-lt"/>
+              <a:buAutoNum type="arabicPeriod"/>
+            </a:pPr>
+            <a:r>
+              <a:rPr lang="en-US" sz="2400" dirty="0" smtClean="0"/>
+              <a:t>The </a:t>
+            </a:r>
+            <a:r>
+              <a:rPr lang="en-US" sz="2400" b="1" dirty="0" smtClean="0"/>
+              <a:t>adaptive TD(</a:t>
+            </a:r>
+            <a:r>
+              <a:rPr lang="en-US" sz="2400" b="1" dirty="0" smtClean="0">
+                <a:sym typeface="Symbol"/>
+              </a:rPr>
+              <a:t>) </a:t>
+            </a:r>
+            <a:r>
+              <a:rPr lang="en-US" sz="2400" dirty="0" smtClean="0">
+                <a:sym typeface="Symbol"/>
+              </a:rPr>
+              <a:t>algorithm seems to </a:t>
+            </a:r>
+            <a:r>
+              <a:rPr lang="en-US" sz="2400" b="1" dirty="0" smtClean="0">
+                <a:sym typeface="Symbol"/>
+              </a:rPr>
+              <a:t>perform as good as the best  </a:t>
+            </a:r>
+            <a:r>
+              <a:rPr lang="en-US" sz="2400" dirty="0" smtClean="0">
+                <a:sym typeface="Symbol"/>
+              </a:rPr>
+              <a:t>among </a:t>
+            </a:r>
+            <a:r>
+              <a:rPr lang="en-US" sz="2400" b="1" dirty="0" smtClean="0">
+                <a:sym typeface="Symbol"/>
+              </a:rPr>
+              <a:t>TD()</a:t>
+            </a:r>
+            <a:r>
+              <a:rPr lang="en-US" sz="2400" dirty="0" smtClean="0">
+                <a:sym typeface="Symbol"/>
+              </a:rPr>
+              <a:t>, or even slightly better (in terms of faster convergence and possibly slightly slower RMSE), with the great advantage that there is no need to specify the value</a:t>
+            </a:r>
+            <a:r>
+              <a:rPr lang="en-US" sz="2400" dirty="0">
+                <a:sym typeface="Symbol"/>
+              </a:rPr>
+              <a:t> </a:t>
+            </a:r>
+            <a:r>
+              <a:rPr lang="en-US" sz="2400" dirty="0" smtClean="0">
+                <a:sym typeface="Symbol"/>
+              </a:rPr>
+              <a:t>of this </a:t>
+            </a:r>
+            <a:r>
+              <a:rPr lang="en-US" sz="2400" dirty="0" err="1" smtClean="0">
+                <a:sym typeface="Symbol"/>
+              </a:rPr>
+              <a:t>hyperparameter</a:t>
+            </a:r>
+            <a:r>
+              <a:rPr lang="en-US" sz="2400" dirty="0" smtClean="0">
+                <a:sym typeface="Symbol"/>
+              </a:rPr>
+              <a:t>.</a:t>
+            </a:r>
+          </a:p>
+          <a:p>
+            <a:pPr marL="457200" indent="-457200">
+              <a:buFont typeface="+mj-lt"/>
+              <a:buAutoNum type="arabicPeriod"/>
+            </a:pPr>
+            <a:endParaRPr lang="en-US" sz="2400" dirty="0" smtClean="0"/>
+          </a:p>
+          <a:p>
+            <a:pPr marL="457200" indent="-457200">
+              <a:buFont typeface="+mj-lt"/>
+              <a:buAutoNum type="arabicPeriod"/>
+            </a:pPr>
+            <a:r>
+              <a:rPr lang="en-US" sz="2400" dirty="0" smtClean="0"/>
+              <a:t>Out of the </a:t>
+            </a:r>
+            <a:r>
+              <a:rPr lang="en-US" sz="2400" b="1" dirty="0" smtClean="0"/>
+              <a:t>two state-dependent </a:t>
+            </a:r>
+            <a:r>
+              <a:rPr lang="en-US" sz="2400" b="1" dirty="0" smtClean="0">
+                <a:sym typeface="Symbol"/>
+              </a:rPr>
+              <a:t> strategies </a:t>
+            </a:r>
+            <a:r>
+              <a:rPr lang="en-US" sz="2400" dirty="0" smtClean="0">
+                <a:sym typeface="Symbol"/>
+              </a:rPr>
+              <a:t>considered for adaptive TD() </a:t>
+            </a:r>
+            <a:r>
+              <a:rPr lang="en-US" sz="2400" dirty="0">
+                <a:sym typeface="Symbol"/>
+              </a:rPr>
+              <a:t>--(C) vs. (D</a:t>
+            </a:r>
+            <a:r>
+              <a:rPr lang="en-US" sz="2400" dirty="0" smtClean="0">
+                <a:sym typeface="Symbol"/>
+              </a:rPr>
+              <a:t>)--</a:t>
+            </a:r>
+            <a:r>
+              <a:rPr lang="en-US" sz="2400" dirty="0" smtClean="0">
+                <a:sym typeface="Symbol"/>
+              </a:rPr>
+              <a:t>, the </a:t>
+            </a:r>
+            <a:r>
+              <a:rPr lang="en-US" sz="2400" b="1" dirty="0" smtClean="0">
+                <a:sym typeface="Symbol"/>
+              </a:rPr>
+              <a:t>best one </a:t>
+            </a:r>
+            <a:r>
+              <a:rPr lang="en-US" sz="2400" dirty="0" smtClean="0">
+                <a:sym typeface="Symbol"/>
+              </a:rPr>
+              <a:t>(smaller RMSE, faster convergence) chooses </a:t>
+            </a:r>
+            <a:r>
+              <a:rPr lang="en-US" sz="2400" b="1" dirty="0" smtClean="0">
+                <a:sym typeface="Symbol"/>
+              </a:rPr>
+              <a:t> as a function of the target erro</a:t>
+            </a:r>
+            <a:r>
+              <a:rPr lang="en-US" sz="2400" b="1" dirty="0" smtClean="0">
+                <a:sym typeface="Symbol"/>
+              </a:rPr>
+              <a:t>r relative to the average state value function estimate </a:t>
+            </a:r>
+            <a:r>
+              <a:rPr lang="en-US" sz="2400" dirty="0" smtClean="0">
+                <a:sym typeface="Symbol"/>
+              </a:rPr>
+              <a:t>over all states, which avoids divisions by a very small value observed in the other strategy.</a:t>
+            </a:r>
+            <a:endParaRPr lang="en-US" sz="2400" dirty="0" smtClean="0"/>
+          </a:p>
+        </p:txBody>
+      </p:sp>
+      <p:sp>
+        <p:nvSpPr>
+          <p:cNvPr id="4" name="Slide Number Placeholder 3"/>
+          <p:cNvSpPr>
+            <a:spLocks noGrp="1"/>
+          </p:cNvSpPr>
+          <p:nvPr>
+            <p:ph type="sldNum" sz="quarter" idx="12"/>
+          </p:nvPr>
+        </p:nvSpPr>
+        <p:spPr/>
+        <p:txBody>
+          <a:bodyPr/>
+          <a:lstStyle/>
+          <a:p>
+            <a:fld id="{62D96F91-737B-4795-86FD-3CFC620DA94D}" type="slidenum">
+              <a:rPr lang="en-US" smtClean="0"/>
+              <a:t>21</a:t>
+            </a:fld>
+            <a:endParaRPr lang="en-US"/>
+          </a:p>
+        </p:txBody>
+      </p:sp>
+      <p:sp>
+        <p:nvSpPr>
+          <p:cNvPr id="5" name="TextBox 4"/>
+          <p:cNvSpPr txBox="1"/>
+          <p:nvPr/>
+        </p:nvSpPr>
+        <p:spPr>
+          <a:xfrm>
+            <a:off x="467544" y="6093296"/>
+            <a:ext cx="8206798" cy="576064"/>
+          </a:xfrm>
+          <a:prstGeom prst="rect">
+            <a:avLst/>
+          </a:prstGeom>
+          <a:noFill/>
+        </p:spPr>
+        <p:txBody>
+          <a:bodyPr wrap="square" rtlCol="0">
+            <a:noAutofit/>
+          </a:bodyPr>
+          <a:lstStyle/>
+          <a:p>
+            <a:r>
+              <a:rPr lang="en-US" sz="1400" dirty="0" smtClean="0"/>
+              <a:t>(*) This lack of learning most likely happens because the value of </a:t>
+            </a:r>
+            <a:r>
+              <a:rPr lang="en-US" sz="1400" dirty="0" smtClean="0">
+                <a:sym typeface="Symbol"/>
+              </a:rPr>
+              <a:t> is reduced even when there is no actual update of the state value because non-zero rewards only occur at the two terminal states.</a:t>
+            </a:r>
+            <a:endParaRPr lang="en-US" sz="1400" dirty="0"/>
+          </a:p>
+        </p:txBody>
+      </p:sp>
+    </p:spTree>
+    <p:extLst>
+      <p:ext uri="{BB962C8B-B14F-4D97-AF65-F5344CB8AC3E}">
+        <p14:creationId xmlns:p14="http://schemas.microsoft.com/office/powerpoint/2010/main" val="1343350868"/>
+      </p:ext>
+    </p:extLst>
+  </p:cSld>
+  <p:clrMapOvr>
+    <a:masterClrMapping/>
+  </p:clrMapOvr>
+</p:sld>
+</file>
+
+<file path=ppt/slides/slide22.xml><?xml version="1.0" encoding="utf-8"?>
+<p:sld xmlns:a="http://schemas.openxmlformats.org/drawingml/2006/main" xmlns:r="http://schemas.openxmlformats.org/officeDocument/2006/relationships" xmlns:p="http://schemas.openxmlformats.org/presentationml/2006/main">
+  <p:cSld>
+    <p:spTree>
+      <p:nvGrpSpPr>
+        <p:cNvPr id="1" name=""/>
+        <p:cNvGrpSpPr/>
+        <p:nvPr/>
+      </p:nvGrpSpPr>
+      <p:grpSpPr>
+        <a:xfrm>
+          <a:off x="0" y="0"/>
+          <a:ext cx="0" cy="0"/>
+          <a:chOff x="0" y="0"/>
+          <a:chExt cx="0" cy="0"/>
+        </a:xfrm>
+      </p:grpSpPr>
+      <p:sp>
+        <p:nvSpPr>
+          <p:cNvPr id="2" name="Title 1"/>
+          <p:cNvSpPr>
+            <a:spLocks noGrp="1"/>
+          </p:cNvSpPr>
+          <p:nvPr>
+            <p:ph type="ctrTitle"/>
+          </p:nvPr>
+        </p:nvSpPr>
+        <p:spPr/>
+        <p:txBody>
+          <a:bodyPr/>
+          <a:lstStyle/>
+          <a:p>
+            <a:r>
+              <a:rPr lang="en-US" dirty="0" smtClean="0">
+                <a:sym typeface="Symbol"/>
+              </a:rPr>
+              <a:t>DRAFT</a:t>
+            </a:r>
+            <a:endParaRPr lang="en-US" dirty="0"/>
+          </a:p>
+        </p:txBody>
+      </p:sp>
+      <p:sp>
+        <p:nvSpPr>
+          <p:cNvPr id="3" name="Subtitle 2"/>
+          <p:cNvSpPr>
+            <a:spLocks noGrp="1"/>
+          </p:cNvSpPr>
+          <p:nvPr>
+            <p:ph type="subTitle" idx="1"/>
+          </p:nvPr>
+        </p:nvSpPr>
+        <p:spPr/>
+        <p:txBody>
+          <a:bodyPr/>
+          <a:lstStyle/>
+          <a:p>
+            <a:endParaRPr lang="en-US" dirty="0"/>
+          </a:p>
+        </p:txBody>
+      </p:sp>
+      <p:sp>
+        <p:nvSpPr>
+          <p:cNvPr id="4" name="Slide Number Placeholder 3"/>
+          <p:cNvSpPr>
+            <a:spLocks noGrp="1"/>
+          </p:cNvSpPr>
+          <p:nvPr>
+            <p:ph type="sldNum" sz="quarter" idx="12"/>
+          </p:nvPr>
+        </p:nvSpPr>
+        <p:spPr/>
+        <p:txBody>
+          <a:bodyPr/>
+          <a:lstStyle/>
+          <a:p>
+            <a:fld id="{62D96F91-737B-4795-86FD-3CFC620DA94D}" type="slidenum">
+              <a:rPr lang="en-US" smtClean="0"/>
+              <a:t>22</a:t>
+            </a:fld>
+            <a:endParaRPr lang="en-US"/>
+          </a:p>
+        </p:txBody>
+      </p:sp>
+    </p:spTree>
+    <p:extLst>
+      <p:ext uri="{BB962C8B-B14F-4D97-AF65-F5344CB8AC3E}">
+        <p14:creationId xmlns:p14="http://schemas.microsoft.com/office/powerpoint/2010/main" val="2823538222"/>
+      </p:ext>
+    </p:extLst>
+  </p:cSld>
+  <p:clrMapOvr>
+    <a:masterClrMapping/>
+  </p:clrMapOvr>
+  <p:timing>
+    <p:tnLst>
+      <p:par>
+        <p:cTn id="1" dur="indefinite" restart="never" nodeType="tmRoot"/>
+      </p:par>
+    </p:tnLst>
+  </p:timing>
+</p:sld>
+</file>
+
+<file path=ppt/slides/slide23.xml><?xml version="1.0" encoding="utf-8"?>
+<p:sld xmlns:a="http://schemas.openxmlformats.org/drawingml/2006/main" xmlns:r="http://schemas.openxmlformats.org/officeDocument/2006/relationships" xmlns:p="http://schemas.openxmlformats.org/presentationml/2006/main">
+  <p:cSld>
+    <p:spTree>
+      <p:nvGrpSpPr>
+        <p:cNvPr id="1" name=""/>
+        <p:cNvGrpSpPr/>
+        <p:nvPr/>
+      </p:nvGrpSpPr>
+      <p:grpSpPr>
+        <a:xfrm>
+          <a:off x="0" y="0"/>
+          <a:ext cx="0" cy="0"/>
+          <a:chOff x="0" y="0"/>
+          <a:chExt cx="0" cy="0"/>
+        </a:xfrm>
+      </p:grpSpPr>
+      <p:sp>
+        <p:nvSpPr>
+          <p:cNvPr id="2" name="Title 1"/>
+          <p:cNvSpPr>
+            <a:spLocks noGrp="1"/>
+          </p:cNvSpPr>
+          <p:nvPr>
+            <p:ph type="title"/>
+          </p:nvPr>
+        </p:nvSpPr>
+        <p:spPr/>
+        <p:txBody>
+          <a:bodyPr>
             <a:normAutofit fontScale="90000"/>
           </a:bodyPr>
           <a:lstStyle/>
@@ -4095,7 +7492,25 @@
               <a:rPr lang="en-US" sz="3100" dirty="0" smtClean="0">
                 <a:sym typeface="Symbol"/>
               </a:rPr>
-              <a:t>Three ways of  = function((t))</a:t>
+              <a:t>Three ways of </a:t>
+            </a:r>
+            <a:r>
+              <a:rPr lang="en-US" sz="3100" dirty="0" smtClean="0">
+                <a:sym typeface="Symbol"/>
+              </a:rPr>
+              <a:t>adjusting  as a function of </a:t>
+            </a:r>
+            <a:r>
+              <a:rPr lang="en-US" sz="3100" dirty="0" smtClean="0">
+                <a:sym typeface="Symbol"/>
+              </a:rPr>
+              <a:t>(t</a:t>
+            </a:r>
+            <a:r>
+              <a:rPr lang="en-US" sz="3100" dirty="0" smtClean="0">
+                <a:sym typeface="Symbol"/>
+              </a:rPr>
+              <a:t>)</a:t>
             </a:r>
             <a:endParaRPr lang="en-US" sz="3100" dirty="0"/>
           </a:p>
@@ -4118,7 +7533,7 @@
           <a:p>
             <a:fld id="{62D96F91-737B-4795-86FD-3CFC620DA94D}" type="slidenum">
               <a:rPr lang="en-US" smtClean="0"/>
-              <a:t>12</a:t>
+              <a:t>23</a:t>
             </a:fld>
             <a:endParaRPr lang="en-US"/>
           </a:p>
@@ -4186,8 +7601,8 @@
         </p:nvSpPr>
         <p:spPr>
           <a:xfrm>
-            <a:off x="845249" y="1700808"/>
-            <a:ext cx="2070567" cy="369332"/>
+            <a:off x="944125" y="1556792"/>
+            <a:ext cx="1939249" cy="523220"/>
           </a:xfrm>
           <a:prstGeom prst="rect">
             <a:avLst/>
@@ -4200,11 +7615,41 @@
           </a:bodyPr>
           <a:lstStyle/>
           <a:p>
-            <a:r>
-              <a:rPr lang="en-US" b="1" dirty="0" smtClean="0"/>
-              <a:t>~ |Delta| / |value |</a:t>
-            </a:r>
-            <a:endParaRPr lang="en-US" b="1" dirty="0"/>
+            <a:pPr algn="ctr"/>
+            <a:r>
+              <a:rPr lang="en-US" sz="1400" b="1" dirty="0" smtClean="0"/>
+              <a:t>Relative to state’s value</a:t>
+            </a:r>
+            <a:br>
+              <a:rPr lang="en-US" sz="1400" b="1" dirty="0" smtClean="0"/>
+            </a:br>
+            <a:r>
+              <a:rPr lang="en-US" sz="1400" b="1" dirty="0" smtClean="0"/>
+              <a:t>~ |</a:t>
+            </a:r>
+            <a:r>
+              <a:rPr lang="en-US" sz="1400" b="1" dirty="0" smtClean="0">
+                <a:sym typeface="Symbol"/>
+              </a:rPr>
+              <a:t>(t)</a:t>
+            </a:r>
+            <a:r>
+              <a:rPr lang="en-US" sz="1400" b="1" dirty="0" smtClean="0"/>
+              <a:t>| </a:t>
+            </a:r>
+            <a:r>
+              <a:rPr lang="en-US" sz="1400" b="1" dirty="0" smtClean="0"/>
+              <a:t>/ </a:t>
+            </a:r>
+            <a:r>
+              <a:rPr lang="en-US" sz="1400" b="1" dirty="0" smtClean="0"/>
+              <a:t>|V(S(t)) </a:t>
+            </a:r>
+            <a:r>
+              <a:rPr lang="en-US" sz="1400" b="1" dirty="0" smtClean="0"/>
+              <a:t>|</a:t>
+            </a:r>
+            <a:endParaRPr lang="en-US" sz="1400" b="1" dirty="0"/>
           </a:p>
         </p:txBody>
       </p:sp>
@@ -4216,8 +7661,8 @@
         </p:nvSpPr>
         <p:spPr>
           <a:xfrm>
-            <a:off x="3203848" y="1700808"/>
-            <a:ext cx="2579937" cy="369332"/>
+            <a:off x="3059832" y="1556792"/>
+            <a:ext cx="2770374" cy="523220"/>
           </a:xfrm>
           <a:prstGeom prst="rect">
             <a:avLst/>
@@ -4230,19 +7675,53 @@
           </a:bodyPr>
           <a:lstStyle/>
           <a:p>
-            <a:r>
-              <a:rPr lang="en-US" b="1" dirty="0" smtClean="0"/>
+            <a:pPr algn="ctr"/>
+            <a:r>
+              <a:rPr lang="en-US" sz="1400" b="1" dirty="0" smtClean="0"/>
+              <a:t>Relative, but avoiding division by 0</a:t>
+            </a:r>
+            <a:br>
+              <a:rPr lang="en-US" sz="1400" b="1" dirty="0" smtClean="0"/>
+            </a:br>
+            <a:r>
+              <a:rPr lang="en-US" sz="1400" b="1" dirty="0" smtClean="0"/>
               <a:t>~ </a:t>
             </a:r>
             <a:r>
-              <a:rPr lang="en-US" b="1" dirty="0" err="1" smtClean="0"/>
+              <a:rPr lang="en-US" sz="1400" b="1" dirty="0" err="1" smtClean="0"/>
               <a:t>exp</a:t>
             </a:r>
             <a:r>
-              <a:rPr lang="en-US" b="1" dirty="0" smtClean="0"/>
-              <a:t>( |Delta| - |value| )</a:t>
-            </a:r>
-            <a:endParaRPr lang="en-US" b="1" dirty="0"/>
+              <a:rPr lang="en-US" sz="1400" b="1" dirty="0" smtClean="0"/>
+              <a:t>( </a:t>
+            </a:r>
+            <a:r>
+              <a:rPr lang="en-US" sz="1400" b="1" dirty="0" smtClean="0"/>
+              <a:t>|</a:t>
+            </a:r>
+            <a:r>
+              <a:rPr lang="en-US" sz="1400" b="1" dirty="0" smtClean="0">
+                <a:sym typeface="Symbol"/>
+              </a:rPr>
+              <a:t>(t)</a:t>
+            </a:r>
+            <a:r>
+              <a:rPr lang="en-US" sz="1400" b="1" dirty="0" smtClean="0"/>
+              <a:t>| </a:t>
+            </a:r>
+            <a:r>
+              <a:rPr lang="en-US" sz="1400" b="1" dirty="0" smtClean="0"/>
+              <a:t>- </a:t>
+            </a:r>
+            <a:r>
+              <a:rPr lang="en-US" sz="1400" b="1" dirty="0" smtClean="0"/>
+              <a:t>|V(S(t)| </a:t>
+            </a:r>
+            <a:r>
+              <a:rPr lang="en-US" sz="1400" b="1" dirty="0" smtClean="0"/>
+              <a:t>)</a:t>
+            </a:r>
+            <a:endParaRPr lang="en-US" sz="1400" b="1" dirty="0"/>
           </a:p>
         </p:txBody>
       </p:sp>
@@ -4254,8 +7733,8 @@
         </p:nvSpPr>
         <p:spPr>
           <a:xfrm>
-            <a:off x="6612540" y="1688148"/>
-            <a:ext cx="1080104" cy="369332"/>
+            <a:off x="6612540" y="1566094"/>
+            <a:ext cx="848437" cy="523220"/>
           </a:xfrm>
           <a:prstGeom prst="rect">
             <a:avLst/>
@@ -4268,11 +7747,29 @@
           </a:bodyPr>
           <a:lstStyle/>
           <a:p>
-            <a:r>
-              <a:rPr lang="en-US" b="1" dirty="0" smtClean="0"/>
-              <a:t>~ |Delta|</a:t>
-            </a:r>
-            <a:endParaRPr lang="en-US" b="1" dirty="0"/>
+            <a:pPr algn="ctr"/>
+            <a:r>
+              <a:rPr lang="en-US" sz="1400" b="1" smtClean="0"/>
+              <a:t>Absolute</a:t>
+            </a:r>
+          </a:p>
+          <a:p>
+            <a:pPr algn="ctr"/>
+            <a:r>
+              <a:rPr lang="en-US" sz="1400" b="1" dirty="0" smtClean="0"/>
+              <a:t>~ |</a:t>
+            </a:r>
+            <a:r>
+              <a:rPr lang="en-US" sz="1400" b="1" dirty="0" smtClean="0">
+                <a:sym typeface="Symbol"/>
+              </a:rPr>
+              <a:t>(t)</a:t>
+            </a:r>
+            <a:r>
+              <a:rPr lang="en-US" sz="1400" b="1" dirty="0" smtClean="0"/>
+              <a:t>|</a:t>
+            </a:r>
+            <a:endParaRPr lang="en-US" sz="1400" b="1" dirty="0"/>
           </a:p>
         </p:txBody>
       </p:sp>
@@ -4280,316 +7777,6 @@
     <p:extLst>
       <p:ext uri="{BB962C8B-B14F-4D97-AF65-F5344CB8AC3E}">
         <p14:creationId xmlns:p14="http://schemas.microsoft.com/office/powerpoint/2010/main" val="3053468085"/>
-      </p:ext>
-    </p:extLst>
-  </p:cSld>
-  <p:clrMapOvr>
-    <a:masterClrMapping/>
-  </p:clrMapOvr>
-</p:sld>
-</file>
-
-<file path=ppt/slides/slide2.xml><?xml version="1.0" encoding="utf-8"?>
-<p:sld xmlns:a="http://schemas.openxmlformats.org/drawingml/2006/main" xmlns:r="http://schemas.openxmlformats.org/officeDocument/2006/relationships" xmlns:p="http://schemas.openxmlformats.org/presentationml/2006/main">
-  <p:cSld>
-    <p:spTree>
-      <p:nvGrpSpPr>
-        <p:cNvPr id="1" name=""/>
-        <p:cNvGrpSpPr/>
-        <p:nvPr/>
-      </p:nvGrpSpPr>
-      <p:grpSpPr>
-        <a:xfrm>
-          <a:off x="0" y="0"/>
-          <a:ext cx="0" cy="0"/>
-          <a:chOff x="0" y="0"/>
-          <a:chExt cx="0" cy="0"/>
-        </a:xfrm>
-      </p:grpSpPr>
-      <p:sp>
-        <p:nvSpPr>
-          <p:cNvPr id="2" name="Title 1"/>
-          <p:cNvSpPr>
-            <a:spLocks noGrp="1"/>
-          </p:cNvSpPr>
-          <p:nvPr>
-            <p:ph type="title"/>
-          </p:nvPr>
-        </p:nvSpPr>
-        <p:spPr/>
-        <p:txBody>
-          <a:bodyPr/>
-          <a:lstStyle/>
-          <a:p>
-            <a:r>
-              <a:rPr lang="en-US" dirty="0" smtClean="0"/>
-              <a:t>Simulation setup</a:t>
-            </a:r>
-            <a:endParaRPr lang="en-US" dirty="0"/>
-          </a:p>
-        </p:txBody>
-      </p:sp>
-      <p:sp>
-        <p:nvSpPr>
-          <p:cNvPr id="3" name="Content Placeholder 2"/>
-          <p:cNvSpPr>
-            <a:spLocks noGrp="1"/>
-          </p:cNvSpPr>
-          <p:nvPr>
-            <p:ph idx="1"/>
-          </p:nvPr>
-        </p:nvSpPr>
-        <p:spPr/>
-        <p:txBody>
-          <a:bodyPr>
-            <a:noAutofit/>
-          </a:bodyPr>
-          <a:lstStyle/>
-          <a:p>
-            <a:r>
-              <a:rPr lang="en-US" sz="1600" dirty="0" smtClean="0"/>
-              <a:t>Three algorithms are analyzed on the 21-state 1D </a:t>
-            </a:r>
-            <a:r>
-              <a:rPr lang="en-US" sz="1600" dirty="0" err="1" smtClean="0"/>
-              <a:t>gridworld</a:t>
-            </a:r>
-            <a:r>
-              <a:rPr lang="en-US" sz="1600" dirty="0" smtClean="0"/>
-              <a:t> with non-zero rewards only at left-most and right-most states.</a:t>
-            </a:r>
-          </a:p>
-          <a:p>
-            <a:pPr lvl="1"/>
-            <a:r>
-              <a:rPr lang="en-US" sz="1400" dirty="0" smtClean="0"/>
-              <a:t>First-visit MC</a:t>
-            </a:r>
-          </a:p>
-          <a:p>
-            <a:pPr lvl="1"/>
-            <a:r>
-              <a:rPr lang="en-US" sz="1400" dirty="0" smtClean="0"/>
-              <a:t>TD(</a:t>
-            </a:r>
-            <a:r>
-              <a:rPr lang="en-US" sz="1400" dirty="0" smtClean="0">
-                <a:sym typeface="Symbol"/>
-              </a:rPr>
-              <a:t>)</a:t>
-            </a:r>
-          </a:p>
-          <a:p>
-            <a:pPr lvl="1"/>
-            <a:r>
-              <a:rPr lang="en-US" sz="1400" dirty="0" smtClean="0"/>
-              <a:t>Adaptive TD</a:t>
-            </a:r>
-            <a:r>
-              <a:rPr lang="en-US" sz="1400" dirty="0"/>
-              <a:t>(</a:t>
-            </a:r>
-            <a:r>
-              <a:rPr lang="en-US" sz="1400" dirty="0">
-                <a:sym typeface="Symbol"/>
-              </a:rPr>
-              <a:t></a:t>
-            </a:r>
-            <a:r>
-              <a:rPr lang="en-US" sz="1400" dirty="0" smtClean="0">
-                <a:sym typeface="Symbol"/>
-              </a:rPr>
-              <a:t>), i.e. with a state-dependent </a:t>
-            </a:r>
-            <a:endParaRPr lang="en-US" sz="1400" dirty="0" smtClean="0"/>
-          </a:p>
-          <a:p>
-            <a:r>
-              <a:rPr lang="en-US" sz="1600" b="1" dirty="0" smtClean="0"/>
-              <a:t>Two simulations are carried out for each algorithm </a:t>
-            </a:r>
-            <a:r>
-              <a:rPr lang="en-US" sz="1600" dirty="0" smtClean="0"/>
-              <a:t>making up 6 simulations shown in 6 different pages, where the RMSE by episode averaged over 10 experiments is plotted:</a:t>
-            </a:r>
-          </a:p>
-          <a:p>
-            <a:pPr lvl="1"/>
-            <a:r>
-              <a:rPr lang="en-US" sz="1400" dirty="0" smtClean="0">
-                <a:sym typeface="Symbol"/>
-              </a:rPr>
-              <a:t> is adjusted by state count</a:t>
-            </a:r>
-          </a:p>
-          <a:p>
-            <a:pPr lvl="1"/>
-            <a:r>
-              <a:rPr lang="en-US" sz="1400" dirty="0">
-                <a:sym typeface="Symbol"/>
-              </a:rPr>
-              <a:t> is adjusted by </a:t>
-            </a:r>
-            <a:r>
-              <a:rPr lang="en-US" sz="1400" dirty="0" smtClean="0">
-                <a:sym typeface="Symbol"/>
-              </a:rPr>
-              <a:t>episode</a:t>
-            </a:r>
-          </a:p>
-          <a:p>
-            <a:pPr marL="363538" indent="0">
-              <a:buNone/>
-            </a:pPr>
-            <a:r>
-              <a:rPr lang="en-US" sz="1600" i="1" dirty="0" smtClean="0"/>
-              <a:t>Considering that rewards are only received at the end, the </a:t>
-            </a:r>
-            <a:r>
-              <a:rPr lang="en-US" sz="1600" i="1" dirty="0" smtClean="0">
-                <a:sym typeface="Symbol"/>
-              </a:rPr>
-              <a:t> </a:t>
-            </a:r>
-            <a:r>
-              <a:rPr lang="en-US" sz="1600" i="1" dirty="0" smtClean="0"/>
-              <a:t>adjustment by episode may make more sense in the TD(</a:t>
-            </a:r>
-            <a:r>
-              <a:rPr lang="en-US" sz="1600" i="1" dirty="0" smtClean="0">
-                <a:sym typeface="Symbol"/>
-              </a:rPr>
-              <a:t>) algorithms.</a:t>
-            </a:r>
-            <a:endParaRPr lang="en-US" sz="1600" i="1" dirty="0" smtClean="0"/>
-          </a:p>
-          <a:p>
-            <a:r>
-              <a:rPr lang="en-US" sz="1600" dirty="0" smtClean="0">
-                <a:sym typeface="Symbol"/>
-              </a:rPr>
-              <a:t>For TD(), a set of </a:t>
-            </a:r>
-            <a:r>
-              <a:rPr lang="en-US" sz="1600" b="1" dirty="0" smtClean="0">
-                <a:sym typeface="Symbol"/>
-              </a:rPr>
-              <a:t>different  values </a:t>
-            </a:r>
-            <a:r>
-              <a:rPr lang="en-US" sz="1600" dirty="0" smtClean="0">
-                <a:sym typeface="Symbol"/>
-              </a:rPr>
-              <a:t>are considered, whereas  starts at 2 when adjusted by state-count and at 1 when adjusted by episode.</a:t>
-            </a:r>
-          </a:p>
-          <a:p>
-            <a:r>
-              <a:rPr lang="en-US" sz="1600" dirty="0" smtClean="0">
-                <a:sym typeface="Symbol"/>
-              </a:rPr>
-              <a:t>For Adaptive TD</a:t>
-            </a:r>
-            <a:r>
-              <a:rPr lang="en-US" sz="1600" dirty="0">
-                <a:sym typeface="Symbol"/>
-              </a:rPr>
-              <a:t>(), </a:t>
-            </a:r>
-            <a:r>
-              <a:rPr lang="en-US" sz="1600" dirty="0" smtClean="0">
-                <a:sym typeface="Symbol"/>
-              </a:rPr>
-              <a:t>the same </a:t>
-            </a:r>
-            <a:r>
-              <a:rPr lang="en-US" sz="1600" b="1" dirty="0" smtClean="0">
-                <a:sym typeface="Symbol"/>
-              </a:rPr>
-              <a:t>set </a:t>
-            </a:r>
-            <a:r>
-              <a:rPr lang="en-US" sz="1600" b="1" dirty="0">
-                <a:sym typeface="Symbol"/>
-              </a:rPr>
-              <a:t>of </a:t>
-            </a:r>
-            <a:r>
-              <a:rPr lang="en-US" sz="1600" b="1" dirty="0" smtClean="0">
-                <a:sym typeface="Symbol"/>
-              </a:rPr>
-              <a:t> values </a:t>
-            </a:r>
-            <a:r>
-              <a:rPr lang="en-US" sz="1600" dirty="0" smtClean="0">
-                <a:sym typeface="Symbol"/>
-              </a:rPr>
-              <a:t>is considered</a:t>
-            </a:r>
-            <a:r>
-              <a:rPr lang="en-US" sz="1600" dirty="0">
-                <a:sym typeface="Symbol"/>
-              </a:rPr>
-              <a:t> </a:t>
-            </a:r>
-            <a:r>
-              <a:rPr lang="en-US" sz="1600" dirty="0" smtClean="0">
-                <a:sym typeface="Symbol"/>
-              </a:rPr>
-              <a:t>in both adjustment types.</a:t>
-            </a:r>
-          </a:p>
-          <a:p>
-            <a:endParaRPr lang="en-US" sz="1600" dirty="0" smtClean="0">
-              <a:sym typeface="Symbol"/>
-            </a:endParaRPr>
-          </a:p>
-          <a:p>
-            <a:r>
-              <a:rPr lang="en-US" sz="1600" i="1" dirty="0" smtClean="0">
-                <a:sym typeface="Symbol"/>
-              </a:rPr>
-              <a:t>All plots on the LHS are visually comparable as they use the same scale.</a:t>
-            </a:r>
-          </a:p>
-          <a:p>
-            <a:endParaRPr lang="en-US" sz="1600" dirty="0" smtClean="0"/>
-          </a:p>
-          <a:p>
-            <a:endParaRPr lang="en-US" sz="1600" dirty="0" smtClean="0"/>
-          </a:p>
-          <a:p>
-            <a:endParaRPr lang="en-US" sz="1600" dirty="0"/>
-          </a:p>
-        </p:txBody>
-      </p:sp>
-      <p:sp>
-        <p:nvSpPr>
-          <p:cNvPr id="4" name="Slide Number Placeholder 3"/>
-          <p:cNvSpPr>
-            <a:spLocks noGrp="1"/>
-          </p:cNvSpPr>
-          <p:nvPr>
-            <p:ph type="sldNum" sz="quarter" idx="12"/>
-          </p:nvPr>
-        </p:nvSpPr>
-        <p:spPr/>
-        <p:txBody>
-          <a:bodyPr/>
-          <a:lstStyle/>
-          <a:p>
-            <a:fld id="{62D96F91-737B-4795-86FD-3CFC620DA94D}" type="slidenum">
-              <a:rPr lang="en-US" smtClean="0"/>
-              <a:t>2</a:t>
-            </a:fld>
-            <a:endParaRPr lang="en-US"/>
-          </a:p>
-        </p:txBody>
-      </p:sp>
-    </p:spTree>
-    <p:extLst>
-      <p:ext uri="{BB962C8B-B14F-4D97-AF65-F5344CB8AC3E}">
-        <p14:creationId xmlns:p14="http://schemas.microsoft.com/office/powerpoint/2010/main" val="4175381661"/>
       </p:ext>
     </p:extLst>
   </p:cSld>
@@ -4628,16 +7815,76 @@
         </p:nvSpPr>
         <p:spPr/>
         <p:txBody>
-          <a:bodyPr/>
-          <a:lstStyle/>
-          <a:p>
-            <a:r>
-              <a:rPr lang="en-US" dirty="0" smtClean="0">
-                <a:sym typeface="Symbol"/>
-              </a:rPr>
-              <a:t> adjusted by State Count</a:t>
-            </a:r>
-            <a:endParaRPr lang="en-US" dirty="0"/>
+          <a:bodyPr>
+            <a:normAutofit fontScale="90000"/>
+          </a:bodyPr>
+          <a:lstStyle/>
+          <a:p>
+            <a:r>
+              <a:rPr lang="en-US" sz="3600" dirty="0" smtClean="0">
+                <a:sym typeface="Symbol"/>
+              </a:rPr>
+              <a:t>(A)</a:t>
+            </a:r>
+            <a:br>
+              <a:rPr lang="en-US" sz="3600" dirty="0" smtClean="0">
+                <a:sym typeface="Symbol"/>
+              </a:rPr>
+            </a:br>
+            <a:r>
+              <a:rPr lang="en-US" sz="3600" dirty="0" smtClean="0">
+                <a:sym typeface="Symbol"/>
+              </a:rPr>
+              <a:t> </a:t>
+            </a:r>
+            <a:r>
+              <a:rPr lang="en-US" sz="3600" dirty="0" smtClean="0">
+                <a:sym typeface="Symbol"/>
+              </a:rPr>
+              <a:t>adjusted by </a:t>
+            </a:r>
+            <a:r>
+              <a:rPr lang="en-US" sz="3600" dirty="0" smtClean="0">
+                <a:sym typeface="Symbol"/>
+              </a:rPr>
+              <a:t>state c</a:t>
+            </a:r>
+            <a:r>
+              <a:rPr lang="en-US" sz="3600" dirty="0" smtClean="0">
+                <a:sym typeface="Symbol"/>
+              </a:rPr>
+              <a:t>ount;</a:t>
+            </a:r>
+            <a:r>
+              <a:rPr lang="en-US" sz="3600" dirty="0">
+                <a:sym typeface="Symbol"/>
+              </a:rPr>
+              <a:t/>
+            </a:r>
+            <a:br>
+              <a:rPr lang="en-US" sz="3600" dirty="0">
+                <a:sym typeface="Symbol"/>
+              </a:rPr>
+            </a:br>
+            <a:r>
+              <a:rPr lang="en-US" sz="3600" dirty="0" smtClean="0">
+                <a:sym typeface="Symbol"/>
+              </a:rPr>
+              <a:t>adaptive  </a:t>
+            </a:r>
+            <a:r>
+              <a:rPr lang="en-US" sz="3600" dirty="0">
+                <a:sym typeface="Symbol"/>
+              </a:rPr>
+              <a:t>as a function of (t)/</a:t>
+            </a:r>
+            <a:r>
+              <a:rPr lang="en-US" sz="3600" dirty="0" smtClean="0">
+                <a:sym typeface="Symbol"/>
+              </a:rPr>
+              <a:t>V(S(t))</a:t>
+            </a:r>
+            <a:endParaRPr lang="en-US" sz="3600" dirty="0"/>
           </a:p>
         </p:txBody>
       </p:sp>
@@ -4739,7 +7986,21 @@
           <a:p>
             <a:r>
               <a:rPr lang="en-US" sz="3600" dirty="0" smtClean="0"/>
-              <a:t>MC, adjust by first-visit State Count</a:t>
+              <a:t>MC, </a:t>
+            </a:r>
+            <a:r>
+              <a:rPr lang="en-US" sz="3600" dirty="0" smtClean="0">
+                <a:sym typeface="Symbol"/>
+              </a:rPr>
+              <a:t>-</a:t>
+            </a:r>
+            <a:r>
+              <a:rPr lang="en-US" sz="3600" dirty="0" smtClean="0"/>
+              <a:t>adjust </a:t>
+            </a:r>
+            <a:r>
+              <a:rPr lang="en-US" sz="3600" dirty="0" smtClean="0"/>
+              <a:t>by first-visit State Count</a:t>
             </a:r>
             <a:r>
               <a:rPr lang="en-US" sz="3600" dirty="0"/>
@@ -4834,9 +8095,32 @@
           </a:p>
         </p:txBody>
       </p:sp>
+      <p:sp>
+        <p:nvSpPr>
+          <p:cNvPr id="3" name="Slide Number Placeholder 2"/>
+          <p:cNvSpPr>
+            <a:spLocks noGrp="1"/>
+          </p:cNvSpPr>
+          <p:nvPr>
+            <p:ph type="sldNum" sz="quarter" idx="12"/>
+          </p:nvPr>
+        </p:nvSpPr>
+        <p:spPr/>
+        <p:txBody>
+          <a:bodyPr/>
+          <a:lstStyle/>
+          <a:p>
+            <a:fld id="{62D96F91-737B-4795-86FD-3CFC620DA94D}" type="slidenum">
+              <a:rPr lang="en-US" smtClean="0"/>
+              <a:t>4</a:t>
+            </a:fld>
+            <a:endParaRPr lang="en-US"/>
+          </a:p>
+        </p:txBody>
+      </p:sp>
       <p:pic>
         <p:nvPicPr>
-          <p:cNvPr id="2051" name="Picture 3" descr="E:\Daniel\Projects\PhD-RL-Toulouse\projects\RL-001-MemoryManagement\results\SimulateTDLambda-DifferenLambdas&amp;Adaptive\mc_adjust_by_count_first_visit.png"/>
+          <p:cNvPr id="3074" name="Picture 2" descr="E:\Daniel\Projects\PhD-RL-Toulouse\projects\RL-001-MemoryManagement\results\SimulateTDLambda-DifferentLambdas&amp;Adaptive\mc_adjust_by_count_first_visit.png"/>
           <p:cNvPicPr>
             <a:picLocks noChangeAspect="1" noChangeArrowheads="1"/>
           </p:cNvPicPr>
@@ -4858,7 +8142,7 @@
         <p:spPr bwMode="auto">
           <a:xfrm>
             <a:off x="0" y="1620000"/>
-            <a:ext cx="9144000" cy="4531953"/>
+            <a:ext cx="9144000" cy="4317628"/>
           </a:xfrm>
           <a:prstGeom prst="rect">
             <a:avLst/>
@@ -4875,29 +8159,6 @@
           </a:extLst>
         </p:spPr>
       </p:pic>
-      <p:sp>
-        <p:nvSpPr>
-          <p:cNvPr id="3" name="Slide Number Placeholder 2"/>
-          <p:cNvSpPr>
-            <a:spLocks noGrp="1"/>
-          </p:cNvSpPr>
-          <p:nvPr>
-            <p:ph type="sldNum" sz="quarter" idx="12"/>
-          </p:nvPr>
-        </p:nvSpPr>
-        <p:spPr/>
-        <p:txBody>
-          <a:bodyPr/>
-          <a:lstStyle/>
-          <a:p>
-            <a:fld id="{62D96F91-737B-4795-86FD-3CFC620DA94D}" type="slidenum">
-              <a:rPr lang="en-US" smtClean="0"/>
-              <a:t>4</a:t>
-            </a:fld>
-            <a:endParaRPr lang="en-US"/>
-          </a:p>
-        </p:txBody>
-      </p:sp>
     </p:spTree>
     <p:extLst>
       <p:ext uri="{BB962C8B-B14F-4D97-AF65-F5344CB8AC3E}">
@@ -4964,7 +8225,27 @@
             </a:r>
             <a:r>
               <a:rPr lang="en-US" sz="3600" dirty="0" smtClean="0"/>
-              <a:t>, adjust by State Count</a:t>
+              <a:t>, </a:t>
+            </a:r>
+            <a:r>
+              <a:rPr lang="en-US" sz="3600" dirty="0">
+                <a:sym typeface="Symbol"/>
+              </a:rPr>
+              <a:t></a:t>
+            </a:r>
+            <a:r>
+              <a:rPr lang="en-US" sz="3600" dirty="0" smtClean="0">
+                <a:sym typeface="Symbol"/>
+              </a:rPr>
+              <a:t>-</a:t>
+            </a:r>
+            <a:r>
+              <a:rPr lang="en-US" sz="3600" dirty="0" smtClean="0"/>
+              <a:t>adjust </a:t>
+            </a:r>
+            <a:r>
+              <a:rPr lang="en-US" sz="3600" dirty="0" smtClean="0"/>
+              <a:t>by State Count</a:t>
             </a:r>
             <a:br>
               <a:rPr lang="en-US" sz="3600" dirty="0" smtClean="0"/>
@@ -5097,6 +8378,48 @@
           </a:p>
         </p:txBody>
       </p:sp>
+      <p:sp>
+        <p:nvSpPr>
+          <p:cNvPr id="6" name="TextBox 5"/>
+          <p:cNvSpPr txBox="1"/>
+          <p:nvPr/>
+        </p:nvSpPr>
+        <p:spPr>
+          <a:xfrm>
+            <a:off x="1115616" y="6033434"/>
+            <a:ext cx="7128792" cy="307777"/>
+          </a:xfrm>
+          <a:prstGeom prst="rect">
+            <a:avLst/>
+          </a:prstGeom>
+          <a:noFill/>
+        </p:spPr>
+        <p:txBody>
+          <a:bodyPr wrap="square" rtlCol="0">
+            <a:spAutoFit/>
+          </a:bodyPr>
+          <a:lstStyle/>
+          <a:p>
+            <a:r>
+              <a:rPr lang="en-US" sz="1400" i="1" dirty="0" smtClean="0"/>
+              <a:t>Initial </a:t>
+            </a:r>
+            <a:r>
+              <a:rPr lang="en-US" sz="1400" i="1" dirty="0" smtClean="0">
+                <a:sym typeface="Symbol"/>
+              </a:rPr>
+              <a:t> = </a:t>
+            </a:r>
+            <a:r>
+              <a:rPr lang="en-US" sz="1400" i="1" dirty="0" smtClean="0">
+                <a:sym typeface="Symbol"/>
+              </a:rPr>
+              <a:t>2</a:t>
+            </a:r>
+            <a:endParaRPr lang="en-US" sz="1400" i="1" dirty="0"/>
+          </a:p>
+        </p:txBody>
+      </p:sp>
     </p:spTree>
     <p:extLst>
       <p:ext uri="{BB962C8B-B14F-4D97-AF65-F5344CB8AC3E}">
@@ -5167,7 +8490,27 @@
             </a:r>
             <a:r>
               <a:rPr lang="en-US" sz="3600" dirty="0"/>
-              <a:t>, adjust by State Count </a:t>
+              <a:t>, </a:t>
+            </a:r>
+            <a:r>
+              <a:rPr lang="en-US" sz="3600" dirty="0">
+                <a:sym typeface="Symbol"/>
+              </a:rPr>
+              <a:t></a:t>
+            </a:r>
+            <a:r>
+              <a:rPr lang="en-US" sz="3600" dirty="0" smtClean="0">
+                <a:sym typeface="Symbol"/>
+              </a:rPr>
+              <a:t>-</a:t>
+            </a:r>
+            <a:r>
+              <a:rPr lang="en-US" sz="3600" dirty="0" smtClean="0"/>
+              <a:t>adjust </a:t>
+            </a:r>
+            <a:r>
+              <a:rPr lang="en-US" sz="3600" dirty="0"/>
+              <a:t>by State Count </a:t>
             </a:r>
             <a:r>
               <a:rPr lang="en-US" sz="3600" dirty="0" smtClean="0"/>
@@ -5353,16 +8696,76 @@
         </p:nvSpPr>
         <p:spPr/>
         <p:txBody>
-          <a:bodyPr/>
-          <a:lstStyle/>
-          <a:p>
-            <a:r>
-              <a:rPr lang="en-US" dirty="0" smtClean="0">
-                <a:sym typeface="Symbol"/>
-              </a:rPr>
-              <a:t> adjusted by Episode</a:t>
-            </a:r>
-            <a:endParaRPr lang="en-US" dirty="0"/>
+          <a:bodyPr>
+            <a:normAutofit fontScale="90000"/>
+          </a:bodyPr>
+          <a:lstStyle/>
+          <a:p>
+            <a:r>
+              <a:rPr lang="en-US" sz="3600" dirty="0" smtClean="0">
+                <a:sym typeface="Symbol"/>
+              </a:rPr>
+              <a:t>(B)</a:t>
+            </a:r>
+            <a:br>
+              <a:rPr lang="en-US" sz="3600" dirty="0" smtClean="0">
+                <a:sym typeface="Symbol"/>
+              </a:rPr>
+            </a:br>
+            <a:r>
+              <a:rPr lang="en-US" sz="3600" dirty="0" smtClean="0">
+                <a:sym typeface="Symbol"/>
+              </a:rPr>
+              <a:t> </a:t>
+            </a:r>
+            <a:r>
+              <a:rPr lang="en-US" sz="3600" dirty="0" smtClean="0">
+                <a:sym typeface="Symbol"/>
+              </a:rPr>
+              <a:t>adjusted by </a:t>
+            </a:r>
+            <a:r>
+              <a:rPr lang="en-US" sz="3600" dirty="0">
+                <a:sym typeface="Symbol"/>
+              </a:rPr>
+              <a:t>e</a:t>
+            </a:r>
+            <a:r>
+              <a:rPr lang="en-US" sz="3600" dirty="0" smtClean="0">
+                <a:sym typeface="Symbol"/>
+              </a:rPr>
+              <a:t>pisode;</a:t>
+            </a:r>
+            <a:r>
+              <a:rPr lang="en-US" sz="3600" dirty="0">
+                <a:sym typeface="Symbol"/>
+              </a:rPr>
+              <a:t/>
+            </a:r>
+            <a:br>
+              <a:rPr lang="en-US" sz="3600" dirty="0">
+                <a:sym typeface="Symbol"/>
+              </a:rPr>
+            </a:br>
+            <a:r>
+              <a:rPr lang="en-US" sz="3600" dirty="0" smtClean="0">
+                <a:sym typeface="Symbol"/>
+              </a:rPr>
+              <a:t>adaptive  </a:t>
+            </a:r>
+            <a:r>
+              <a:rPr lang="en-US" sz="3600" dirty="0">
+                <a:sym typeface="Symbol"/>
+              </a:rPr>
+              <a:t>as a function of (t)/</a:t>
+            </a:r>
+            <a:r>
+              <a:rPr lang="en-US" sz="3600" dirty="0" smtClean="0">
+                <a:sym typeface="Symbol"/>
+              </a:rPr>
+              <a:t>V(S(t))</a:t>
+            </a:r>
+            <a:endParaRPr lang="en-US" sz="3600" dirty="0"/>
           </a:p>
         </p:txBody>
       </p:sp>
@@ -5464,7 +8867,31 @@
           <a:p>
             <a:r>
               <a:rPr lang="en-US" sz="3600" dirty="0" smtClean="0"/>
-              <a:t>First-visit MC, adjust by Episode</a:t>
+              <a:t>First-visit MC</a:t>
+            </a:r>
+            <a:r>
+              <a:rPr lang="en-US" sz="3600" dirty="0" smtClean="0"/>
+              <a:t>,</a:t>
+            </a:r>
+            <a:r>
+              <a:rPr lang="en-US" sz="3600" dirty="0">
+                <a:sym typeface="Symbol"/>
+              </a:rPr>
+              <a:t> </a:t>
+            </a:r>
+            <a:r>
+              <a:rPr lang="en-US" sz="3600" dirty="0" smtClean="0">
+                <a:sym typeface="Symbol"/>
+              </a:rPr>
+              <a:t>-</a:t>
+            </a:r>
+            <a:r>
+              <a:rPr lang="en-US" sz="3600" dirty="0" smtClean="0"/>
+              <a:t>adjust </a:t>
+            </a:r>
+            <a:r>
+              <a:rPr lang="en-US" sz="3600" dirty="0" smtClean="0"/>
+              <a:t>by Episode</a:t>
             </a:r>
             <a:br>
               <a:rPr lang="en-US" sz="3600" dirty="0" smtClean="0"/>
@@ -5693,7 +9120,27 @@
             </a:r>
             <a:r>
               <a:rPr lang="en-US" sz="3600" dirty="0" smtClean="0"/>
-              <a:t>, adjust by Episode</a:t>
+              <a:t>, </a:t>
+            </a:r>
+            <a:r>
+              <a:rPr lang="en-US" sz="3600" dirty="0">
+                <a:sym typeface="Symbol"/>
+              </a:rPr>
+              <a:t></a:t>
+            </a:r>
+            <a:r>
+              <a:rPr lang="en-US" sz="3600" dirty="0" smtClean="0">
+                <a:sym typeface="Symbol"/>
+              </a:rPr>
+              <a:t>-a</a:t>
+            </a:r>
+            <a:r>
+              <a:rPr lang="en-US" sz="3600" dirty="0" smtClean="0"/>
+              <a:t>djust </a:t>
+            </a:r>
+            <a:r>
+              <a:rPr lang="en-US" sz="3600" dirty="0" smtClean="0"/>
+              <a:t>by Episode</a:t>
             </a:r>
             <a:br>
               <a:rPr lang="en-US" sz="3600" dirty="0" smtClean="0"/>
@@ -5823,6 +9270,42 @@
               <a:t>9</a:t>
             </a:fld>
             <a:endParaRPr lang="en-US"/>
+          </a:p>
+        </p:txBody>
+      </p:sp>
+      <p:sp>
+        <p:nvSpPr>
+          <p:cNvPr id="6" name="TextBox 5"/>
+          <p:cNvSpPr txBox="1"/>
+          <p:nvPr/>
+        </p:nvSpPr>
+        <p:spPr>
+          <a:xfrm>
+            <a:off x="1115616" y="6033434"/>
+            <a:ext cx="7128792" cy="307777"/>
+          </a:xfrm>
+          <a:prstGeom prst="rect">
+            <a:avLst/>
+          </a:prstGeom>
+          <a:noFill/>
+        </p:spPr>
+        <p:txBody>
+          <a:bodyPr wrap="square" rtlCol="0">
+            <a:spAutoFit/>
+          </a:bodyPr>
+          <a:lstStyle/>
+          <a:p>
+            <a:r>
+              <a:rPr lang="en-US" sz="1400" i="1" dirty="0" smtClean="0"/>
+              <a:t>Initial </a:t>
+            </a:r>
+            <a:r>
+              <a:rPr lang="en-US" sz="1400" i="1" dirty="0" smtClean="0">
+                <a:sym typeface="Symbol"/>
+              </a:rPr>
+              <a:t> = 1</a:t>
+            </a:r>
+            <a:endParaRPr lang="en-US" sz="1400" i="1" dirty="0"/>
           </a:p>
         </p:txBody>
       </p:sp>

--- a/RL-001-MemoryManagement/results/202005May20-TestsTDLambda&AdaptiveTDLambda-1DGridworld.pptx
+++ b/RL-001-MemoryManagement/results/202005May20-TestsTDLambda&AdaptiveTDLambda-1DGridworld.pptx
@@ -5,7 +5,7 @@
     <p:sldMasterId id="2147483648" r:id="rId1"/>
   </p:sldMasterIdLst>
   <p:notesMasterIdLst>
-    <p:notesMasterId r:id="rId25"/>
+    <p:notesMasterId r:id="rId31"/>
   </p:notesMasterIdLst>
   <p:sldIdLst>
     <p:sldId id="264" r:id="rId2"/>
@@ -30,7 +30,13 @@
     <p:sldId id="299" r:id="rId21"/>
     <p:sldId id="300" r:id="rId22"/>
     <p:sldId id="294" r:id="rId23"/>
-    <p:sldId id="289" r:id="rId24"/>
+    <p:sldId id="301" r:id="rId24"/>
+    <p:sldId id="302" r:id="rId25"/>
+    <p:sldId id="303" r:id="rId26"/>
+    <p:sldId id="304" r:id="rId27"/>
+    <p:sldId id="306" r:id="rId28"/>
+    <p:sldId id="305" r:id="rId29"/>
+    <p:sldId id="307" r:id="rId30"/>
   </p:sldIdLst>
   <p:sldSz cx="9144000" cy="6858000" type="screen4x3"/>
   <p:notesSz cx="6858000" cy="9144000"/>
@@ -214,7 +220,7 @@
           <a:p>
             <a:fld id="{20C8C433-DA52-491B-A73E-C12FDEDAADD7}" type="datetimeFigureOut">
               <a:rPr lang="en-US" smtClean="0"/>
-              <a:t>5/25/2020</a:t>
+              <a:t>5/27/2020</a:t>
             </a:fld>
             <a:endParaRPr lang="en-US"/>
           </a:p>
@@ -663,7 +669,7 @@
           <a:p>
             <a:fld id="{0DE82379-504A-4D22-912F-5AD071F65510}" type="datetime1">
               <a:rPr lang="en-US" smtClean="0"/>
-              <a:t>5/25/2020</a:t>
+              <a:t>5/27/2020</a:t>
             </a:fld>
             <a:endParaRPr lang="en-US"/>
           </a:p>
@@ -833,7 +839,7 @@
           <a:p>
             <a:fld id="{0A308B76-0F46-4867-A704-020E0510BAB9}" type="datetime1">
               <a:rPr lang="en-US" smtClean="0"/>
-              <a:t>5/25/2020</a:t>
+              <a:t>5/27/2020</a:t>
             </a:fld>
             <a:endParaRPr lang="en-US"/>
           </a:p>
@@ -1013,7 +1019,7 @@
           <a:p>
             <a:fld id="{9EFF22E2-E7CD-4BE6-BC79-8DA58B78DFB6}" type="datetime1">
               <a:rPr lang="en-US" smtClean="0"/>
-              <a:t>5/25/2020</a:t>
+              <a:t>5/27/2020</a:t>
             </a:fld>
             <a:endParaRPr lang="en-US"/>
           </a:p>
@@ -1188,7 +1194,7 @@
           <a:p>
             <a:fld id="{6CA885D4-6B25-42CC-AB85-BE2955A0365B}" type="datetime1">
               <a:rPr lang="en-US" smtClean="0"/>
-              <a:t>5/25/2020</a:t>
+              <a:t>5/27/2020</a:t>
             </a:fld>
             <a:endParaRPr lang="en-US"/>
           </a:p>
@@ -1434,7 +1440,7 @@
           <a:p>
             <a:fld id="{80351717-A3AD-4C3A-BE51-731713DEEB71}" type="datetime1">
               <a:rPr lang="en-US" smtClean="0"/>
-              <a:t>5/25/2020</a:t>
+              <a:t>5/27/2020</a:t>
             </a:fld>
             <a:endParaRPr lang="en-US"/>
           </a:p>
@@ -1722,7 +1728,7 @@
           <a:p>
             <a:fld id="{62BCE9C6-0B67-4DEA-90FE-A224EA57A00A}" type="datetime1">
               <a:rPr lang="en-US" smtClean="0"/>
-              <a:t>5/25/2020</a:t>
+              <a:t>5/27/2020</a:t>
             </a:fld>
             <a:endParaRPr lang="en-US"/>
           </a:p>
@@ -2144,7 +2150,7 @@
           <a:p>
             <a:fld id="{8D602F8B-96AF-427F-AFB0-5AA790D1A556}" type="datetime1">
               <a:rPr lang="en-US" smtClean="0"/>
-              <a:t>5/25/2020</a:t>
+              <a:t>5/27/2020</a:t>
             </a:fld>
             <a:endParaRPr lang="en-US"/>
           </a:p>
@@ -2262,7 +2268,7 @@
           <a:p>
             <a:fld id="{DE59CFD8-766C-49D0-8B25-5E5802F68280}" type="datetime1">
               <a:rPr lang="en-US" smtClean="0"/>
-              <a:t>5/25/2020</a:t>
+              <a:t>5/27/2020</a:t>
             </a:fld>
             <a:endParaRPr lang="en-US"/>
           </a:p>
@@ -2357,7 +2363,7 @@
           <a:p>
             <a:fld id="{CF61C585-8DA1-4E43-85B1-8A0CE4C96C73}" type="datetime1">
               <a:rPr lang="en-US" smtClean="0"/>
-              <a:t>5/25/2020</a:t>
+              <a:t>5/27/2020</a:t>
             </a:fld>
             <a:endParaRPr lang="en-US"/>
           </a:p>
@@ -2634,7 +2640,7 @@
           <a:p>
             <a:fld id="{8DBCACC1-07A6-4180-8A86-AE9BA3E8681E}" type="datetime1">
               <a:rPr lang="en-US" smtClean="0"/>
-              <a:t>5/25/2020</a:t>
+              <a:t>5/27/2020</a:t>
             </a:fld>
             <a:endParaRPr lang="en-US"/>
           </a:p>
@@ -2887,7 +2893,7 @@
           <a:p>
             <a:fld id="{E2B91FF2-4C13-4DE6-856A-67C242DD3908}" type="datetime1">
               <a:rPr lang="en-US" smtClean="0"/>
-              <a:t>5/25/2020</a:t>
+              <a:t>5/27/2020</a:t>
             </a:fld>
             <a:endParaRPr lang="en-US"/>
           </a:p>
@@ -3100,7 +3106,7 @@
           <a:p>
             <a:fld id="{88B6596B-24FF-458E-ADAE-08D8D099933C}" type="datetime1">
               <a:rPr lang="en-US" smtClean="0"/>
-              <a:t>5/25/2020</a:t>
+              <a:t>5/27/2020</a:t>
             </a:fld>
             <a:endParaRPr lang="en-US"/>
           </a:p>
@@ -3552,15 +3558,7 @@
                   <a:schemeClr val="tx1"/>
                 </a:solidFill>
               </a:rPr>
-              <a:t>Wed, </a:t>
-            </a:r>
-            <a:r>
-              <a:rPr lang="en-US" sz="2000" dirty="0" smtClean="0">
-                <a:solidFill>
-                  <a:schemeClr val="tx1"/>
-                </a:solidFill>
-              </a:rPr>
-              <a:t>20-May-2020</a:t>
+              <a:t>Wed, 20-May-2020</a:t>
             </a:r>
           </a:p>
           <a:p>
@@ -3572,11 +3570,6 @@
               </a:rPr>
               <a:t>Updated: Mon, 25-May-2020</a:t>
             </a:r>
-            <a:endParaRPr lang="en-US" sz="2000" b="1" i="1" dirty="0" smtClean="0">
-              <a:solidFill>
-                <a:schemeClr val="tx1"/>
-              </a:solidFill>
-            </a:endParaRPr>
           </a:p>
           <a:p>
             <a:r>
@@ -3941,13 +3934,7 @@
               <a:rPr lang="en-US" sz="3600" dirty="0" smtClean="0">
                 <a:sym typeface="Symbol"/>
               </a:rPr>
-              <a:t>adaptive </a:t>
-            </a:r>
-            <a:r>
-              <a:rPr lang="en-US" sz="3600" dirty="0" smtClean="0">
-                <a:sym typeface="Symbol"/>
-              </a:rPr>
-              <a:t> </a:t>
+              <a:t>adaptive  </a:t>
             </a:r>
             <a:r>
               <a:rPr lang="en-US" sz="3600" dirty="0">
@@ -4101,17 +4088,7 @@
                   </a:schemeClr>
                 </a:solidFill>
               </a:rPr>
-              <a:t>adjust </a:t>
-            </a:r>
-            <a:r>
-              <a:rPr lang="en-US" sz="3600" dirty="0" smtClean="0">
-                <a:solidFill>
-                  <a:schemeClr val="bg1">
-                    <a:lumMod val="65000"/>
-                  </a:schemeClr>
-                </a:solidFill>
-              </a:rPr>
-              <a:t>by first-visit State Count</a:t>
+              <a:t>adjust by first-visit State Count</a:t>
             </a:r>
             <a:r>
               <a:rPr lang="en-US" sz="3600" dirty="0">
@@ -4447,19 +4424,7 @@
             </a:r>
             <a:r>
               <a:rPr lang="en-US" sz="3600" dirty="0" smtClean="0"/>
-              <a:t>adjust </a:t>
-            </a:r>
-            <a:r>
-              <a:rPr lang="en-US" sz="3600" dirty="0" smtClean="0"/>
-              <a:t>by </a:t>
-            </a:r>
-            <a:r>
-              <a:rPr lang="en-US" sz="3600" dirty="0" smtClean="0"/>
-              <a:t>FIRST-VISIT State </a:t>
-            </a:r>
-            <a:r>
-              <a:rPr lang="en-US" sz="3600" dirty="0" smtClean="0"/>
-              <a:t>Count</a:t>
+              <a:t>adjust by FIRST-VISIT State Count</a:t>
             </a:r>
             <a:br>
               <a:rPr lang="en-US" sz="3600" dirty="0" smtClean="0"/>
@@ -4478,11 +4443,7 @@
             </a:r>
             <a:r>
               <a:rPr lang="en-US" sz="3600" dirty="0" smtClean="0"/>
-              <a:t>=10, </a:t>
-            </a:r>
-            <a:r>
-              <a:rPr lang="en-US" sz="3600" dirty="0" smtClean="0"/>
-              <a:t>start=10</a:t>
+              <a:t>=10, start=10</a:t>
             </a:r>
             <a:endParaRPr lang="en-US" sz="3600" dirty="0"/>
           </a:p>
@@ -4753,11 +4714,7 @@
             </a:r>
             <a:r>
               <a:rPr lang="en-US" sz="2800" dirty="0" smtClean="0"/>
-              <a:t>=10, </a:t>
-            </a:r>
-            <a:r>
-              <a:rPr lang="en-US" sz="2800" dirty="0" smtClean="0"/>
-              <a:t>start=10</a:t>
+              <a:t>=10, start=10</a:t>
             </a:r>
             <a:endParaRPr lang="en-US" sz="2800" dirty="0"/>
           </a:p>
@@ -4908,8 +4865,8 @@
           <a:chExt cx="0" cy="0"/>
         </a:xfrm>
       </p:grpSpPr>
-      <mc:AlternateContent xmlns:mc="http://schemas.openxmlformats.org/markup-compatibility/2006">
-        <mc:Choice xmlns:a14="http://schemas.microsoft.com/office/drawing/2010/main" Requires="a14">
+      <mc:AlternateContent xmlns:mc="http://schemas.openxmlformats.org/markup-compatibility/2006" xmlns:a14="http://schemas.microsoft.com/office/drawing/2010/main">
+        <mc:Choice Requires="a14">
           <p:sp>
             <p:nvSpPr>
               <p:cNvPr id="2" name="Title 1"/>
@@ -4953,13 +4910,7 @@
                   <a:rPr lang="en-US" sz="3600" dirty="0" smtClean="0">
                     <a:sym typeface="Symbol"/>
                   </a:rPr>
-                  <a:t>adaptive </a:t>
-                </a:r>
-                <a:r>
-                  <a:rPr lang="en-US" sz="3600" dirty="0" smtClean="0">
-                    <a:sym typeface="Symbol"/>
-                  </a:rPr>
-                  <a:t> as a function of (t)/</a:t>
+                  <a:t>adaptive  as a function of (t)/</a:t>
                 </a:r>
                 <a14:m>
                   <m:oMath xmlns:m="http://schemas.openxmlformats.org/officeDocument/2006/math">
@@ -5011,7 +4962,7 @@
             </p:txBody>
           </p:sp>
         </mc:Choice>
-        <mc:Fallback>
+        <mc:Fallback xmlns="">
           <p:sp>
             <p:nvSpPr>
               <p:cNvPr id="2" name="Title 1"/>
@@ -5241,11 +5192,7 @@
             </a:r>
             <a:r>
               <a:rPr lang="en-US" sz="3600" dirty="0" smtClean="0"/>
-              <a:t>=5, </a:t>
-            </a:r>
-            <a:r>
-              <a:rPr lang="en-US" sz="3600" dirty="0" smtClean="0"/>
-              <a:t>start=10</a:t>
+              <a:t>=5, start=10</a:t>
             </a:r>
             <a:endParaRPr lang="en-US" sz="3600" dirty="0"/>
           </a:p>
@@ -5417,15 +5364,7 @@
             </a:r>
             <a:r>
               <a:rPr lang="en-US" sz="3600" dirty="0" smtClean="0"/>
-              <a:t>, adjust by </a:t>
-            </a:r>
-            <a:r>
-              <a:rPr lang="en-US" sz="3600" dirty="0" smtClean="0"/>
-              <a:t>FIRST-VISIT State </a:t>
-            </a:r>
-            <a:r>
-              <a:rPr lang="en-US" sz="3600" dirty="0" smtClean="0"/>
-              <a:t>Count</a:t>
+              <a:t>, adjust by FIRST-VISIT State Count</a:t>
             </a:r>
             <a:br>
               <a:rPr lang="en-US" sz="3600" dirty="0" smtClean="0"/>
@@ -5444,11 +5383,7 @@
             </a:r>
             <a:r>
               <a:rPr lang="en-US" sz="3600" dirty="0" smtClean="0"/>
-              <a:t>=5, </a:t>
-            </a:r>
-            <a:r>
-              <a:rPr lang="en-US" sz="3600" dirty="0" smtClean="0"/>
-              <a:t>start=10</a:t>
+              <a:t>=5, start=10</a:t>
             </a:r>
             <a:endParaRPr lang="en-US" sz="3600" dirty="0"/>
           </a:p>
@@ -5655,11 +5590,7 @@
             </a:r>
             <a:r>
               <a:rPr lang="en-US" sz="2800" dirty="0" smtClean="0"/>
-              <a:t>=5, </a:t>
-            </a:r>
-            <a:r>
-              <a:rPr lang="en-US" sz="2800" dirty="0" smtClean="0"/>
-              <a:t>start=10</a:t>
+              <a:t>=5, start=10</a:t>
             </a:r>
             <a:endParaRPr lang="en-US" sz="2800" dirty="0"/>
           </a:p>
@@ -5891,19 +5822,12 @@
               <a:rPr lang="en-US" sz="2400" dirty="0" smtClean="0">
                 <a:sym typeface="Symbol"/>
               </a:rPr>
-              <a:t> adjusted by </a:t>
-            </a:r>
-            <a:r>
-              <a:rPr lang="en-US" sz="2400" dirty="0" smtClean="0">
-                <a:sym typeface="Symbol"/>
-              </a:rPr>
-              <a:t>FIRST-VISIT state count</a:t>
+              <a:t> adjusted by FIRST-VISIT state count</a:t>
             </a:r>
             <a:r>
               <a:rPr lang="en-US" sz="2400" dirty="0" smtClean="0"/>
               <a:t>.</a:t>
             </a:r>
-            <a:endParaRPr lang="en-US" sz="2400" dirty="0" smtClean="0"/>
           </a:p>
           <a:p>
             <a:pPr marL="457200" indent="-457200">
@@ -5928,19 +5852,7 @@
               <a:rPr lang="en-US" sz="2400" dirty="0" smtClean="0">
                 <a:sym typeface="Symbol"/>
               </a:rPr>
-              <a:t> is </a:t>
-            </a:r>
-            <a:r>
-              <a:rPr lang="en-US" sz="2400" dirty="0" smtClean="0">
-                <a:sym typeface="Symbol"/>
-              </a:rPr>
-              <a:t>observed for  = 0.8 (also for </a:t>
-            </a:r>
-            <a:r>
-              <a:rPr lang="en-US" sz="2400" dirty="0" smtClean="0">
-                <a:sym typeface="Symbol"/>
-              </a:rPr>
-              <a:t>the “ adjusted by FIRST-VISIT state count” case), with an RMSE at the end of 200 episodes very similar to the adaptive TD() case.</a:t>
+              <a:t> is observed for  = 0.8 (also for the “ adjusted by FIRST-VISIT state count” case), with an RMSE at the end of 200 episodes very similar to the adaptive TD() case.</a:t>
             </a:r>
           </a:p>
           <a:p>
@@ -5979,47 +5891,32 @@
               <a:rPr lang="en-US" sz="2400" dirty="0" smtClean="0">
                 <a:sym typeface="Symbol"/>
               </a:rPr>
-              <a:t>As expected, t</a:t>
+              <a:t>As expected, the </a:t>
+            </a:r>
+            <a:r>
+              <a:rPr lang="en-US" sz="2400" b="1" dirty="0" smtClean="0">
+                <a:sym typeface="Symbol"/>
+              </a:rPr>
+              <a:t>convergence of MC is very similar to TD(0.9)</a:t>
             </a:r>
             <a:r>
               <a:rPr lang="en-US" sz="2400" dirty="0" smtClean="0">
                 <a:sym typeface="Symbol"/>
               </a:rPr>
-              <a:t>he </a:t>
+              <a:t> --i.e. the closest we got to  = 1 in our simulations– although this is the case only when  is updated by FIRST-VISIT state count, which is </a:t>
             </a:r>
             <a:r>
               <a:rPr lang="en-US" sz="2400" b="1" dirty="0" smtClean="0">
                 <a:sym typeface="Symbol"/>
               </a:rPr>
-              <a:t>convergence of MC is very similar to TD(0.9</a:t>
-            </a:r>
-            <a:r>
-              <a:rPr lang="en-US" sz="2400" b="1" dirty="0" smtClean="0">
-                <a:sym typeface="Symbol"/>
-              </a:rPr>
-              <a:t>)</a:t>
+              <a:t>the setting under which the two algorithms are most similar</a:t>
             </a:r>
             <a:r>
               <a:rPr lang="en-US" sz="2400" dirty="0" smtClean="0">
                 <a:sym typeface="Symbol"/>
               </a:rPr>
-              <a:t> --i.e. the closest we got to  = 1 in our simulations– although this is the case only when  is updated by FIRST-VISIT state count, which is </a:t>
-            </a:r>
-            <a:r>
-              <a:rPr lang="en-US" sz="2400" b="1" dirty="0" smtClean="0">
-                <a:sym typeface="Symbol"/>
-              </a:rPr>
-              <a:t>the setting under which the two algorithms are most similar</a:t>
-            </a:r>
-            <a:r>
-              <a:rPr lang="en-US" sz="2400" dirty="0" smtClean="0">
-                <a:sym typeface="Symbol"/>
-              </a:rPr>
               <a:t>.</a:t>
             </a:r>
-            <a:endParaRPr lang="en-US" sz="2400" dirty="0" smtClean="0">
-              <a:sym typeface="Symbol"/>
-            </a:endParaRPr>
           </a:p>
           <a:p>
             <a:pPr marL="457200" indent="-457200">
@@ -6030,19 +5927,7 @@
               <a:rPr lang="en-US" sz="2400" dirty="0" smtClean="0">
                 <a:sym typeface="Symbol"/>
               </a:rPr>
-              <a:t>The convergence </a:t>
-            </a:r>
-            <a:r>
-              <a:rPr lang="en-US" sz="2400" dirty="0" smtClean="0">
-                <a:sym typeface="Symbol"/>
-              </a:rPr>
-              <a:t>to the RMSE at the last episode </a:t>
-            </a:r>
-            <a:r>
-              <a:rPr lang="en-US" sz="2400" dirty="0" smtClean="0">
-                <a:sym typeface="Symbol"/>
-              </a:rPr>
-              <a:t>is a little slower in the adaptive TD() case than in TD() for the 19-state environment, but faster for the 7-state environment.</a:t>
+              <a:t>The convergence to the RMSE at the last episode is a little slower in the adaptive TD() case than in TD() for the 19-state environment, but faster for the 7-state environment.</a:t>
             </a:r>
             <a:endParaRPr lang="en-US" sz="2400" dirty="0" smtClean="0"/>
           </a:p>
@@ -6124,8 +6009,8 @@
           </a:p>
         </p:txBody>
       </p:sp>
-      <mc:AlternateContent xmlns:mc="http://schemas.openxmlformats.org/markup-compatibility/2006">
-        <mc:Choice xmlns:a14="http://schemas.microsoft.com/office/drawing/2010/main" Requires="a14">
+      <mc:AlternateContent xmlns:mc="http://schemas.openxmlformats.org/markup-compatibility/2006" xmlns:a14="http://schemas.microsoft.com/office/drawing/2010/main">
+        <mc:Choice Requires="a14">
           <p:sp>
             <p:nvSpPr>
               <p:cNvPr id="3" name="Content Placeholder 2"/>
@@ -6145,11 +6030,7 @@
               <a:p>
                 <a:r>
                   <a:rPr lang="en-US" sz="1600" dirty="0" smtClean="0"/>
-                  <a:t>Three algorithms are analyzed on </a:t>
-                </a:r>
-                <a:r>
-                  <a:rPr lang="en-US" sz="1600" dirty="0" smtClean="0"/>
-                  <a:t>a 19+2-state and 7+2-state 1D </a:t>
+                  <a:t>Three algorithms are analyzed on a 19+2-state and 7+2-state 1D </a:t>
                 </a:r>
                 <a:r>
                   <a:rPr lang="en-US" sz="1600" dirty="0" err="1" smtClean="0"/>
@@ -6207,49 +6088,12 @@
               <a:p>
                 <a:r>
                   <a:rPr lang="en-US" sz="1600" b="1" dirty="0" smtClean="0"/>
-                  <a:t>Four set of simulations </a:t>
-                </a:r>
-                <a:r>
-                  <a:rPr lang="en-US" sz="1600" b="1" dirty="0" smtClean="0"/>
-                  <a:t>are carried out for each algorithm </a:t>
+                  <a:t>Four set of simulations are carried out for each algorithm </a:t>
                 </a:r>
                 <a:r>
                   <a:rPr lang="en-US" sz="1600" dirty="0" smtClean="0"/>
-                  <a:t>making up </a:t>
+                  <a:t>making up 12 simulations shown in 12 different pages, where the RMSE by episode averaged over 10 or 5 experiments is plotted. The four set of simulations are as follows</a:t>
                 </a:r>
-                <a:r>
-                  <a:rPr lang="en-US" sz="1600" dirty="0" smtClean="0"/>
-                  <a:t>12 </a:t>
-                </a:r>
-                <a:r>
-                  <a:rPr lang="en-US" sz="1600" dirty="0" smtClean="0"/>
-                  <a:t>simulations shown in </a:t>
-                </a:r>
-                <a:r>
-                  <a:rPr lang="en-US" sz="1600" dirty="0" smtClean="0"/>
-                  <a:t>12 different </a:t>
-                </a:r>
-                <a:r>
-                  <a:rPr lang="en-US" sz="1600" dirty="0" smtClean="0"/>
-                  <a:t>pages, where the RMSE by episode averaged over 10 </a:t>
-                </a:r>
-                <a:r>
-                  <a:rPr lang="en-US" sz="1600" dirty="0" smtClean="0"/>
-                  <a:t>or 5 experiments </a:t>
-                </a:r>
-                <a:r>
-                  <a:rPr lang="en-US" sz="1600" dirty="0" smtClean="0"/>
-                  <a:t>is </a:t>
-                </a:r>
-                <a:r>
-                  <a:rPr lang="en-US" sz="1600" dirty="0" smtClean="0"/>
-                  <a:t>plotted. The four set of </a:t>
-                </a:r>
-                <a:r>
-                  <a:rPr lang="en-US" sz="1600" dirty="0" smtClean="0"/>
-                  <a:t>simulations are as follows</a:t>
-                </a:r>
-                <a:endParaRPr lang="en-US" sz="1600" dirty="0" smtClean="0"/>
               </a:p>
               <a:p>
                 <a:pPr marL="800100" lvl="1" indent="-342900">
@@ -6263,16 +6107,7 @@
                     </a:solidFill>
                     <a:sym typeface="Symbol"/>
                   </a:rPr>
-                  <a:t> is adjusted by state </a:t>
-                </a:r>
-                <a:r>
-                  <a:rPr lang="en-US" sz="1400" dirty="0" smtClean="0">
-                    <a:solidFill>
-                      <a:schemeClr val="tx2"/>
-                    </a:solidFill>
-                    <a:sym typeface="Symbol"/>
-                  </a:rPr>
-                  <a:t>count on the 19+2-state </a:t>
+                  <a:t> is adjusted by state count on the 19+2-state </a:t>
                 </a:r>
                 <a:r>
                   <a:rPr lang="en-US" sz="1400" dirty="0" err="1" smtClean="0">
@@ -6492,25 +6327,7 @@
                     </a:solidFill>
                     <a:sym typeface="Symbol"/>
                   </a:rPr>
-                  <a:t>considered a state-dependent value that is defined </a:t>
-                </a:r>
-                <a:r>
-                  <a:rPr lang="en-US" sz="1400" i="1" dirty="0" smtClean="0">
-                    <a:solidFill>
-                      <a:schemeClr val="tx2"/>
-                    </a:solidFill>
-                    <a:sym typeface="Symbol"/>
-                  </a:rPr>
-                  <a:t>by a Boltzman</a:t>
-                </a:r>
-                <a:r>
-                  <a:rPr lang="en-US" sz="1400" i="1" dirty="0" smtClean="0">
-                    <a:solidFill>
-                      <a:schemeClr val="tx2"/>
-                    </a:solidFill>
-                    <a:sym typeface="Symbol"/>
-                  </a:rPr>
-                  <a:t>n function of (t)/V(S(t)), i.e. of the </a:t>
+                  <a:t>considered a state-dependent value that is defined by a Boltzmann function of (t)/V(S(t)), i.e. of the </a:t>
                 </a:r>
                 <a:r>
                   <a:rPr lang="en-US" sz="1400" b="1" i="1" dirty="0" smtClean="0">
@@ -6650,7 +6467,6 @@
                   <a:rPr lang="en-US" sz="1400" i="1" dirty="0" smtClean="0"/>
                   <a:t>(as is the case for middle states).</a:t>
                 </a:r>
-                <a:endParaRPr lang="en-US" sz="1400" i="1" dirty="0" smtClean="0"/>
               </a:p>
               <a:p>
                 <a:r>
@@ -6671,22 +6487,13 @@
                   </a:rPr>
                   <a:t>are considered and compared.</a:t>
                 </a:r>
-                <a:endParaRPr lang="en-US" sz="1600" dirty="0" smtClean="0">
-                  <a:sym typeface="Symbol"/>
-                </a:endParaRPr>
               </a:p>
               <a:p>
                 <a:r>
                   <a:rPr lang="en-US" sz="1600" i="1" dirty="0" smtClean="0">
                     <a:sym typeface="Symbol"/>
                   </a:rPr>
-                  <a:t>All </a:t>
-                </a:r>
-                <a:r>
-                  <a:rPr lang="en-US" sz="1600" i="1" dirty="0" smtClean="0">
-                    <a:sym typeface="Symbol"/>
-                  </a:rPr>
-                  <a:t>plots on the LHS are visually comparable as they use the same scale.</a:t>
+                  <a:t>All plots on the LHS are visually comparable as they use the same scale.</a:t>
                 </a:r>
               </a:p>
               <a:p>
@@ -6701,7 +6508,7 @@
             </p:txBody>
           </p:sp>
         </mc:Choice>
-        <mc:Fallback>
+        <mc:Fallback xmlns="">
           <p:sp>
             <p:nvSpPr>
               <p:cNvPr id="3" name="Content Placeholder 2"/>
@@ -6886,13 +6693,7 @@
               <a:rPr lang="en-US" sz="2400" dirty="0" smtClean="0">
                 <a:sym typeface="Symbol"/>
               </a:rPr>
-              <a:t>, </a:t>
-            </a:r>
-            <a:r>
-              <a:rPr lang="en-US" sz="2400" dirty="0" smtClean="0">
-                <a:sym typeface="Symbol"/>
-              </a:rPr>
-              <a:t>we may conclude that:</a:t>
+              <a:t>, we may conclude that:</a:t>
             </a:r>
             <a:endParaRPr lang="en-US" sz="2400" dirty="0" smtClean="0"/>
           </a:p>
@@ -7152,7 +6953,19 @@
               <a:rPr lang="en-US" sz="2400" dirty="0" smtClean="0">
                 <a:sym typeface="Symbol"/>
               </a:rPr>
-              <a:t>, or even slightly better (in terms of faster convergence and possibly slightly slower RMSE), with the great advantage that there is no need to specify the value</a:t>
+              <a:t>, or even slightly better (in terms of faster convergence and possibly slightly </a:t>
+            </a:r>
+            <a:r>
+              <a:rPr lang="en-US" sz="2400" dirty="0" smtClean="0">
+                <a:sym typeface="Symbol"/>
+              </a:rPr>
+              <a:t>lower </a:t>
+            </a:r>
+            <a:r>
+              <a:rPr lang="en-US" sz="2400" dirty="0" smtClean="0">
+                <a:sym typeface="Symbol"/>
+              </a:rPr>
+              <a:t>RMSE), with the great advantage that there is no need to specify the value</a:t>
             </a:r>
             <a:r>
               <a:rPr lang="en-US" sz="2400" dirty="0">
@@ -7221,37 +7034,25 @@
               <a:rPr lang="en-US" sz="2400" dirty="0" smtClean="0">
                 <a:sym typeface="Symbol"/>
               </a:rPr>
-              <a:t>)--</a:t>
+              <a:t>)--, the </a:t>
+            </a:r>
+            <a:r>
+              <a:rPr lang="en-US" sz="2400" b="1" dirty="0" smtClean="0">
+                <a:sym typeface="Symbol"/>
+              </a:rPr>
+              <a:t>best one </a:t>
             </a:r>
             <a:r>
               <a:rPr lang="en-US" sz="2400" dirty="0" smtClean="0">
                 <a:sym typeface="Symbol"/>
               </a:rPr>
-              <a:t>, the </a:t>
+              <a:t>(smaller RMSE, faster convergence) chooses </a:t>
             </a:r>
             <a:r>
               <a:rPr lang="en-US" sz="2400" b="1" dirty="0" smtClean="0">
                 <a:sym typeface="Symbol"/>
               </a:rPr>
-              <a:t>best one </a:t>
-            </a:r>
-            <a:r>
-              <a:rPr lang="en-US" sz="2400" dirty="0" smtClean="0">
-                <a:sym typeface="Symbol"/>
-              </a:rPr>
-              <a:t>(smaller RMSE, faster convergence) chooses </a:t>
-            </a:r>
-            <a:r>
-              <a:rPr lang="en-US" sz="2400" b="1" dirty="0" smtClean="0">
-                <a:sym typeface="Symbol"/>
-              </a:rPr>
-              <a:t> as a function of the target erro</a:t>
-            </a:r>
-            <a:r>
-              <a:rPr lang="en-US" sz="2400" b="1" dirty="0" smtClean="0">
-                <a:sym typeface="Symbol"/>
-              </a:rPr>
-              <a:t>r relative to the average state value function estimate </a:t>
+              <a:t> as a function of the target error relative to the average state value function estimate </a:t>
             </a:r>
             <a:r>
               <a:rPr lang="en-US" sz="2400" dirty="0" smtClean="0">
@@ -7371,7 +7172,7 @@
               <a:rPr lang="en-US" dirty="0" smtClean="0">
                 <a:sym typeface="Symbol"/>
               </a:rPr>
-              <a:t>DRAFT</a:t>
+              <a:t>APPENDIX</a:t>
             </a:r>
             <a:endParaRPr lang="en-US" dirty="0"/>
           </a:p>
@@ -7469,50 +7270,49 @@
         <p:spPr/>
         <p:txBody>
           <a:bodyPr>
-            <a:normAutofit fontScale="90000"/>
+            <a:normAutofit/>
           </a:bodyPr>
           <a:lstStyle/>
           <a:p>
             <a:r>
-              <a:rPr lang="en-US" dirty="0" smtClean="0"/>
-              <a:t>Adaptive TD(</a:t>
-            </a:r>
-            <a:r>
-              <a:rPr lang="en-US" dirty="0" smtClean="0">
-                <a:sym typeface="Symbol"/>
-              </a:rPr>
-              <a:t>) -  distribution</a:t>
+              <a:rPr lang="en-US" sz="2800" dirty="0" smtClean="0">
+                <a:sym typeface="Symbol"/>
+              </a:rPr>
+              <a:t>Distribution of  by </a:t>
+            </a:r>
+            <a:r>
+              <a:rPr lang="en-US" sz="2800" smtClean="0">
+                <a:sym typeface="Symbol"/>
+              </a:rPr>
+              <a:t>state over time</a:t>
+            </a:r>
+            <a:r>
+              <a:rPr lang="en-US" sz="2800" dirty="0" smtClean="0">
+                <a:sym typeface="Symbol"/>
+              </a:rPr>
+              <a:t/>
             </a:r>
             <a:br>
-              <a:rPr lang="en-US" dirty="0" smtClean="0">
+              <a:rPr lang="en-US" sz="2800" dirty="0" smtClean="0">
                 <a:sym typeface="Symbol"/>
               </a:rPr>
             </a:br>
             <a:r>
-              <a:rPr lang="en-US" sz="3100" dirty="0" smtClean="0">
-                <a:sym typeface="Symbol"/>
-              </a:rPr>
-              <a:t>Three ways of </a:t>
-            </a:r>
-            <a:r>
-              <a:rPr lang="en-US" sz="3100" dirty="0" smtClean="0">
-                <a:sym typeface="Symbol"/>
-              </a:rPr>
-              <a:t>adjusting  as a function of </a:t>
-            </a:r>
-            <a:r>
-              <a:rPr lang="en-US" sz="3100" dirty="0" smtClean="0">
-                <a:sym typeface="Symbol"/>
-              </a:rPr>
-              <a:t>(t</a:t>
-            </a:r>
-            <a:r>
-              <a:rPr lang="en-US" sz="3100" dirty="0" smtClean="0">
-                <a:sym typeface="Symbol"/>
-              </a:rPr>
-              <a:t>)</a:t>
-            </a:r>
-            <a:endParaRPr lang="en-US" sz="3100" dirty="0"/>
+              <a:rPr lang="en-US" sz="2400" dirty="0" smtClean="0">
+                <a:sym typeface="Symbol"/>
+              </a:rPr>
+              <a:t>Boltzmann law is a function of (t)/</a:t>
+            </a:r>
+            <a:r>
+              <a:rPr lang="en-US" sz="2400" i="1" dirty="0" smtClean="0">
+                <a:solidFill>
+                  <a:srgbClr val="C00000"/>
+                </a:solidFill>
+                <a:sym typeface="Symbol"/>
+              </a:rPr>
+              <a:t>V(S(t))</a:t>
+            </a:r>
+            <a:endParaRPr lang="en-US" sz="2400" dirty="0"/>
           </a:p>
         </p:txBody>
       </p:sp>
@@ -7534,6 +7334,2148 @@
             <a:fld id="{62D96F91-737B-4795-86FD-3CFC620DA94D}" type="slidenum">
               <a:rPr lang="en-US" smtClean="0"/>
               <a:t>23</a:t>
+            </a:fld>
+            <a:endParaRPr lang="en-US"/>
+          </a:p>
+        </p:txBody>
+      </p:sp>
+      <p:sp>
+        <p:nvSpPr>
+          <p:cNvPr id="5" name="TextBox 4"/>
+          <p:cNvSpPr txBox="1"/>
+          <p:nvPr/>
+        </p:nvSpPr>
+        <p:spPr>
+          <a:xfrm>
+            <a:off x="106271" y="1773977"/>
+            <a:ext cx="1064715" cy="523220"/>
+          </a:xfrm>
+          <a:prstGeom prst="rect">
+            <a:avLst/>
+          </a:prstGeom>
+          <a:noFill/>
+        </p:spPr>
+        <p:txBody>
+          <a:bodyPr wrap="none" rtlCol="0">
+            <a:spAutoFit/>
+          </a:bodyPr>
+          <a:lstStyle/>
+          <a:p>
+            <a:pPr algn="ctr"/>
+            <a:r>
+              <a:rPr lang="en-US" sz="1400" b="1" dirty="0" smtClean="0"/>
+              <a:t>First</a:t>
+            </a:r>
+          </a:p>
+          <a:p>
+            <a:pPr algn="ctr"/>
+            <a:r>
+              <a:rPr lang="en-US" sz="1400" b="1" dirty="0" smtClean="0"/>
+              <a:t>20 episodes</a:t>
+            </a:r>
+            <a:endParaRPr lang="en-US" sz="1400" b="1" dirty="0"/>
+          </a:p>
+        </p:txBody>
+      </p:sp>
+      <p:pic>
+        <p:nvPicPr>
+          <p:cNvPr id="1026" name="Picture 2"/>
+          <p:cNvPicPr>
+            <a:picLocks noChangeArrowheads="1"/>
+          </p:cNvPicPr>
+          <p:nvPr/>
+        </p:nvPicPr>
+        <p:blipFill rotWithShape="1">
+          <a:blip r:embed="rId2">
+            <a:extLst>
+              <a:ext uri="{28A0092B-C50C-407E-A947-70E740481C1C}">
+                <a14:useLocalDpi xmlns:a14="http://schemas.microsoft.com/office/drawing/2010/main" val="0"/>
+              </a:ext>
+            </a:extLst>
+          </a:blip>
+          <a:srcRect l="9056" t="15873" r="5323" b="10232"/>
+          <a:stretch/>
+        </p:blipFill>
+        <p:spPr bwMode="auto">
+          <a:xfrm>
+            <a:off x="1255988" y="1404257"/>
+            <a:ext cx="7852516" cy="1440000"/>
+          </a:xfrm>
+          <a:prstGeom prst="rect">
+            <a:avLst/>
+          </a:prstGeom>
+          <a:noFill/>
+          <a:ln w="9525">
+            <a:solidFill>
+              <a:schemeClr val="tx1"/>
+            </a:solidFill>
+            <a:miter lim="800000"/>
+            <a:headEnd/>
+            <a:tailEnd/>
+          </a:ln>
+          <a:extLst>
+            <a:ext uri="{909E8E84-426E-40DD-AFC4-6F175D3DCCD1}">
+              <a14:hiddenFill xmlns:a14="http://schemas.microsoft.com/office/drawing/2010/main">
+                <a:solidFill>
+                  <a:schemeClr val="accent1"/>
+                </a:solidFill>
+              </a14:hiddenFill>
+            </a:ext>
+          </a:extLst>
+        </p:spPr>
+      </p:pic>
+      <p:pic>
+        <p:nvPicPr>
+          <p:cNvPr id="1027" name="Picture 3"/>
+          <p:cNvPicPr>
+            <a:picLocks noChangeArrowheads="1"/>
+          </p:cNvPicPr>
+          <p:nvPr/>
+        </p:nvPicPr>
+        <p:blipFill rotWithShape="1">
+          <a:blip r:embed="rId3">
+            <a:extLst>
+              <a:ext uri="{28A0092B-C50C-407E-A947-70E740481C1C}">
+                <a14:useLocalDpi xmlns:a14="http://schemas.microsoft.com/office/drawing/2010/main" val="0"/>
+              </a:ext>
+            </a:extLst>
+          </a:blip>
+          <a:srcRect l="8792" t="16675" r="4260" b="10611"/>
+          <a:stretch/>
+        </p:blipFill>
+        <p:spPr bwMode="auto">
+          <a:xfrm>
+            <a:off x="1245119" y="2968486"/>
+            <a:ext cx="7884368" cy="1440000"/>
+          </a:xfrm>
+          <a:prstGeom prst="rect">
+            <a:avLst/>
+          </a:prstGeom>
+          <a:noFill/>
+          <a:ln w="9525">
+            <a:solidFill>
+              <a:schemeClr val="tx1"/>
+            </a:solidFill>
+            <a:miter lim="800000"/>
+            <a:headEnd/>
+            <a:tailEnd/>
+          </a:ln>
+          <a:extLst>
+            <a:ext uri="{909E8E84-426E-40DD-AFC4-6F175D3DCCD1}">
+              <a14:hiddenFill xmlns:a14="http://schemas.microsoft.com/office/drawing/2010/main">
+                <a:solidFill>
+                  <a:schemeClr val="accent1"/>
+                </a:solidFill>
+              </a14:hiddenFill>
+            </a:ext>
+          </a:extLst>
+        </p:spPr>
+      </p:pic>
+      <p:pic>
+        <p:nvPicPr>
+          <p:cNvPr id="3" name="Picture 4"/>
+          <p:cNvPicPr>
+            <a:picLocks noChangeArrowheads="1"/>
+          </p:cNvPicPr>
+          <p:nvPr/>
+        </p:nvPicPr>
+        <p:blipFill rotWithShape="1">
+          <a:blip r:embed="rId4">
+            <a:extLst>
+              <a:ext uri="{28A0092B-C50C-407E-A947-70E740481C1C}">
+                <a14:useLocalDpi xmlns:a14="http://schemas.microsoft.com/office/drawing/2010/main" val="0"/>
+              </a:ext>
+            </a:extLst>
+          </a:blip>
+          <a:srcRect l="8718" t="15897" r="4064" b="8443"/>
+          <a:stretch/>
+        </p:blipFill>
+        <p:spPr bwMode="auto">
+          <a:xfrm>
+            <a:off x="1246721" y="4553113"/>
+            <a:ext cx="7882765" cy="1440000"/>
+          </a:xfrm>
+          <a:prstGeom prst="rect">
+            <a:avLst/>
+          </a:prstGeom>
+          <a:noFill/>
+          <a:ln w="9525">
+            <a:solidFill>
+              <a:schemeClr val="tx1"/>
+            </a:solidFill>
+            <a:miter lim="800000"/>
+            <a:headEnd/>
+            <a:tailEnd/>
+          </a:ln>
+          <a:extLst>
+            <a:ext uri="{909E8E84-426E-40DD-AFC4-6F175D3DCCD1}">
+              <a14:hiddenFill xmlns:a14="http://schemas.microsoft.com/office/drawing/2010/main">
+                <a:solidFill>
+                  <a:schemeClr val="accent1"/>
+                </a:solidFill>
+              </a14:hiddenFill>
+            </a:ext>
+          </a:extLst>
+        </p:spPr>
+      </p:pic>
+      <p:sp>
+        <p:nvSpPr>
+          <p:cNvPr id="11" name="TextBox 10"/>
+          <p:cNvSpPr txBox="1"/>
+          <p:nvPr/>
+        </p:nvSpPr>
+        <p:spPr>
+          <a:xfrm>
+            <a:off x="145587" y="3356992"/>
+            <a:ext cx="1156087" cy="523220"/>
+          </a:xfrm>
+          <a:prstGeom prst="rect">
+            <a:avLst/>
+          </a:prstGeom>
+          <a:noFill/>
+        </p:spPr>
+        <p:txBody>
+          <a:bodyPr wrap="none" rtlCol="0">
+            <a:spAutoFit/>
+          </a:bodyPr>
+          <a:lstStyle/>
+          <a:p>
+            <a:pPr algn="ctr"/>
+            <a:r>
+              <a:rPr lang="en-US" sz="1400" b="1" dirty="0" smtClean="0"/>
+              <a:t>First</a:t>
+            </a:r>
+          </a:p>
+          <a:p>
+            <a:pPr algn="ctr"/>
+            <a:r>
+              <a:rPr lang="en-US" sz="1400" b="1" dirty="0" smtClean="0"/>
+              <a:t>200 episodes</a:t>
+            </a:r>
+            <a:endParaRPr lang="en-US" sz="1400" b="1" dirty="0"/>
+          </a:p>
+        </p:txBody>
+      </p:sp>
+      <p:sp>
+        <p:nvSpPr>
+          <p:cNvPr id="12" name="TextBox 11"/>
+          <p:cNvSpPr txBox="1"/>
+          <p:nvPr/>
+        </p:nvSpPr>
+        <p:spPr>
+          <a:xfrm>
+            <a:off x="99608" y="5013176"/>
+            <a:ext cx="1247457" cy="523220"/>
+          </a:xfrm>
+          <a:prstGeom prst="rect">
+            <a:avLst/>
+          </a:prstGeom>
+          <a:noFill/>
+        </p:spPr>
+        <p:txBody>
+          <a:bodyPr wrap="none" rtlCol="0">
+            <a:spAutoFit/>
+          </a:bodyPr>
+          <a:lstStyle/>
+          <a:p>
+            <a:pPr algn="ctr"/>
+            <a:r>
+              <a:rPr lang="en-US" sz="1400" b="1" dirty="0" smtClean="0"/>
+              <a:t>First</a:t>
+            </a:r>
+          </a:p>
+          <a:p>
+            <a:pPr algn="ctr"/>
+            <a:r>
+              <a:rPr lang="en-US" sz="1400" b="1" dirty="0" smtClean="0"/>
+              <a:t>1000 episodes</a:t>
+            </a:r>
+            <a:endParaRPr lang="en-US" sz="1400" b="1" dirty="0"/>
+          </a:p>
+        </p:txBody>
+      </p:sp>
+      <p:sp>
+        <p:nvSpPr>
+          <p:cNvPr id="6" name="TextBox 5"/>
+          <p:cNvSpPr txBox="1"/>
+          <p:nvPr/>
+        </p:nvSpPr>
+        <p:spPr>
+          <a:xfrm>
+            <a:off x="253509" y="5982379"/>
+            <a:ext cx="8422947" cy="830997"/>
+          </a:xfrm>
+          <a:prstGeom prst="rect">
+            <a:avLst/>
+          </a:prstGeom>
+          <a:noFill/>
+        </p:spPr>
+        <p:txBody>
+          <a:bodyPr wrap="square" rtlCol="0">
+            <a:spAutoFit/>
+          </a:bodyPr>
+          <a:lstStyle/>
+          <a:p>
+            <a:r>
+              <a:rPr lang="en-US" sz="1600" dirty="0" smtClean="0"/>
+              <a:t>We observe that the distribution of </a:t>
+            </a:r>
+            <a:r>
+              <a:rPr lang="en-US" sz="1600" dirty="0" smtClean="0">
+                <a:sym typeface="Symbol"/>
+              </a:rPr>
+              <a:t> by state tends to an Atari shape… which is </a:t>
+            </a:r>
+            <a:r>
+              <a:rPr lang="en-US" sz="1600" b="1" dirty="0" smtClean="0">
+                <a:sym typeface="Symbol"/>
+              </a:rPr>
+              <a:t>due to the division by V(S(t)) which is very small for middle states</a:t>
+            </a:r>
+            <a:r>
+              <a:rPr lang="en-US" sz="1600" dirty="0" smtClean="0">
+                <a:sym typeface="Symbol"/>
+              </a:rPr>
+              <a:t>, explaining the larger values of  for those states compared to border states.</a:t>
+            </a:r>
+            <a:endParaRPr lang="en-US" sz="1600" dirty="0"/>
+          </a:p>
+        </p:txBody>
+      </p:sp>
+    </p:spTree>
+    <p:extLst>
+      <p:ext uri="{BB962C8B-B14F-4D97-AF65-F5344CB8AC3E}">
+        <p14:creationId xmlns:p14="http://schemas.microsoft.com/office/powerpoint/2010/main" val="2648480913"/>
+      </p:ext>
+    </p:extLst>
+  </p:cSld>
+  <p:clrMapOvr>
+    <a:masterClrMapping/>
+  </p:clrMapOvr>
+  <p:timing>
+    <p:tnLst>
+      <p:par>
+        <p:cTn id="1" dur="indefinite" restart="never" nodeType="tmRoot"/>
+      </p:par>
+    </p:tnLst>
+  </p:timing>
+</p:sld>
+</file>
+
+<file path=ppt/slides/slide24.xml><?xml version="1.0" encoding="utf-8"?>
+<p:sld xmlns:a="http://schemas.openxmlformats.org/drawingml/2006/main" xmlns:r="http://schemas.openxmlformats.org/officeDocument/2006/relationships" xmlns:p="http://schemas.openxmlformats.org/presentationml/2006/main">
+  <p:cSld>
+    <p:spTree>
+      <p:nvGrpSpPr>
+        <p:cNvPr id="1" name=""/>
+        <p:cNvGrpSpPr/>
+        <p:nvPr/>
+      </p:nvGrpSpPr>
+      <p:grpSpPr>
+        <a:xfrm>
+          <a:off x="0" y="0"/>
+          <a:ext cx="0" cy="0"/>
+          <a:chOff x="0" y="0"/>
+          <a:chExt cx="0" cy="0"/>
+        </a:xfrm>
+      </p:grpSpPr>
+      <mc:AlternateContent xmlns:mc="http://schemas.openxmlformats.org/markup-compatibility/2006">
+        <mc:Choice xmlns:a14="http://schemas.microsoft.com/office/drawing/2010/main" Requires="a14">
+          <p:sp>
+            <p:nvSpPr>
+              <p:cNvPr id="2" name="Title 1"/>
+              <p:cNvSpPr>
+                <a:spLocks noGrp="1"/>
+              </p:cNvSpPr>
+              <p:nvPr>
+                <p:ph type="title"/>
+              </p:nvPr>
+            </p:nvSpPr>
+            <p:spPr/>
+            <p:txBody>
+              <a:bodyPr>
+                <a:noAutofit/>
+              </a:bodyPr>
+              <a:lstStyle/>
+              <a:p>
+                <a:r>
+                  <a:rPr lang="en-US" sz="2800" dirty="0" smtClean="0">
+                    <a:sym typeface="Symbol"/>
+                  </a:rPr>
+                  <a:t>Distribution </a:t>
+                </a:r>
+                <a:r>
+                  <a:rPr lang="en-US" sz="2800" dirty="0">
+                    <a:sym typeface="Symbol"/>
+                  </a:rPr>
+                  <a:t>of  by state </a:t>
+                </a:r>
+                <a:r>
+                  <a:rPr lang="en-US" sz="2800" dirty="0" smtClean="0">
+                    <a:sym typeface="Symbol"/>
+                  </a:rPr>
+                  <a:t>over time</a:t>
+                </a:r>
+                <a:r>
+                  <a:rPr lang="en-US" sz="2800" dirty="0">
+                    <a:sym typeface="Symbol"/>
+                  </a:rPr>
+                  <a:t/>
+                </a:r>
+                <a:br>
+                  <a:rPr lang="en-US" sz="2800" dirty="0">
+                    <a:sym typeface="Symbol"/>
+                  </a:rPr>
+                </a:br>
+                <a:r>
+                  <a:rPr lang="en-US" sz="2400" dirty="0" smtClean="0">
+                    <a:sym typeface="Symbol"/>
+                  </a:rPr>
+                  <a:t>Boltzmann </a:t>
+                </a:r>
+                <a:r>
+                  <a:rPr lang="en-US" sz="2400" dirty="0">
+                    <a:sym typeface="Symbol"/>
+                  </a:rPr>
+                  <a:t>law </a:t>
+                </a:r>
+                <a:r>
+                  <a:rPr lang="en-US" sz="2400" dirty="0" smtClean="0">
+                    <a:sym typeface="Symbol"/>
+                  </a:rPr>
+                  <a:t>is </a:t>
+                </a:r>
+                <a:r>
+                  <a:rPr lang="en-US" sz="2400" dirty="0">
+                    <a:sym typeface="Symbol"/>
+                  </a:rPr>
+                  <a:t>a function of (t</a:t>
+                </a:r>
+                <a:r>
+                  <a:rPr lang="en-US" sz="2400" dirty="0" smtClean="0">
+                    <a:sym typeface="Symbol"/>
+                  </a:rPr>
+                  <a:t>)/</a:t>
+                </a:r>
+                <a14:m>
+                  <m:oMath xmlns:m="http://schemas.openxmlformats.org/officeDocument/2006/math">
+                    <m:acc>
+                      <m:accPr>
+                        <m:chr m:val="̅"/>
+                        <m:ctrlPr>
+                          <a:rPr lang="en-US" sz="2400" i="1" smtClean="0">
+                            <a:solidFill>
+                              <a:srgbClr val="00B050"/>
+                            </a:solidFill>
+                            <a:latin typeface="Cambria Math"/>
+                            <a:sym typeface="Symbol"/>
+                          </a:rPr>
+                        </m:ctrlPr>
+                      </m:accPr>
+                      <m:e>
+                        <m:r>
+                          <a:rPr lang="en-US" sz="2400" b="0" i="1" smtClean="0">
+                            <a:solidFill>
+                              <a:srgbClr val="00B050"/>
+                            </a:solidFill>
+                            <a:latin typeface="Cambria Math"/>
+                            <a:sym typeface="Symbol"/>
+                          </a:rPr>
+                          <m:t>𝑉</m:t>
+                        </m:r>
+                      </m:e>
+                    </m:acc>
+                    <m:r>
+                      <a:rPr lang="en-US" sz="2400" b="0" i="1" smtClean="0">
+                        <a:solidFill>
+                          <a:srgbClr val="00B050"/>
+                        </a:solidFill>
+                        <a:latin typeface="Cambria Math"/>
+                        <a:sym typeface="Symbol"/>
+                      </a:rPr>
+                      <m:t>(</m:t>
+                    </m:r>
+                    <m:r>
+                      <a:rPr lang="en-US" sz="2400" b="0" i="1" smtClean="0">
+                        <a:solidFill>
+                          <a:srgbClr val="00B050"/>
+                        </a:solidFill>
+                        <a:latin typeface="Cambria Math"/>
+                        <a:sym typeface="Symbol"/>
+                      </a:rPr>
+                      <m:t>𝑡</m:t>
+                    </m:r>
+                    <m:r>
+                      <a:rPr lang="en-US" sz="2400" b="0" i="1" smtClean="0">
+                        <a:solidFill>
+                          <a:srgbClr val="00B050"/>
+                        </a:solidFill>
+                        <a:latin typeface="Cambria Math"/>
+                        <a:sym typeface="Symbol"/>
+                      </a:rPr>
+                      <m:t>)</m:t>
+                    </m:r>
+                  </m:oMath>
+                </a14:m>
+                <a:endParaRPr lang="en-US" sz="2800" dirty="0"/>
+              </a:p>
+            </p:txBody>
+          </p:sp>
+        </mc:Choice>
+        <mc:Fallback>
+          <p:sp>
+            <p:nvSpPr>
+              <p:cNvPr id="2" name="Title 1"/>
+              <p:cNvSpPr>
+                <a:spLocks noGrp="1" noRot="1" noChangeAspect="1" noMove="1" noResize="1" noEditPoints="1" noAdjustHandles="1" noChangeArrowheads="1" noChangeShapeType="1" noTextEdit="1"/>
+              </p:cNvSpPr>
+              <p:nvPr>
+                <p:ph type="title"/>
+              </p:nvPr>
+            </p:nvSpPr>
+            <p:spPr>
+              <a:blipFill rotWithShape="1">
+                <a:blip r:embed="rId2"/>
+                <a:stretch>
+                  <a:fillRect b="-532"/>
+                </a:stretch>
+              </a:blipFill>
+            </p:spPr>
+            <p:txBody>
+              <a:bodyPr/>
+              <a:lstStyle/>
+              <a:p>
+                <a:r>
+                  <a:rPr lang="en-US">
+                    <a:noFill/>
+                  </a:rPr>
+                  <a:t> </a:t>
+                </a:r>
+              </a:p>
+            </p:txBody>
+          </p:sp>
+        </mc:Fallback>
+      </mc:AlternateContent>
+      <p:sp>
+        <p:nvSpPr>
+          <p:cNvPr id="3" name="Slide Number Placeholder 2"/>
+          <p:cNvSpPr>
+            <a:spLocks noGrp="1"/>
+          </p:cNvSpPr>
+          <p:nvPr>
+            <p:ph type="sldNum" sz="quarter" idx="12"/>
+          </p:nvPr>
+        </p:nvSpPr>
+        <p:spPr/>
+        <p:txBody>
+          <a:bodyPr/>
+          <a:lstStyle/>
+          <a:p>
+            <a:fld id="{62D96F91-737B-4795-86FD-3CFC620DA94D}" type="slidenum">
+              <a:rPr lang="en-US" smtClean="0"/>
+              <a:t>24</a:t>
+            </a:fld>
+            <a:endParaRPr lang="en-US"/>
+          </a:p>
+        </p:txBody>
+      </p:sp>
+      <p:sp>
+        <p:nvSpPr>
+          <p:cNvPr id="5" name="TextBox 4"/>
+          <p:cNvSpPr txBox="1"/>
+          <p:nvPr/>
+        </p:nvSpPr>
+        <p:spPr>
+          <a:xfrm>
+            <a:off x="253509" y="5243714"/>
+            <a:ext cx="8422947" cy="1077218"/>
+          </a:xfrm>
+          <a:prstGeom prst="rect">
+            <a:avLst/>
+          </a:prstGeom>
+          <a:noFill/>
+        </p:spPr>
+        <p:txBody>
+          <a:bodyPr wrap="square" rtlCol="0">
+            <a:spAutoFit/>
+          </a:bodyPr>
+          <a:lstStyle/>
+          <a:p>
+            <a:r>
+              <a:rPr lang="en-US" sz="1600" dirty="0" smtClean="0"/>
+              <a:t>In this case </a:t>
+            </a:r>
+            <a:r>
+              <a:rPr lang="en-US" sz="1600" b="1" dirty="0" smtClean="0"/>
+              <a:t>we avoid a division by a very small state value</a:t>
+            </a:r>
+            <a:r>
+              <a:rPr lang="en-US" sz="1600" dirty="0" smtClean="0"/>
+              <a:t> for middle states by replacing V(S(t)) with the value function averaged over all states at time t. This still gives a </a:t>
+            </a:r>
+            <a:r>
+              <a:rPr lang="en-US" sz="1600" b="1" dirty="0" smtClean="0"/>
+              <a:t>qualitative measure of the magnitude of </a:t>
+            </a:r>
+            <a:r>
+              <a:rPr lang="en-US" sz="1600" b="1" dirty="0" smtClean="0">
+                <a:sym typeface="Symbol"/>
+              </a:rPr>
+              <a:t>(t)</a:t>
+            </a:r>
+            <a:r>
+              <a:rPr lang="en-US" sz="1600" dirty="0">
+                <a:sym typeface="Symbol"/>
+              </a:rPr>
+              <a:t> </a:t>
+            </a:r>
+            <a:r>
+              <a:rPr lang="en-US" sz="1600" dirty="0" smtClean="0">
+                <a:sym typeface="Symbol"/>
+              </a:rPr>
+              <a:t>(i.e. whether it is large or small) which is essential to correctly define . After introducing this change we see that the state distribution of  tends to </a:t>
+            </a:r>
+            <a:r>
+              <a:rPr lang="en-US" sz="1600" b="1" dirty="0" smtClean="0">
+                <a:sym typeface="Symbol"/>
+              </a:rPr>
+              <a:t>almost a constant value</a:t>
+            </a:r>
+            <a:r>
+              <a:rPr lang="en-US" sz="1600" dirty="0" smtClean="0">
+                <a:sym typeface="Symbol"/>
+              </a:rPr>
+              <a:t>.</a:t>
+            </a:r>
+            <a:endParaRPr lang="en-US" sz="1600" dirty="0"/>
+          </a:p>
+        </p:txBody>
+      </p:sp>
+      <p:sp>
+        <p:nvSpPr>
+          <p:cNvPr id="6" name="TextBox 5"/>
+          <p:cNvSpPr txBox="1"/>
+          <p:nvPr/>
+        </p:nvSpPr>
+        <p:spPr>
+          <a:xfrm>
+            <a:off x="253509" y="6309320"/>
+            <a:ext cx="8422947" cy="523220"/>
+          </a:xfrm>
+          <a:prstGeom prst="rect">
+            <a:avLst/>
+          </a:prstGeom>
+          <a:noFill/>
+        </p:spPr>
+        <p:txBody>
+          <a:bodyPr wrap="square" rtlCol="0">
+            <a:spAutoFit/>
+          </a:bodyPr>
+          <a:lstStyle/>
+          <a:p>
+            <a:r>
+              <a:rPr lang="en-US" sz="1400" i="1" dirty="0" smtClean="0"/>
+              <a:t>Note that the constant value is a characteristic of this 1D </a:t>
+            </a:r>
+            <a:r>
+              <a:rPr lang="en-US" sz="1400" i="1" dirty="0" err="1" smtClean="0"/>
+              <a:t>gridworld</a:t>
+            </a:r>
+            <a:r>
+              <a:rPr lang="en-US" sz="1400" i="1" dirty="0" smtClean="0"/>
+              <a:t>, where all state values differ from their </a:t>
+            </a:r>
+            <a:r>
+              <a:rPr lang="en-US" sz="1400" i="1" dirty="0" err="1" smtClean="0"/>
+              <a:t>neighbour’s</a:t>
+            </a:r>
+            <a:r>
+              <a:rPr lang="en-US" sz="1400" i="1" dirty="0" smtClean="0"/>
+              <a:t> by a constant value (= 0.1 in the 19-state 1D </a:t>
+            </a:r>
+            <a:r>
+              <a:rPr lang="en-US" sz="1400" i="1" dirty="0" err="1" smtClean="0"/>
+              <a:t>gridworld</a:t>
+            </a:r>
+            <a:r>
+              <a:rPr lang="en-US" sz="1400" i="1" dirty="0" smtClean="0"/>
+              <a:t>).</a:t>
+            </a:r>
+            <a:endParaRPr lang="en-US" sz="1400" i="1" dirty="0"/>
+          </a:p>
+        </p:txBody>
+      </p:sp>
+      <p:pic>
+        <p:nvPicPr>
+          <p:cNvPr id="2051" name="Picture 3"/>
+          <p:cNvPicPr>
+            <a:picLocks noChangeAspect="1" noChangeArrowheads="1"/>
+          </p:cNvPicPr>
+          <p:nvPr/>
+        </p:nvPicPr>
+        <p:blipFill rotWithShape="1">
+          <a:blip r:embed="rId3">
+            <a:extLst>
+              <a:ext uri="{28A0092B-C50C-407E-A947-70E740481C1C}">
+                <a14:useLocalDpi xmlns:a14="http://schemas.microsoft.com/office/drawing/2010/main" val="0"/>
+              </a:ext>
+            </a:extLst>
+          </a:blip>
+          <a:srcRect l="9252" t="10058" r="5938" b="8747"/>
+          <a:stretch/>
+        </p:blipFill>
+        <p:spPr bwMode="auto">
+          <a:xfrm>
+            <a:off x="899592" y="1340768"/>
+            <a:ext cx="7546270" cy="3903243"/>
+          </a:xfrm>
+          <a:prstGeom prst="rect">
+            <a:avLst/>
+          </a:prstGeom>
+          <a:noFill/>
+          <a:ln>
+            <a:noFill/>
+          </a:ln>
+          <a:extLst>
+            <a:ext uri="{909E8E84-426E-40DD-AFC4-6F175D3DCCD1}">
+              <a14:hiddenFill xmlns:a14="http://schemas.microsoft.com/office/drawing/2010/main">
+                <a:solidFill>
+                  <a:schemeClr val="accent1"/>
+                </a:solidFill>
+              </a14:hiddenFill>
+            </a:ext>
+            <a:ext uri="{91240B29-F687-4F45-9708-019B960494DF}">
+              <a14:hiddenLine xmlns:a14="http://schemas.microsoft.com/office/drawing/2010/main" w="9525">
+                <a:solidFill>
+                  <a:schemeClr val="tx1"/>
+                </a:solidFill>
+                <a:miter lim="800000"/>
+                <a:headEnd/>
+                <a:tailEnd/>
+              </a14:hiddenLine>
+            </a:ext>
+          </a:extLst>
+        </p:spPr>
+      </p:pic>
+    </p:spTree>
+    <p:extLst>
+      <p:ext uri="{BB962C8B-B14F-4D97-AF65-F5344CB8AC3E}">
+        <p14:creationId xmlns:p14="http://schemas.microsoft.com/office/powerpoint/2010/main" val="2085373619"/>
+      </p:ext>
+    </p:extLst>
+  </p:cSld>
+  <p:clrMapOvr>
+    <a:masterClrMapping/>
+  </p:clrMapOvr>
+</p:sld>
+</file>
+
+<file path=ppt/slides/slide25.xml><?xml version="1.0" encoding="utf-8"?>
+<p:sld xmlns:a="http://schemas.openxmlformats.org/drawingml/2006/main" xmlns:r="http://schemas.openxmlformats.org/officeDocument/2006/relationships" xmlns:p="http://schemas.openxmlformats.org/presentationml/2006/main">
+  <p:cSld>
+    <p:spTree>
+      <p:nvGrpSpPr>
+        <p:cNvPr id="1" name=""/>
+        <p:cNvGrpSpPr/>
+        <p:nvPr/>
+      </p:nvGrpSpPr>
+      <p:grpSpPr>
+        <a:xfrm>
+          <a:off x="0" y="0"/>
+          <a:ext cx="0" cy="0"/>
+          <a:chOff x="0" y="0"/>
+          <a:chExt cx="0" cy="0"/>
+        </a:xfrm>
+      </p:grpSpPr>
+      <p:sp>
+        <p:nvSpPr>
+          <p:cNvPr id="2" name="Title 1"/>
+          <p:cNvSpPr>
+            <a:spLocks noGrp="1"/>
+          </p:cNvSpPr>
+          <p:nvPr>
+            <p:ph type="title"/>
+          </p:nvPr>
+        </p:nvSpPr>
+        <p:spPr/>
+        <p:txBody>
+          <a:bodyPr>
+            <a:noAutofit/>
+          </a:bodyPr>
+          <a:lstStyle/>
+          <a:p>
+            <a:r>
+              <a:rPr lang="en-US" sz="2800" dirty="0" smtClean="0"/>
+              <a:t>Comparison of the average </a:t>
+            </a:r>
+            <a:r>
+              <a:rPr lang="en-US" sz="2800" dirty="0" smtClean="0">
+                <a:sym typeface="Symbol"/>
+              </a:rPr>
+              <a:t> by episode and estimated value function between the two Boltzmann laws</a:t>
+            </a:r>
+            <a:endParaRPr lang="en-US" sz="2800" dirty="0"/>
+          </a:p>
+        </p:txBody>
+      </p:sp>
+      <p:sp>
+        <p:nvSpPr>
+          <p:cNvPr id="3" name="Slide Number Placeholder 2"/>
+          <p:cNvSpPr>
+            <a:spLocks noGrp="1"/>
+          </p:cNvSpPr>
+          <p:nvPr>
+            <p:ph type="sldNum" sz="quarter" idx="12"/>
+          </p:nvPr>
+        </p:nvSpPr>
+        <p:spPr/>
+        <p:txBody>
+          <a:bodyPr/>
+          <a:lstStyle/>
+          <a:p>
+            <a:fld id="{62D96F91-737B-4795-86FD-3CFC620DA94D}" type="slidenum">
+              <a:rPr lang="en-US" smtClean="0"/>
+              <a:t>25</a:t>
+            </a:fld>
+            <a:endParaRPr lang="en-US"/>
+          </a:p>
+        </p:txBody>
+      </p:sp>
+      <p:pic>
+        <p:nvPicPr>
+          <p:cNvPr id="3074" name="Picture 2"/>
+          <p:cNvPicPr>
+            <a:picLocks noChangeAspect="1" noChangeArrowheads="1"/>
+          </p:cNvPicPr>
+          <p:nvPr/>
+        </p:nvPicPr>
+        <p:blipFill rotWithShape="1">
+          <a:blip r:embed="rId2">
+            <a:extLst>
+              <a:ext uri="{28A0092B-C50C-407E-A947-70E740481C1C}">
+                <a14:useLocalDpi xmlns:a14="http://schemas.microsoft.com/office/drawing/2010/main" val="0"/>
+              </a:ext>
+            </a:extLst>
+          </a:blip>
+          <a:srcRect l="2465" t="23568" b="5875"/>
+          <a:stretch/>
+        </p:blipFill>
+        <p:spPr bwMode="auto">
+          <a:xfrm>
+            <a:off x="1222156" y="1710100"/>
+            <a:ext cx="2771016" cy="1782827"/>
+          </a:xfrm>
+          <a:prstGeom prst="rect">
+            <a:avLst/>
+          </a:prstGeom>
+          <a:noFill/>
+          <a:ln>
+            <a:noFill/>
+          </a:ln>
+          <a:extLst>
+            <a:ext uri="{909E8E84-426E-40DD-AFC4-6F175D3DCCD1}">
+              <a14:hiddenFill xmlns:a14="http://schemas.microsoft.com/office/drawing/2010/main">
+                <a:solidFill>
+                  <a:schemeClr val="accent1"/>
+                </a:solidFill>
+              </a14:hiddenFill>
+            </a:ext>
+            <a:ext uri="{91240B29-F687-4F45-9708-019B960494DF}">
+              <a14:hiddenLine xmlns:a14="http://schemas.microsoft.com/office/drawing/2010/main" w="9525">
+                <a:solidFill>
+                  <a:schemeClr val="tx1"/>
+                </a:solidFill>
+                <a:miter lim="800000"/>
+                <a:headEnd/>
+                <a:tailEnd/>
+              </a14:hiddenLine>
+            </a:ext>
+          </a:extLst>
+        </p:spPr>
+      </p:pic>
+      <p:pic>
+        <p:nvPicPr>
+          <p:cNvPr id="3075" name="Picture 3"/>
+          <p:cNvPicPr>
+            <a:picLocks noChangeAspect="1" noChangeArrowheads="1"/>
+          </p:cNvPicPr>
+          <p:nvPr/>
+        </p:nvPicPr>
+        <p:blipFill rotWithShape="1">
+          <a:blip r:embed="rId3">
+            <a:extLst>
+              <a:ext uri="{28A0092B-C50C-407E-A947-70E740481C1C}">
+                <a14:useLocalDpi xmlns:a14="http://schemas.microsoft.com/office/drawing/2010/main" val="0"/>
+              </a:ext>
+            </a:extLst>
+          </a:blip>
+          <a:srcRect l="3296" t="23128" b="5024"/>
+          <a:stretch/>
+        </p:blipFill>
+        <p:spPr bwMode="auto">
+          <a:xfrm>
+            <a:off x="5153336" y="1681081"/>
+            <a:ext cx="2747396" cy="1815475"/>
+          </a:xfrm>
+          <a:prstGeom prst="rect">
+            <a:avLst/>
+          </a:prstGeom>
+          <a:noFill/>
+          <a:ln>
+            <a:noFill/>
+          </a:ln>
+          <a:extLst>
+            <a:ext uri="{909E8E84-426E-40DD-AFC4-6F175D3DCCD1}">
+              <a14:hiddenFill xmlns:a14="http://schemas.microsoft.com/office/drawing/2010/main">
+                <a:solidFill>
+                  <a:schemeClr val="accent1"/>
+                </a:solidFill>
+              </a14:hiddenFill>
+            </a:ext>
+            <a:ext uri="{91240B29-F687-4F45-9708-019B960494DF}">
+              <a14:hiddenLine xmlns:a14="http://schemas.microsoft.com/office/drawing/2010/main" w="9525">
+                <a:solidFill>
+                  <a:schemeClr val="tx1"/>
+                </a:solidFill>
+                <a:miter lim="800000"/>
+                <a:headEnd/>
+                <a:tailEnd/>
+              </a14:hiddenLine>
+            </a:ext>
+          </a:extLst>
+        </p:spPr>
+      </p:pic>
+      <p:pic>
+        <p:nvPicPr>
+          <p:cNvPr id="3076" name="Picture 4"/>
+          <p:cNvPicPr>
+            <a:picLocks noChangeAspect="1" noChangeArrowheads="1"/>
+          </p:cNvPicPr>
+          <p:nvPr/>
+        </p:nvPicPr>
+        <p:blipFill rotWithShape="1">
+          <a:blip r:embed="rId4">
+            <a:extLst>
+              <a:ext uri="{28A0092B-C50C-407E-A947-70E740481C1C}">
+                <a14:useLocalDpi xmlns:a14="http://schemas.microsoft.com/office/drawing/2010/main" val="0"/>
+              </a:ext>
+            </a:extLst>
+          </a:blip>
+          <a:srcRect l="2883" t="23551" r="7585" b="8846"/>
+          <a:stretch/>
+        </p:blipFill>
+        <p:spPr bwMode="auto">
+          <a:xfrm>
+            <a:off x="5135870" y="3496556"/>
+            <a:ext cx="2543659" cy="1708213"/>
+          </a:xfrm>
+          <a:prstGeom prst="rect">
+            <a:avLst/>
+          </a:prstGeom>
+          <a:noFill/>
+          <a:ln>
+            <a:noFill/>
+          </a:ln>
+          <a:extLst>
+            <a:ext uri="{909E8E84-426E-40DD-AFC4-6F175D3DCCD1}">
+              <a14:hiddenFill xmlns:a14="http://schemas.microsoft.com/office/drawing/2010/main">
+                <a:solidFill>
+                  <a:schemeClr val="accent1"/>
+                </a:solidFill>
+              </a14:hiddenFill>
+            </a:ext>
+            <a:ext uri="{91240B29-F687-4F45-9708-019B960494DF}">
+              <a14:hiddenLine xmlns:a14="http://schemas.microsoft.com/office/drawing/2010/main" w="9525">
+                <a:solidFill>
+                  <a:schemeClr val="tx1"/>
+                </a:solidFill>
+                <a:miter lim="800000"/>
+                <a:headEnd/>
+                <a:tailEnd/>
+              </a14:hiddenLine>
+            </a:ext>
+          </a:extLst>
+        </p:spPr>
+      </p:pic>
+      <p:pic>
+        <p:nvPicPr>
+          <p:cNvPr id="3077" name="Picture 5"/>
+          <p:cNvPicPr>
+            <a:picLocks noChangeAspect="1" noChangeArrowheads="1"/>
+          </p:cNvPicPr>
+          <p:nvPr/>
+        </p:nvPicPr>
+        <p:blipFill rotWithShape="1">
+          <a:blip r:embed="rId5">
+            <a:extLst>
+              <a:ext uri="{28A0092B-C50C-407E-A947-70E740481C1C}">
+                <a14:useLocalDpi xmlns:a14="http://schemas.microsoft.com/office/drawing/2010/main" val="0"/>
+              </a:ext>
+            </a:extLst>
+          </a:blip>
+          <a:srcRect l="2788" t="23688" r="6625" b="9003"/>
+          <a:stretch/>
+        </p:blipFill>
+        <p:spPr bwMode="auto">
+          <a:xfrm>
+            <a:off x="1238093" y="3496556"/>
+            <a:ext cx="2573587" cy="1700761"/>
+          </a:xfrm>
+          <a:prstGeom prst="rect">
+            <a:avLst/>
+          </a:prstGeom>
+          <a:noFill/>
+          <a:ln>
+            <a:noFill/>
+          </a:ln>
+          <a:extLst>
+            <a:ext uri="{909E8E84-426E-40DD-AFC4-6F175D3DCCD1}">
+              <a14:hiddenFill xmlns:a14="http://schemas.microsoft.com/office/drawing/2010/main">
+                <a:solidFill>
+                  <a:schemeClr val="accent1"/>
+                </a:solidFill>
+              </a14:hiddenFill>
+            </a:ext>
+            <a:ext uri="{91240B29-F687-4F45-9708-019B960494DF}">
+              <a14:hiddenLine xmlns:a14="http://schemas.microsoft.com/office/drawing/2010/main" w="9525">
+                <a:solidFill>
+                  <a:schemeClr val="tx1"/>
+                </a:solidFill>
+                <a:miter lim="800000"/>
+                <a:headEnd/>
+                <a:tailEnd/>
+              </a14:hiddenLine>
+            </a:ext>
+          </a:extLst>
+        </p:spPr>
+      </p:pic>
+      <p:sp>
+        <p:nvSpPr>
+          <p:cNvPr id="4" name="TextBox 3"/>
+          <p:cNvSpPr txBox="1"/>
+          <p:nvPr/>
+        </p:nvSpPr>
+        <p:spPr>
+          <a:xfrm>
+            <a:off x="1403648" y="1340768"/>
+            <a:ext cx="2408032" cy="369332"/>
+          </a:xfrm>
+          <a:prstGeom prst="rect">
+            <a:avLst/>
+          </a:prstGeom>
+          <a:noFill/>
+        </p:spPr>
+        <p:txBody>
+          <a:bodyPr wrap="none" rtlCol="0">
+            <a:spAutoFit/>
+          </a:bodyPr>
+          <a:lstStyle/>
+          <a:p>
+            <a:r>
+              <a:rPr lang="en-US" b="1" dirty="0" smtClean="0">
+                <a:solidFill>
+                  <a:srgbClr val="C00000"/>
+                </a:solidFill>
+                <a:sym typeface="Symbol"/>
+              </a:rPr>
+              <a:t>Boltzmann(</a:t>
+            </a:r>
+            <a:r>
+              <a:rPr lang="en-US" b="1" dirty="0">
+                <a:solidFill>
+                  <a:srgbClr val="C00000"/>
+                </a:solidFill>
+                <a:sym typeface="Symbol"/>
+              </a:rPr>
+              <a:t>(t)/</a:t>
+            </a:r>
+            <a:r>
+              <a:rPr lang="en-US" b="1" i="1" dirty="0">
+                <a:solidFill>
+                  <a:srgbClr val="C00000"/>
+                </a:solidFill>
+                <a:sym typeface="Symbol"/>
+              </a:rPr>
+              <a:t>V(S(t</a:t>
+            </a:r>
+            <a:r>
+              <a:rPr lang="en-US" b="1" i="1" dirty="0" smtClean="0">
+                <a:solidFill>
+                  <a:srgbClr val="C00000"/>
+                </a:solidFill>
+                <a:sym typeface="Symbol"/>
+              </a:rPr>
+              <a:t>))</a:t>
+            </a:r>
+            <a:r>
+              <a:rPr lang="en-US" b="1" dirty="0" smtClean="0">
+                <a:solidFill>
+                  <a:srgbClr val="C00000"/>
+                </a:solidFill>
+                <a:sym typeface="Symbol"/>
+              </a:rPr>
+              <a:t>)</a:t>
+            </a:r>
+            <a:endParaRPr lang="en-US" b="1" dirty="0">
+              <a:solidFill>
+                <a:srgbClr val="C00000"/>
+              </a:solidFill>
+            </a:endParaRPr>
+          </a:p>
+        </p:txBody>
+      </p:sp>
+      <mc:AlternateContent xmlns:mc="http://schemas.openxmlformats.org/markup-compatibility/2006">
+        <mc:Choice xmlns:a14="http://schemas.microsoft.com/office/drawing/2010/main" Requires="a14">
+          <p:sp>
+            <p:nvSpPr>
+              <p:cNvPr id="9" name="TextBox 8"/>
+              <p:cNvSpPr txBox="1"/>
+              <p:nvPr/>
+            </p:nvSpPr>
+            <p:spPr>
+              <a:xfrm>
+                <a:off x="5545654" y="1356704"/>
+                <a:ext cx="2236638" cy="369332"/>
+              </a:xfrm>
+              <a:prstGeom prst="rect">
+                <a:avLst/>
+              </a:prstGeom>
+              <a:noFill/>
+            </p:spPr>
+            <p:txBody>
+              <a:bodyPr wrap="none" rtlCol="0">
+                <a:spAutoFit/>
+              </a:bodyPr>
+              <a:lstStyle/>
+              <a:p>
+                <a:r>
+                  <a:rPr lang="en-US" b="1" dirty="0" smtClean="0">
+                    <a:solidFill>
+                      <a:srgbClr val="00B050"/>
+                    </a:solidFill>
+                    <a:sym typeface="Symbol"/>
+                  </a:rPr>
+                  <a:t>Boltzmann(</a:t>
+                </a:r>
+                <a:r>
+                  <a:rPr lang="en-US" b="1" dirty="0">
+                    <a:solidFill>
+                      <a:srgbClr val="00B050"/>
+                    </a:solidFill>
+                    <a:sym typeface="Symbol"/>
+                  </a:rPr>
+                  <a:t>(t)/</a:t>
+                </a:r>
+                <a14:m>
+                  <m:oMath xmlns:m="http://schemas.openxmlformats.org/officeDocument/2006/math">
+                    <m:acc>
+                      <m:accPr>
+                        <m:chr m:val="̅"/>
+                        <m:ctrlPr>
+                          <a:rPr lang="en-US" b="1" i="1">
+                            <a:solidFill>
+                              <a:srgbClr val="00B050"/>
+                            </a:solidFill>
+                            <a:latin typeface="Cambria Math"/>
+                            <a:sym typeface="Symbol"/>
+                          </a:rPr>
+                        </m:ctrlPr>
+                      </m:accPr>
+                      <m:e>
+                        <m:r>
+                          <a:rPr lang="en-US" b="1" i="1">
+                            <a:solidFill>
+                              <a:srgbClr val="00B050"/>
+                            </a:solidFill>
+                            <a:latin typeface="Cambria Math"/>
+                            <a:sym typeface="Symbol"/>
+                          </a:rPr>
+                          <m:t>𝑽</m:t>
+                        </m:r>
+                      </m:e>
+                    </m:acc>
+                    <m:r>
+                      <a:rPr lang="en-US" b="1" i="1">
+                        <a:solidFill>
+                          <a:srgbClr val="00B050"/>
+                        </a:solidFill>
+                        <a:latin typeface="Cambria Math"/>
+                        <a:sym typeface="Symbol"/>
+                      </a:rPr>
+                      <m:t>(</m:t>
+                    </m:r>
+                    <m:r>
+                      <a:rPr lang="en-US" b="1" i="1">
+                        <a:solidFill>
+                          <a:srgbClr val="00B050"/>
+                        </a:solidFill>
+                        <a:latin typeface="Cambria Math"/>
+                        <a:sym typeface="Symbol"/>
+                      </a:rPr>
+                      <m:t>𝒕</m:t>
+                    </m:r>
+                    <m:r>
+                      <a:rPr lang="en-US" b="1" i="1">
+                        <a:solidFill>
+                          <a:srgbClr val="00B050"/>
+                        </a:solidFill>
+                        <a:latin typeface="Cambria Math"/>
+                        <a:sym typeface="Symbol"/>
+                      </a:rPr>
+                      <m:t>)</m:t>
+                    </m:r>
+                  </m:oMath>
+                </a14:m>
+                <a:r>
+                  <a:rPr lang="en-US" b="1" dirty="0" smtClean="0">
+                    <a:solidFill>
+                      <a:srgbClr val="00B050"/>
+                    </a:solidFill>
+                    <a:sym typeface="Symbol"/>
+                  </a:rPr>
+                  <a:t>)</a:t>
+                </a:r>
+                <a:endParaRPr lang="en-US" b="1" dirty="0">
+                  <a:solidFill>
+                    <a:srgbClr val="00B050"/>
+                  </a:solidFill>
+                </a:endParaRPr>
+              </a:p>
+            </p:txBody>
+          </p:sp>
+        </mc:Choice>
+        <mc:Fallback>
+          <p:sp>
+            <p:nvSpPr>
+              <p:cNvPr id="9" name="TextBox 8"/>
+              <p:cNvSpPr txBox="1">
+                <a:spLocks noRot="1" noChangeAspect="1" noMove="1" noResize="1" noEditPoints="1" noAdjustHandles="1" noChangeArrowheads="1" noChangeShapeType="1" noTextEdit="1"/>
+              </p:cNvSpPr>
+              <p:nvPr/>
+            </p:nvSpPr>
+            <p:spPr>
+              <a:xfrm>
+                <a:off x="5545654" y="1356704"/>
+                <a:ext cx="2236638" cy="369332"/>
+              </a:xfrm>
+              <a:prstGeom prst="rect">
+                <a:avLst/>
+              </a:prstGeom>
+              <a:blipFill rotWithShape="1">
+                <a:blip r:embed="rId6"/>
+                <a:stretch>
+                  <a:fillRect l="-2452" t="-11667" r="-1635" b="-26667"/>
+                </a:stretch>
+              </a:blipFill>
+            </p:spPr>
+            <p:txBody>
+              <a:bodyPr/>
+              <a:lstStyle/>
+              <a:p>
+                <a:r>
+                  <a:rPr lang="en-US">
+                    <a:noFill/>
+                  </a:rPr>
+                  <a:t> </a:t>
+                </a:r>
+              </a:p>
+            </p:txBody>
+          </p:sp>
+        </mc:Fallback>
+      </mc:AlternateContent>
+      <p:sp>
+        <p:nvSpPr>
+          <p:cNvPr id="10" name="TextBox 9"/>
+          <p:cNvSpPr txBox="1"/>
+          <p:nvPr/>
+        </p:nvSpPr>
+        <p:spPr>
+          <a:xfrm>
+            <a:off x="253509" y="5229200"/>
+            <a:ext cx="8422947" cy="830997"/>
+          </a:xfrm>
+          <a:prstGeom prst="rect">
+            <a:avLst/>
+          </a:prstGeom>
+          <a:noFill/>
+        </p:spPr>
+        <p:txBody>
+          <a:bodyPr wrap="square" rtlCol="0">
+            <a:spAutoFit/>
+          </a:bodyPr>
+          <a:lstStyle/>
+          <a:p>
+            <a:r>
+              <a:rPr lang="en-US" sz="1600" dirty="0" smtClean="0"/>
+              <a:t>Both estimated functions after 1000 episodes are of good quality, but the </a:t>
+            </a:r>
+            <a:r>
+              <a:rPr lang="en-US" sz="1600" b="1" dirty="0" smtClean="0">
+                <a:solidFill>
+                  <a:srgbClr val="C00000"/>
+                </a:solidFill>
+              </a:rPr>
+              <a:t>red Boltzmann law</a:t>
+            </a:r>
+            <a:r>
+              <a:rPr lang="en-US" sz="1600" dirty="0" smtClean="0"/>
+              <a:t> (left) generates a </a:t>
+            </a:r>
+            <a:r>
+              <a:rPr lang="en-US" sz="1600" b="1" dirty="0" smtClean="0">
+                <a:solidFill>
+                  <a:srgbClr val="C00000"/>
+                </a:solidFill>
+              </a:rPr>
+              <a:t>very “noisy” </a:t>
+            </a:r>
+            <a:r>
+              <a:rPr lang="en-US" sz="1600" b="1" dirty="0" smtClean="0">
+                <a:solidFill>
+                  <a:srgbClr val="C00000"/>
+                </a:solidFill>
+                <a:sym typeface="Symbol"/>
+              </a:rPr>
+              <a:t> structure</a:t>
+            </a:r>
+            <a:r>
+              <a:rPr lang="en-US" sz="1600" dirty="0" smtClean="0">
+                <a:sym typeface="Symbol"/>
+              </a:rPr>
+              <a:t>, which is clearly an artifact since, near convergence, all states have similar (t)’s, namely around 0.1, which is the difference in state value for contiguous states.</a:t>
+            </a:r>
+            <a:endParaRPr lang="en-US" sz="1600" dirty="0"/>
+          </a:p>
+        </p:txBody>
+      </p:sp>
+      <mc:AlternateContent xmlns:mc="http://schemas.openxmlformats.org/markup-compatibility/2006">
+        <mc:Choice xmlns:a14="http://schemas.microsoft.com/office/drawing/2010/main" Requires="a14">
+          <p:sp>
+            <p:nvSpPr>
+              <p:cNvPr id="11" name="TextBox 10"/>
+              <p:cNvSpPr txBox="1"/>
+              <p:nvPr/>
+            </p:nvSpPr>
+            <p:spPr>
+              <a:xfrm>
+                <a:off x="238994" y="6084585"/>
+                <a:ext cx="8422947" cy="584775"/>
+              </a:xfrm>
+              <a:prstGeom prst="rect">
+                <a:avLst/>
+              </a:prstGeom>
+              <a:noFill/>
+            </p:spPr>
+            <p:txBody>
+              <a:bodyPr wrap="square" rtlCol="0">
+                <a:spAutoFit/>
+              </a:bodyPr>
+              <a:lstStyle/>
+              <a:p>
+                <a:r>
+                  <a:rPr lang="en-US" sz="1600" dirty="0" smtClean="0"/>
+                  <a:t>On the contrary, the </a:t>
+                </a:r>
+                <a:r>
+                  <a:rPr lang="en-US" sz="1600" b="1" dirty="0" smtClean="0">
+                    <a:solidFill>
+                      <a:srgbClr val="00B050"/>
+                    </a:solidFill>
+                  </a:rPr>
+                  <a:t>green Boltzmann law</a:t>
+                </a:r>
+                <a:r>
+                  <a:rPr lang="en-US" sz="1600" dirty="0" smtClean="0"/>
+                  <a:t> (right) generates a </a:t>
+                </a:r>
+                <a:r>
+                  <a:rPr lang="en-US" sz="1600" b="1" dirty="0" smtClean="0">
+                    <a:solidFill>
+                      <a:srgbClr val="00B050"/>
+                    </a:solidFill>
+                    <a:sym typeface="Symbol"/>
+                  </a:rPr>
+                  <a:t> structure that converges to ~ 0.2</a:t>
+                </a:r>
+                <a:r>
+                  <a:rPr lang="en-US" sz="1600" dirty="0" smtClean="0">
+                    <a:sym typeface="Symbol"/>
+                  </a:rPr>
+                  <a:t>, which is ~ 1 – </a:t>
+                </a:r>
+                <a:r>
+                  <a:rPr lang="en-US" sz="1600" dirty="0" err="1" smtClean="0">
+                    <a:sym typeface="Symbol"/>
+                  </a:rPr>
+                  <a:t>exp</a:t>
+                </a:r>
+                <a:r>
+                  <a:rPr lang="en-US" sz="1600" dirty="0" smtClean="0">
+                    <a:sym typeface="Symbol"/>
+                  </a:rPr>
+                  <a:t>(-0.1/0.5) = 0.18, which comes from the fact that () ~= 0.1 is and </a:t>
+                </a:r>
+                <a14:m>
+                  <m:oMath xmlns:m="http://schemas.openxmlformats.org/officeDocument/2006/math">
+                    <m:acc>
+                      <m:accPr>
+                        <m:chr m:val="̅"/>
+                        <m:ctrlPr>
+                          <a:rPr lang="en-US" sz="1600" i="1" smtClean="0">
+                            <a:solidFill>
+                              <a:schemeClr val="tx1"/>
+                            </a:solidFill>
+                            <a:latin typeface="Cambria Math"/>
+                            <a:sym typeface="Symbol"/>
+                          </a:rPr>
+                        </m:ctrlPr>
+                      </m:accPr>
+                      <m:e>
+                        <m:r>
+                          <a:rPr lang="en-US" sz="1600" b="0" i="1">
+                            <a:solidFill>
+                              <a:schemeClr val="tx1"/>
+                            </a:solidFill>
+                            <a:latin typeface="Cambria Math"/>
+                            <a:sym typeface="Symbol"/>
+                          </a:rPr>
+                          <m:t>𝑉</m:t>
+                        </m:r>
+                      </m:e>
+                    </m:acc>
+                    <m:r>
+                      <a:rPr lang="en-US" sz="1600" b="0" i="1">
+                        <a:solidFill>
+                          <a:schemeClr val="tx1"/>
+                        </a:solidFill>
+                        <a:latin typeface="Cambria Math"/>
+                        <a:sym typeface="Symbol"/>
+                      </a:rPr>
+                      <m:t>(</m:t>
+                    </m:r>
+                    <m:r>
+                      <a:rPr lang="en-US" sz="1600" b="0" i="1" smtClean="0">
+                        <a:solidFill>
+                          <a:schemeClr val="tx1"/>
+                        </a:solidFill>
+                        <a:latin typeface="Cambria Math"/>
+                        <a:sym typeface="Symbol"/>
+                      </a:rPr>
+                      <m:t></m:t>
+                    </m:r>
+                    <m:r>
+                      <a:rPr lang="en-US" sz="1600" b="0" i="1">
+                        <a:solidFill>
+                          <a:schemeClr val="tx1"/>
+                        </a:solidFill>
+                        <a:latin typeface="Cambria Math"/>
+                        <a:sym typeface="Symbol"/>
+                      </a:rPr>
+                      <m:t>)</m:t>
+                    </m:r>
+                  </m:oMath>
+                </a14:m>
+                <a:r>
+                  <a:rPr lang="en-US" sz="1600" dirty="0" smtClean="0">
+                    <a:sym typeface="Symbol"/>
+                  </a:rPr>
+                  <a:t> ~= 0.5. </a:t>
+                </a:r>
+                <a:endParaRPr lang="en-US" sz="1600" dirty="0"/>
+              </a:p>
+            </p:txBody>
+          </p:sp>
+        </mc:Choice>
+        <mc:Fallback>
+          <p:sp>
+            <p:nvSpPr>
+              <p:cNvPr id="11" name="TextBox 10"/>
+              <p:cNvSpPr txBox="1">
+                <a:spLocks noRot="1" noChangeAspect="1" noMove="1" noResize="1" noEditPoints="1" noAdjustHandles="1" noChangeArrowheads="1" noChangeShapeType="1" noTextEdit="1"/>
+              </p:cNvSpPr>
+              <p:nvPr/>
+            </p:nvSpPr>
+            <p:spPr>
+              <a:xfrm>
+                <a:off x="238994" y="6084585"/>
+                <a:ext cx="8422947" cy="584775"/>
+              </a:xfrm>
+              <a:prstGeom prst="rect">
+                <a:avLst/>
+              </a:prstGeom>
+              <a:blipFill rotWithShape="1">
+                <a:blip r:embed="rId7"/>
+                <a:stretch>
+                  <a:fillRect l="-362" t="-4167" b="-13542"/>
+                </a:stretch>
+              </a:blipFill>
+            </p:spPr>
+            <p:txBody>
+              <a:bodyPr/>
+              <a:lstStyle/>
+              <a:p>
+                <a:r>
+                  <a:rPr lang="en-US">
+                    <a:noFill/>
+                  </a:rPr>
+                  <a:t> </a:t>
+                </a:r>
+              </a:p>
+            </p:txBody>
+          </p:sp>
+        </mc:Fallback>
+      </mc:AlternateContent>
+    </p:spTree>
+    <p:extLst>
+      <p:ext uri="{BB962C8B-B14F-4D97-AF65-F5344CB8AC3E}">
+        <p14:creationId xmlns:p14="http://schemas.microsoft.com/office/powerpoint/2010/main" val="3677060310"/>
+      </p:ext>
+    </p:extLst>
+  </p:cSld>
+  <p:clrMapOvr>
+    <a:masterClrMapping/>
+  </p:clrMapOvr>
+</p:sld>
+</file>
+
+<file path=ppt/slides/slide26.xml><?xml version="1.0" encoding="utf-8"?>
+<p:sld xmlns:a="http://schemas.openxmlformats.org/drawingml/2006/main" xmlns:r="http://schemas.openxmlformats.org/officeDocument/2006/relationships" xmlns:p="http://schemas.openxmlformats.org/presentationml/2006/main">
+  <p:cSld>
+    <p:spTree>
+      <p:nvGrpSpPr>
+        <p:cNvPr id="1" name=""/>
+        <p:cNvGrpSpPr/>
+        <p:nvPr/>
+      </p:nvGrpSpPr>
+      <p:grpSpPr>
+        <a:xfrm>
+          <a:off x="0" y="0"/>
+          <a:ext cx="0" cy="0"/>
+          <a:chOff x="0" y="0"/>
+          <a:chExt cx="0" cy="0"/>
+        </a:xfrm>
+      </p:grpSpPr>
+      <p:sp>
+        <p:nvSpPr>
+          <p:cNvPr id="2" name="Title 1"/>
+          <p:cNvSpPr>
+            <a:spLocks noGrp="1"/>
+          </p:cNvSpPr>
+          <p:nvPr>
+            <p:ph type="title"/>
+          </p:nvPr>
+        </p:nvSpPr>
+        <p:spPr/>
+        <p:txBody>
+          <a:bodyPr>
+            <a:normAutofit/>
+          </a:bodyPr>
+          <a:lstStyle/>
+          <a:p>
+            <a:r>
+              <a:rPr lang="en-US" sz="3600" dirty="0" smtClean="0"/>
+              <a:t>When </a:t>
+            </a:r>
+            <a:r>
+              <a:rPr lang="en-US" sz="3600" dirty="0" smtClean="0">
+                <a:sym typeface="Symbol"/>
+              </a:rPr>
+              <a:t> is adjusted by the </a:t>
+            </a:r>
+            <a:r>
+              <a:rPr lang="en-US" sz="3600" i="1" dirty="0" smtClean="0">
+                <a:sym typeface="Symbol"/>
+              </a:rPr>
+              <a:t>absolute</a:t>
+            </a:r>
+            <a:r>
+              <a:rPr lang="en-US" sz="3600" dirty="0" smtClean="0">
+                <a:sym typeface="Symbol"/>
+              </a:rPr>
+              <a:t> (t)…</a:t>
+            </a:r>
+            <a:br>
+              <a:rPr lang="en-US" sz="3600" dirty="0" smtClean="0">
+                <a:sym typeface="Symbol"/>
+              </a:rPr>
+            </a:br>
+            <a:r>
+              <a:rPr lang="en-US" sz="2400" dirty="0" smtClean="0">
+                <a:sym typeface="Symbol"/>
+              </a:rPr>
+              <a:t>Boltzmann </a:t>
+            </a:r>
+            <a:r>
+              <a:rPr lang="en-US" sz="2400" dirty="0">
+                <a:sym typeface="Symbol"/>
+              </a:rPr>
+              <a:t>law is a </a:t>
+            </a:r>
+            <a:r>
+              <a:rPr lang="en-US" sz="2400" dirty="0" smtClean="0">
+                <a:sym typeface="Symbol"/>
+              </a:rPr>
+              <a:t>function of (t)</a:t>
+            </a:r>
+            <a:endParaRPr lang="en-US" sz="2400" dirty="0"/>
+          </a:p>
+        </p:txBody>
+      </p:sp>
+      <p:sp>
+        <p:nvSpPr>
+          <p:cNvPr id="3" name="Slide Number Placeholder 2"/>
+          <p:cNvSpPr>
+            <a:spLocks noGrp="1"/>
+          </p:cNvSpPr>
+          <p:nvPr>
+            <p:ph type="sldNum" sz="quarter" idx="12"/>
+          </p:nvPr>
+        </p:nvSpPr>
+        <p:spPr/>
+        <p:txBody>
+          <a:bodyPr/>
+          <a:lstStyle/>
+          <a:p>
+            <a:fld id="{62D96F91-737B-4795-86FD-3CFC620DA94D}" type="slidenum">
+              <a:rPr lang="en-US" smtClean="0"/>
+              <a:t>26</a:t>
+            </a:fld>
+            <a:endParaRPr lang="en-US"/>
+          </a:p>
+        </p:txBody>
+      </p:sp>
+      <p:pic>
+        <p:nvPicPr>
+          <p:cNvPr id="4098" name="Picture 2"/>
+          <p:cNvPicPr>
+            <a:picLocks noChangeAspect="1" noChangeArrowheads="1"/>
+          </p:cNvPicPr>
+          <p:nvPr/>
+        </p:nvPicPr>
+        <p:blipFill rotWithShape="1">
+          <a:blip r:embed="rId2">
+            <a:extLst>
+              <a:ext uri="{28A0092B-C50C-407E-A947-70E740481C1C}">
+                <a14:useLocalDpi xmlns:a14="http://schemas.microsoft.com/office/drawing/2010/main" val="0"/>
+              </a:ext>
+            </a:extLst>
+          </a:blip>
+          <a:srcRect l="3405" t="23434" b="5113"/>
+          <a:stretch/>
+        </p:blipFill>
+        <p:spPr bwMode="auto">
+          <a:xfrm>
+            <a:off x="5148064" y="1875091"/>
+            <a:ext cx="3456384" cy="2273989"/>
+          </a:xfrm>
+          <a:prstGeom prst="rect">
+            <a:avLst/>
+          </a:prstGeom>
+          <a:noFill/>
+          <a:ln>
+            <a:noFill/>
+          </a:ln>
+          <a:extLst>
+            <a:ext uri="{909E8E84-426E-40DD-AFC4-6F175D3DCCD1}">
+              <a14:hiddenFill xmlns:a14="http://schemas.microsoft.com/office/drawing/2010/main">
+                <a:solidFill>
+                  <a:schemeClr val="accent1"/>
+                </a:solidFill>
+              </a14:hiddenFill>
+            </a:ext>
+            <a:ext uri="{91240B29-F687-4F45-9708-019B960494DF}">
+              <a14:hiddenLine xmlns:a14="http://schemas.microsoft.com/office/drawing/2010/main" w="9525">
+                <a:solidFill>
+                  <a:schemeClr val="tx1"/>
+                </a:solidFill>
+                <a:miter lim="800000"/>
+                <a:headEnd/>
+                <a:tailEnd/>
+              </a14:hiddenLine>
+            </a:ext>
+          </a:extLst>
+        </p:spPr>
+      </p:pic>
+      <p:pic>
+        <p:nvPicPr>
+          <p:cNvPr id="5" name="Picture 2"/>
+          <p:cNvPicPr>
+            <a:picLocks noChangeAspect="1" noChangeArrowheads="1"/>
+          </p:cNvPicPr>
+          <p:nvPr/>
+        </p:nvPicPr>
+        <p:blipFill rotWithShape="1">
+          <a:blip r:embed="rId3" cstate="print">
+            <a:extLst>
+              <a:ext uri="{28A0092B-C50C-407E-A947-70E740481C1C}">
+                <a14:useLocalDpi xmlns:a14="http://schemas.microsoft.com/office/drawing/2010/main" val="0"/>
+              </a:ext>
+            </a:extLst>
+          </a:blip>
+          <a:srcRect l="8600" t="10500" r="4629" b="7595"/>
+          <a:stretch/>
+        </p:blipFill>
+        <p:spPr bwMode="auto">
+          <a:xfrm>
+            <a:off x="251520" y="1770043"/>
+            <a:ext cx="4806345" cy="2451045"/>
+          </a:xfrm>
+          <a:prstGeom prst="rect">
+            <a:avLst/>
+          </a:prstGeom>
+          <a:noFill/>
+          <a:ln>
+            <a:noFill/>
+          </a:ln>
+          <a:extLst>
+            <a:ext uri="{909E8E84-426E-40DD-AFC4-6F175D3DCCD1}">
+              <a14:hiddenFill xmlns:a14="http://schemas.microsoft.com/office/drawing/2010/main">
+                <a:solidFill>
+                  <a:schemeClr val="accent1"/>
+                </a:solidFill>
+              </a14:hiddenFill>
+            </a:ext>
+            <a:ext uri="{91240B29-F687-4F45-9708-019B960494DF}">
+              <a14:hiddenLine xmlns:a14="http://schemas.microsoft.com/office/drawing/2010/main" w="9525">
+                <a:solidFill>
+                  <a:schemeClr val="tx1"/>
+                </a:solidFill>
+                <a:miter lim="800000"/>
+                <a:headEnd/>
+                <a:tailEnd/>
+              </a14:hiddenLine>
+            </a:ext>
+          </a:extLst>
+        </p:spPr>
+      </p:pic>
+      <p:pic>
+        <p:nvPicPr>
+          <p:cNvPr id="4099" name="Picture 3"/>
+          <p:cNvPicPr>
+            <a:picLocks noChangeAspect="1" noChangeArrowheads="1"/>
+          </p:cNvPicPr>
+          <p:nvPr/>
+        </p:nvPicPr>
+        <p:blipFill rotWithShape="1">
+          <a:blip r:embed="rId4">
+            <a:extLst>
+              <a:ext uri="{28A0092B-C50C-407E-A947-70E740481C1C}">
+                <a14:useLocalDpi xmlns:a14="http://schemas.microsoft.com/office/drawing/2010/main" val="0"/>
+              </a:ext>
+            </a:extLst>
+          </a:blip>
+          <a:srcRect l="3438" t="22612" r="6464" b="10065"/>
+          <a:stretch/>
+        </p:blipFill>
+        <p:spPr bwMode="auto">
+          <a:xfrm>
+            <a:off x="5148063" y="4221088"/>
+            <a:ext cx="3250533" cy="2160240"/>
+          </a:xfrm>
+          <a:prstGeom prst="rect">
+            <a:avLst/>
+          </a:prstGeom>
+          <a:noFill/>
+          <a:ln>
+            <a:noFill/>
+          </a:ln>
+          <a:extLst>
+            <a:ext uri="{909E8E84-426E-40DD-AFC4-6F175D3DCCD1}">
+              <a14:hiddenFill xmlns:a14="http://schemas.microsoft.com/office/drawing/2010/main">
+                <a:solidFill>
+                  <a:schemeClr val="accent1"/>
+                </a:solidFill>
+              </a14:hiddenFill>
+            </a:ext>
+            <a:ext uri="{91240B29-F687-4F45-9708-019B960494DF}">
+              <a14:hiddenLine xmlns:a14="http://schemas.microsoft.com/office/drawing/2010/main" w="9525">
+                <a:solidFill>
+                  <a:schemeClr val="tx1"/>
+                </a:solidFill>
+                <a:miter lim="800000"/>
+                <a:headEnd/>
+                <a:tailEnd/>
+              </a14:hiddenLine>
+            </a:ext>
+          </a:extLst>
+        </p:spPr>
+      </p:pic>
+      <p:sp>
+        <p:nvSpPr>
+          <p:cNvPr id="7" name="TextBox 6"/>
+          <p:cNvSpPr txBox="1"/>
+          <p:nvPr/>
+        </p:nvSpPr>
+        <p:spPr>
+          <a:xfrm>
+            <a:off x="179512" y="4221088"/>
+            <a:ext cx="5040560" cy="2062103"/>
+          </a:xfrm>
+          <a:prstGeom prst="rect">
+            <a:avLst/>
+          </a:prstGeom>
+          <a:noFill/>
+        </p:spPr>
+        <p:txBody>
+          <a:bodyPr wrap="square" rtlCol="0">
+            <a:spAutoFit/>
+          </a:bodyPr>
+          <a:lstStyle/>
+          <a:p>
+            <a:r>
+              <a:rPr lang="en-US" sz="1600" dirty="0" smtClean="0"/>
+              <a:t>We observe the following:</a:t>
+            </a:r>
+          </a:p>
+          <a:p>
+            <a:r>
+              <a:rPr lang="en-US" sz="1600" dirty="0" smtClean="0"/>
+              <a:t>- The </a:t>
+            </a:r>
+            <a:r>
+              <a:rPr lang="en-US" sz="1600" b="1" dirty="0" smtClean="0">
+                <a:sym typeface="Symbol"/>
+              </a:rPr>
+              <a:t> structure tends to ~ 0.1</a:t>
+            </a:r>
+            <a:r>
+              <a:rPr lang="en-US" sz="1600" dirty="0" smtClean="0">
+                <a:sym typeface="Symbol"/>
+              </a:rPr>
+              <a:t>, which is the value of ().</a:t>
+            </a:r>
+          </a:p>
+          <a:p>
+            <a:r>
+              <a:rPr lang="en-US" sz="1600" dirty="0" smtClean="0"/>
+              <a:t>- Although the </a:t>
+            </a:r>
+            <a:r>
+              <a:rPr lang="en-US" sz="1600" dirty="0" smtClean="0">
+                <a:sym typeface="Symbol"/>
+              </a:rPr>
+              <a:t></a:t>
+            </a:r>
+            <a:r>
+              <a:rPr lang="en-US" sz="1600" dirty="0" smtClean="0"/>
+              <a:t> structure is </a:t>
+            </a:r>
+            <a:r>
+              <a:rPr lang="en-US" sz="1600" i="1" dirty="0" smtClean="0"/>
+              <a:t>not </a:t>
+            </a:r>
+            <a:r>
+              <a:rPr lang="en-US" sz="1600" dirty="0" smtClean="0"/>
+              <a:t>noisy, the </a:t>
+            </a:r>
+            <a:r>
+              <a:rPr lang="en-US" sz="1600" b="1" dirty="0" smtClean="0"/>
+              <a:t>convergence to the true value function is slower </a:t>
+            </a:r>
+            <a:r>
+              <a:rPr lang="en-US" sz="1600" dirty="0" smtClean="0"/>
+              <a:t>than in the other two cases presented earlier.</a:t>
+            </a:r>
+          </a:p>
+          <a:p>
+            <a:r>
+              <a:rPr lang="en-US" sz="1600" dirty="0" smtClean="0"/>
+              <a:t>- Contrary to the other two cases, </a:t>
+            </a:r>
+            <a:r>
+              <a:rPr lang="en-US" sz="1600" b="1" dirty="0" smtClean="0"/>
+              <a:t>the values of </a:t>
+            </a:r>
+            <a:r>
+              <a:rPr lang="en-US" sz="1600" b="1" dirty="0" smtClean="0">
+                <a:sym typeface="Symbol"/>
+              </a:rPr>
+              <a:t> don’t “jump immediately” to the limit value</a:t>
+            </a:r>
+            <a:r>
+              <a:rPr lang="en-US" sz="1600" dirty="0" smtClean="0">
+                <a:sym typeface="Symbol"/>
+              </a:rPr>
+              <a:t>, but tends to it more slowly.</a:t>
+            </a:r>
+            <a:endParaRPr lang="en-US" sz="1600" dirty="0" smtClean="0"/>
+          </a:p>
+        </p:txBody>
+      </p:sp>
+      <p:sp>
+        <p:nvSpPr>
+          <p:cNvPr id="8" name="TextBox 7"/>
+          <p:cNvSpPr txBox="1"/>
+          <p:nvPr/>
+        </p:nvSpPr>
+        <p:spPr>
+          <a:xfrm>
+            <a:off x="1203056" y="1393031"/>
+            <a:ext cx="2792880" cy="307777"/>
+          </a:xfrm>
+          <a:prstGeom prst="rect">
+            <a:avLst/>
+          </a:prstGeom>
+          <a:noFill/>
+        </p:spPr>
+        <p:txBody>
+          <a:bodyPr wrap="none" rtlCol="0">
+            <a:spAutoFit/>
+          </a:bodyPr>
+          <a:lstStyle/>
+          <a:p>
+            <a:pPr algn="ctr"/>
+            <a:r>
+              <a:rPr lang="en-US" sz="1400" b="1" dirty="0" smtClean="0"/>
+              <a:t>Distribution of </a:t>
+            </a:r>
+            <a:r>
+              <a:rPr lang="en-US" sz="1400" b="1" dirty="0" smtClean="0">
+                <a:sym typeface="Symbol"/>
+              </a:rPr>
+              <a:t> by state </a:t>
+            </a:r>
+            <a:r>
+              <a:rPr lang="en-US" sz="1400" b="1" smtClean="0">
+                <a:sym typeface="Symbol"/>
+              </a:rPr>
+              <a:t>over time</a:t>
+            </a:r>
+            <a:endParaRPr lang="en-US" sz="1400" b="1" dirty="0"/>
+          </a:p>
+        </p:txBody>
+      </p:sp>
+      <p:sp>
+        <p:nvSpPr>
+          <p:cNvPr id="9" name="TextBox 8"/>
+          <p:cNvSpPr txBox="1"/>
+          <p:nvPr/>
+        </p:nvSpPr>
+        <p:spPr>
+          <a:xfrm>
+            <a:off x="5039050" y="1393031"/>
+            <a:ext cx="3637406" cy="307777"/>
+          </a:xfrm>
+          <a:prstGeom prst="rect">
+            <a:avLst/>
+          </a:prstGeom>
+          <a:noFill/>
+        </p:spPr>
+        <p:txBody>
+          <a:bodyPr wrap="none" rtlCol="0">
+            <a:spAutoFit/>
+          </a:bodyPr>
+          <a:lstStyle/>
+          <a:p>
+            <a:pPr algn="ctr"/>
+            <a:r>
+              <a:rPr lang="en-US" sz="1400" b="1" dirty="0" smtClean="0"/>
+              <a:t>Convergence speed and average </a:t>
+            </a:r>
+            <a:r>
+              <a:rPr lang="en-US" sz="1400" b="1" dirty="0" smtClean="0">
+                <a:sym typeface="Symbol"/>
+              </a:rPr>
+              <a:t> by episode</a:t>
+            </a:r>
+            <a:endParaRPr lang="en-US" sz="1400" b="1" dirty="0"/>
+          </a:p>
+        </p:txBody>
+      </p:sp>
+    </p:spTree>
+    <p:extLst>
+      <p:ext uri="{BB962C8B-B14F-4D97-AF65-F5344CB8AC3E}">
+        <p14:creationId xmlns:p14="http://schemas.microsoft.com/office/powerpoint/2010/main" val="4276076860"/>
+      </p:ext>
+    </p:extLst>
+  </p:cSld>
+  <p:clrMapOvr>
+    <a:masterClrMapping/>
+  </p:clrMapOvr>
+</p:sld>
+</file>
+
+<file path=ppt/slides/slide27.xml><?xml version="1.0" encoding="utf-8"?>
+<p:sld xmlns:a="http://schemas.openxmlformats.org/drawingml/2006/main" xmlns:r="http://schemas.openxmlformats.org/officeDocument/2006/relationships" xmlns:p="http://schemas.openxmlformats.org/presentationml/2006/main">
+  <p:cSld>
+    <p:spTree>
+      <p:nvGrpSpPr>
+        <p:cNvPr id="1" name=""/>
+        <p:cNvGrpSpPr/>
+        <p:nvPr/>
+      </p:nvGrpSpPr>
+      <p:grpSpPr>
+        <a:xfrm>
+          <a:off x="0" y="0"/>
+          <a:ext cx="0" cy="0"/>
+          <a:chOff x="0" y="0"/>
+          <a:chExt cx="0" cy="0"/>
+        </a:xfrm>
+      </p:grpSpPr>
+      <p:sp>
+        <p:nvSpPr>
+          <p:cNvPr id="2" name="Title 1"/>
+          <p:cNvSpPr>
+            <a:spLocks noGrp="1"/>
+          </p:cNvSpPr>
+          <p:nvPr>
+            <p:ph type="ctrTitle"/>
+          </p:nvPr>
+        </p:nvSpPr>
+        <p:spPr/>
+        <p:txBody>
+          <a:bodyPr/>
+          <a:lstStyle/>
+          <a:p>
+            <a:r>
+              <a:rPr lang="en-US" dirty="0" smtClean="0">
+                <a:sym typeface="Symbol"/>
+              </a:rPr>
+              <a:t>DRAFT</a:t>
+            </a:r>
+            <a:endParaRPr lang="en-US" dirty="0"/>
+          </a:p>
+        </p:txBody>
+      </p:sp>
+      <p:sp>
+        <p:nvSpPr>
+          <p:cNvPr id="3" name="Subtitle 2"/>
+          <p:cNvSpPr>
+            <a:spLocks noGrp="1"/>
+          </p:cNvSpPr>
+          <p:nvPr>
+            <p:ph type="subTitle" idx="1"/>
+          </p:nvPr>
+        </p:nvSpPr>
+        <p:spPr/>
+        <p:txBody>
+          <a:bodyPr/>
+          <a:lstStyle/>
+          <a:p>
+            <a:endParaRPr lang="en-US" dirty="0"/>
+          </a:p>
+        </p:txBody>
+      </p:sp>
+      <p:sp>
+        <p:nvSpPr>
+          <p:cNvPr id="4" name="Slide Number Placeholder 3"/>
+          <p:cNvSpPr>
+            <a:spLocks noGrp="1"/>
+          </p:cNvSpPr>
+          <p:nvPr>
+            <p:ph type="sldNum" sz="quarter" idx="12"/>
+          </p:nvPr>
+        </p:nvSpPr>
+        <p:spPr/>
+        <p:txBody>
+          <a:bodyPr/>
+          <a:lstStyle/>
+          <a:p>
+            <a:fld id="{62D96F91-737B-4795-86FD-3CFC620DA94D}" type="slidenum">
+              <a:rPr lang="en-US" smtClean="0"/>
+              <a:t>27</a:t>
+            </a:fld>
+            <a:endParaRPr lang="en-US"/>
+          </a:p>
+        </p:txBody>
+      </p:sp>
+    </p:spTree>
+    <p:extLst>
+      <p:ext uri="{BB962C8B-B14F-4D97-AF65-F5344CB8AC3E}">
+        <p14:creationId xmlns:p14="http://schemas.microsoft.com/office/powerpoint/2010/main" val="2280354320"/>
+      </p:ext>
+    </p:extLst>
+  </p:cSld>
+  <p:clrMapOvr>
+    <a:masterClrMapping/>
+  </p:clrMapOvr>
+  <p:timing>
+    <p:tnLst>
+      <p:par>
+        <p:cTn id="1" dur="indefinite" restart="never" nodeType="tmRoot"/>
+      </p:par>
+    </p:tnLst>
+  </p:timing>
+</p:sld>
+</file>
+
+<file path=ppt/slides/slide28.xml><?xml version="1.0" encoding="utf-8"?>
+<p:sld xmlns:a="http://schemas.openxmlformats.org/drawingml/2006/main" xmlns:r="http://schemas.openxmlformats.org/officeDocument/2006/relationships" xmlns:p="http://schemas.openxmlformats.org/presentationml/2006/main">
+  <p:cSld>
+    <p:spTree>
+      <p:nvGrpSpPr>
+        <p:cNvPr id="1" name=""/>
+        <p:cNvGrpSpPr/>
+        <p:nvPr/>
+      </p:nvGrpSpPr>
+      <p:grpSpPr>
+        <a:xfrm>
+          <a:off x="0" y="0"/>
+          <a:ext cx="0" cy="0"/>
+          <a:chOff x="0" y="0"/>
+          <a:chExt cx="0" cy="0"/>
+        </a:xfrm>
+      </p:grpSpPr>
+      <p:sp>
+        <p:nvSpPr>
+          <p:cNvPr id="2" name="Title 1"/>
+          <p:cNvSpPr>
+            <a:spLocks noGrp="1"/>
+          </p:cNvSpPr>
+          <p:nvPr>
+            <p:ph type="title"/>
+          </p:nvPr>
+        </p:nvSpPr>
+        <p:spPr/>
+        <p:txBody>
+          <a:bodyPr>
+            <a:normAutofit fontScale="90000"/>
+          </a:bodyPr>
+          <a:lstStyle/>
+          <a:p>
+            <a:r>
+              <a:rPr lang="en-US" dirty="0" smtClean="0"/>
+              <a:t>Adaptive TD(</a:t>
+            </a:r>
+            <a:r>
+              <a:rPr lang="en-US" dirty="0" smtClean="0">
+                <a:sym typeface="Symbol"/>
+              </a:rPr>
+              <a:t>) -  distribution</a:t>
+            </a:r>
+            <a:br>
+              <a:rPr lang="en-US" dirty="0" smtClean="0">
+                <a:sym typeface="Symbol"/>
+              </a:rPr>
+            </a:br>
+            <a:r>
+              <a:rPr lang="en-US" sz="3100" dirty="0" smtClean="0">
+                <a:sym typeface="Symbol"/>
+              </a:rPr>
+              <a:t>Three ways of adjusting  as a function of (t)</a:t>
+            </a:r>
+            <a:endParaRPr lang="en-US" sz="3100" dirty="0"/>
+          </a:p>
+        </p:txBody>
+      </p:sp>
+      <p:sp>
+        <p:nvSpPr>
+          <p:cNvPr id="4" name="Slide Number Placeholder 3"/>
+          <p:cNvSpPr>
+            <a:spLocks noGrp="1"/>
+          </p:cNvSpPr>
+          <p:nvPr>
+            <p:ph type="sldNum" sz="quarter" idx="12"/>
+          </p:nvPr>
+        </p:nvSpPr>
+        <p:spPr/>
+        <p:txBody>
+          <a:bodyPr/>
+          <a:lstStyle/>
+          <a:p>
+            <a:fld id="{62D96F91-737B-4795-86FD-3CFC620DA94D}" type="slidenum">
+              <a:rPr lang="en-US" smtClean="0"/>
+              <a:t>28</a:t>
             </a:fld>
             <a:endParaRPr lang="en-US"/>
           </a:p>
@@ -7635,19 +9577,7 @@
             </a:r>
             <a:r>
               <a:rPr lang="en-US" sz="1400" b="1" dirty="0" smtClean="0"/>
-              <a:t>| </a:t>
-            </a:r>
-            <a:r>
-              <a:rPr lang="en-US" sz="1400" b="1" dirty="0" smtClean="0"/>
-              <a:t>/ </a:t>
-            </a:r>
-            <a:r>
-              <a:rPr lang="en-US" sz="1400" b="1" dirty="0" smtClean="0"/>
-              <a:t>|V(S(t)) </a:t>
-            </a:r>
-            <a:r>
-              <a:rPr lang="en-US" sz="1400" b="1" dirty="0" smtClean="0"/>
-              <a:t>|</a:t>
+              <a:t>| / |V(S(t)) |</a:t>
             </a:r>
             <a:endParaRPr lang="en-US" sz="1400" b="1" dirty="0"/>
           </a:p>
@@ -7678,7 +9608,15 @@
             <a:pPr algn="ctr"/>
             <a:r>
               <a:rPr lang="en-US" sz="1400" b="1" dirty="0" smtClean="0"/>
-              <a:t>Relative, but avoiding division by 0</a:t>
+              <a:t>Relative, </a:t>
+            </a:r>
+            <a:r>
+              <a:rPr lang="en-US" sz="1400" b="1" i="1" dirty="0" smtClean="0"/>
+              <a:t>but avoiding division by 0</a:t>
+            </a:r>
+            <a:r>
+              <a:rPr lang="en-US" sz="1400" b="1" dirty="0" smtClean="0"/>
+              <a:t/>
             </a:r>
             <a:br>
               <a:rPr lang="en-US" sz="1400" b="1" dirty="0" smtClean="0"/>
@@ -7693,33 +9631,17 @@
             </a:r>
             <a:r>
               <a:rPr lang="en-US" sz="1400" b="1" dirty="0" smtClean="0"/>
-              <a:t>( </a:t>
+              <a:t>( |</a:t>
+            </a:r>
+            <a:r>
+              <a:rPr lang="en-US" sz="1400" b="1" dirty="0" smtClean="0">
+                <a:sym typeface="Symbol"/>
+              </a:rPr>
+              <a:t>(t)</a:t>
             </a:r>
             <a:r>
               <a:rPr lang="en-US" sz="1400" b="1" dirty="0" smtClean="0"/>
-              <a:t>|</a:t>
-            </a:r>
-            <a:r>
-              <a:rPr lang="en-US" sz="1400" b="1" dirty="0" smtClean="0">
-                <a:sym typeface="Symbol"/>
-              </a:rPr>
-              <a:t>(t)</a:t>
-            </a:r>
-            <a:r>
-              <a:rPr lang="en-US" sz="1400" b="1" dirty="0" smtClean="0"/>
-              <a:t>| </a:t>
-            </a:r>
-            <a:r>
-              <a:rPr lang="en-US" sz="1400" b="1" dirty="0" smtClean="0"/>
-              <a:t>- </a:t>
-            </a:r>
-            <a:r>
-              <a:rPr lang="en-US" sz="1400" b="1" dirty="0" smtClean="0"/>
-              <a:t>|V(S(t)| </a:t>
-            </a:r>
-            <a:r>
-              <a:rPr lang="en-US" sz="1400" b="1" dirty="0" smtClean="0"/>
-              <a:t>)</a:t>
+              <a:t>| - |V(S(t)| )</a:t>
             </a:r>
             <a:endParaRPr lang="en-US" sz="1400" b="1" dirty="0"/>
           </a:p>
@@ -7776,7 +9698,503 @@
     </p:spTree>
     <p:extLst>
       <p:ext uri="{BB962C8B-B14F-4D97-AF65-F5344CB8AC3E}">
-        <p14:creationId xmlns:p14="http://schemas.microsoft.com/office/powerpoint/2010/main" val="3053468085"/>
+        <p14:creationId xmlns:p14="http://schemas.microsoft.com/office/powerpoint/2010/main" val="1009876166"/>
+      </p:ext>
+    </p:extLst>
+  </p:cSld>
+  <p:clrMapOvr>
+    <a:masterClrMapping/>
+  </p:clrMapOvr>
+  <p:timing>
+    <p:tnLst>
+      <p:par>
+        <p:cTn id="1" dur="indefinite" restart="never" nodeType="tmRoot"/>
+      </p:par>
+    </p:tnLst>
+  </p:timing>
+</p:sld>
+</file>
+
+<file path=ppt/slides/slide29.xml><?xml version="1.0" encoding="utf-8"?>
+<p:sld xmlns:a="http://schemas.openxmlformats.org/drawingml/2006/main" xmlns:r="http://schemas.openxmlformats.org/officeDocument/2006/relationships" xmlns:p="http://schemas.openxmlformats.org/presentationml/2006/main">
+  <p:cSld>
+    <p:spTree>
+      <p:nvGrpSpPr>
+        <p:cNvPr id="1" name=""/>
+        <p:cNvGrpSpPr/>
+        <p:nvPr/>
+      </p:nvGrpSpPr>
+      <p:grpSpPr>
+        <a:xfrm>
+          <a:off x="0" y="0"/>
+          <a:ext cx="0" cy="0"/>
+          <a:chOff x="0" y="0"/>
+          <a:chExt cx="0" cy="0"/>
+        </a:xfrm>
+      </p:grpSpPr>
+      <p:sp>
+        <p:nvSpPr>
+          <p:cNvPr id="2" name="Title 1"/>
+          <p:cNvSpPr>
+            <a:spLocks noGrp="1"/>
+          </p:cNvSpPr>
+          <p:nvPr>
+            <p:ph type="title"/>
+          </p:nvPr>
+        </p:nvSpPr>
+        <p:spPr/>
+        <p:txBody>
+          <a:bodyPr>
+            <a:normAutofit fontScale="90000"/>
+          </a:bodyPr>
+          <a:lstStyle/>
+          <a:p>
+            <a:r>
+              <a:rPr lang="en-US" dirty="0" smtClean="0">
+                <a:sym typeface="Symbol"/>
+              </a:rPr>
+              <a:t> adjusted ~ </a:t>
+            </a:r>
+            <a:r>
+              <a:rPr lang="en-US" dirty="0" err="1" smtClean="0"/>
+              <a:t>exp</a:t>
+            </a:r>
+            <a:r>
+              <a:rPr lang="en-US" dirty="0" smtClean="0"/>
+              <a:t>( |</a:t>
+            </a:r>
+            <a:r>
+              <a:rPr lang="en-US" dirty="0">
+                <a:sym typeface="Symbol"/>
+              </a:rPr>
+              <a:t>(t)</a:t>
+            </a:r>
+            <a:r>
+              <a:rPr lang="en-US" dirty="0"/>
+              <a:t>| - |V(S(t)| </a:t>
+            </a:r>
+            <a:r>
+              <a:rPr lang="en-US" dirty="0" smtClean="0"/>
+              <a:t>)</a:t>
+            </a:r>
+            <a:br>
+              <a:rPr lang="en-US" dirty="0" smtClean="0"/>
+            </a:br>
+            <a:r>
+              <a:rPr lang="en-US" sz="2700" dirty="0" smtClean="0">
+                <a:sym typeface="Symbol"/>
+              </a:rPr>
+              <a:t>Formula: </a:t>
+            </a:r>
+            <a:r>
+              <a:rPr lang="en-US" sz="2700" dirty="0">
+                <a:sym typeface="Symbol"/>
+              </a:rPr>
+              <a:t></a:t>
+            </a:r>
+            <a:r>
+              <a:rPr lang="en-US" sz="2700" dirty="0" smtClean="0">
+                <a:sym typeface="Symbol"/>
+              </a:rPr>
+              <a:t>(t) = 1 – </a:t>
+            </a:r>
+            <a:r>
+              <a:rPr lang="en-US" sz="2700" dirty="0" err="1" smtClean="0">
+                <a:sym typeface="Symbol"/>
+              </a:rPr>
+              <a:t>exp</a:t>
+            </a:r>
+            <a:r>
+              <a:rPr lang="en-US" sz="2700" dirty="0" smtClean="0">
+                <a:sym typeface="Symbol"/>
+              </a:rPr>
+              <a:t>(-</a:t>
+            </a:r>
+            <a:r>
+              <a:rPr lang="en-US" sz="2700" dirty="0" err="1" smtClean="0">
+                <a:sym typeface="Symbol"/>
+              </a:rPr>
+              <a:t>exp</a:t>
+            </a:r>
+            <a:r>
+              <a:rPr lang="en-US" sz="2700" dirty="0" smtClean="0">
+                <a:sym typeface="Symbol"/>
+              </a:rPr>
+              <a:t>(</a:t>
+            </a:r>
+            <a:r>
+              <a:rPr lang="en-US" sz="2700" dirty="0"/>
+              <a:t>|</a:t>
+            </a:r>
+            <a:r>
+              <a:rPr lang="en-US" sz="2700" dirty="0">
+                <a:sym typeface="Symbol"/>
+              </a:rPr>
+              <a:t>(t)</a:t>
+            </a:r>
+            <a:r>
+              <a:rPr lang="en-US" sz="2700" dirty="0"/>
+              <a:t>| - |V(S(t</a:t>
+            </a:r>
+            <a:r>
+              <a:rPr lang="en-US" sz="2700" dirty="0" smtClean="0"/>
+              <a:t>)|))</a:t>
+            </a:r>
+            <a:endParaRPr lang="en-US" dirty="0"/>
+          </a:p>
+        </p:txBody>
+      </p:sp>
+      <p:sp>
+        <p:nvSpPr>
+          <p:cNvPr id="3" name="Slide Number Placeholder 2"/>
+          <p:cNvSpPr>
+            <a:spLocks noGrp="1"/>
+          </p:cNvSpPr>
+          <p:nvPr>
+            <p:ph type="sldNum" sz="quarter" idx="12"/>
+          </p:nvPr>
+        </p:nvSpPr>
+        <p:spPr/>
+        <p:txBody>
+          <a:bodyPr/>
+          <a:lstStyle/>
+          <a:p>
+            <a:fld id="{62D96F91-737B-4795-86FD-3CFC620DA94D}" type="slidenum">
+              <a:rPr lang="en-US" smtClean="0"/>
+              <a:t>29</a:t>
+            </a:fld>
+            <a:endParaRPr lang="en-US"/>
+          </a:p>
+        </p:txBody>
+      </p:sp>
+      <p:pic>
+        <p:nvPicPr>
+          <p:cNvPr id="5122" name="Picture 2"/>
+          <p:cNvPicPr>
+            <a:picLocks noChangeAspect="1" noChangeArrowheads="1"/>
+          </p:cNvPicPr>
+          <p:nvPr/>
+        </p:nvPicPr>
+        <p:blipFill rotWithShape="1">
+          <a:blip r:embed="rId2" cstate="print">
+            <a:extLst>
+              <a:ext uri="{28A0092B-C50C-407E-A947-70E740481C1C}">
+                <a14:useLocalDpi xmlns:a14="http://schemas.microsoft.com/office/drawing/2010/main" val="0"/>
+              </a:ext>
+            </a:extLst>
+          </a:blip>
+          <a:srcRect l="8368" t="14451" r="5315" b="9228"/>
+          <a:stretch/>
+        </p:blipFill>
+        <p:spPr bwMode="auto">
+          <a:xfrm>
+            <a:off x="35496" y="4864766"/>
+            <a:ext cx="3590664" cy="1876602"/>
+          </a:xfrm>
+          <a:prstGeom prst="rect">
+            <a:avLst/>
+          </a:prstGeom>
+          <a:noFill/>
+          <a:ln>
+            <a:noFill/>
+          </a:ln>
+          <a:extLst>
+            <a:ext uri="{909E8E84-426E-40DD-AFC4-6F175D3DCCD1}">
+              <a14:hiddenFill xmlns:a14="http://schemas.microsoft.com/office/drawing/2010/main">
+                <a:solidFill>
+                  <a:schemeClr val="accent1"/>
+                </a:solidFill>
+              </a14:hiddenFill>
+            </a:ext>
+            <a:ext uri="{91240B29-F687-4F45-9708-019B960494DF}">
+              <a14:hiddenLine xmlns:a14="http://schemas.microsoft.com/office/drawing/2010/main" w="9525">
+                <a:solidFill>
+                  <a:schemeClr val="tx1"/>
+                </a:solidFill>
+                <a:miter lim="800000"/>
+                <a:headEnd/>
+                <a:tailEnd/>
+              </a14:hiddenLine>
+            </a:ext>
+          </a:extLst>
+        </p:spPr>
+      </p:pic>
+      <p:pic>
+        <p:nvPicPr>
+          <p:cNvPr id="5123" name="Picture 3"/>
+          <p:cNvPicPr>
+            <a:picLocks noChangeAspect="1" noChangeArrowheads="1"/>
+          </p:cNvPicPr>
+          <p:nvPr/>
+        </p:nvPicPr>
+        <p:blipFill rotWithShape="1">
+          <a:blip r:embed="rId3">
+            <a:extLst>
+              <a:ext uri="{28A0092B-C50C-407E-A947-70E740481C1C}">
+                <a14:useLocalDpi xmlns:a14="http://schemas.microsoft.com/office/drawing/2010/main" val="0"/>
+              </a:ext>
+            </a:extLst>
+          </a:blip>
+          <a:srcRect l="3422" t="22418" r="6694" b="8694"/>
+          <a:stretch/>
+        </p:blipFill>
+        <p:spPr bwMode="auto">
+          <a:xfrm>
+            <a:off x="6540466" y="4839180"/>
+            <a:ext cx="2424022" cy="1944216"/>
+          </a:xfrm>
+          <a:prstGeom prst="rect">
+            <a:avLst/>
+          </a:prstGeom>
+          <a:noFill/>
+          <a:ln>
+            <a:noFill/>
+          </a:ln>
+          <a:extLst>
+            <a:ext uri="{909E8E84-426E-40DD-AFC4-6F175D3DCCD1}">
+              <a14:hiddenFill xmlns:a14="http://schemas.microsoft.com/office/drawing/2010/main">
+                <a:solidFill>
+                  <a:schemeClr val="accent1"/>
+                </a:solidFill>
+              </a14:hiddenFill>
+            </a:ext>
+            <a:ext uri="{91240B29-F687-4F45-9708-019B960494DF}">
+              <a14:hiddenLine xmlns:a14="http://schemas.microsoft.com/office/drawing/2010/main" w="9525">
+                <a:solidFill>
+                  <a:schemeClr val="tx1"/>
+                </a:solidFill>
+                <a:miter lim="800000"/>
+                <a:headEnd/>
+                <a:tailEnd/>
+              </a14:hiddenLine>
+            </a:ext>
+          </a:extLst>
+        </p:spPr>
+      </p:pic>
+      <p:pic>
+        <p:nvPicPr>
+          <p:cNvPr id="5124" name="Picture 4"/>
+          <p:cNvPicPr>
+            <a:picLocks noChangeAspect="1" noChangeArrowheads="1"/>
+          </p:cNvPicPr>
+          <p:nvPr/>
+        </p:nvPicPr>
+        <p:blipFill rotWithShape="1">
+          <a:blip r:embed="rId4">
+            <a:extLst>
+              <a:ext uri="{28A0092B-C50C-407E-A947-70E740481C1C}">
+                <a14:useLocalDpi xmlns:a14="http://schemas.microsoft.com/office/drawing/2010/main" val="0"/>
+              </a:ext>
+            </a:extLst>
+          </a:blip>
+          <a:srcRect l="2591" t="22860" b="4556"/>
+          <a:stretch/>
+        </p:blipFill>
+        <p:spPr bwMode="auto">
+          <a:xfrm>
+            <a:off x="3684636" y="4864766"/>
+            <a:ext cx="2831580" cy="2020618"/>
+          </a:xfrm>
+          <a:prstGeom prst="rect">
+            <a:avLst/>
+          </a:prstGeom>
+          <a:noFill/>
+          <a:ln>
+            <a:noFill/>
+          </a:ln>
+          <a:extLst>
+            <a:ext uri="{909E8E84-426E-40DD-AFC4-6F175D3DCCD1}">
+              <a14:hiddenFill xmlns:a14="http://schemas.microsoft.com/office/drawing/2010/main">
+                <a:solidFill>
+                  <a:schemeClr val="accent1"/>
+                </a:solidFill>
+              </a14:hiddenFill>
+            </a:ext>
+            <a:ext uri="{91240B29-F687-4F45-9708-019B960494DF}">
+              <a14:hiddenLine xmlns:a14="http://schemas.microsoft.com/office/drawing/2010/main" w="9525">
+                <a:solidFill>
+                  <a:schemeClr val="tx1"/>
+                </a:solidFill>
+                <a:miter lim="800000"/>
+                <a:headEnd/>
+                <a:tailEnd/>
+              </a14:hiddenLine>
+            </a:ext>
+          </a:extLst>
+        </p:spPr>
+      </p:pic>
+      <p:sp>
+        <p:nvSpPr>
+          <p:cNvPr id="4" name="TextBox 3"/>
+          <p:cNvSpPr txBox="1"/>
+          <p:nvPr/>
+        </p:nvSpPr>
+        <p:spPr>
+          <a:xfrm>
+            <a:off x="467544" y="1412776"/>
+            <a:ext cx="8284384" cy="3600986"/>
+          </a:xfrm>
+          <a:prstGeom prst="rect">
+            <a:avLst/>
+          </a:prstGeom>
+          <a:noFill/>
+        </p:spPr>
+        <p:txBody>
+          <a:bodyPr wrap="square" rtlCol="0">
+            <a:spAutoFit/>
+          </a:bodyPr>
+          <a:lstStyle/>
+          <a:p>
+            <a:r>
+              <a:rPr lang="en-US" dirty="0" smtClean="0"/>
+              <a:t>The goal of using this </a:t>
+            </a:r>
+            <a:r>
+              <a:rPr lang="en-US" i="1" dirty="0" smtClean="0"/>
+              <a:t>calculation as an indication of the “relative change of </a:t>
+            </a:r>
+            <a:r>
+              <a:rPr lang="en-US" i="1" dirty="0" smtClean="0">
+                <a:sym typeface="Symbol"/>
+              </a:rPr>
+              <a:t>(t)”</a:t>
+            </a:r>
+            <a:r>
+              <a:rPr lang="en-US" dirty="0" smtClean="0">
+                <a:sym typeface="Symbol"/>
+              </a:rPr>
+              <a:t> is to avoid division by 0 or by a very small value (e.g. for states near the middle of the grid).</a:t>
+            </a:r>
+          </a:p>
+          <a:p>
+            <a:endParaRPr lang="en-US" dirty="0">
+              <a:sym typeface="Symbol"/>
+            </a:endParaRPr>
+          </a:p>
+          <a:p>
+            <a:r>
+              <a:rPr lang="en-US" dirty="0" smtClean="0">
+                <a:sym typeface="Symbol"/>
+              </a:rPr>
+              <a:t>This option however has two drawbacks:</a:t>
+            </a:r>
+          </a:p>
+          <a:p>
+            <a:pPr marL="285750" indent="-285750">
+              <a:buFont typeface="Arial" panose="020B0604020202020204" pitchFamily="34" charset="0"/>
+              <a:buChar char="•"/>
+            </a:pPr>
+            <a:r>
+              <a:rPr lang="en-US" dirty="0" smtClean="0">
+                <a:sym typeface="Symbol"/>
+              </a:rPr>
+              <a:t> never reaches 0. Its minimum is around 0.4 (in fact, in order for  to reach a very small value, V(S(t)) should be much larger than (t) in absolute value, and in the “worst” case we could have |(t)| - |V(S(t))| ~= 0 - 1  = -1, for which  = 0.3 (still far from 0…))</a:t>
+            </a:r>
+          </a:p>
+          <a:p>
+            <a:pPr marL="285750" indent="-285750">
+              <a:buFont typeface="Arial" panose="020B0604020202020204" pitchFamily="34" charset="0"/>
+              <a:buChar char="•"/>
+            </a:pPr>
+            <a:r>
+              <a:rPr lang="en-US" dirty="0" smtClean="0">
+                <a:sym typeface="Symbol"/>
+              </a:rPr>
+              <a:t>The limit for is still “noisy”, as is the case with the relative (t) adjustment (</a:t>
+            </a:r>
+            <a:r>
+              <a:rPr lang="en-US" b="1" dirty="0" smtClean="0">
+                <a:solidFill>
+                  <a:srgbClr val="C00000"/>
+                </a:solidFill>
+                <a:sym typeface="Symbol"/>
+              </a:rPr>
+              <a:t>red law</a:t>
+            </a:r>
+            <a:r>
+              <a:rPr lang="en-US" dirty="0" smtClean="0">
+                <a:sym typeface="Symbol"/>
+              </a:rPr>
+              <a:t>).</a:t>
+            </a:r>
+          </a:p>
+          <a:p>
+            <a:r>
+              <a:rPr lang="en-US" sz="1400" i="1" dirty="0" smtClean="0">
+                <a:sym typeface="Symbol"/>
+              </a:rPr>
+              <a:t>Note that the limit for  should oscillate between 1 – </a:t>
+            </a:r>
+            <a:r>
+              <a:rPr lang="en-US" sz="1400" i="1" dirty="0" err="1" smtClean="0">
+                <a:sym typeface="Symbol"/>
+              </a:rPr>
+              <a:t>exp</a:t>
+            </a:r>
+            <a:r>
+              <a:rPr lang="en-US" sz="1400" i="1" dirty="0" smtClean="0">
+                <a:sym typeface="Symbol"/>
+              </a:rPr>
+              <a:t>(-</a:t>
+            </a:r>
+            <a:r>
+              <a:rPr lang="en-US" sz="1400" i="1" dirty="0" err="1" smtClean="0">
+                <a:sym typeface="Symbol"/>
+              </a:rPr>
+              <a:t>exp</a:t>
+            </a:r>
+            <a:r>
+              <a:rPr lang="en-US" sz="1400" i="1" dirty="0" smtClean="0">
+                <a:sym typeface="Symbol"/>
+              </a:rPr>
+              <a:t>(0.1 - 0.0)) and 1 – </a:t>
+            </a:r>
+            <a:r>
+              <a:rPr lang="en-US" sz="1400" i="1" dirty="0" err="1" smtClean="0">
+                <a:sym typeface="Symbol"/>
+              </a:rPr>
+              <a:t>exp</a:t>
+            </a:r>
+            <a:r>
+              <a:rPr lang="en-US" sz="1400" i="1" dirty="0" smtClean="0">
+                <a:sym typeface="Symbol"/>
+              </a:rPr>
+              <a:t>(-</a:t>
+            </a:r>
+            <a:r>
+              <a:rPr lang="en-US" sz="1400" i="1" dirty="0" err="1" smtClean="0">
+                <a:sym typeface="Symbol"/>
+              </a:rPr>
+              <a:t>exp</a:t>
+            </a:r>
+            <a:r>
+              <a:rPr lang="en-US" sz="1400" i="1" dirty="0" smtClean="0">
+                <a:sym typeface="Symbol"/>
+              </a:rPr>
+              <a:t>(0.1 – 0.9), i.e. between 0.67 and 0.36. The oscillation in the plot below is smaller than this range because we are plotting the </a:t>
+            </a:r>
+            <a:r>
+              <a:rPr lang="en-US" sz="1400" b="1" i="1" dirty="0" smtClean="0">
+                <a:sym typeface="Symbol"/>
+              </a:rPr>
+              <a:t>average</a:t>
+            </a:r>
+            <a:r>
+              <a:rPr lang="en-US" sz="1400" i="1" dirty="0" smtClean="0">
+                <a:sym typeface="Symbol"/>
+              </a:rPr>
+              <a:t>  over all states visited in the episode.</a:t>
+            </a:r>
+            <a:endParaRPr lang="en-US" sz="1400" i="1" dirty="0">
+              <a:sym typeface="Symbol"/>
+            </a:endParaRPr>
+          </a:p>
+        </p:txBody>
+      </p:sp>
+    </p:spTree>
+    <p:extLst>
+      <p:ext uri="{BB962C8B-B14F-4D97-AF65-F5344CB8AC3E}">
+        <p14:creationId xmlns:p14="http://schemas.microsoft.com/office/powerpoint/2010/main" val="1995525013"/>
       </p:ext>
     </p:extLst>
   </p:cSld>
@@ -7835,25 +10253,7 @@
               <a:rPr lang="en-US" sz="3600" dirty="0" smtClean="0">
                 <a:sym typeface="Symbol"/>
               </a:rPr>
-              <a:t> </a:t>
-            </a:r>
-            <a:r>
-              <a:rPr lang="en-US" sz="3600" dirty="0" smtClean="0">
-                <a:sym typeface="Symbol"/>
-              </a:rPr>
-              <a:t>adjusted by </a:t>
-            </a:r>
-            <a:r>
-              <a:rPr lang="en-US" sz="3600" dirty="0" smtClean="0">
-                <a:sym typeface="Symbol"/>
-              </a:rPr>
-              <a:t>state c</a:t>
-            </a:r>
-            <a:r>
-              <a:rPr lang="en-US" sz="3600" dirty="0" smtClean="0">
-                <a:sym typeface="Symbol"/>
-              </a:rPr>
-              <a:t>ount;</a:t>
+              <a:t> adjusted by state count;</a:t>
             </a:r>
             <a:r>
               <a:rPr lang="en-US" sz="3600" dirty="0">
@@ -7996,11 +10396,7 @@
             </a:r>
             <a:r>
               <a:rPr lang="en-US" sz="3600" dirty="0" smtClean="0"/>
-              <a:t>adjust </a:t>
-            </a:r>
-            <a:r>
-              <a:rPr lang="en-US" sz="3600" dirty="0" smtClean="0"/>
-              <a:t>by first-visit State Count</a:t>
+              <a:t>adjust by first-visit State Count</a:t>
             </a:r>
             <a:r>
               <a:rPr lang="en-US" sz="3600" dirty="0"/>
@@ -8241,11 +10637,7 @@
             </a:r>
             <a:r>
               <a:rPr lang="en-US" sz="3600" dirty="0" smtClean="0"/>
-              <a:t>adjust </a:t>
-            </a:r>
-            <a:r>
-              <a:rPr lang="en-US" sz="3600" dirty="0" smtClean="0"/>
-              <a:t>by State Count</a:t>
+              <a:t>adjust by State Count</a:t>
             </a:r>
             <a:br>
               <a:rPr lang="en-US" sz="3600" dirty="0" smtClean="0"/>
@@ -8408,13 +10800,7 @@
               <a:rPr lang="en-US" sz="1400" i="1" dirty="0" smtClean="0">
                 <a:sym typeface="Symbol"/>
               </a:rPr>
-              <a:t> = </a:t>
-            </a:r>
-            <a:r>
-              <a:rPr lang="en-US" sz="1400" i="1" dirty="0" smtClean="0">
-                <a:sym typeface="Symbol"/>
-              </a:rPr>
-              <a:t>2</a:t>
+              <a:t> = 2</a:t>
             </a:r>
             <a:endParaRPr lang="en-US" sz="1400" i="1" dirty="0"/>
           </a:p>
@@ -8716,13 +11102,7 @@
               <a:rPr lang="en-US" sz="3600" dirty="0" smtClean="0">
                 <a:sym typeface="Symbol"/>
               </a:rPr>
-              <a:t> </a:t>
-            </a:r>
-            <a:r>
-              <a:rPr lang="en-US" sz="3600" dirty="0" smtClean="0">
-                <a:sym typeface="Symbol"/>
-              </a:rPr>
-              <a:t>adjusted by </a:t>
+              <a:t> adjusted by </a:t>
             </a:r>
             <a:r>
               <a:rPr lang="en-US" sz="3600" dirty="0">
@@ -8867,31 +11247,23 @@
           <a:p>
             <a:r>
               <a:rPr lang="en-US" sz="3600" dirty="0" smtClean="0"/>
-              <a:t>First-visit MC</a:t>
+              <a:t>First-visit MC,</a:t>
+            </a:r>
+            <a:r>
+              <a:rPr lang="en-US" sz="3600" dirty="0">
+                <a:sym typeface="Symbol"/>
+              </a:rPr>
+              <a:t> </a:t>
+            </a:r>
+            <a:r>
+              <a:rPr lang="en-US" sz="3600" dirty="0" smtClean="0">
+                <a:sym typeface="Symbol"/>
+              </a:rPr>
+              <a:t>-</a:t>
             </a:r>
             <a:r>
               <a:rPr lang="en-US" sz="3600" dirty="0" smtClean="0"/>
-              <a:t>,</a:t>
-            </a:r>
-            <a:r>
-              <a:rPr lang="en-US" sz="3600" dirty="0">
-                <a:sym typeface="Symbol"/>
-              </a:rPr>
-              <a:t> </a:t>
-            </a:r>
-            <a:r>
-              <a:rPr lang="en-US" sz="3600" dirty="0" smtClean="0">
-                <a:sym typeface="Symbol"/>
-              </a:rPr>
-              <a:t>-</a:t>
-            </a:r>
-            <a:r>
-              <a:rPr lang="en-US" sz="3600" dirty="0" smtClean="0"/>
-              <a:t>adjust </a:t>
-            </a:r>
-            <a:r>
-              <a:rPr lang="en-US" sz="3600" dirty="0" smtClean="0"/>
-              <a:t>by Episode</a:t>
+              <a:t>adjust by Episode</a:t>
             </a:r>
             <a:br>
               <a:rPr lang="en-US" sz="3600" dirty="0" smtClean="0"/>
@@ -9136,11 +11508,7 @@
             </a:r>
             <a:r>
               <a:rPr lang="en-US" sz="3600" dirty="0" smtClean="0"/>
-              <a:t>djust </a:t>
-            </a:r>
-            <a:r>
-              <a:rPr lang="en-US" sz="3600" dirty="0" smtClean="0"/>
-              <a:t>by Episode</a:t>
+              <a:t>djust by Episode</a:t>
             </a:r>
             <a:br>
               <a:rPr lang="en-US" sz="3600" dirty="0" smtClean="0"/>

--- a/RL-001-MemoryManagement/results/202005May20-TestsTDLambda&AdaptiveTDLambda-1DGridworld.pptx
+++ b/RL-001-MemoryManagement/results/202005May20-TestsTDLambda&AdaptiveTDLambda-1DGridworld.pptx
@@ -5,7 +5,7 @@
     <p:sldMasterId id="2147483648" r:id="rId1"/>
   </p:sldMasterIdLst>
   <p:notesMasterIdLst>
-    <p:notesMasterId r:id="rId31"/>
+    <p:notesMasterId r:id="rId47"/>
   </p:notesMasterIdLst>
   <p:sldIdLst>
     <p:sldId id="264" r:id="rId2"/>
@@ -29,14 +29,30 @@
     <p:sldId id="287" r:id="rId20"/>
     <p:sldId id="299" r:id="rId21"/>
     <p:sldId id="300" r:id="rId22"/>
-    <p:sldId id="294" r:id="rId23"/>
-    <p:sldId id="301" r:id="rId24"/>
-    <p:sldId id="302" r:id="rId25"/>
-    <p:sldId id="303" r:id="rId26"/>
-    <p:sldId id="304" r:id="rId27"/>
-    <p:sldId id="306" r:id="rId28"/>
-    <p:sldId id="305" r:id="rId29"/>
-    <p:sldId id="307" r:id="rId30"/>
+    <p:sldId id="316" r:id="rId23"/>
+    <p:sldId id="317" r:id="rId24"/>
+    <p:sldId id="311" r:id="rId25"/>
+    <p:sldId id="310" r:id="rId26"/>
+    <p:sldId id="312" r:id="rId27"/>
+    <p:sldId id="314" r:id="rId28"/>
+    <p:sldId id="315" r:id="rId29"/>
+    <p:sldId id="313" r:id="rId30"/>
+    <p:sldId id="308" r:id="rId31"/>
+    <p:sldId id="309" r:id="rId32"/>
+    <p:sldId id="318" r:id="rId33"/>
+    <p:sldId id="319" r:id="rId34"/>
+    <p:sldId id="320" r:id="rId35"/>
+    <p:sldId id="322" r:id="rId36"/>
+    <p:sldId id="321" r:id="rId37"/>
+    <p:sldId id="323" r:id="rId38"/>
+    <p:sldId id="294" r:id="rId39"/>
+    <p:sldId id="301" r:id="rId40"/>
+    <p:sldId id="302" r:id="rId41"/>
+    <p:sldId id="303" r:id="rId42"/>
+    <p:sldId id="304" r:id="rId43"/>
+    <p:sldId id="306" r:id="rId44"/>
+    <p:sldId id="305" r:id="rId45"/>
+    <p:sldId id="307" r:id="rId46"/>
   </p:sldIdLst>
   <p:sldSz cx="9144000" cy="6858000" type="screen4x3"/>
   <p:notesSz cx="6858000" cy="9144000"/>
@@ -135,6 +151,22 @@
       </a:defRPr>
     </a:lvl9pPr>
   </p:defaultTextStyle>
+  <p:extLst>
+    <p:ext uri="{EFAFB233-063F-42B5-8137-9DF3F51BA10A}">
+      <p15:sldGuideLst xmlns:p15="http://schemas.microsoft.com/office/powerpoint/2012/main">
+        <p15:guide id="1" orient="horz" pos="2160">
+          <p15:clr>
+            <a:srgbClr val="A4A3A4"/>
+          </p15:clr>
+        </p15:guide>
+        <p15:guide id="2" pos="2880">
+          <p15:clr>
+            <a:srgbClr val="A4A3A4"/>
+          </p15:clr>
+        </p15:guide>
+      </p15:sldGuideLst>
+    </p:ext>
+  </p:extLst>
 </p:presentation>
 </file>
 
@@ -220,7 +252,7 @@
           <a:p>
             <a:fld id="{20C8C433-DA52-491B-A73E-C12FDEDAADD7}" type="datetimeFigureOut">
               <a:rPr lang="en-US" smtClean="0"/>
-              <a:t>5/27/2020</a:t>
+              <a:t>5/2/2022</a:t>
             </a:fld>
             <a:endParaRPr lang="en-US"/>
           </a:p>
@@ -284,38 +316,37 @@
           <a:p>
             <a:pPr lvl="0"/>
             <a:r>
-              <a:rPr lang="en-US" smtClean="0"/>
+              <a:rPr lang="en-US"/>
               <a:t>Click to edit Master text styles</a:t>
             </a:r>
           </a:p>
           <a:p>
             <a:pPr lvl="1"/>
             <a:r>
-              <a:rPr lang="en-US" smtClean="0"/>
+              <a:rPr lang="en-US"/>
               <a:t>Second level</a:t>
             </a:r>
           </a:p>
           <a:p>
             <a:pPr lvl="2"/>
             <a:r>
-              <a:rPr lang="en-US" smtClean="0"/>
+              <a:rPr lang="en-US"/>
               <a:t>Third level</a:t>
             </a:r>
           </a:p>
           <a:p>
             <a:pPr lvl="3"/>
             <a:r>
-              <a:rPr lang="en-US" smtClean="0"/>
+              <a:rPr lang="en-US"/>
               <a:t>Fourth level</a:t>
             </a:r>
           </a:p>
           <a:p>
             <a:pPr lvl="4"/>
             <a:r>
-              <a:rPr lang="en-US" smtClean="0"/>
+              <a:rPr lang="en-US"/>
               <a:t>Fifth level</a:t>
             </a:r>
-            <a:endParaRPr lang="en-US"/>
           </a:p>
         </p:txBody>
       </p:sp>
@@ -526,10 +557,9 @@
           <a:lstStyle/>
           <a:p>
             <a:r>
-              <a:rPr lang="en-US" smtClean="0"/>
+              <a:rPr lang="en-US"/>
               <a:t>Click to edit Master title style</a:t>
             </a:r>
-            <a:endParaRPr lang="en-US"/>
           </a:p>
         </p:txBody>
       </p:sp>
@@ -645,10 +675,9 @@
           </a:lstStyle>
           <a:p>
             <a:r>
-              <a:rPr lang="en-US" smtClean="0"/>
+              <a:rPr lang="en-US"/>
               <a:t>Click to edit Master subtitle style</a:t>
             </a:r>
-            <a:endParaRPr lang="en-US"/>
           </a:p>
         </p:txBody>
       </p:sp>
@@ -669,7 +698,7 @@
           <a:p>
             <a:fld id="{0DE82379-504A-4D22-912F-5AD071F65510}" type="datetime1">
               <a:rPr lang="en-US" smtClean="0"/>
-              <a:t>5/27/2020</a:t>
+              <a:t>5/2/2022</a:t>
             </a:fld>
             <a:endParaRPr lang="en-US"/>
           </a:p>
@@ -763,10 +792,9 @@
           <a:lstStyle/>
           <a:p>
             <a:r>
-              <a:rPr lang="en-US" smtClean="0"/>
+              <a:rPr lang="en-US"/>
               <a:t>Click to edit Master title style</a:t>
             </a:r>
-            <a:endParaRPr lang="en-US"/>
           </a:p>
         </p:txBody>
       </p:sp>
@@ -787,38 +815,37 @@
           <a:p>
             <a:pPr lvl="0"/>
             <a:r>
-              <a:rPr lang="en-US" smtClean="0"/>
+              <a:rPr lang="en-US"/>
               <a:t>Click to edit Master text styles</a:t>
             </a:r>
           </a:p>
           <a:p>
             <a:pPr lvl="1"/>
             <a:r>
-              <a:rPr lang="en-US" smtClean="0"/>
+              <a:rPr lang="en-US"/>
               <a:t>Second level</a:t>
             </a:r>
           </a:p>
           <a:p>
             <a:pPr lvl="2"/>
             <a:r>
-              <a:rPr lang="en-US" smtClean="0"/>
+              <a:rPr lang="en-US"/>
               <a:t>Third level</a:t>
             </a:r>
           </a:p>
           <a:p>
             <a:pPr lvl="3"/>
             <a:r>
-              <a:rPr lang="en-US" smtClean="0"/>
+              <a:rPr lang="en-US"/>
               <a:t>Fourth level</a:t>
             </a:r>
           </a:p>
           <a:p>
             <a:pPr lvl="4"/>
             <a:r>
-              <a:rPr lang="en-US" smtClean="0"/>
+              <a:rPr lang="en-US"/>
               <a:t>Fifth level</a:t>
             </a:r>
-            <a:endParaRPr lang="en-US"/>
           </a:p>
         </p:txBody>
       </p:sp>
@@ -839,7 +866,7 @@
           <a:p>
             <a:fld id="{0A308B76-0F46-4867-A704-020E0510BAB9}" type="datetime1">
               <a:rPr lang="en-US" smtClean="0"/>
-              <a:t>5/27/2020</a:t>
+              <a:t>5/2/2022</a:t>
             </a:fld>
             <a:endParaRPr lang="en-US"/>
           </a:p>
@@ -938,10 +965,9 @@
           <a:lstStyle/>
           <a:p>
             <a:r>
-              <a:rPr lang="en-US" smtClean="0"/>
+              <a:rPr lang="en-US"/>
               <a:t>Click to edit Master title style</a:t>
             </a:r>
-            <a:endParaRPr lang="en-US"/>
           </a:p>
         </p:txBody>
       </p:sp>
@@ -967,38 +993,37 @@
           <a:p>
             <a:pPr lvl="0"/>
             <a:r>
-              <a:rPr lang="en-US" smtClean="0"/>
+              <a:rPr lang="en-US"/>
               <a:t>Click to edit Master text styles</a:t>
             </a:r>
           </a:p>
           <a:p>
             <a:pPr lvl="1"/>
             <a:r>
-              <a:rPr lang="en-US" smtClean="0"/>
+              <a:rPr lang="en-US"/>
               <a:t>Second level</a:t>
             </a:r>
           </a:p>
           <a:p>
             <a:pPr lvl="2"/>
             <a:r>
-              <a:rPr lang="en-US" smtClean="0"/>
+              <a:rPr lang="en-US"/>
               <a:t>Third level</a:t>
             </a:r>
           </a:p>
           <a:p>
             <a:pPr lvl="3"/>
             <a:r>
-              <a:rPr lang="en-US" smtClean="0"/>
+              <a:rPr lang="en-US"/>
               <a:t>Fourth level</a:t>
             </a:r>
           </a:p>
           <a:p>
             <a:pPr lvl="4"/>
             <a:r>
-              <a:rPr lang="en-US" smtClean="0"/>
+              <a:rPr lang="en-US"/>
               <a:t>Fifth level</a:t>
             </a:r>
-            <a:endParaRPr lang="en-US"/>
           </a:p>
         </p:txBody>
       </p:sp>
@@ -1019,7 +1044,7 @@
           <a:p>
             <a:fld id="{9EFF22E2-E7CD-4BE6-BC79-8DA58B78DFB6}" type="datetime1">
               <a:rPr lang="en-US" smtClean="0"/>
-              <a:t>5/27/2020</a:t>
+              <a:t>5/2/2022</a:t>
             </a:fld>
             <a:endParaRPr lang="en-US"/>
           </a:p>
@@ -1113,10 +1138,9 @@
           <a:lstStyle/>
           <a:p>
             <a:r>
-              <a:rPr lang="en-US" smtClean="0"/>
+              <a:rPr lang="en-US"/>
               <a:t>Click to edit Master title style</a:t>
             </a:r>
-            <a:endParaRPr lang="en-US"/>
           </a:p>
         </p:txBody>
       </p:sp>
@@ -1142,38 +1166,37 @@
           <a:p>
             <a:pPr lvl="0"/>
             <a:r>
-              <a:rPr lang="en-US" smtClean="0"/>
+              <a:rPr lang="en-US"/>
               <a:t>Click to edit Master text styles</a:t>
             </a:r>
           </a:p>
           <a:p>
             <a:pPr lvl="1"/>
             <a:r>
-              <a:rPr lang="en-US" smtClean="0"/>
+              <a:rPr lang="en-US"/>
               <a:t>Second level</a:t>
             </a:r>
           </a:p>
           <a:p>
             <a:pPr lvl="2"/>
             <a:r>
-              <a:rPr lang="en-US" smtClean="0"/>
+              <a:rPr lang="en-US"/>
               <a:t>Third level</a:t>
             </a:r>
           </a:p>
           <a:p>
             <a:pPr lvl="3"/>
             <a:r>
-              <a:rPr lang="en-US" smtClean="0"/>
+              <a:rPr lang="en-US"/>
               <a:t>Fourth level</a:t>
             </a:r>
           </a:p>
           <a:p>
             <a:pPr lvl="4"/>
             <a:r>
-              <a:rPr lang="en-US" smtClean="0"/>
+              <a:rPr lang="en-US"/>
               <a:t>Fifth level</a:t>
             </a:r>
-            <a:endParaRPr lang="en-US"/>
           </a:p>
         </p:txBody>
       </p:sp>
@@ -1194,7 +1217,7 @@
           <a:p>
             <a:fld id="{6CA885D4-6B25-42CC-AB85-BE2955A0365B}" type="datetime1">
               <a:rPr lang="en-US" smtClean="0"/>
-              <a:t>5/27/2020</a:t>
+              <a:t>5/2/2022</a:t>
             </a:fld>
             <a:endParaRPr lang="en-US"/>
           </a:p>
@@ -1297,10 +1320,9 @@
           </a:lstStyle>
           <a:p>
             <a:r>
-              <a:rPr lang="en-US" smtClean="0"/>
+              <a:rPr lang="en-US"/>
               <a:t>Click to edit Master title style</a:t>
             </a:r>
-            <a:endParaRPr lang="en-US"/>
           </a:p>
         </p:txBody>
       </p:sp>
@@ -1417,7 +1439,7 @@
           <a:p>
             <a:pPr lvl="0"/>
             <a:r>
-              <a:rPr lang="en-US" smtClean="0"/>
+              <a:rPr lang="en-US"/>
               <a:t>Click to edit Master text styles</a:t>
             </a:r>
           </a:p>
@@ -1440,7 +1462,7 @@
           <a:p>
             <a:fld id="{80351717-A3AD-4C3A-BE51-731713DEEB71}" type="datetime1">
               <a:rPr lang="en-US" smtClean="0"/>
-              <a:t>5/27/2020</a:t>
+              <a:t>5/2/2022</a:t>
             </a:fld>
             <a:endParaRPr lang="en-US"/>
           </a:p>
@@ -1534,10 +1556,9 @@
           <a:lstStyle/>
           <a:p>
             <a:r>
-              <a:rPr lang="en-US" smtClean="0"/>
+              <a:rPr lang="en-US"/>
               <a:t>Click to edit Master title style</a:t>
             </a:r>
-            <a:endParaRPr lang="en-US"/>
           </a:p>
         </p:txBody>
       </p:sp>
@@ -1591,38 +1612,37 @@
           <a:p>
             <a:pPr lvl="0"/>
             <a:r>
-              <a:rPr lang="en-US" smtClean="0"/>
+              <a:rPr lang="en-US"/>
               <a:t>Click to edit Master text styles</a:t>
             </a:r>
           </a:p>
           <a:p>
             <a:pPr lvl="1"/>
             <a:r>
-              <a:rPr lang="en-US" smtClean="0"/>
+              <a:rPr lang="en-US"/>
               <a:t>Second level</a:t>
             </a:r>
           </a:p>
           <a:p>
             <a:pPr lvl="2"/>
             <a:r>
-              <a:rPr lang="en-US" smtClean="0"/>
+              <a:rPr lang="en-US"/>
               <a:t>Third level</a:t>
             </a:r>
           </a:p>
           <a:p>
             <a:pPr lvl="3"/>
             <a:r>
-              <a:rPr lang="en-US" smtClean="0"/>
+              <a:rPr lang="en-US"/>
               <a:t>Fourth level</a:t>
             </a:r>
           </a:p>
           <a:p>
             <a:pPr lvl="4"/>
             <a:r>
-              <a:rPr lang="en-US" smtClean="0"/>
+              <a:rPr lang="en-US"/>
               <a:t>Fifth level</a:t>
             </a:r>
-            <a:endParaRPr lang="en-US"/>
           </a:p>
         </p:txBody>
       </p:sp>
@@ -1676,38 +1696,37 @@
           <a:p>
             <a:pPr lvl="0"/>
             <a:r>
-              <a:rPr lang="en-US" smtClean="0"/>
+              <a:rPr lang="en-US"/>
               <a:t>Click to edit Master text styles</a:t>
             </a:r>
           </a:p>
           <a:p>
             <a:pPr lvl="1"/>
             <a:r>
-              <a:rPr lang="en-US" smtClean="0"/>
+              <a:rPr lang="en-US"/>
               <a:t>Second level</a:t>
             </a:r>
           </a:p>
           <a:p>
             <a:pPr lvl="2"/>
             <a:r>
-              <a:rPr lang="en-US" smtClean="0"/>
+              <a:rPr lang="en-US"/>
               <a:t>Third level</a:t>
             </a:r>
           </a:p>
           <a:p>
             <a:pPr lvl="3"/>
             <a:r>
-              <a:rPr lang="en-US" smtClean="0"/>
+              <a:rPr lang="en-US"/>
               <a:t>Fourth level</a:t>
             </a:r>
           </a:p>
           <a:p>
             <a:pPr lvl="4"/>
             <a:r>
-              <a:rPr lang="en-US" smtClean="0"/>
+              <a:rPr lang="en-US"/>
               <a:t>Fifth level</a:t>
             </a:r>
-            <a:endParaRPr lang="en-US"/>
           </a:p>
         </p:txBody>
       </p:sp>
@@ -1728,7 +1747,7 @@
           <a:p>
             <a:fld id="{62BCE9C6-0B67-4DEA-90FE-A224EA57A00A}" type="datetime1">
               <a:rPr lang="en-US" smtClean="0"/>
-              <a:t>5/27/2020</a:t>
+              <a:t>5/2/2022</a:t>
             </a:fld>
             <a:endParaRPr lang="en-US"/>
           </a:p>
@@ -1826,10 +1845,9 @@
           </a:lstStyle>
           <a:p>
             <a:r>
-              <a:rPr lang="en-US" smtClean="0"/>
+              <a:rPr lang="en-US"/>
               <a:t>Click to edit Master title style</a:t>
             </a:r>
-            <a:endParaRPr lang="en-US"/>
           </a:p>
         </p:txBody>
       </p:sp>
@@ -1892,7 +1910,7 @@
           <a:p>
             <a:pPr lvl="0"/>
             <a:r>
-              <a:rPr lang="en-US" smtClean="0"/>
+              <a:rPr lang="en-US"/>
               <a:t>Click to edit Master text styles</a:t>
             </a:r>
           </a:p>
@@ -1948,38 +1966,37 @@
           <a:p>
             <a:pPr lvl="0"/>
             <a:r>
-              <a:rPr lang="en-US" smtClean="0"/>
+              <a:rPr lang="en-US"/>
               <a:t>Click to edit Master text styles</a:t>
             </a:r>
           </a:p>
           <a:p>
             <a:pPr lvl="1"/>
             <a:r>
-              <a:rPr lang="en-US" smtClean="0"/>
+              <a:rPr lang="en-US"/>
               <a:t>Second level</a:t>
             </a:r>
           </a:p>
           <a:p>
             <a:pPr lvl="2"/>
             <a:r>
-              <a:rPr lang="en-US" smtClean="0"/>
+              <a:rPr lang="en-US"/>
               <a:t>Third level</a:t>
             </a:r>
           </a:p>
           <a:p>
             <a:pPr lvl="3"/>
             <a:r>
-              <a:rPr lang="en-US" smtClean="0"/>
+              <a:rPr lang="en-US"/>
               <a:t>Fourth level</a:t>
             </a:r>
           </a:p>
           <a:p>
             <a:pPr lvl="4"/>
             <a:r>
-              <a:rPr lang="en-US" smtClean="0"/>
+              <a:rPr lang="en-US"/>
               <a:t>Fifth level</a:t>
             </a:r>
-            <a:endParaRPr lang="en-US"/>
           </a:p>
         </p:txBody>
       </p:sp>
@@ -2042,7 +2059,7 @@
           <a:p>
             <a:pPr lvl="0"/>
             <a:r>
-              <a:rPr lang="en-US" smtClean="0"/>
+              <a:rPr lang="en-US"/>
               <a:t>Click to edit Master text styles</a:t>
             </a:r>
           </a:p>
@@ -2098,38 +2115,37 @@
           <a:p>
             <a:pPr lvl="0"/>
             <a:r>
-              <a:rPr lang="en-US" smtClean="0"/>
+              <a:rPr lang="en-US"/>
               <a:t>Click to edit Master text styles</a:t>
             </a:r>
           </a:p>
           <a:p>
             <a:pPr lvl="1"/>
             <a:r>
-              <a:rPr lang="en-US" smtClean="0"/>
+              <a:rPr lang="en-US"/>
               <a:t>Second level</a:t>
             </a:r>
           </a:p>
           <a:p>
             <a:pPr lvl="2"/>
             <a:r>
-              <a:rPr lang="en-US" smtClean="0"/>
+              <a:rPr lang="en-US"/>
               <a:t>Third level</a:t>
             </a:r>
           </a:p>
           <a:p>
             <a:pPr lvl="3"/>
             <a:r>
-              <a:rPr lang="en-US" smtClean="0"/>
+              <a:rPr lang="en-US"/>
               <a:t>Fourth level</a:t>
             </a:r>
           </a:p>
           <a:p>
             <a:pPr lvl="4"/>
             <a:r>
-              <a:rPr lang="en-US" smtClean="0"/>
+              <a:rPr lang="en-US"/>
               <a:t>Fifth level</a:t>
             </a:r>
-            <a:endParaRPr lang="en-US"/>
           </a:p>
         </p:txBody>
       </p:sp>
@@ -2150,7 +2166,7 @@
           <a:p>
             <a:fld id="{8D602F8B-96AF-427F-AFB0-5AA790D1A556}" type="datetime1">
               <a:rPr lang="en-US" smtClean="0"/>
-              <a:t>5/27/2020</a:t>
+              <a:t>5/2/2022</a:t>
             </a:fld>
             <a:endParaRPr lang="en-US"/>
           </a:p>
@@ -2244,10 +2260,9 @@
           <a:lstStyle/>
           <a:p>
             <a:r>
-              <a:rPr lang="en-US" smtClean="0"/>
+              <a:rPr lang="en-US"/>
               <a:t>Click to edit Master title style</a:t>
             </a:r>
-            <a:endParaRPr lang="en-US"/>
           </a:p>
         </p:txBody>
       </p:sp>
@@ -2268,7 +2283,7 @@
           <a:p>
             <a:fld id="{DE59CFD8-766C-49D0-8B25-5E5802F68280}" type="datetime1">
               <a:rPr lang="en-US" smtClean="0"/>
-              <a:t>5/27/2020</a:t>
+              <a:t>5/2/2022</a:t>
             </a:fld>
             <a:endParaRPr lang="en-US"/>
           </a:p>
@@ -2363,7 +2378,7 @@
           <a:p>
             <a:fld id="{CF61C585-8DA1-4E43-85B1-8A0CE4C96C73}" type="datetime1">
               <a:rPr lang="en-US" smtClean="0"/>
-              <a:t>5/27/2020</a:t>
+              <a:t>5/2/2022</a:t>
             </a:fld>
             <a:endParaRPr lang="en-US"/>
           </a:p>
@@ -2466,10 +2481,9 @@
           </a:lstStyle>
           <a:p>
             <a:r>
-              <a:rPr lang="en-US" smtClean="0"/>
+              <a:rPr lang="en-US"/>
               <a:t>Click to edit Master title style</a:t>
             </a:r>
-            <a:endParaRPr lang="en-US"/>
           </a:p>
         </p:txBody>
       </p:sp>
@@ -2523,38 +2537,37 @@
           <a:p>
             <a:pPr lvl="0"/>
             <a:r>
-              <a:rPr lang="en-US" smtClean="0"/>
+              <a:rPr lang="en-US"/>
               <a:t>Click to edit Master text styles</a:t>
             </a:r>
           </a:p>
           <a:p>
             <a:pPr lvl="1"/>
             <a:r>
-              <a:rPr lang="en-US" smtClean="0"/>
+              <a:rPr lang="en-US"/>
               <a:t>Second level</a:t>
             </a:r>
           </a:p>
           <a:p>
             <a:pPr lvl="2"/>
             <a:r>
-              <a:rPr lang="en-US" smtClean="0"/>
+              <a:rPr lang="en-US"/>
               <a:t>Third level</a:t>
             </a:r>
           </a:p>
           <a:p>
             <a:pPr lvl="3"/>
             <a:r>
-              <a:rPr lang="en-US" smtClean="0"/>
+              <a:rPr lang="en-US"/>
               <a:t>Fourth level</a:t>
             </a:r>
           </a:p>
           <a:p>
             <a:pPr lvl="4"/>
             <a:r>
-              <a:rPr lang="en-US" smtClean="0"/>
+              <a:rPr lang="en-US"/>
               <a:t>Fifth level</a:t>
             </a:r>
-            <a:endParaRPr lang="en-US"/>
           </a:p>
         </p:txBody>
       </p:sp>
@@ -2617,7 +2630,7 @@
           <a:p>
             <a:pPr lvl="0"/>
             <a:r>
-              <a:rPr lang="en-US" smtClean="0"/>
+              <a:rPr lang="en-US"/>
               <a:t>Click to edit Master text styles</a:t>
             </a:r>
           </a:p>
@@ -2640,7 +2653,7 @@
           <a:p>
             <a:fld id="{8DBCACC1-07A6-4180-8A86-AE9BA3E8681E}" type="datetime1">
               <a:rPr lang="en-US" smtClean="0"/>
-              <a:t>5/27/2020</a:t>
+              <a:t>5/2/2022</a:t>
             </a:fld>
             <a:endParaRPr lang="en-US"/>
           </a:p>
@@ -2743,10 +2756,9 @@
           </a:lstStyle>
           <a:p>
             <a:r>
-              <a:rPr lang="en-US" smtClean="0"/>
+              <a:rPr lang="en-US"/>
               <a:t>Click to edit Master title style</a:t>
             </a:r>
-            <a:endParaRPr lang="en-US"/>
           </a:p>
         </p:txBody>
       </p:sp>
@@ -2870,7 +2882,7 @@
           <a:p>
             <a:pPr lvl="0"/>
             <a:r>
-              <a:rPr lang="en-US" smtClean="0"/>
+              <a:rPr lang="en-US"/>
               <a:t>Click to edit Master text styles</a:t>
             </a:r>
           </a:p>
@@ -2893,7 +2905,7 @@
           <a:p>
             <a:fld id="{E2B91FF2-4C13-4DE6-856A-67C242DD3908}" type="datetime1">
               <a:rPr lang="en-US" smtClean="0"/>
-              <a:t>5/27/2020</a:t>
+              <a:t>5/2/2022</a:t>
             </a:fld>
             <a:endParaRPr lang="en-US"/>
           </a:p>
@@ -3002,10 +3014,9 @@
           <a:lstStyle/>
           <a:p>
             <a:r>
-              <a:rPr lang="en-US" smtClean="0"/>
+              <a:rPr lang="en-US"/>
               <a:t>Click to edit Master title style</a:t>
             </a:r>
-            <a:endParaRPr lang="en-US"/>
           </a:p>
         </p:txBody>
       </p:sp>
@@ -3036,38 +3047,37 @@
           <a:p>
             <a:pPr lvl="0"/>
             <a:r>
-              <a:rPr lang="en-US" smtClean="0"/>
+              <a:rPr lang="en-US"/>
               <a:t>Click to edit Master text styles</a:t>
             </a:r>
           </a:p>
           <a:p>
             <a:pPr lvl="1"/>
             <a:r>
-              <a:rPr lang="en-US" smtClean="0"/>
+              <a:rPr lang="en-US"/>
               <a:t>Second level</a:t>
             </a:r>
           </a:p>
           <a:p>
             <a:pPr lvl="2"/>
             <a:r>
-              <a:rPr lang="en-US" smtClean="0"/>
+              <a:rPr lang="en-US"/>
               <a:t>Third level</a:t>
             </a:r>
           </a:p>
           <a:p>
             <a:pPr lvl="3"/>
             <a:r>
-              <a:rPr lang="en-US" smtClean="0"/>
+              <a:rPr lang="en-US"/>
               <a:t>Fourth level</a:t>
             </a:r>
           </a:p>
           <a:p>
             <a:pPr lvl="4"/>
             <a:r>
-              <a:rPr lang="en-US" smtClean="0"/>
+              <a:rPr lang="en-US"/>
               <a:t>Fifth level</a:t>
             </a:r>
-            <a:endParaRPr lang="en-US"/>
           </a:p>
         </p:txBody>
       </p:sp>
@@ -3106,7 +3116,7 @@
           <a:p>
             <a:fld id="{88B6596B-24FF-458E-ADAE-08D8D099933C}" type="datetime1">
               <a:rPr lang="en-US" smtClean="0"/>
-              <a:t>5/27/2020</a:t>
+              <a:t>5/2/2022</a:t>
             </a:fld>
             <a:endParaRPr lang="en-US"/>
           </a:p>
@@ -3500,33 +3510,33 @@
           <a:lstStyle/>
           <a:p>
             <a:r>
-              <a:rPr lang="en-US" dirty="0" smtClean="0"/>
+              <a:rPr lang="en-US" dirty="0"/>
               <a:t>Results of TD(</a:t>
             </a:r>
             <a:r>
-              <a:rPr lang="en-US" dirty="0" smtClean="0">
+              <a:rPr lang="en-US" dirty="0">
                 <a:sym typeface="Symbol"/>
               </a:rPr>
               <a:t>) for different </a:t>
             </a:r>
             <a:br>
-              <a:rPr lang="en-US" dirty="0" smtClean="0">
+              <a:rPr lang="en-US" dirty="0">
                 <a:sym typeface="Symbol"/>
               </a:rPr>
             </a:br>
             <a:r>
-              <a:rPr lang="en-US" dirty="0" smtClean="0">
+              <a:rPr lang="en-US" dirty="0">
                 <a:sym typeface="Symbol"/>
               </a:rPr>
               <a:t>and Adaptive TD()</a:t>
             </a:r>
             <a:br>
-              <a:rPr lang="en-US" dirty="0" smtClean="0">
+              <a:rPr lang="en-US" dirty="0">
                 <a:sym typeface="Symbol"/>
               </a:rPr>
             </a:br>
             <a:r>
-              <a:rPr lang="en-US" sz="3100" dirty="0" smtClean="0">
+              <a:rPr lang="en-US" sz="3100" dirty="0">
                 <a:sym typeface="Symbol"/>
               </a:rPr>
               <a:t>(First-visit MC is used as benchmark)</a:t>
@@ -3551,26 +3561,6 @@
             <a:normAutofit/>
           </a:bodyPr>
           <a:lstStyle/>
-          <a:p>
-            <a:r>
-              <a:rPr lang="en-US" sz="2000" dirty="0" smtClean="0">
-                <a:solidFill>
-                  <a:schemeClr val="tx1"/>
-                </a:solidFill>
-              </a:rPr>
-              <a:t>Wed, 20-May-2020</a:t>
-            </a:r>
-          </a:p>
-          <a:p>
-            <a:r>
-              <a:rPr lang="en-US" sz="2000" b="1" i="1" dirty="0" smtClean="0">
-                <a:solidFill>
-                  <a:schemeClr val="tx1"/>
-                </a:solidFill>
-              </a:rPr>
-              <a:t>Updated: Mon, 25-May-2020</a:t>
-            </a:r>
-          </a:p>
           <a:p>
             <a:r>
               <a:rPr lang="en-US" sz="2000" dirty="0">
@@ -3578,23 +3568,38 @@
                   <a:schemeClr val="tx1"/>
                 </a:solidFill>
               </a:rPr>
-              <a:t>Daniel Mastropietro</a:t>
-            </a:r>
-          </a:p>
-          <a:p>
-            <a:r>
-              <a:rPr lang="en-US" sz="2000" dirty="0" smtClean="0">
+              <a:t>Wed, 20-May-2020</a:t>
+            </a:r>
+          </a:p>
+          <a:p>
+            <a:r>
+              <a:rPr lang="en-US" sz="2000" b="1" i="1" dirty="0">
                 <a:solidFill>
                   <a:schemeClr val="tx1"/>
                 </a:solidFill>
               </a:rPr>
+              <a:t>Updated: Mon, 25-May-2020</a:t>
+            </a:r>
+          </a:p>
+          <a:p>
+            <a:r>
+              <a:rPr lang="en-US" sz="2000" dirty="0">
+                <a:solidFill>
+                  <a:schemeClr val="tx1"/>
+                </a:solidFill>
+              </a:rPr>
+              <a:t>Daniel Mastropietro</a:t>
+            </a:r>
+          </a:p>
+          <a:p>
+            <a:r>
+              <a:rPr lang="en-US" sz="2000" dirty="0">
+                <a:solidFill>
+                  <a:schemeClr val="tx1"/>
+                </a:solidFill>
+              </a:rPr>
               <a:t>Ref: Python/test/simu_lambdas.py</a:t>
             </a:r>
-            <a:endParaRPr lang="en-US" sz="2000" dirty="0">
-              <a:solidFill>
-                <a:schemeClr val="tx1"/>
-              </a:solidFill>
-            </a:endParaRPr>
           </a:p>
         </p:txBody>
       </p:sp>
@@ -3631,13 +3636,6 @@
   <p:clrMapOvr>
     <a:masterClrMapping/>
   </p:clrMapOvr>
-  <p:timing>
-    <p:tnLst>
-      <p:par>
-        <p:cTn id="1" dur="indefinite" restart="never" nodeType="tmRoot"/>
-      </p:par>
-    </p:tnLst>
-  </p:timing>
 </p:sld>
 </file>
 
@@ -3676,12 +3674,8 @@
           <a:lstStyle/>
           <a:p>
             <a:r>
-              <a:rPr lang="en-US" sz="3600" dirty="0" smtClean="0"/>
-              <a:t>Adaptive TD</a:t>
-            </a:r>
-            <a:r>
               <a:rPr lang="en-US" sz="3600" dirty="0"/>
-              <a:t>(</a:t>
+              <a:t>Adaptive TD(</a:t>
             </a:r>
             <a:r>
               <a:rPr lang="en-US" sz="3600" dirty="0">
@@ -3697,46 +3691,27 @@
               <a:rPr lang="en-US" sz="3600" dirty="0">
                 <a:sym typeface="Symbol"/>
               </a:rPr>
-              <a:t></a:t>
-            </a:r>
-            <a:r>
-              <a:rPr lang="en-US" sz="3600" dirty="0" smtClean="0">
-                <a:sym typeface="Symbol"/>
-              </a:rPr>
-              <a:t>-</a:t>
-            </a:r>
-            <a:r>
-              <a:rPr lang="en-US" sz="3600" dirty="0" smtClean="0"/>
-              <a:t>adjust </a:t>
+              <a:t>-</a:t>
             </a:r>
             <a:r>
               <a:rPr lang="en-US" sz="3600" dirty="0"/>
-              <a:t>by </a:t>
-            </a:r>
-            <a:r>
-              <a:rPr lang="en-US" sz="3600" dirty="0" smtClean="0"/>
-              <a:t>Episode</a:t>
+              <a:t>adjust by Episode</a:t>
             </a:r>
             <a:br>
-              <a:rPr lang="en-US" sz="3600" dirty="0" smtClean="0"/>
+              <a:rPr lang="en-US" sz="3600" dirty="0"/>
             </a:br>
             <a:r>
-              <a:rPr lang="en-US" sz="3600" dirty="0" smtClean="0"/>
-              <a:t>seed=1717</a:t>
-            </a:r>
-            <a:r>
               <a:rPr lang="en-US" sz="3600" dirty="0"/>
-              <a:t>, #</a:t>
-            </a:r>
-            <a:r>
-              <a:rPr lang="en-US" sz="3600" dirty="0" err="1" smtClean="0"/>
+              <a:t>seed=1717, #</a:t>
+            </a:r>
+            <a:r>
+              <a:rPr lang="en-US" sz="3600" dirty="0" err="1"/>
               <a:t>exp</a:t>
             </a:r>
             <a:r>
-              <a:rPr lang="en-US" sz="3600" dirty="0" smtClean="0"/>
+              <a:rPr lang="en-US" sz="3600" dirty="0"/>
               <a:t>=10, start=10</a:t>
             </a:r>
-            <a:endParaRPr lang="en-US" sz="3600" dirty="0"/>
           </a:p>
         </p:txBody>
       </p:sp>
@@ -3804,28 +3779,14 @@
           <a:lstStyle/>
           <a:p>
             <a:r>
-              <a:rPr lang="en-US" sz="1400" i="1" dirty="0" smtClean="0"/>
-              <a:t>The variability observed across experiments </a:t>
-            </a:r>
-            <a:r>
               <a:rPr lang="en-US" sz="1400" i="1" dirty="0"/>
-              <a:t>(not plotted) </a:t>
-            </a:r>
-            <a:r>
-              <a:rPr lang="en-US" sz="1400" i="1" dirty="0" smtClean="0"/>
-              <a:t>is reasonable, but increases for larger </a:t>
+              <a:t>The variability observed across experiments (not plotted) is reasonable, but increases for larger </a:t>
             </a:r>
             <a:r>
               <a:rPr lang="en-US" sz="1400" i="1" dirty="0">
                 <a:sym typeface="Symbol"/>
               </a:rPr>
-              <a:t></a:t>
-            </a:r>
-            <a:r>
-              <a:rPr lang="en-US" sz="1400" i="1" dirty="0" smtClean="0">
-                <a:sym typeface="Symbol"/>
-              </a:rPr>
-              <a:t>’s</a:t>
+              <a:t>’s</a:t>
             </a:r>
             <a:endParaRPr lang="en-US" sz="1400" i="1" dirty="0"/>
           </a:p>
@@ -3864,13 +3825,6 @@
   <p:clrMapOvr>
     <a:masterClrMapping/>
   </p:clrMapOvr>
-  <p:timing>
-    <p:tnLst>
-      <p:par>
-        <p:cTn id="1" dur="indefinite" restart="never" nodeType="tmRoot"/>
-      </p:par>
-    </p:tnLst>
-  </p:timing>
 </p:sld>
 </file>
 
@@ -3909,44 +3863,32 @@
           <a:lstStyle/>
           <a:p>
             <a:r>
-              <a:rPr lang="en-US" sz="3600" dirty="0" smtClean="0">
+              <a:rPr lang="en-US" sz="3600" dirty="0">
                 <a:sym typeface="Symbol"/>
               </a:rPr>
               <a:t>(C)</a:t>
             </a:r>
             <a:br>
-              <a:rPr lang="en-US" sz="3600" dirty="0" smtClean="0">
+              <a:rPr lang="en-US" sz="3600" dirty="0">
                 <a:sym typeface="Symbol"/>
               </a:rPr>
             </a:br>
             <a:r>
-              <a:rPr lang="en-US" sz="3600" dirty="0" smtClean="0">
+              <a:rPr lang="en-US" sz="3600" dirty="0">
                 <a:sym typeface="Symbol"/>
               </a:rPr>
               <a:t> adjusted by FIRST-VISIT state count;</a:t>
             </a:r>
             <a:br>
-              <a:rPr lang="en-US" sz="3600" dirty="0" smtClean="0">
+              <a:rPr lang="en-US" sz="3600" dirty="0">
                 <a:sym typeface="Symbol"/>
               </a:rPr>
             </a:br>
             <a:r>
-              <a:rPr lang="en-US" sz="3600" dirty="0" smtClean="0">
-                <a:sym typeface="Symbol"/>
-              </a:rPr>
-              <a:t>adaptive  </a:t>
-            </a:r>
-            <a:r>
               <a:rPr lang="en-US" sz="3600" dirty="0">
                 <a:sym typeface="Symbol"/>
               </a:rPr>
-              <a:t>as a function of (t</a:t>
-            </a:r>
-            <a:r>
-              <a:rPr lang="en-US" sz="3600" dirty="0" smtClean="0">
-                <a:sym typeface="Symbol"/>
-              </a:rPr>
-              <a:t>)/V(S(t))</a:t>
+              <a:t>adaptive  as a function of (t)/V(S(t))</a:t>
             </a:r>
             <a:endParaRPr lang="en-US" sz="3600" dirty="0"/>
           </a:p>
@@ -4004,13 +3946,6 @@
   <p:clrMapOvr>
     <a:masterClrMapping/>
   </p:clrMapOvr>
-  <p:timing>
-    <p:tnLst>
-      <p:par>
-        <p:cTn id="1" dur="indefinite" restart="never" nodeType="tmRoot"/>
-      </p:par>
-    </p:tnLst>
-  </p:timing>
 </p:sld>
 </file>
 
@@ -4049,46 +3984,14 @@
           <a:lstStyle/>
           <a:p>
             <a:r>
-              <a:rPr lang="en-US" sz="3600" dirty="0" smtClean="0">
-                <a:solidFill>
-                  <a:schemeClr val="bg1">
-                    <a:lumMod val="65000"/>
-                  </a:schemeClr>
-                </a:solidFill>
-              </a:rPr>
-              <a:t>MC, </a:t>
-            </a:r>
-            <a:r>
               <a:rPr lang="en-US" sz="3600" dirty="0">
                 <a:solidFill>
                   <a:schemeClr val="bg1">
                     <a:lumMod val="65000"/>
                   </a:schemeClr>
                 </a:solidFill>
-                <a:sym typeface="Symbol"/>
-              </a:rPr>
-              <a:t></a:t>
-            </a:r>
-            <a:r>
-              <a:rPr lang="en-US" sz="3600" dirty="0" smtClean="0">
-                <a:solidFill>
-                  <a:schemeClr val="bg1">
-                    <a:lumMod val="65000"/>
-                  </a:schemeClr>
-                </a:solidFill>
-                <a:sym typeface="Symbol"/>
-              </a:rPr>
-              <a:t>-</a:t>
-            </a:r>
-            <a:r>
-              <a:rPr lang="en-US" sz="3600" dirty="0" smtClean="0">
-                <a:solidFill>
-                  <a:schemeClr val="bg1">
-                    <a:lumMod val="65000"/>
-                  </a:schemeClr>
-                </a:solidFill>
-              </a:rPr>
-              <a:t>adjust by first-visit State Count</a:t>
+              </a:rPr>
+              <a:t>MC, </a:t>
             </a:r>
             <a:r>
               <a:rPr lang="en-US" sz="3600" dirty="0">
@@ -4097,8 +4000,19 @@
                     <a:lumMod val="65000"/>
                   </a:schemeClr>
                 </a:solidFill>
-              </a:rPr>
-              <a:t/>
+                <a:sym typeface="Symbol"/>
+              </a:rPr>
+              <a:t>-</a:t>
+            </a:r>
+            <a:r>
+              <a:rPr lang="en-US" sz="3600" dirty="0">
+                <a:solidFill>
+                  <a:schemeClr val="bg1">
+                    <a:lumMod val="65000"/>
+                  </a:schemeClr>
+                </a:solidFill>
+              </a:rPr>
+              <a:t>adjust by first-visit State Count</a:t>
             </a:r>
             <a:br>
               <a:rPr lang="en-US" sz="3600" dirty="0">
@@ -4110,16 +4024,6 @@
               </a:rPr>
             </a:br>
             <a:r>
-              <a:rPr lang="en-US" sz="3600" dirty="0" smtClean="0">
-                <a:solidFill>
-                  <a:schemeClr val="bg1">
-                    <a:lumMod val="65000"/>
-                  </a:schemeClr>
-                </a:solidFill>
-              </a:rPr>
-              <a:t>seed=1717</a:t>
-            </a:r>
-            <a:r>
               <a:rPr lang="en-US" sz="3600" dirty="0">
                 <a:solidFill>
                   <a:schemeClr val="bg1">
@@ -4127,10 +4031,10 @@
                   </a:schemeClr>
                 </a:solidFill>
               </a:rPr>
-              <a:t>, #</a:t>
-            </a:r>
-            <a:r>
-              <a:rPr lang="en-US" sz="3600" dirty="0" err="1" smtClean="0">
+              <a:t>seed=1717, #</a:t>
+            </a:r>
+            <a:r>
+              <a:rPr lang="en-US" sz="3600" dirty="0" err="1">
                 <a:solidFill>
                   <a:schemeClr val="bg1">
                     <a:lumMod val="65000"/>
@@ -4140,7 +4044,7 @@
               <a:t>exp</a:t>
             </a:r>
             <a:r>
-              <a:rPr lang="en-US" sz="3600" dirty="0" smtClean="0">
+              <a:rPr lang="en-US" sz="3600" dirty="0">
                 <a:solidFill>
                   <a:schemeClr val="bg1">
                     <a:lumMod val="65000"/>
@@ -4150,7 +4054,7 @@
               <a:t>=10, start=10</a:t>
             </a:r>
             <a:r>
-              <a:rPr lang="en-US" sz="3600" baseline="30000" dirty="0" smtClean="0">
+              <a:rPr lang="en-US" sz="3600" baseline="30000" dirty="0">
                 <a:solidFill>
                   <a:schemeClr val="bg1">
                     <a:lumMod val="65000"/>
@@ -4159,13 +4063,6 @@
               </a:rPr>
               <a:t>(*)</a:t>
             </a:r>
-            <a:endParaRPr lang="en-US" sz="3600" baseline="30000" dirty="0">
-              <a:solidFill>
-                <a:schemeClr val="bg1">
-                  <a:lumMod val="65000"/>
-                </a:schemeClr>
-              </a:solidFill>
-            </a:endParaRPr>
           </a:p>
         </p:txBody>
       </p:sp>
@@ -4192,10 +4089,9 @@
           <a:lstStyle/>
           <a:p>
             <a:r>
-              <a:rPr lang="en-US" sz="1400" i="1" dirty="0" smtClean="0"/>
+              <a:rPr lang="en-US" sz="1400" i="1" dirty="0"/>
               <a:t>The variability observed across experiments (not plotted) is reasonable</a:t>
             </a:r>
-            <a:endParaRPr lang="en-US" sz="1400" i="1" dirty="0"/>
           </a:p>
         </p:txBody>
       </p:sp>
@@ -4222,11 +4118,11 @@
           <a:lstStyle/>
           <a:p>
             <a:r>
-              <a:rPr lang="en-US" sz="1400" i="1" dirty="0" smtClean="0"/>
+              <a:rPr lang="en-US" sz="1400" i="1" dirty="0"/>
               <a:t>Initial </a:t>
             </a:r>
             <a:r>
-              <a:rPr lang="en-US" sz="1400" i="1" dirty="0" smtClean="0">
+              <a:rPr lang="en-US" sz="1400" i="1" dirty="0">
                 <a:sym typeface="Symbol"/>
               </a:rPr>
               <a:t> = 1</a:t>
@@ -4323,7 +4219,7 @@
           <a:p>
             <a:pPr algn="ctr"/>
             <a:r>
-              <a:rPr lang="en-US" sz="1400" i="1" dirty="0" smtClean="0">
+              <a:rPr lang="en-US" sz="1400" i="1" dirty="0">
                 <a:solidFill>
                   <a:schemeClr val="bg1">
                     <a:lumMod val="65000"/>
@@ -4332,13 +4228,6 @@
               </a:rPr>
               <a:t>(*) This output is the same as already shown in slide 4.</a:t>
             </a:r>
-            <a:endParaRPr lang="en-US" sz="1400" i="1" dirty="0">
-              <a:solidFill>
-                <a:schemeClr val="bg1">
-                  <a:lumMod val="65000"/>
-                </a:schemeClr>
-              </a:solidFill>
-            </a:endParaRPr>
           </a:p>
         </p:txBody>
       </p:sp>
@@ -4352,13 +4241,6 @@
   <p:clrMapOvr>
     <a:masterClrMapping/>
   </p:clrMapOvr>
-  <p:timing>
-    <p:tnLst>
-      <p:par>
-        <p:cTn id="1" dur="indefinite" restart="never" nodeType="tmRoot"/>
-      </p:par>
-    </p:tnLst>
-  </p:timing>
 </p:sld>
 </file>
 
@@ -4397,55 +4279,44 @@
           <a:lstStyle/>
           <a:p>
             <a:r>
-              <a:rPr lang="en-US" sz="3600" dirty="0" smtClean="0"/>
+              <a:rPr lang="en-US" sz="3600" dirty="0"/>
               <a:t>TD(</a:t>
             </a:r>
             <a:r>
-              <a:rPr lang="en-US" sz="3600" dirty="0" smtClean="0">
+              <a:rPr lang="en-US" sz="3600" dirty="0">
                 <a:sym typeface="Symbol"/>
               </a:rPr>
               <a:t>)</a:t>
             </a:r>
             <a:r>
-              <a:rPr lang="en-US" sz="3600" dirty="0" smtClean="0"/>
+              <a:rPr lang="en-US" sz="3600" dirty="0"/>
               <a:t>, </a:t>
             </a:r>
             <a:r>
               <a:rPr lang="en-US" sz="3600" dirty="0">
                 <a:sym typeface="Symbol"/>
               </a:rPr>
-              <a:t></a:t>
-            </a:r>
-            <a:r>
-              <a:rPr lang="en-US" sz="3600" dirty="0" smtClean="0">
-                <a:sym typeface="Symbol"/>
-              </a:rPr>
-              <a:t>-</a:t>
-            </a:r>
-            <a:r>
-              <a:rPr lang="en-US" sz="3600" dirty="0" smtClean="0"/>
+              <a:t>-</a:t>
+            </a:r>
+            <a:r>
+              <a:rPr lang="en-US" sz="3600" dirty="0"/>
               <a:t>adjust by FIRST-VISIT State Count</a:t>
             </a:r>
             <a:br>
-              <a:rPr lang="en-US" sz="3600" dirty="0" smtClean="0"/>
+              <a:rPr lang="en-US" sz="3600" dirty="0"/>
             </a:br>
             <a:r>
-              <a:rPr lang="en-US" sz="3600" dirty="0" smtClean="0"/>
-              <a:t>seed=1717</a:t>
-            </a:r>
-            <a:r>
               <a:rPr lang="en-US" sz="3600" dirty="0"/>
-              <a:t>, #</a:t>
-            </a:r>
-            <a:r>
-              <a:rPr lang="en-US" sz="3600" dirty="0" err="1" smtClean="0"/>
+              <a:t>seed=1717, #</a:t>
+            </a:r>
+            <a:r>
+              <a:rPr lang="en-US" sz="3600" dirty="0" err="1"/>
               <a:t>exp</a:t>
             </a:r>
             <a:r>
-              <a:rPr lang="en-US" sz="3600" dirty="0" smtClean="0"/>
+              <a:rPr lang="en-US" sz="3600" dirty="0"/>
               <a:t>=10, start=10</a:t>
             </a:r>
-            <a:endParaRPr lang="en-US" sz="3600" dirty="0"/>
           </a:p>
         </p:txBody>
       </p:sp>
@@ -4472,19 +4343,11 @@
           <a:lstStyle/>
           <a:p>
             <a:r>
-              <a:rPr lang="en-US" sz="1400" i="1" dirty="0" smtClean="0"/>
-              <a:t>The variability observed across experiments </a:t>
-            </a:r>
-            <a:r>
               <a:rPr lang="en-US" sz="1400" i="1" dirty="0"/>
-              <a:t>(not plotted) </a:t>
-            </a:r>
-            <a:r>
-              <a:rPr lang="en-US" sz="1400" i="1" dirty="0" smtClean="0"/>
-              <a:t>is reasonable, but increases for larger </a:t>
-            </a:r>
-            <a:r>
-              <a:rPr lang="en-US" sz="1400" i="1" dirty="0" smtClean="0">
+              <a:t>The variability observed across experiments (not plotted) is reasonable, but increases for larger </a:t>
+            </a:r>
+            <a:r>
+              <a:rPr lang="en-US" sz="1400" i="1" dirty="0">
                 <a:sym typeface="Symbol"/>
               </a:rPr>
               <a:t>’s</a:t>
@@ -4580,11 +4443,11 @@
           <a:lstStyle/>
           <a:p>
             <a:r>
-              <a:rPr lang="en-US" sz="1400" i="1" dirty="0" smtClean="0"/>
+              <a:rPr lang="en-US" sz="1400" i="1" dirty="0"/>
               <a:t>Initial </a:t>
             </a:r>
             <a:r>
-              <a:rPr lang="en-US" sz="1400" i="1" dirty="0" smtClean="0">
+              <a:rPr lang="en-US" sz="1400" i="1" dirty="0">
                 <a:sym typeface="Symbol"/>
               </a:rPr>
               <a:t> = 1</a:t>
@@ -4603,13 +4466,6 @@
   <p:clrMapOvr>
     <a:masterClrMapping/>
   </p:clrMapOvr>
-  <p:timing>
-    <p:tnLst>
-      <p:par>
-        <p:cTn id="1" dur="indefinite" restart="never" nodeType="tmRoot"/>
-      </p:par>
-    </p:tnLst>
-  </p:timing>
 </p:sld>
 </file>
 
@@ -4648,12 +4504,8 @@
           <a:lstStyle/>
           <a:p>
             <a:r>
-              <a:rPr lang="en-US" sz="2800" dirty="0" smtClean="0"/>
-              <a:t>Adaptive TD</a:t>
-            </a:r>
-            <a:r>
               <a:rPr lang="en-US" sz="2800" dirty="0"/>
-              <a:t>(</a:t>
+              <a:t>Adaptive TD(</a:t>
             </a:r>
             <a:r>
               <a:rPr lang="en-US" sz="2800" dirty="0">
@@ -4669,54 +4521,27 @@
               <a:rPr lang="en-US" sz="2800" dirty="0">
                 <a:sym typeface="Symbol"/>
               </a:rPr>
-              <a:t></a:t>
-            </a:r>
-            <a:r>
-              <a:rPr lang="en-US" sz="2800" dirty="0" smtClean="0">
-                <a:sym typeface="Symbol"/>
-              </a:rPr>
-              <a:t>-</a:t>
-            </a:r>
-            <a:r>
-              <a:rPr lang="en-US" sz="2800" dirty="0" smtClean="0"/>
-              <a:t>adjust </a:t>
+              <a:t>-</a:t>
             </a:r>
             <a:r>
               <a:rPr lang="en-US" sz="2800" dirty="0"/>
-              <a:t>by </a:t>
-            </a:r>
-            <a:r>
-              <a:rPr lang="en-US" sz="2800" dirty="0" smtClean="0"/>
-              <a:t>FIRST-VISIT State </a:t>
-            </a:r>
-            <a:r>
+              <a:t>adjust by FIRST-VISIT State Count </a:t>
+            </a:r>
+            <a:br>
               <a:rPr lang="en-US" sz="2800" dirty="0"/>
-              <a:t>Count </a:t>
-            </a:r>
-            <a:r>
-              <a:rPr lang="en-US" sz="2800" dirty="0" smtClean="0"/>
-              <a:t/>
-            </a:r>
-            <a:br>
-              <a:rPr lang="en-US" sz="2800" dirty="0" smtClean="0"/>
             </a:br>
             <a:r>
-              <a:rPr lang="en-US" sz="2800" dirty="0" smtClean="0"/>
-              <a:t>seed=1717</a:t>
-            </a:r>
-            <a:r>
               <a:rPr lang="en-US" sz="2800" dirty="0"/>
-              <a:t>, #</a:t>
-            </a:r>
-            <a:r>
-              <a:rPr lang="en-US" sz="2800" dirty="0" err="1" smtClean="0"/>
+              <a:t>seed=1717, #</a:t>
+            </a:r>
+            <a:r>
+              <a:rPr lang="en-US" sz="2800" dirty="0" err="1"/>
               <a:t>exp</a:t>
             </a:r>
             <a:r>
-              <a:rPr lang="en-US" sz="2800" dirty="0" smtClean="0"/>
+              <a:rPr lang="en-US" sz="2800" dirty="0"/>
               <a:t>=10, start=10</a:t>
             </a:r>
-            <a:endParaRPr lang="en-US" sz="2800" dirty="0"/>
           </a:p>
         </p:txBody>
       </p:sp>
@@ -4743,19 +4568,11 @@
           <a:lstStyle/>
           <a:p>
             <a:r>
-              <a:rPr lang="en-US" sz="1400" i="1" dirty="0" smtClean="0"/>
-              <a:t>The variability observed across experiments </a:t>
-            </a:r>
-            <a:r>
               <a:rPr lang="en-US" sz="1400" i="1" dirty="0"/>
-              <a:t>(not plotted) </a:t>
-            </a:r>
-            <a:r>
-              <a:rPr lang="en-US" sz="1400" i="1" dirty="0" smtClean="0"/>
-              <a:t>is reasonable, but increases for larger </a:t>
-            </a:r>
-            <a:r>
-              <a:rPr lang="en-US" sz="1400" i="1" dirty="0" smtClean="0">
+              <a:t>The variability observed across experiments (not plotted) is reasonable, but increases for larger </a:t>
+            </a:r>
+            <a:r>
+              <a:rPr lang="en-US" sz="1400" i="1" dirty="0">
                 <a:sym typeface="Symbol"/>
               </a:rPr>
               <a:t>’s</a:t>
@@ -4838,13 +4655,6 @@
   <p:clrMapOvr>
     <a:masterClrMapping/>
   </p:clrMapOvr>
-  <p:timing>
-    <p:tnLst>
-      <p:par>
-        <p:cTn id="1" dur="indefinite" restart="never" nodeType="tmRoot"/>
-      </p:par>
-    </p:tnLst>
-  </p:timing>
 </p:sld>
 </file>
 
@@ -4885,29 +4695,29 @@
               <a:lstStyle/>
               <a:p>
                 <a:r>
-                  <a:rPr lang="en-US" sz="3600" dirty="0" smtClean="0">
+                  <a:rPr lang="en-US" sz="3600" dirty="0">
                     <a:sym typeface="Symbol"/>
                   </a:rPr>
                   <a:t>(D)</a:t>
                 </a:r>
                 <a:br>
-                  <a:rPr lang="en-US" sz="3600" dirty="0" smtClean="0">
+                  <a:rPr lang="en-US" sz="3600" dirty="0">
                     <a:sym typeface="Symbol"/>
                   </a:rPr>
                 </a:br>
                 <a:r>
-                  <a:rPr lang="en-US" sz="3600" dirty="0" smtClean="0">
+                  <a:rPr lang="en-US" sz="3600" dirty="0">
                     <a:sym typeface="Symbol"/>
                   </a:rPr>
                   <a:t> adjusted by FIRST-VISIT state count;</a:t>
                 </a:r>
                 <a:br>
-                  <a:rPr lang="en-US" sz="3600" dirty="0" smtClean="0">
+                  <a:rPr lang="en-US" sz="3600" dirty="0">
                     <a:sym typeface="Symbol"/>
                   </a:rPr>
                 </a:br>
                 <a:r>
-                  <a:rPr lang="en-US" sz="3600" dirty="0" smtClean="0">
+                  <a:rPr lang="en-US" sz="3600" dirty="0">
                     <a:sym typeface="Symbol"/>
                   </a:rPr>
                   <a:t>adaptive  as a function of (t)/</a:t>
@@ -4919,7 +4729,7 @@
                         <m:chr m:val="̅"/>
                         <m:ctrlPr>
                           <a:rPr lang="en-US" sz="3600" i="1" smtClean="0">
-                            <a:latin typeface="Cambria Math"/>
+                            <a:latin typeface="Cambria Math" panose="02040503050406030204" pitchFamily="18" charset="0"/>
                             <a:sym typeface="Symbol"/>
                           </a:rPr>
                         </m:ctrlPr>
@@ -5015,7 +4825,7 @@
           <a:p>
             <a:pPr algn="l"/>
             <a:r>
-              <a:rPr lang="en-US" sz="2000" i="1" dirty="0" smtClean="0">
+              <a:rPr lang="en-US" sz="2000" i="1" dirty="0">
                 <a:solidFill>
                   <a:schemeClr val="tx1"/>
                 </a:solidFill>
@@ -5029,7 +4839,7 @@
               <a:buChar char="•"/>
             </a:pPr>
             <a:r>
-              <a:rPr lang="en-US" sz="2000" i="1" dirty="0" smtClean="0">
+              <a:rPr lang="en-US" sz="2000" i="1" dirty="0">
                 <a:solidFill>
                   <a:schemeClr val="tx1"/>
                 </a:solidFill>
@@ -5037,7 +4847,7 @@
               <a:t>only </a:t>
             </a:r>
             <a:r>
-              <a:rPr lang="en-US" sz="2000" b="1" i="1" dirty="0" smtClean="0">
+              <a:rPr lang="en-US" sz="2000" b="1" i="1" dirty="0">
                 <a:solidFill>
                   <a:schemeClr val="tx1"/>
                 </a:solidFill>
@@ -5045,7 +4855,7 @@
               <a:t>5 experiments </a:t>
             </a:r>
             <a:r>
-              <a:rPr lang="en-US" sz="2000" i="1" dirty="0" smtClean="0">
+              <a:rPr lang="en-US" sz="2000" i="1" dirty="0">
                 <a:solidFill>
                   <a:schemeClr val="tx1"/>
                 </a:solidFill>
@@ -5059,7 +4869,7 @@
               <a:buChar char="•"/>
             </a:pPr>
             <a:r>
-              <a:rPr lang="en-US" sz="2000" i="1" dirty="0" smtClean="0">
+              <a:rPr lang="en-US" sz="2000" i="1" dirty="0">
                 <a:solidFill>
                   <a:schemeClr val="tx1"/>
                 </a:solidFill>
@@ -5067,7 +4877,7 @@
               <a:t>on a smaller environment with</a:t>
             </a:r>
             <a:r>
-              <a:rPr lang="en-US" sz="2000" b="1" i="1" dirty="0" smtClean="0">
+              <a:rPr lang="en-US" sz="2000" b="1" i="1" dirty="0">
                 <a:solidFill>
                   <a:schemeClr val="tx1"/>
                 </a:solidFill>
@@ -5075,18 +4885,13 @@
               <a:t> 7 non-terminal states</a:t>
             </a:r>
             <a:r>
-              <a:rPr lang="en-US" sz="2000" i="1" dirty="0" smtClean="0">
+              <a:rPr lang="en-US" sz="2000" i="1" dirty="0">
                 <a:solidFill>
                   <a:schemeClr val="tx1"/>
                 </a:solidFill>
               </a:rPr>
               <a:t>.</a:t>
             </a:r>
-            <a:endParaRPr lang="en-US" sz="2000" i="1" dirty="0">
-              <a:solidFill>
-                <a:schemeClr val="tx1"/>
-              </a:solidFill>
-            </a:endParaRPr>
           </a:p>
         </p:txBody>
       </p:sp>
@@ -5123,13 +4928,6 @@
   <p:clrMapOvr>
     <a:masterClrMapping/>
   </p:clrMapOvr>
-  <p:timing>
-    <p:tnLst>
-      <p:par>
-        <p:cTn id="1" dur="indefinite" restart="never" nodeType="tmRoot"/>
-      </p:par>
-    </p:tnLst>
-  </p:timing>
 </p:sld>
 </file>
 
@@ -5168,33 +4966,24 @@
           <a:lstStyle/>
           <a:p>
             <a:r>
-              <a:rPr lang="en-US" sz="3600" dirty="0" smtClean="0"/>
+              <a:rPr lang="en-US" sz="3600" dirty="0"/>
               <a:t>MC, adjust by first-visit State Count</a:t>
-            </a:r>
-            <a:r>
-              <a:rPr lang="en-US" sz="3600" dirty="0"/>
-              <a:t/>
             </a:r>
             <a:br>
               <a:rPr lang="en-US" sz="3600" dirty="0"/>
             </a:br>
             <a:r>
-              <a:rPr lang="en-US" sz="3600" dirty="0" smtClean="0"/>
-              <a:t>seed=1717</a:t>
-            </a:r>
-            <a:r>
               <a:rPr lang="en-US" sz="3600" dirty="0"/>
-              <a:t>, #</a:t>
-            </a:r>
-            <a:r>
-              <a:rPr lang="en-US" sz="3600" dirty="0" err="1" smtClean="0"/>
+              <a:t>seed=1717, #</a:t>
+            </a:r>
+            <a:r>
+              <a:rPr lang="en-US" sz="3600" dirty="0" err="1"/>
               <a:t>exp</a:t>
             </a:r>
             <a:r>
-              <a:rPr lang="en-US" sz="3600" dirty="0" smtClean="0"/>
+              <a:rPr lang="en-US" sz="3600" dirty="0"/>
               <a:t>=5, start=10</a:t>
             </a:r>
-            <a:endParaRPr lang="en-US" sz="3600" dirty="0"/>
           </a:p>
         </p:txBody>
       </p:sp>
@@ -5221,11 +5010,11 @@
           <a:lstStyle/>
           <a:p>
             <a:r>
-              <a:rPr lang="en-US" sz="1400" i="1" dirty="0" smtClean="0"/>
+              <a:rPr lang="en-US" sz="1400" i="1" dirty="0"/>
               <a:t>Initial </a:t>
             </a:r>
             <a:r>
-              <a:rPr lang="en-US" sz="1400" i="1" dirty="0" smtClean="0">
+              <a:rPr lang="en-US" sz="1400" i="1" dirty="0">
                 <a:sym typeface="Symbol"/>
               </a:rPr>
               <a:t> = 1</a:t>
@@ -5308,13 +5097,6 @@
   <p:clrMapOvr>
     <a:masterClrMapping/>
   </p:clrMapOvr>
-  <p:timing>
-    <p:tnLst>
-      <p:par>
-        <p:cTn id="1" dur="indefinite" restart="never" nodeType="tmRoot"/>
-      </p:par>
-    </p:tnLst>
-  </p:timing>
 </p:sld>
 </file>
 
@@ -5353,39 +5135,34 @@
           <a:lstStyle/>
           <a:p>
             <a:r>
-              <a:rPr lang="en-US" sz="3600" dirty="0" smtClean="0"/>
+              <a:rPr lang="en-US" sz="3600" dirty="0"/>
               <a:t>TD(</a:t>
             </a:r>
             <a:r>
-              <a:rPr lang="en-US" sz="3600" dirty="0" smtClean="0">
+              <a:rPr lang="en-US" sz="3600" dirty="0">
                 <a:sym typeface="Symbol"/>
               </a:rPr>
               <a:t>)</a:t>
             </a:r>
             <a:r>
-              <a:rPr lang="en-US" sz="3600" dirty="0" smtClean="0"/>
+              <a:rPr lang="en-US" sz="3600" dirty="0"/>
               <a:t>, adjust by FIRST-VISIT State Count</a:t>
             </a:r>
             <a:br>
-              <a:rPr lang="en-US" sz="3600" dirty="0" smtClean="0"/>
+              <a:rPr lang="en-US" sz="3600" dirty="0"/>
             </a:br>
             <a:r>
-              <a:rPr lang="en-US" sz="3600" dirty="0" smtClean="0"/>
-              <a:t>seed=1717</a:t>
-            </a:r>
-            <a:r>
               <a:rPr lang="en-US" sz="3600" dirty="0"/>
-              <a:t>, #</a:t>
-            </a:r>
-            <a:r>
-              <a:rPr lang="en-US" sz="3600" dirty="0" err="1" smtClean="0"/>
+              <a:t>seed=1717, #</a:t>
+            </a:r>
+            <a:r>
+              <a:rPr lang="en-US" sz="3600" dirty="0" err="1"/>
               <a:t>exp</a:t>
             </a:r>
             <a:r>
-              <a:rPr lang="en-US" sz="3600" dirty="0" smtClean="0"/>
+              <a:rPr lang="en-US" sz="3600" dirty="0"/>
               <a:t>=5, start=10</a:t>
             </a:r>
-            <a:endParaRPr lang="en-US" sz="3600" dirty="0"/>
           </a:p>
         </p:txBody>
       </p:sp>
@@ -5476,11 +5253,11 @@
           <a:lstStyle/>
           <a:p>
             <a:r>
-              <a:rPr lang="en-US" sz="1400" i="1" dirty="0" smtClean="0"/>
+              <a:rPr lang="en-US" sz="1400" i="1" dirty="0"/>
               <a:t>Initial </a:t>
             </a:r>
             <a:r>
-              <a:rPr lang="en-US" sz="1400" i="1" dirty="0" smtClean="0">
+              <a:rPr lang="en-US" sz="1400" i="1" dirty="0">
                 <a:sym typeface="Symbol"/>
               </a:rPr>
               <a:t> = 1</a:t>
@@ -5499,13 +5276,6 @@
   <p:clrMapOvr>
     <a:masterClrMapping/>
   </p:clrMapOvr>
-  <p:timing>
-    <p:tnLst>
-      <p:par>
-        <p:cTn id="1" dur="indefinite" restart="never" nodeType="tmRoot"/>
-      </p:par>
-    </p:tnLst>
-  </p:timing>
 </p:sld>
 </file>
 
@@ -5544,12 +5314,8 @@
           <a:lstStyle/>
           <a:p>
             <a:r>
-              <a:rPr lang="en-US" sz="2800" dirty="0" smtClean="0"/>
-              <a:t>Adaptive TD</a:t>
-            </a:r>
-            <a:r>
               <a:rPr lang="en-US" sz="2800" dirty="0"/>
-              <a:t>(</a:t>
+              <a:t>Adaptive TD(</a:t>
             </a:r>
             <a:r>
               <a:rPr lang="en-US" sz="2800" dirty="0">
@@ -5559,40 +5325,23 @@
             </a:r>
             <a:r>
               <a:rPr lang="en-US" sz="2800" dirty="0"/>
-              <a:t>, adjust by </a:t>
-            </a:r>
-            <a:r>
-              <a:rPr lang="en-US" sz="2800" dirty="0" smtClean="0"/>
-              <a:t>FIRST-VISIT State </a:t>
-            </a:r>
-            <a:r>
+              <a:t>, adjust by FIRST-VISIT State Count </a:t>
+            </a:r>
+            <a:br>
               <a:rPr lang="en-US" sz="2800" dirty="0"/>
-              <a:t>Count </a:t>
-            </a:r>
-            <a:r>
-              <a:rPr lang="en-US" sz="2800" dirty="0" smtClean="0"/>
-              <a:t/>
-            </a:r>
-            <a:br>
-              <a:rPr lang="en-US" sz="2800" dirty="0" smtClean="0"/>
             </a:br>
             <a:r>
-              <a:rPr lang="en-US" sz="2800" dirty="0" smtClean="0"/>
-              <a:t>seed=1717</a:t>
-            </a:r>
-            <a:r>
               <a:rPr lang="en-US" sz="2800" dirty="0"/>
-              <a:t>, #</a:t>
-            </a:r>
-            <a:r>
-              <a:rPr lang="en-US" sz="2800" dirty="0" err="1" smtClean="0"/>
+              <a:t>seed=1717, #</a:t>
+            </a:r>
+            <a:r>
+              <a:rPr lang="en-US" sz="2800" dirty="0" err="1"/>
               <a:t>exp</a:t>
             </a:r>
             <a:r>
-              <a:rPr lang="en-US" sz="2800" dirty="0" smtClean="0"/>
+              <a:rPr lang="en-US" sz="2800" dirty="0"/>
               <a:t>=5, start=10</a:t>
             </a:r>
-            <a:endParaRPr lang="en-US" sz="2800" dirty="0"/>
           </a:p>
         </p:txBody>
       </p:sp>
@@ -5670,13 +5419,6 @@
   <p:clrMapOvr>
     <a:masterClrMapping/>
   </p:clrMapOvr>
-  <p:timing>
-    <p:tnLst>
-      <p:par>
-        <p:cTn id="1" dur="indefinite" restart="never" nodeType="tmRoot"/>
-      </p:par>
-    </p:tnLst>
-  </p:timing>
 </p:sld>
 </file>
 
@@ -5713,10 +5455,9 @@
           <a:lstStyle/>
           <a:p>
             <a:r>
-              <a:rPr lang="en-US" dirty="0" smtClean="0"/>
+              <a:rPr lang="en-US" dirty="0"/>
               <a:t>Observations</a:t>
             </a:r>
-            <a:endParaRPr lang="en-US" dirty="0"/>
           </a:p>
         </p:txBody>
       </p:sp>
@@ -5741,45 +5482,33 @@
               <a:buNone/>
             </a:pPr>
             <a:r>
-              <a:rPr lang="en-US" sz="2400" dirty="0" smtClean="0"/>
+              <a:rPr lang="en-US" sz="2400" dirty="0"/>
               <a:t>Given the </a:t>
             </a:r>
             <a:r>
-              <a:rPr lang="en-US" sz="2400" dirty="0" smtClean="0">
-                <a:sym typeface="Symbol"/>
-              </a:rPr>
-              <a:t> and </a:t>
-            </a:r>
-            <a:r>
               <a:rPr lang="en-US" sz="2400" dirty="0">
                 <a:sym typeface="Symbol"/>
               </a:rPr>
-              <a:t> values </a:t>
-            </a:r>
-            <a:r>
-              <a:rPr lang="en-US" sz="2400" dirty="0" smtClean="0">
-                <a:sym typeface="Symbol"/>
-              </a:rPr>
-              <a:t>considered in these experiments, the following is observed for both the 7-state and 19-state 1D </a:t>
-            </a:r>
-            <a:r>
-              <a:rPr lang="en-US" sz="2400" dirty="0" err="1" smtClean="0">
+              <a:t> and  values considered in these experiments, the following is observed for both the 7-state and 19-state 1D </a:t>
+            </a:r>
+            <a:r>
+              <a:rPr lang="en-US" sz="2400" dirty="0" err="1">
                 <a:sym typeface="Symbol"/>
               </a:rPr>
               <a:t>gridworld</a:t>
             </a:r>
             <a:r>
-              <a:rPr lang="en-US" sz="2400" dirty="0" smtClean="0">
+              <a:rPr lang="en-US" sz="2400" dirty="0">
                 <a:sym typeface="Symbol"/>
               </a:rPr>
               <a:t> environment:</a:t>
             </a:r>
             <a:br>
-              <a:rPr lang="en-US" sz="2400" dirty="0" smtClean="0">
+              <a:rPr lang="en-US" sz="2400" dirty="0">
                 <a:sym typeface="Symbol"/>
               </a:rPr>
             </a:br>
-            <a:endParaRPr lang="en-US" sz="2400" dirty="0" smtClean="0"/>
+            <a:endParaRPr lang="en-US" sz="2400" dirty="0"/>
           </a:p>
           <a:p>
             <a:pPr marL="457200" indent="-457200">
@@ -5787,45 +5516,45 @@
               <a:buAutoNum type="arabicPeriod"/>
             </a:pPr>
             <a:r>
-              <a:rPr lang="en-US" sz="2400" dirty="0" smtClean="0"/>
+              <a:rPr lang="en-US" sz="2400" dirty="0"/>
               <a:t>The </a:t>
             </a:r>
             <a:r>
-              <a:rPr lang="en-US" sz="2400" b="1" dirty="0" smtClean="0"/>
+              <a:rPr lang="en-US" sz="2400" b="1" dirty="0"/>
               <a:t>smallest RMSE </a:t>
             </a:r>
             <a:r>
-              <a:rPr lang="en-US" sz="2400" dirty="0" smtClean="0"/>
+              <a:rPr lang="en-US" sz="2400" dirty="0"/>
               <a:t>at the end of 200 episodes is observed for the </a:t>
             </a:r>
             <a:r>
-              <a:rPr lang="en-US" sz="2400" b="1" dirty="0" smtClean="0"/>
+              <a:rPr lang="en-US" sz="2400" b="1" dirty="0"/>
               <a:t>Adaptive TD(</a:t>
             </a:r>
             <a:r>
-              <a:rPr lang="en-US" sz="2400" b="1" dirty="0" smtClean="0">
+              <a:rPr lang="en-US" sz="2400" b="1" dirty="0">
                 <a:sym typeface="Symbol"/>
               </a:rPr>
               <a:t>) algorithm</a:t>
             </a:r>
             <a:r>
-              <a:rPr lang="en-US" sz="2400" dirty="0" smtClean="0">
+              <a:rPr lang="en-US" sz="2400" dirty="0">
                 <a:sym typeface="Symbol"/>
               </a:rPr>
               <a:t>, </a:t>
             </a:r>
             <a:r>
-              <a:rPr lang="en-US" sz="2400" dirty="0" smtClean="0"/>
+              <a:rPr lang="en-US" sz="2400" dirty="0"/>
               <a:t>with </a:t>
             </a:r>
             <a:r>
-              <a:rPr lang="en-US" sz="2400" dirty="0" smtClean="0">
+              <a:rPr lang="en-US" sz="2400" dirty="0">
                 <a:sym typeface="Symbol"/>
               </a:rPr>
               <a:t> adjusted by FIRST-VISIT state count</a:t>
             </a:r>
             <a:r>
-              <a:rPr lang="en-US" sz="2400" dirty="0" smtClean="0"/>
+              <a:rPr lang="en-US" sz="2400" dirty="0"/>
               <a:t>.</a:t>
             </a:r>
           </a:p>
@@ -5835,21 +5564,21 @@
               <a:buAutoNum type="arabicPeriod"/>
             </a:pPr>
             <a:r>
-              <a:rPr lang="en-US" sz="2400" dirty="0" smtClean="0"/>
+              <a:rPr lang="en-US" sz="2400" dirty="0"/>
               <a:t>The </a:t>
             </a:r>
             <a:r>
-              <a:rPr lang="en-US" sz="2400" b="1" dirty="0" smtClean="0"/>
+              <a:rPr lang="en-US" sz="2400" b="1" dirty="0"/>
               <a:t>smallest RMSE for TD(</a:t>
             </a:r>
             <a:r>
-              <a:rPr lang="en-US" sz="2400" b="1" dirty="0" smtClean="0">
+              <a:rPr lang="en-US" sz="2400" b="1" dirty="0">
                 <a:sym typeface="Symbol"/>
               </a:rPr>
               <a:t>)</a:t>
             </a:r>
             <a:r>
-              <a:rPr lang="en-US" sz="2400" dirty="0" smtClean="0">
+              <a:rPr lang="en-US" sz="2400" dirty="0">
                 <a:sym typeface="Symbol"/>
               </a:rPr>
               <a:t> is observed for  = 0.8 (also for the “ adjusted by FIRST-VISIT state count” case), with an RMSE at the end of 200 episodes very similar to the adaptive TD() case.</a:t>
@@ -5861,13 +5590,13 @@
               <a:buAutoNum type="arabicPeriod"/>
             </a:pPr>
             <a:r>
-              <a:rPr lang="en-US" sz="2400" b="1" dirty="0" smtClean="0">
+              <a:rPr lang="en-US" sz="2400" b="1" dirty="0">
                 <a:sym typeface="Symbol"/>
               </a:rPr>
               <a:t>MC is the slowest algorithm to converge </a:t>
             </a:r>
             <a:r>
-              <a:rPr lang="en-US" sz="2400" dirty="0" smtClean="0">
+              <a:rPr lang="en-US" sz="2400" dirty="0">
                 <a:sym typeface="Symbol"/>
               </a:rPr>
               <a:t>and it converges to the largest RMSE at the end of 200 episodes.</a:t>
@@ -5878,7 +5607,7 @@
               <a:buFont typeface="+mj-lt"/>
               <a:buAutoNum type="arabicPeriod"/>
             </a:pPr>
-            <a:endParaRPr lang="en-US" sz="2400" dirty="0" smtClean="0">
+            <a:endParaRPr lang="en-US" sz="2400" dirty="0">
               <a:sym typeface="Symbol"/>
             </a:endParaRPr>
           </a:p>
@@ -5888,31 +5617,31 @@
               <a:buAutoNum type="arabicPeriod"/>
             </a:pPr>
             <a:r>
-              <a:rPr lang="en-US" sz="2400" dirty="0" smtClean="0">
+              <a:rPr lang="en-US" sz="2400" dirty="0">
                 <a:sym typeface="Symbol"/>
               </a:rPr>
               <a:t>As expected, the </a:t>
             </a:r>
             <a:r>
-              <a:rPr lang="en-US" sz="2400" b="1" dirty="0" smtClean="0">
+              <a:rPr lang="en-US" sz="2400" b="1" dirty="0">
                 <a:sym typeface="Symbol"/>
               </a:rPr>
               <a:t>convergence of MC is very similar to TD(0.9)</a:t>
             </a:r>
             <a:r>
-              <a:rPr lang="en-US" sz="2400" dirty="0" smtClean="0">
+              <a:rPr lang="en-US" sz="2400" dirty="0">
                 <a:sym typeface="Symbol"/>
               </a:rPr>
               <a:t> --i.e. the closest we got to  = 1 in our simulations– although this is the case only when  is updated by FIRST-VISIT state count, which is </a:t>
             </a:r>
             <a:r>
-              <a:rPr lang="en-US" sz="2400" b="1" dirty="0" smtClean="0">
+              <a:rPr lang="en-US" sz="2400" b="1" dirty="0">
                 <a:sym typeface="Symbol"/>
               </a:rPr>
               <a:t>the setting under which the two algorithms are most similar</a:t>
             </a:r>
             <a:r>
-              <a:rPr lang="en-US" sz="2400" dirty="0" smtClean="0">
+              <a:rPr lang="en-US" sz="2400" dirty="0">
                 <a:sym typeface="Symbol"/>
               </a:rPr>
               <a:t>.</a:t>
@@ -5924,12 +5653,12 @@
               <a:buAutoNum type="arabicPeriod"/>
             </a:pPr>
             <a:r>
-              <a:rPr lang="en-US" sz="2400" dirty="0" smtClean="0">
+              <a:rPr lang="en-US" sz="2400" dirty="0">
                 <a:sym typeface="Symbol"/>
               </a:rPr>
               <a:t>The convergence to the RMSE at the last episode is a little slower in the adaptive TD() case than in TD() for the 19-state environment, but faster for the 7-state environment.</a:t>
             </a:r>
-            <a:endParaRPr lang="en-US" sz="2400" dirty="0" smtClean="0"/>
+            <a:endParaRPr lang="en-US" sz="2400" dirty="0"/>
           </a:p>
         </p:txBody>
       </p:sp>
@@ -6002,10 +5731,9 @@
           <a:lstStyle/>
           <a:p>
             <a:r>
-              <a:rPr lang="en-US" dirty="0" smtClean="0"/>
+              <a:rPr lang="en-US" dirty="0"/>
               <a:t>Simulation setup</a:t>
             </a:r>
-            <a:endParaRPr lang="en-US" dirty="0"/>
           </a:p>
         </p:txBody>
       </p:sp>
@@ -6021,7 +5749,12 @@
                 <p:ph idx="1"/>
               </p:nvPr>
             </p:nvSpPr>
-            <p:spPr/>
+            <p:spPr>
+              <a:xfrm>
+                <a:off x="457200" y="1412776"/>
+                <a:ext cx="8229600" cy="4713387"/>
+              </a:xfrm>
+            </p:spPr>
             <p:txBody>
               <a:bodyPr>
                 <a:noAutofit/>
@@ -6029,33 +5762,33 @@
               <a:lstStyle/>
               <a:p>
                 <a:r>
-                  <a:rPr lang="en-US" sz="1600" dirty="0" smtClean="0"/>
+                  <a:rPr lang="en-US" sz="1600" dirty="0"/>
                   <a:t>Three algorithms are analyzed on a 19+2-state and 7+2-state 1D </a:t>
                 </a:r>
                 <a:r>
-                  <a:rPr lang="en-US" sz="1600" dirty="0" err="1" smtClean="0"/>
+                  <a:rPr lang="en-US" sz="1600" dirty="0" err="1"/>
                   <a:t>gridworld</a:t>
                 </a:r>
                 <a:r>
-                  <a:rPr lang="en-US" sz="1600" dirty="0" smtClean="0"/>
+                  <a:rPr lang="en-US" sz="1600" dirty="0"/>
                   <a:t> with non-zero rewards only at left-most and right-most states.</a:t>
                 </a:r>
               </a:p>
               <a:p>
                 <a:pPr lvl="1"/>
                 <a:r>
-                  <a:rPr lang="en-US" sz="1400" dirty="0" smtClean="0"/>
+                  <a:rPr lang="en-US" sz="1400" dirty="0"/>
                   <a:t>First-visit MC</a:t>
                 </a:r>
               </a:p>
               <a:p>
                 <a:pPr lvl="1"/>
                 <a:r>
-                  <a:rPr lang="en-US" sz="1400" dirty="0" smtClean="0"/>
+                  <a:rPr lang="en-US" sz="1400" dirty="0"/>
                   <a:t>TD(</a:t>
                 </a:r>
                 <a:r>
-                  <a:rPr lang="en-US" sz="1400" dirty="0" smtClean="0">
+                  <a:rPr lang="en-US" sz="1400" dirty="0">
                     <a:sym typeface="Symbol"/>
                   </a:rPr>
                   <a:t>)</a:t>
@@ -6064,34 +5797,24 @@
               <a:p>
                 <a:pPr lvl="1"/>
                 <a:r>
-                  <a:rPr lang="en-US" sz="1400" dirty="0" smtClean="0"/>
-                  <a:t>Adaptive TD</a:t>
-                </a:r>
-                <a:r>
                   <a:rPr lang="en-US" sz="1400" dirty="0"/>
-                  <a:t>(</a:t>
+                  <a:t>Adaptive TD(</a:t>
                 </a:r>
                 <a:r>
                   <a:rPr lang="en-US" sz="1400" dirty="0">
                     <a:sym typeface="Symbol"/>
                   </a:rPr>
-                  <a:t></a:t>
+                  <a:t>), i.e. with a state-dependent </a:t>
                 </a:r>
-                <a:r>
-                  <a:rPr lang="en-US" sz="1400" dirty="0" smtClean="0">
-                    <a:sym typeface="Symbol"/>
-                  </a:rPr>
-                  <a:t>), i.e. with a state-dependent </a:t>
-                </a:r>
-                <a:endParaRPr lang="en-US" sz="1400" dirty="0" smtClean="0"/>
+                <a:endParaRPr lang="en-US" sz="1400" dirty="0"/>
               </a:p>
               <a:p>
                 <a:r>
-                  <a:rPr lang="en-US" sz="1600" b="1" dirty="0" smtClean="0"/>
+                  <a:rPr lang="en-US" sz="1600" b="1" dirty="0"/>
                   <a:t>Four set of simulations are carried out for each algorithm </a:t>
                 </a:r>
                 <a:r>
-                  <a:rPr lang="en-US" sz="1600" dirty="0" smtClean="0"/>
+                  <a:rPr lang="en-US" sz="1600" dirty="0"/>
                   <a:t>making up 12 simulations shown in 12 different pages, where the RMSE by episode averaged over 10 or 5 experiments is plotted. The four set of simulations are as follows</a:t>
                 </a:r>
               </a:p>
@@ -6101,7 +5824,7 @@
                   <a:buAutoNum type="alphaUcPeriod"/>
                 </a:pPr>
                 <a:r>
-                  <a:rPr lang="en-US" sz="1400" dirty="0" smtClean="0">
+                  <a:rPr lang="en-US" sz="1400" dirty="0">
                     <a:solidFill>
                       <a:schemeClr val="tx2"/>
                     </a:solidFill>
@@ -6110,7 +5833,7 @@
                   <a:t> is adjusted by state count on the 19+2-state </a:t>
                 </a:r>
                 <a:r>
-                  <a:rPr lang="en-US" sz="1400" dirty="0" err="1" smtClean="0">
+                  <a:rPr lang="en-US" sz="1400" dirty="0" err="1">
                     <a:solidFill>
                       <a:schemeClr val="tx2"/>
                     </a:solidFill>
@@ -6118,7 +5841,7 @@
                   </a:rPr>
                   <a:t>gridworld</a:t>
                 </a:r>
-                <a:endParaRPr lang="en-US" sz="1400" dirty="0" smtClean="0">
+                <a:endParaRPr lang="en-US" sz="1400" dirty="0">
                   <a:solidFill>
                     <a:schemeClr val="tx2"/>
                   </a:solidFill>
@@ -6137,28 +5860,10 @@
                     </a:solidFill>
                     <a:sym typeface="Symbol"/>
                   </a:rPr>
-                  <a:t> is adjusted by </a:t>
+                  <a:t> is adjusted by episode on the 19+2-state </a:t>
                 </a:r>
                 <a:r>
-                  <a:rPr lang="en-US" sz="1400" dirty="0" smtClean="0">
-                    <a:solidFill>
-                      <a:schemeClr val="tx2"/>
-                    </a:solidFill>
-                    <a:sym typeface="Symbol"/>
-                  </a:rPr>
-                  <a:t>episode on </a:t>
-                </a:r>
-                <a:r>
-                  <a:rPr lang="en-US" sz="1400" dirty="0">
-                    <a:solidFill>
-                      <a:schemeClr val="tx2"/>
-                    </a:solidFill>
-                    <a:sym typeface="Symbol"/>
-                  </a:rPr>
-                  <a:t>the 19+2-state </a:t>
-                </a:r>
-                <a:r>
-                  <a:rPr lang="en-US" sz="1400" dirty="0" err="1" smtClean="0">
+                  <a:rPr lang="en-US" sz="1400" dirty="0" err="1">
                     <a:solidFill>
                       <a:schemeClr val="tx2"/>
                     </a:solidFill>
@@ -6166,7 +5871,7 @@
                   </a:rPr>
                   <a:t>gridworld</a:t>
                 </a:r>
-                <a:endParaRPr lang="en-US" sz="1400" dirty="0" smtClean="0">
+                <a:endParaRPr lang="en-US" sz="1400" dirty="0">
                   <a:solidFill>
                     <a:schemeClr val="tx2"/>
                   </a:solidFill>
@@ -6185,19 +5890,10 @@
                     </a:solidFill>
                     <a:sym typeface="Symbol"/>
                   </a:rPr>
-                  <a:t> is adjusted by </a:t>
+                  <a:t> is adjusted by FIRST-VISIT state count on the 19+2-state </a:t>
                 </a:r>
                 <a:r>
-                  <a:rPr lang="en-US" sz="1400" dirty="0" smtClean="0">
-                    <a:solidFill>
-                      <a:schemeClr val="tx2"/>
-                    </a:solidFill>
-                    <a:sym typeface="Symbol"/>
-                  </a:rPr>
-                  <a:t>FIRST-VISIT state count on the 19+2-state </a:t>
-                </a:r>
-                <a:r>
-                  <a:rPr lang="en-US" sz="1400" dirty="0" err="1" smtClean="0">
+                  <a:rPr lang="en-US" sz="1400" dirty="0" err="1">
                     <a:solidFill>
                       <a:schemeClr val="tx2"/>
                     </a:solidFill>
@@ -6205,7 +5901,7 @@
                   </a:rPr>
                   <a:t>gridworld</a:t>
                 </a:r>
-                <a:endParaRPr lang="en-US" sz="1400" dirty="0" smtClean="0">
+                <a:endParaRPr lang="en-US" sz="1400" dirty="0">
                   <a:solidFill>
                     <a:schemeClr val="tx2"/>
                   </a:solidFill>
@@ -6224,19 +5920,10 @@
                     </a:solidFill>
                     <a:sym typeface="Symbol"/>
                   </a:rPr>
-                  <a:t> is adjusted by FIRST-VISIT state count on the </a:t>
+                  <a:t> is adjusted by FIRST-VISIT state count on the 7+2-state </a:t>
                 </a:r>
                 <a:r>
-                  <a:rPr lang="en-US" sz="1400" dirty="0" smtClean="0">
-                    <a:solidFill>
-                      <a:srgbClr val="00B050"/>
-                    </a:solidFill>
-                    <a:sym typeface="Symbol"/>
-                  </a:rPr>
-                  <a:t>7+2-state </a:t>
-                </a:r>
-                <a:r>
-                  <a:rPr lang="en-US" sz="1400" dirty="0" err="1" smtClean="0">
+                  <a:rPr lang="en-US" sz="1400" dirty="0" err="1">
                     <a:solidFill>
                       <a:srgbClr val="00B050"/>
                     </a:solidFill>
@@ -6244,7 +5931,7 @@
                   </a:rPr>
                   <a:t>gridworld</a:t>
                 </a:r>
-                <a:endParaRPr lang="en-US" sz="1400" dirty="0" smtClean="0">
+                <a:endParaRPr lang="en-US" sz="1400" dirty="0">
                   <a:solidFill>
                     <a:srgbClr val="00B050"/>
                   </a:solidFill>
@@ -6256,15 +5943,15 @@
                   <a:buNone/>
                 </a:pPr>
                 <a:r>
-                  <a:rPr lang="en-US" sz="1400" i="1" dirty="0" smtClean="0"/>
+                  <a:rPr lang="en-US" sz="1400" i="1" dirty="0"/>
                   <a:t>For </a:t>
                 </a:r>
                 <a:r>
-                  <a:rPr lang="en-US" sz="1400" b="1" i="1" dirty="0" smtClean="0"/>
+                  <a:rPr lang="en-US" sz="1400" b="1" i="1" dirty="0"/>
                   <a:t>adaptive TD(</a:t>
                 </a:r>
                 <a:r>
-                  <a:rPr lang="en-US" sz="1400" b="1" i="1" dirty="0" smtClean="0">
+                  <a:rPr lang="en-US" sz="1400" b="1" i="1" dirty="0">
                     <a:sym typeface="Symbol"/>
                   </a:rPr>
                   <a:t>)</a:t>
@@ -6282,55 +5969,10 @@
                     </a:solidFill>
                     <a:sym typeface="Symbol"/>
                   </a:rPr>
-                  <a:t> in </a:t>
+                  <a:t> in (A), (B) and (C) is considered a state-dependent value that is defined by a Boltzmann function f(x) = 1 - exp(-|x|) of x = (t)/V(S(t)), i.e. of the </a:t>
                 </a:r>
                 <a:r>
-                  <a:rPr lang="en-US" sz="1400" i="1" dirty="0" smtClean="0">
-                    <a:solidFill>
-                      <a:schemeClr val="tx2"/>
-                    </a:solidFill>
-                    <a:sym typeface="Symbol"/>
-                  </a:rPr>
-                  <a:t>(A), (B) </a:t>
-                </a:r>
-                <a:r>
-                  <a:rPr lang="en-US" sz="1400" i="1" dirty="0">
-                    <a:solidFill>
-                      <a:schemeClr val="tx2"/>
-                    </a:solidFill>
-                    <a:sym typeface="Symbol"/>
-                  </a:rPr>
-                  <a:t>and </a:t>
-                </a:r>
-                <a:r>
-                  <a:rPr lang="en-US" sz="1400" i="1" dirty="0" smtClean="0">
-                    <a:solidFill>
-                      <a:schemeClr val="tx2"/>
-                    </a:solidFill>
-                    <a:sym typeface="Symbol"/>
-                  </a:rPr>
-                  <a:t>(C) </a:t>
-                </a:r>
-                <a:r>
-                  <a:rPr lang="en-US" sz="1400" i="1" dirty="0">
-                    <a:solidFill>
-                      <a:schemeClr val="tx2"/>
-                    </a:solidFill>
-                    <a:sym typeface="Symbol"/>
-                  </a:rPr>
-                  <a:t>is </a:t>
-                </a:r>
-                <a:r>
-                  <a:rPr lang="en-US" sz="1400" i="1" dirty="0" smtClean="0">
-                    <a:solidFill>
-                      <a:schemeClr val="tx2"/>
-                    </a:solidFill>
-                    <a:sym typeface="Symbol"/>
-                  </a:rPr>
-                  <a:t>considered a state-dependent value that is defined by a Boltzmann function of (t)/V(S(t)), i.e. of the </a:t>
-                </a:r>
-                <a:r>
-                  <a:rPr lang="en-US" sz="1400" b="1" i="1" dirty="0" smtClean="0">
+                  <a:rPr lang="en-US" sz="1400" b="1" i="1" dirty="0">
                     <a:solidFill>
                       <a:schemeClr val="tx2"/>
                     </a:solidFill>
@@ -6339,19 +5981,10 @@
                   <a:t>target error relative to the state’s value visited at time t</a:t>
                 </a:r>
                 <a:r>
-                  <a:rPr lang="en-US" sz="1400" i="1" dirty="0" smtClean="0">
+                  <a:rPr lang="en-US" sz="1400" i="1" dirty="0">
                     <a:sym typeface="Symbol"/>
                   </a:rPr>
                   <a:t>, while </a:t>
-                </a:r>
-                <a:r>
-                  <a:rPr lang="en-US" sz="1400" i="1" dirty="0" smtClean="0">
-                    <a:solidFill>
-                      <a:srgbClr val="00B050"/>
-                    </a:solidFill>
-                    <a:sym typeface="Symbol"/>
-                  </a:rPr>
-                  <a:t>in case (D) it is defined by a Boltzmann function of </a:t>
                 </a:r>
                 <a:r>
                   <a:rPr lang="en-US" sz="1400" i="1" dirty="0">
@@ -6360,7 +5993,7 @@
                     </a:solidFill>
                     <a:sym typeface="Symbol"/>
                   </a:rPr>
-                  <a:t>(t)</a:t>
+                  <a:t>in case (D) it is defined by a Boltzmann function of (t)</a:t>
                 </a:r>
                 <a:r>
                   <a:rPr lang="en-US" sz="1400" dirty="0">
@@ -6381,12 +6014,22 @@
                             <a:solidFill>
                               <a:srgbClr val="00B050"/>
                             </a:solidFill>
-                            <a:latin typeface="Cambria Math"/>
+                            <a:latin typeface="Cambria Math" panose="02040503050406030204" pitchFamily="18" charset="0"/>
                             <a:sym typeface="Symbol"/>
                           </a:rPr>
                         </m:ctrlPr>
                       </m:accPr>
                       <m:e>
+                        <m:r>
+                          <a:rPr lang="es-AR" sz="1400" b="0" i="1" smtClean="0">
+                            <a:solidFill>
+                              <a:srgbClr val="00B050"/>
+                            </a:solidFill>
+                            <a:latin typeface="Cambria Math" panose="02040503050406030204" pitchFamily="18" charset="0"/>
+                            <a:sym typeface="Symbol"/>
+                          </a:rPr>
+                          <m:t>|</m:t>
+                        </m:r>
                         <m:r>
                           <a:rPr lang="en-US" sz="1400" i="1">
                             <a:solidFill>
@@ -6399,40 +6042,45 @@
                         </m:r>
                       </m:e>
                     </m:acc>
+                    <m:d>
+                      <m:dPr>
+                        <m:ctrlPr>
+                          <a:rPr lang="en-US" sz="1400" i="1">
+                            <a:solidFill>
+                              <a:srgbClr val="00B050"/>
+                            </a:solidFill>
+                            <a:latin typeface="Cambria Math" panose="02040503050406030204" pitchFamily="18" charset="0"/>
+                            <a:sym typeface="Symbol"/>
+                          </a:rPr>
+                        </m:ctrlPr>
+                      </m:dPr>
+                      <m:e>
+                        <m:r>
+                          <a:rPr lang="en-US" sz="1400" i="1">
+                            <a:solidFill>
+                              <a:srgbClr val="00B050"/>
+                            </a:solidFill>
+                            <a:latin typeface="Cambria Math"/>
+                            <a:sym typeface="Symbol"/>
+                          </a:rPr>
+                          <m:t>𝑡</m:t>
+                        </m:r>
+                      </m:e>
+                    </m:d>
                     <m:r>
-                      <a:rPr lang="en-US" sz="1400" i="1">
+                      <a:rPr lang="es-AR" sz="1400" b="0" i="1" smtClean="0">
                         <a:solidFill>
                           <a:srgbClr val="00B050"/>
                         </a:solidFill>
-                        <a:latin typeface="Cambria Math"/>
+                        <a:latin typeface="Cambria Math" panose="02040503050406030204" pitchFamily="18" charset="0"/>
                         <a:sym typeface="Symbol"/>
                       </a:rPr>
-                      <m:t>(</m:t>
-                    </m:r>
-                    <m:r>
-                      <a:rPr lang="en-US" sz="1400" i="1">
-                        <a:solidFill>
-                          <a:srgbClr val="00B050"/>
-                        </a:solidFill>
-                        <a:latin typeface="Cambria Math"/>
-                        <a:sym typeface="Symbol"/>
-                      </a:rPr>
-                      <m:t>𝑡</m:t>
-                    </m:r>
-                    <m:r>
-                      <a:rPr lang="en-US" sz="1400" i="1">
-                        <a:solidFill>
-                          <a:srgbClr val="00B050"/>
-                        </a:solidFill>
-                        <a:latin typeface="Cambria Math"/>
-                        <a:sym typeface="Symbol"/>
-                      </a:rPr>
-                      <m:t>)</m:t>
+                      <m:t>|</m:t>
                     </m:r>
                   </m:oMath>
                 </a14:m>
                 <a:r>
-                  <a:rPr lang="en-US" sz="1400" i="1" dirty="0" smtClean="0">
+                  <a:rPr lang="en-US" sz="1400" i="1" dirty="0">
                     <a:solidFill>
                       <a:srgbClr val="00B050"/>
                     </a:solidFill>
@@ -6440,15 +6088,15 @@
                   <a:t>, i.e. of the </a:t>
                 </a:r>
                 <a:r>
-                  <a:rPr lang="en-US" sz="1400" b="1" i="1" dirty="0" smtClean="0">
+                  <a:rPr lang="en-US" sz="1400" b="1" i="1" dirty="0">
                     <a:solidFill>
                       <a:srgbClr val="00B050"/>
                     </a:solidFill>
                   </a:rPr>
-                  <a:t>target error relative to the average estimated value function </a:t>
+                  <a:t>target error relative to the average absolute estimated value function </a:t>
                 </a:r>
                 <a:r>
-                  <a:rPr lang="en-US" sz="1400" i="1" dirty="0" smtClean="0">
+                  <a:rPr lang="en-US" sz="1400" i="1" dirty="0">
                     <a:solidFill>
                       <a:srgbClr val="00B050"/>
                     </a:solidFill>
@@ -6456,33 +6104,25 @@
                   <a:t>over all states at time t</a:t>
                 </a:r>
                 <a:r>
-                  <a:rPr lang="en-US" sz="1400" i="1" dirty="0" smtClean="0"/>
-                  <a:t>. The latter setup is considered in an attempt to eliminate the undesired situation of large ratios </a:t>
-                </a:r>
-                <a:r>
                   <a:rPr lang="en-US" sz="1400" i="1" dirty="0"/>
-                  <a:t>for very small V(S(t)) </a:t>
-                </a:r>
-                <a:r>
-                  <a:rPr lang="en-US" sz="1400" i="1" dirty="0" smtClean="0"/>
-                  <a:t>(as is the case for middle states).</a:t>
+                  <a:t>. The latter setup is considered in an attempt to eliminate the undesired situation of large ratios for very small V(S(t)) (as is the case for middle states).</a:t>
                 </a:r>
               </a:p>
               <a:p>
                 <a:r>
-                  <a:rPr lang="en-US" sz="1600" dirty="0" smtClean="0">
+                  <a:rPr lang="en-US" sz="1600" dirty="0">
                     <a:sym typeface="Symbol"/>
                   </a:rPr>
                   <a:t>For TD(), a set of </a:t>
                 </a:r>
                 <a:r>
-                  <a:rPr lang="en-US" sz="1600" b="1" dirty="0" smtClean="0">
+                  <a:rPr lang="en-US" sz="1600" b="1" dirty="0">
                     <a:sym typeface="Symbol"/>
                   </a:rPr>
                   <a:t>different  values </a:t>
                 </a:r>
                 <a:r>
-                  <a:rPr lang="en-US" sz="1600" dirty="0" smtClean="0">
+                  <a:rPr lang="en-US" sz="1600" dirty="0">
                     <a:sym typeface="Symbol"/>
                   </a:rPr>
                   <a:t>are considered and compared.</a:t>
@@ -6490,17 +6130,17 @@
               </a:p>
               <a:p>
                 <a:r>
-                  <a:rPr lang="en-US" sz="1600" i="1" dirty="0" smtClean="0">
+                  <a:rPr lang="en-US" sz="1600" i="1" dirty="0">
                     <a:sym typeface="Symbol"/>
                   </a:rPr>
                   <a:t>All plots on the LHS are visually comparable as they use the same scale.</a:t>
                 </a:r>
               </a:p>
               <a:p>
-                <a:endParaRPr lang="en-US" sz="1600" dirty="0" smtClean="0"/>
+                <a:endParaRPr lang="en-US" sz="1600" dirty="0"/>
               </a:p>
               <a:p>
-                <a:endParaRPr lang="en-US" sz="1600" dirty="0" smtClean="0"/>
+                <a:endParaRPr lang="en-US" sz="1600" dirty="0"/>
               </a:p>
               <a:p>
                 <a:endParaRPr lang="en-US" sz="1600" dirty="0"/>
@@ -6520,10 +6160,14 @@
               </p:nvPr>
             </p:nvSpPr>
             <p:spPr>
-              <a:blipFill rotWithShape="1">
+              <a:xfrm>
+                <a:off x="457200" y="1412776"/>
+                <a:ext cx="8229600" cy="4713387"/>
+              </a:xfrm>
+              <a:blipFill>
                 <a:blip r:embed="rId2"/>
                 <a:stretch>
-                  <a:fillRect l="-222" t="-388" b="-4528"/>
+                  <a:fillRect l="-296" t="-388" b="-9185"/>
                 </a:stretch>
               </a:blipFill>
             </p:spPr>
@@ -6532,7 +6176,7 @@
               <a:lstStyle/>
               <a:p>
                 <a:r>
-                  <a:rPr lang="en-US">
+                  <a:rPr lang="en-IE">
                     <a:noFill/>
                   </a:rPr>
                   <a:t> </a:t>
@@ -6611,10 +6255,9 @@
           <a:lstStyle/>
           <a:p>
             <a:r>
-              <a:rPr lang="en-US" dirty="0" smtClean="0"/>
+              <a:rPr lang="en-US" dirty="0"/>
               <a:t>Conclusions (1/2)</a:t>
             </a:r>
-            <a:endParaRPr lang="en-US" dirty="0"/>
           </a:p>
         </p:txBody>
       </p:sp>
@@ -6639,11 +6282,11 @@
               <a:buNone/>
             </a:pPr>
             <a:r>
-              <a:rPr lang="en-US" sz="3000" b="1" dirty="0" smtClean="0"/>
+              <a:rPr lang="en-US" sz="3000" b="1" dirty="0"/>
               <a:t>In terms of </a:t>
             </a:r>
             <a:r>
-              <a:rPr lang="en-US" sz="3000" b="1" dirty="0" smtClean="0">
+              <a:rPr lang="en-US" sz="3000" b="1" dirty="0">
                 <a:sym typeface="Symbol"/>
               </a:rPr>
               <a:t>-update strategies</a:t>
@@ -6654,48 +6297,48 @@
               <a:buNone/>
             </a:pPr>
             <a:r>
-              <a:rPr lang="en-US" sz="2400" dirty="0" smtClean="0"/>
+              <a:rPr lang="en-US" sz="2400" dirty="0"/>
               <a:t>Given the </a:t>
             </a:r>
             <a:r>
-              <a:rPr lang="en-US" sz="2400" dirty="0" smtClean="0">
+              <a:rPr lang="en-US" sz="2400" dirty="0">
                 <a:sym typeface="Symbol"/>
               </a:rPr>
               <a:t>convergence rates observed in the 1D </a:t>
             </a:r>
             <a:r>
-              <a:rPr lang="en-US" sz="2400" dirty="0" err="1" smtClean="0">
+              <a:rPr lang="en-US" sz="2400" dirty="0" err="1">
                 <a:sym typeface="Symbol"/>
               </a:rPr>
               <a:t>gridworld</a:t>
             </a:r>
             <a:r>
-              <a:rPr lang="en-US" sz="2400" dirty="0" smtClean="0">
+              <a:rPr lang="en-US" sz="2400" dirty="0">
                 <a:sym typeface="Symbol"/>
               </a:rPr>
               <a:t> environment </a:t>
             </a:r>
             <a:r>
-              <a:rPr lang="en-US" sz="2400" dirty="0" smtClean="0"/>
+              <a:rPr lang="en-US" sz="2400" dirty="0"/>
               <a:t>for the three </a:t>
             </a:r>
             <a:r>
-              <a:rPr lang="en-US" sz="2400" dirty="0" smtClean="0">
+              <a:rPr lang="en-US" sz="2400" dirty="0">
                 <a:sym typeface="Symbol"/>
               </a:rPr>
               <a:t>studied -update </a:t>
             </a:r>
             <a:r>
-              <a:rPr lang="en-US" sz="2400" dirty="0" smtClean="0"/>
+              <a:rPr lang="en-US" sz="2400" dirty="0"/>
               <a:t>strategies</a:t>
             </a:r>
             <a:r>
-              <a:rPr lang="en-US" sz="2400" dirty="0" smtClean="0">
+              <a:rPr lang="en-US" sz="2400" dirty="0">
                 <a:sym typeface="Symbol"/>
               </a:rPr>
               <a:t>, we may conclude that:</a:t>
             </a:r>
-            <a:endParaRPr lang="en-US" sz="2400" dirty="0" smtClean="0"/>
+            <a:endParaRPr lang="en-US" sz="2400" dirty="0"/>
           </a:p>
           <a:p>
             <a:pPr marL="457200" indent="-457200">
@@ -6703,24 +6346,24 @@
               <a:buAutoNum type="arabicPeriod"/>
             </a:pPr>
             <a:r>
-              <a:rPr lang="en-US" sz="2400" b="1" dirty="0" smtClean="0"/>
+              <a:rPr lang="en-US" sz="2400" b="1" dirty="0"/>
               <a:t>Update by state count </a:t>
             </a:r>
             <a:r>
-              <a:rPr lang="en-US" sz="2400" dirty="0" smtClean="0"/>
-              <a:t>is too aggressive, as it prevents most algorithms to learn fast enough</a:t>
-            </a:r>
-            <a:r>
-              <a:rPr lang="en-US" sz="2400" baseline="30000" dirty="0" smtClean="0"/>
+              <a:rPr lang="en-US" sz="2400" dirty="0"/>
+              <a:t>is too aggressive, as it prevents most algorithms from learning sufficiently fast</a:t>
+            </a:r>
+            <a:r>
+              <a:rPr lang="en-US" sz="2400" baseline="30000" dirty="0"/>
               <a:t>(*)</a:t>
             </a:r>
             <a:r>
-              <a:rPr lang="en-US" sz="2400" dirty="0" smtClean="0">
+              <a:rPr lang="en-US" sz="2400" dirty="0">
                 <a:sym typeface="Symbol"/>
               </a:rPr>
               <a:t>.</a:t>
             </a:r>
-            <a:endParaRPr lang="en-US" sz="2400" dirty="0" smtClean="0"/>
+            <a:endParaRPr lang="en-US" sz="2400" dirty="0"/>
           </a:p>
           <a:p>
             <a:pPr marL="457200" indent="-457200">
@@ -6728,12 +6371,12 @@
               <a:buAutoNum type="arabicPeriod"/>
             </a:pPr>
             <a:r>
-              <a:rPr lang="en-US" sz="2400" b="1" dirty="0" smtClean="0"/>
+              <a:rPr lang="en-US" sz="2400" b="1" dirty="0"/>
               <a:t>Update by episode </a:t>
             </a:r>
             <a:r>
-              <a:rPr lang="en-US" sz="2400" dirty="0" smtClean="0"/>
-              <a:t>is less aggressive, allowing the algorithm to learn for more time, but it penalizes states that are not visited in an episode.</a:t>
+              <a:rPr lang="en-US" sz="2400" dirty="0"/>
+              <a:t>is less aggressive, allowing the algorithm to learn for a longer time, but it penalizes states that are not visited in an episode.</a:t>
             </a:r>
           </a:p>
           <a:p>
@@ -6742,16 +6385,16 @@
               <a:buAutoNum type="arabicPeriod"/>
             </a:pPr>
             <a:r>
-              <a:rPr lang="en-US" sz="2400" b="1" dirty="0" smtClean="0"/>
+              <a:rPr lang="en-US" sz="2400" b="1" dirty="0"/>
               <a:t>Update by FIRST-VISIT state count </a:t>
             </a:r>
             <a:r>
-              <a:rPr lang="en-US" sz="2400" dirty="0" smtClean="0"/>
+              <a:rPr lang="en-US" sz="2400" dirty="0"/>
               <a:t>is a trade-off strategy, that brings the best from both worlds, as it proposes a less aggressive decrease than “by state count” strategy and at the same time does not penalize states non-visited in an episode.</a:t>
             </a:r>
           </a:p>
           <a:p>
-            <a:endParaRPr lang="en-US" sz="2400" dirty="0" smtClean="0"/>
+            <a:endParaRPr lang="en-US" sz="2400" dirty="0"/>
           </a:p>
           <a:p>
             <a:endParaRPr lang="en-US" sz="2400" dirty="0"/>
@@ -6804,11 +6447,11 @@
           <a:lstStyle/>
           <a:p>
             <a:r>
-              <a:rPr lang="en-US" sz="1400" dirty="0" smtClean="0"/>
+              <a:rPr lang="en-US" sz="1400" dirty="0"/>
               <a:t>(*) This lack of learning most likely happens because the value of </a:t>
             </a:r>
             <a:r>
-              <a:rPr lang="en-US" sz="1400" dirty="0" smtClean="0">
+              <a:rPr lang="en-US" sz="1400" dirty="0">
                 <a:sym typeface="Symbol"/>
               </a:rPr>
               <a:t> is reduced even when there is no actual update of the state value because non-zero rewards only occur at the two terminal states.</a:t>
@@ -6863,10 +6506,9 @@
           <a:lstStyle/>
           <a:p>
             <a:r>
-              <a:rPr lang="en-US" dirty="0" smtClean="0"/>
+              <a:rPr lang="en-US" dirty="0"/>
               <a:t>Conclusions (2/2)</a:t>
             </a:r>
-            <a:endParaRPr lang="en-US" dirty="0"/>
           </a:p>
         </p:txBody>
       </p:sp>
@@ -6896,11 +6538,11 @@
               <a:buNone/>
             </a:pPr>
             <a:r>
-              <a:rPr lang="en-US" sz="3000" b="1" dirty="0" smtClean="0"/>
+              <a:rPr lang="en-US" sz="3000" b="1" dirty="0"/>
               <a:t>In terms of </a:t>
             </a:r>
             <a:r>
-              <a:rPr lang="en-US" sz="3000" b="1" dirty="0" smtClean="0">
+              <a:rPr lang="en-US" sz="3000" b="1" dirty="0">
                 <a:sym typeface="Symbol"/>
               </a:rPr>
               <a:t>learning strategies</a:t>
@@ -6912,81 +6554,57 @@
               <a:buAutoNum type="arabicPeriod"/>
             </a:pPr>
             <a:r>
-              <a:rPr lang="en-US" sz="2400" dirty="0" smtClean="0"/>
+              <a:rPr lang="en-US" sz="2400" dirty="0"/>
               <a:t>The </a:t>
             </a:r>
             <a:r>
-              <a:rPr lang="en-US" sz="2400" b="1" dirty="0" smtClean="0"/>
+              <a:rPr lang="en-US" sz="2400" b="1" dirty="0"/>
               <a:t>adaptive TD(</a:t>
             </a:r>
             <a:r>
-              <a:rPr lang="en-US" sz="2400" b="1" dirty="0" smtClean="0">
+              <a:rPr lang="en-US" sz="2400" b="1" dirty="0">
                 <a:sym typeface="Symbol"/>
               </a:rPr>
               <a:t>) </a:t>
             </a:r>
             <a:r>
-              <a:rPr lang="en-US" sz="2400" dirty="0" smtClean="0">
+              <a:rPr lang="en-US" sz="2400" dirty="0">
                 <a:sym typeface="Symbol"/>
               </a:rPr>
               <a:t>algorithm seems to </a:t>
             </a:r>
             <a:r>
-              <a:rPr lang="en-US" sz="2400" b="1" dirty="0" smtClean="0">
+              <a:rPr lang="en-US" sz="2400" b="1" dirty="0">
                 <a:sym typeface="Symbol"/>
               </a:rPr>
               <a:t>perform as good as the best  </a:t>
             </a:r>
             <a:r>
-              <a:rPr lang="en-US" sz="2400" dirty="0" smtClean="0">
+              <a:rPr lang="en-US" sz="2400" dirty="0">
                 <a:sym typeface="Symbol"/>
               </a:rPr>
               <a:t>among </a:t>
             </a:r>
             <a:r>
-              <a:rPr lang="en-US" sz="2400" b="1" dirty="0" smtClean="0">
+              <a:rPr lang="en-US" sz="2400" b="1" dirty="0">
                 <a:sym typeface="Symbol"/>
               </a:rPr>
               <a:t>TD()</a:t>
             </a:r>
             <a:r>
-              <a:rPr lang="en-US" sz="2400" dirty="0" smtClean="0">
-                <a:sym typeface="Symbol"/>
-              </a:rPr>
-              <a:t>, or even slightly better (in terms of faster convergence and possibly slightly </a:t>
-            </a:r>
-            <a:r>
-              <a:rPr lang="en-US" sz="2400" dirty="0" smtClean="0">
-                <a:sym typeface="Symbol"/>
-              </a:rPr>
-              <a:t>lower </a:t>
-            </a:r>
-            <a:r>
-              <a:rPr lang="en-US" sz="2400" dirty="0" smtClean="0">
-                <a:sym typeface="Symbol"/>
-              </a:rPr>
-              <a:t>RMSE), with the great advantage that there is no need to specify the value</a:t>
-            </a:r>
-            <a:r>
               <a:rPr lang="en-US" sz="2400" dirty="0">
                 <a:sym typeface="Symbol"/>
               </a:rPr>
-              <a:t> </a:t>
-            </a:r>
-            <a:r>
-              <a:rPr lang="en-US" sz="2400" dirty="0" smtClean="0">
-                <a:sym typeface="Symbol"/>
-              </a:rPr>
-              <a:t>of this </a:t>
-            </a:r>
-            <a:r>
-              <a:rPr lang="en-US" sz="2400" dirty="0" err="1" smtClean="0">
+              <a:t>, or even slightly better (in terms of faster convergence and possibly slightly lower RMSE), with the great advantage that there is no need to specify the value of this </a:t>
+            </a:r>
+            <a:r>
+              <a:rPr lang="en-US" sz="2400" dirty="0" err="1">
                 <a:sym typeface="Symbol"/>
               </a:rPr>
               <a:t>hyperparameter</a:t>
             </a:r>
             <a:r>
-              <a:rPr lang="en-US" sz="2400" dirty="0" smtClean="0">
+              <a:rPr lang="en-US" sz="2400" dirty="0">
                 <a:sym typeface="Symbol"/>
               </a:rPr>
               <a:t>.</a:t>
@@ -6997,7 +6615,7 @@
               <a:buFont typeface="+mj-lt"/>
               <a:buAutoNum type="arabicPeriod"/>
             </a:pPr>
-            <a:endParaRPr lang="en-US" sz="2400" dirty="0" smtClean="0"/>
+            <a:endParaRPr lang="en-US" sz="2400" dirty="0"/>
           </a:p>
           <a:p>
             <a:pPr marL="457200" indent="-457200">
@@ -7005,62 +6623,50 @@
               <a:buAutoNum type="arabicPeriod"/>
             </a:pPr>
             <a:r>
-              <a:rPr lang="en-US" sz="2400" dirty="0" smtClean="0"/>
+              <a:rPr lang="en-US" sz="2400" dirty="0"/>
               <a:t>Out of the </a:t>
             </a:r>
             <a:r>
-              <a:rPr lang="en-US" sz="2400" b="1" dirty="0" smtClean="0"/>
+              <a:rPr lang="en-US" sz="2400" b="1" dirty="0"/>
               <a:t>two state-dependent </a:t>
             </a:r>
             <a:r>
-              <a:rPr lang="en-US" sz="2400" b="1" dirty="0" smtClean="0">
+              <a:rPr lang="en-US" sz="2400" b="1" dirty="0">
                 <a:sym typeface="Symbol"/>
               </a:rPr>
               <a:t> strategies </a:t>
             </a:r>
             <a:r>
-              <a:rPr lang="en-US" sz="2400" dirty="0" smtClean="0">
-                <a:sym typeface="Symbol"/>
-              </a:rPr>
-              <a:t>considered for adaptive TD() </a:t>
-            </a:r>
-            <a:r>
               <a:rPr lang="en-US" sz="2400" dirty="0">
                 <a:sym typeface="Symbol"/>
               </a:rPr>
-              <a:t>--(C) vs. (D</a:t>
-            </a:r>
-            <a:r>
-              <a:rPr lang="en-US" sz="2400" dirty="0" smtClean="0">
-                <a:sym typeface="Symbol"/>
-              </a:rPr>
-              <a:t>)--, the </a:t>
-            </a:r>
-            <a:r>
-              <a:rPr lang="en-US" sz="2400" b="1" dirty="0" smtClean="0">
+              <a:t>considered for adaptive TD() --(C) vs. (D)--, the </a:t>
+            </a:r>
+            <a:r>
+              <a:rPr lang="en-US" sz="2400" b="1" dirty="0">
                 <a:sym typeface="Symbol"/>
               </a:rPr>
               <a:t>best one </a:t>
             </a:r>
             <a:r>
-              <a:rPr lang="en-US" sz="2400" dirty="0" smtClean="0">
+              <a:rPr lang="en-US" sz="2400" dirty="0">
                 <a:sym typeface="Symbol"/>
               </a:rPr>
               <a:t>(smaller RMSE, faster convergence) chooses </a:t>
             </a:r>
             <a:r>
-              <a:rPr lang="en-US" sz="2400" b="1" dirty="0" smtClean="0">
+              <a:rPr lang="en-US" sz="2400" b="1" dirty="0">
                 <a:sym typeface="Symbol"/>
               </a:rPr>
               <a:t> as a function of the target error relative to the average state value function estimate </a:t>
             </a:r>
             <a:r>
-              <a:rPr lang="en-US" sz="2400" dirty="0" smtClean="0">
+              <a:rPr lang="en-US" sz="2400" dirty="0">
                 <a:sym typeface="Symbol"/>
               </a:rPr>
               <a:t>over all states, which avoids divisions by a very small value observed in the other strategy.</a:t>
             </a:r>
-            <a:endParaRPr lang="en-US" sz="2400" dirty="0" smtClean="0"/>
+            <a:endParaRPr lang="en-US" sz="2400" dirty="0"/>
           </a:p>
         </p:txBody>
       </p:sp>
@@ -7110,11 +6716,11 @@
           <a:lstStyle/>
           <a:p>
             <a:r>
-              <a:rPr lang="en-US" sz="1400" dirty="0" smtClean="0"/>
+              <a:rPr lang="en-US" sz="1400" dirty="0"/>
               <a:t>(*) This lack of learning most likely happens because the value of </a:t>
             </a:r>
             <a:r>
-              <a:rPr lang="en-US" sz="1400" dirty="0" smtClean="0">
+              <a:rPr lang="en-US" sz="1400" dirty="0">
                 <a:sym typeface="Symbol"/>
               </a:rPr>
               <a:t> is reduced even when there is no actual update of the state value because non-zero rewards only occur at the two terminal states.</a:t>
@@ -7169,10 +6775,21 @@
           <a:lstStyle/>
           <a:p>
             <a:r>
-              <a:rPr lang="en-US" dirty="0" smtClean="0">
-                <a:sym typeface="Symbol"/>
-              </a:rPr>
-              <a:t>APPENDIX</a:t>
+              <a:rPr lang="en-US" dirty="0">
+                <a:sym typeface="Symbol"/>
+              </a:rPr>
+              <a:t>Results of experiments</a:t>
+            </a:r>
+            <a:br>
+              <a:rPr lang="en-US" dirty="0">
+                <a:sym typeface="Symbol"/>
+              </a:rPr>
+            </a:br>
+            <a:r>
+              <a:rPr lang="en-US" dirty="0">
+                <a:sym typeface="Symbol"/>
+              </a:rPr>
+              <a:t>run on Apr-2022</a:t>
             </a:r>
             <a:endParaRPr lang="en-US" dirty="0"/>
           </a:p>
@@ -7190,10 +6807,36 @@
         </p:nvSpPr>
         <p:spPr/>
         <p:txBody>
-          <a:bodyPr/>
-          <a:lstStyle/>
+          <a:bodyPr>
+            <a:normAutofit fontScale="70000" lnSpcReduction="20000"/>
+          </a:bodyPr>
+          <a:lstStyle/>
+          <a:p>
+            <a:r>
+              <a:rPr lang="en-US" dirty="0"/>
+              <a:t>ATD(lambda) &amp; HATD(lambda)</a:t>
+            </a:r>
+          </a:p>
+          <a:p>
+            <a:r>
+              <a:rPr lang="en-US" dirty="0"/>
+              <a:t>(Adaptive and Homogeneous Adaptive TD(lambda))</a:t>
+            </a:r>
+          </a:p>
           <a:p>
             <a:endParaRPr lang="en-US" dirty="0"/>
+          </a:p>
+          <a:p>
+            <a:r>
+              <a:rPr lang="en-US" dirty="0"/>
+              <a:t>Ref: simu_lambdas.py</a:t>
+            </a:r>
+          </a:p>
+          <a:p>
+            <a:r>
+              <a:rPr lang="en-US" dirty="0"/>
+              <a:t>(version of 28-Apr-2022)</a:t>
+            </a:r>
           </a:p>
         </p:txBody>
       </p:sp>
@@ -7223,20 +6866,13 @@
     </p:spTree>
     <p:extLst>
       <p:ext uri="{BB962C8B-B14F-4D97-AF65-F5344CB8AC3E}">
-        <p14:creationId xmlns:p14="http://schemas.microsoft.com/office/powerpoint/2010/main" val="2823538222"/>
+        <p14:creationId xmlns:p14="http://schemas.microsoft.com/office/powerpoint/2010/main" val="4273574965"/>
       </p:ext>
     </p:extLst>
   </p:cSld>
   <p:clrMapOvr>
     <a:masterClrMapping/>
   </p:clrMapOvr>
-  <p:timing>
-    <p:tnLst>
-      <p:par>
-        <p:cTn id="1" dur="indefinite" restart="never" nodeType="tmRoot"/>
-      </p:par>
-    </p:tnLst>
-  </p:timing>
 </p:sld>
 </file>
 
@@ -7259,7 +6895,150 @@
       </p:grpSpPr>
       <p:sp>
         <p:nvSpPr>
-          <p:cNvPr id="2" name="Title 1"/>
+          <p:cNvPr id="2" name="Title 1">
+            <a:extLst>
+              <a:ext uri="{FF2B5EF4-FFF2-40B4-BE49-F238E27FC236}">
+                <a16:creationId xmlns:a16="http://schemas.microsoft.com/office/drawing/2014/main" id="{422CC723-4F30-40BA-AF30-71C5EC34C3EF}"/>
+              </a:ext>
+            </a:extLst>
+          </p:cNvPr>
+          <p:cNvSpPr>
+            <a:spLocks noGrp="1"/>
+          </p:cNvSpPr>
+          <p:nvPr>
+            <p:ph type="title"/>
+          </p:nvPr>
+        </p:nvSpPr>
+        <p:spPr/>
+        <p:txBody>
+          <a:bodyPr/>
+          <a:lstStyle/>
+          <a:p>
+            <a:r>
+              <a:rPr lang="en-IE" dirty="0"/>
+              <a:t>TD(</a:t>
+            </a:r>
+            <a:r>
+              <a:rPr lang="en-IE" dirty="0">
+                <a:sym typeface="Symbol" panose="05050102010706020507" pitchFamily="18" charset="2"/>
+              </a:rPr>
+              <a:t></a:t>
+            </a:r>
+            <a:r>
+              <a:rPr lang="en-IE" dirty="0"/>
+              <a:t>), </a:t>
+            </a:r>
+            <a:r>
+              <a:rPr lang="en-IE" dirty="0">
+                <a:sym typeface="Symbol" panose="05050102010706020507" pitchFamily="18" charset="2"/>
+              </a:rPr>
+              <a:t></a:t>
+            </a:r>
+            <a:r>
+              <a:rPr lang="en-IE" dirty="0"/>
+              <a:t> = 0.1 CONSTANT</a:t>
+            </a:r>
+          </a:p>
+        </p:txBody>
+      </p:sp>
+      <p:sp>
+        <p:nvSpPr>
+          <p:cNvPr id="3" name="Slide Number Placeholder 2">
+            <a:extLst>
+              <a:ext uri="{FF2B5EF4-FFF2-40B4-BE49-F238E27FC236}">
+                <a16:creationId xmlns:a16="http://schemas.microsoft.com/office/drawing/2014/main" id="{0AF8DEE5-2C7E-43ED-962D-DE1BDE41DF8D}"/>
+              </a:ext>
+            </a:extLst>
+          </p:cNvPr>
+          <p:cNvSpPr>
+            <a:spLocks noGrp="1"/>
+          </p:cNvSpPr>
+          <p:nvPr>
+            <p:ph type="sldNum" sz="quarter" idx="12"/>
+          </p:nvPr>
+        </p:nvSpPr>
+        <p:spPr/>
+        <p:txBody>
+          <a:bodyPr/>
+          <a:lstStyle/>
+          <a:p>
+            <a:fld id="{62D96F91-737B-4795-86FD-3CFC620DA94D}" type="slidenum">
+              <a:rPr lang="en-US" smtClean="0"/>
+              <a:t>23</a:t>
+            </a:fld>
+            <a:endParaRPr lang="en-US"/>
+          </a:p>
+        </p:txBody>
+      </p:sp>
+      <p:pic>
+        <p:nvPicPr>
+          <p:cNvPr id="4" name="Picture 3">
+            <a:extLst>
+              <a:ext uri="{FF2B5EF4-FFF2-40B4-BE49-F238E27FC236}">
+                <a16:creationId xmlns:a16="http://schemas.microsoft.com/office/drawing/2014/main" id="{EDB64531-C21C-4C06-85F1-34EC3D283A36}"/>
+              </a:ext>
+            </a:extLst>
+          </p:cNvPr>
+          <p:cNvPicPr>
+            <a:picLocks noChangeAspect="1"/>
+          </p:cNvPicPr>
+          <p:nvPr/>
+        </p:nvPicPr>
+        <p:blipFill>
+          <a:blip r:embed="rId2"/>
+          <a:stretch>
+            <a:fillRect/>
+          </a:stretch>
+        </p:blipFill>
+        <p:spPr>
+          <a:xfrm>
+            <a:off x="0" y="1583286"/>
+            <a:ext cx="9144000" cy="4726034"/>
+          </a:xfrm>
+          <a:prstGeom prst="rect">
+            <a:avLst/>
+          </a:prstGeom>
+        </p:spPr>
+      </p:pic>
+    </p:spTree>
+    <p:extLst>
+      <p:ext uri="{BB962C8B-B14F-4D97-AF65-F5344CB8AC3E}">
+        <p14:creationId xmlns:p14="http://schemas.microsoft.com/office/powerpoint/2010/main" val="1917727119"/>
+      </p:ext>
+    </p:extLst>
+  </p:cSld>
+  <p:clrMapOvr>
+    <a:masterClrMapping/>
+  </p:clrMapOvr>
+</p:sld>
+</file>
+
+<file path=ppt/slides/slide24.xml><?xml version="1.0" encoding="utf-8"?>
+<p:sld xmlns:a="http://schemas.openxmlformats.org/drawingml/2006/main" xmlns:r="http://schemas.openxmlformats.org/officeDocument/2006/relationships" xmlns:p="http://schemas.openxmlformats.org/presentationml/2006/main">
+  <p:cSld>
+    <p:spTree>
+      <p:nvGrpSpPr>
+        <p:cNvPr id="1" name=""/>
+        <p:cNvGrpSpPr/>
+        <p:nvPr/>
+      </p:nvGrpSpPr>
+      <p:grpSpPr>
+        <a:xfrm>
+          <a:off x="0" y="0"/>
+          <a:ext cx="0" cy="0"/>
+          <a:chOff x="0" y="0"/>
+          <a:chExt cx="0" cy="0"/>
+        </a:xfrm>
+      </p:grpSpPr>
+      <p:sp>
+        <p:nvSpPr>
+          <p:cNvPr id="2" name="Title 1">
+            <a:extLst>
+              <a:ext uri="{FF2B5EF4-FFF2-40B4-BE49-F238E27FC236}">
+                <a16:creationId xmlns:a16="http://schemas.microsoft.com/office/drawing/2014/main" id="{596AF7DD-023F-4557-ACDF-DF35615A9C83}"/>
+              </a:ext>
+            </a:extLst>
+          </p:cNvPr>
           <p:cNvSpPr>
             <a:spLocks noGrp="1"/>
           </p:cNvSpPr>
@@ -7275,36 +7054,2629 @@
           <a:lstStyle/>
           <a:p>
             <a:r>
-              <a:rPr lang="en-US" sz="2800" dirty="0" smtClean="0">
-                <a:sym typeface="Symbol"/>
-              </a:rPr>
-              <a:t>Distribution of  by </a:t>
-            </a:r>
-            <a:r>
-              <a:rPr lang="en-US" sz="2800" smtClean="0">
-                <a:sym typeface="Symbol"/>
-              </a:rPr>
-              <a:t>state over time</a:t>
-            </a:r>
-            <a:r>
-              <a:rPr lang="en-US" sz="2800" dirty="0" smtClean="0">
-                <a:sym typeface="Symbol"/>
-              </a:rPr>
-              <a:t/>
+              <a:rPr lang="en-IE" dirty="0"/>
+              <a:t>ATD(</a:t>
+            </a:r>
+            <a:r>
+              <a:rPr lang="en-IE" dirty="0">
+                <a:sym typeface="Symbol" panose="05050102010706020507" pitchFamily="18" charset="2"/>
+              </a:rPr>
+              <a:t></a:t>
+            </a:r>
+            <a:r>
+              <a:rPr lang="en-IE" dirty="0"/>
+              <a:t>), </a:t>
+            </a:r>
+            <a:r>
+              <a:rPr lang="en-IE" dirty="0">
+                <a:sym typeface="Symbol" panose="05050102010706020507" pitchFamily="18" charset="2"/>
+              </a:rPr>
+              <a:t></a:t>
+            </a:r>
+            <a:r>
+              <a:rPr lang="en-IE" dirty="0"/>
+              <a:t> ~ 0.1 CONSTANT</a:t>
+            </a:r>
+          </a:p>
+        </p:txBody>
+      </p:sp>
+      <p:sp>
+        <p:nvSpPr>
+          <p:cNvPr id="3" name="Slide Number Placeholder 2">
+            <a:extLst>
+              <a:ext uri="{FF2B5EF4-FFF2-40B4-BE49-F238E27FC236}">
+                <a16:creationId xmlns:a16="http://schemas.microsoft.com/office/drawing/2014/main" id="{BCF1536B-2BEF-4970-BA7C-0A052348B81E}"/>
+              </a:ext>
+            </a:extLst>
+          </p:cNvPr>
+          <p:cNvSpPr>
+            <a:spLocks noGrp="1"/>
+          </p:cNvSpPr>
+          <p:nvPr>
+            <p:ph type="sldNum" sz="quarter" idx="12"/>
+          </p:nvPr>
+        </p:nvSpPr>
+        <p:spPr/>
+        <p:txBody>
+          <a:bodyPr/>
+          <a:lstStyle/>
+          <a:p>
+            <a:fld id="{62D96F91-737B-4795-86FD-3CFC620DA94D}" type="slidenum">
+              <a:rPr lang="en-US" smtClean="0"/>
+              <a:t>24</a:t>
+            </a:fld>
+            <a:endParaRPr lang="en-US"/>
+          </a:p>
+        </p:txBody>
+      </p:sp>
+      <p:pic>
+        <p:nvPicPr>
+          <p:cNvPr id="4" name="Picture 3">
+            <a:extLst>
+              <a:ext uri="{FF2B5EF4-FFF2-40B4-BE49-F238E27FC236}">
+                <a16:creationId xmlns:a16="http://schemas.microsoft.com/office/drawing/2014/main" id="{E7750ED9-8CB9-46AD-A907-B75F53A767E7}"/>
+              </a:ext>
+            </a:extLst>
+          </p:cNvPr>
+          <p:cNvPicPr>
+            <a:picLocks noChangeAspect="1"/>
+          </p:cNvPicPr>
+          <p:nvPr/>
+        </p:nvPicPr>
+        <p:blipFill>
+          <a:blip r:embed="rId2"/>
+          <a:stretch>
+            <a:fillRect/>
+          </a:stretch>
+        </p:blipFill>
+        <p:spPr>
+          <a:xfrm>
+            <a:off x="0" y="1580147"/>
+            <a:ext cx="9144000" cy="4729173"/>
+          </a:xfrm>
+          <a:prstGeom prst="rect">
+            <a:avLst/>
+          </a:prstGeom>
+        </p:spPr>
+      </p:pic>
+    </p:spTree>
+    <p:extLst>
+      <p:ext uri="{BB962C8B-B14F-4D97-AF65-F5344CB8AC3E}">
+        <p14:creationId xmlns:p14="http://schemas.microsoft.com/office/powerpoint/2010/main" val="3527547236"/>
+      </p:ext>
+    </p:extLst>
+  </p:cSld>
+  <p:clrMapOvr>
+    <a:masterClrMapping/>
+  </p:clrMapOvr>
+</p:sld>
+</file>
+
+<file path=ppt/slides/slide25.xml><?xml version="1.0" encoding="utf-8"?>
+<p:sld xmlns:a="http://schemas.openxmlformats.org/drawingml/2006/main" xmlns:r="http://schemas.openxmlformats.org/officeDocument/2006/relationships" xmlns:p="http://schemas.openxmlformats.org/presentationml/2006/main">
+  <p:cSld>
+    <p:spTree>
+      <p:nvGrpSpPr>
+        <p:cNvPr id="1" name=""/>
+        <p:cNvGrpSpPr/>
+        <p:nvPr/>
+      </p:nvGrpSpPr>
+      <p:grpSpPr>
+        <a:xfrm>
+          <a:off x="0" y="0"/>
+          <a:ext cx="0" cy="0"/>
+          <a:chOff x="0" y="0"/>
+          <a:chExt cx="0" cy="0"/>
+        </a:xfrm>
+      </p:grpSpPr>
+      <p:sp>
+        <p:nvSpPr>
+          <p:cNvPr id="2" name="Title 1">
+            <a:extLst>
+              <a:ext uri="{FF2B5EF4-FFF2-40B4-BE49-F238E27FC236}">
+                <a16:creationId xmlns:a16="http://schemas.microsoft.com/office/drawing/2014/main" id="{9A40559A-6B52-4AC3-BFC3-E85D9B26C022}"/>
+              </a:ext>
+            </a:extLst>
+          </p:cNvPr>
+          <p:cNvSpPr>
+            <a:spLocks noGrp="1"/>
+          </p:cNvSpPr>
+          <p:nvPr>
+            <p:ph type="title"/>
+          </p:nvPr>
+        </p:nvSpPr>
+        <p:spPr/>
+        <p:txBody>
+          <a:bodyPr>
+            <a:normAutofit/>
+          </a:bodyPr>
+          <a:lstStyle/>
+          <a:p>
+            <a:r>
+              <a:rPr lang="en-IE" dirty="0"/>
+              <a:t>HATD(</a:t>
+            </a:r>
+            <a:r>
+              <a:rPr lang="en-IE" dirty="0">
+                <a:sym typeface="Symbol" panose="05050102010706020507" pitchFamily="18" charset="2"/>
+              </a:rPr>
+              <a:t></a:t>
+            </a:r>
+            <a:r>
+              <a:rPr lang="en-IE" dirty="0"/>
+              <a:t>), </a:t>
+            </a:r>
+            <a:r>
+              <a:rPr lang="en-IE" dirty="0">
+                <a:sym typeface="Symbol" panose="05050102010706020507" pitchFamily="18" charset="2"/>
+              </a:rPr>
+              <a:t></a:t>
+            </a:r>
+            <a:r>
+              <a:rPr lang="en-IE" dirty="0"/>
+              <a:t> ~ 0.1 CONSTANT</a:t>
+            </a:r>
+          </a:p>
+        </p:txBody>
+      </p:sp>
+      <p:sp>
+        <p:nvSpPr>
+          <p:cNvPr id="3" name="Slide Number Placeholder 2">
+            <a:extLst>
+              <a:ext uri="{FF2B5EF4-FFF2-40B4-BE49-F238E27FC236}">
+                <a16:creationId xmlns:a16="http://schemas.microsoft.com/office/drawing/2014/main" id="{B4D2BC78-24D1-4D89-AF95-13600DEE20B8}"/>
+              </a:ext>
+            </a:extLst>
+          </p:cNvPr>
+          <p:cNvSpPr>
+            <a:spLocks noGrp="1"/>
+          </p:cNvSpPr>
+          <p:nvPr>
+            <p:ph type="sldNum" sz="quarter" idx="12"/>
+          </p:nvPr>
+        </p:nvSpPr>
+        <p:spPr/>
+        <p:txBody>
+          <a:bodyPr/>
+          <a:lstStyle/>
+          <a:p>
+            <a:fld id="{62D96F91-737B-4795-86FD-3CFC620DA94D}" type="slidenum">
+              <a:rPr lang="en-US" smtClean="0"/>
+              <a:t>25</a:t>
+            </a:fld>
+            <a:endParaRPr lang="en-US"/>
+          </a:p>
+        </p:txBody>
+      </p:sp>
+      <p:pic>
+        <p:nvPicPr>
+          <p:cNvPr id="4" name="Picture 3">
+            <a:extLst>
+              <a:ext uri="{FF2B5EF4-FFF2-40B4-BE49-F238E27FC236}">
+                <a16:creationId xmlns:a16="http://schemas.microsoft.com/office/drawing/2014/main" id="{D65B8755-FF65-443E-8215-A8817729AC5A}"/>
+              </a:ext>
+            </a:extLst>
+          </p:cNvPr>
+          <p:cNvPicPr>
+            <a:picLocks noChangeAspect="1"/>
+          </p:cNvPicPr>
+          <p:nvPr/>
+        </p:nvPicPr>
+        <p:blipFill>
+          <a:blip r:embed="rId2"/>
+          <a:stretch>
+            <a:fillRect/>
+          </a:stretch>
+        </p:blipFill>
+        <p:spPr>
+          <a:xfrm>
+            <a:off x="0" y="1576531"/>
+            <a:ext cx="9144000" cy="4732789"/>
+          </a:xfrm>
+          <a:prstGeom prst="rect">
+            <a:avLst/>
+          </a:prstGeom>
+        </p:spPr>
+      </p:pic>
+    </p:spTree>
+    <p:extLst>
+      <p:ext uri="{BB962C8B-B14F-4D97-AF65-F5344CB8AC3E}">
+        <p14:creationId xmlns:p14="http://schemas.microsoft.com/office/powerpoint/2010/main" val="1060985934"/>
+      </p:ext>
+    </p:extLst>
+  </p:cSld>
+  <p:clrMapOvr>
+    <a:masterClrMapping/>
+  </p:clrMapOvr>
+</p:sld>
+</file>
+
+<file path=ppt/slides/slide26.xml><?xml version="1.0" encoding="utf-8"?>
+<p:sld xmlns:a="http://schemas.openxmlformats.org/drawingml/2006/main" xmlns:r="http://schemas.openxmlformats.org/officeDocument/2006/relationships" xmlns:p="http://schemas.openxmlformats.org/presentationml/2006/main">
+  <p:cSld>
+    <p:spTree>
+      <p:nvGrpSpPr>
+        <p:cNvPr id="1" name=""/>
+        <p:cNvGrpSpPr/>
+        <p:nvPr/>
+      </p:nvGrpSpPr>
+      <p:grpSpPr>
+        <a:xfrm>
+          <a:off x="0" y="0"/>
+          <a:ext cx="0" cy="0"/>
+          <a:chOff x="0" y="0"/>
+          <a:chExt cx="0" cy="0"/>
+        </a:xfrm>
+      </p:grpSpPr>
+      <p:sp>
+        <p:nvSpPr>
+          <p:cNvPr id="2" name="Title 1">
+            <a:extLst>
+              <a:ext uri="{FF2B5EF4-FFF2-40B4-BE49-F238E27FC236}">
+                <a16:creationId xmlns:a16="http://schemas.microsoft.com/office/drawing/2014/main" id="{422CC723-4F30-40BA-AF30-71C5EC34C3EF}"/>
+              </a:ext>
+            </a:extLst>
+          </p:cNvPr>
+          <p:cNvSpPr>
+            <a:spLocks noGrp="1"/>
+          </p:cNvSpPr>
+          <p:nvPr>
+            <p:ph type="title"/>
+          </p:nvPr>
+        </p:nvSpPr>
+        <p:spPr/>
+        <p:txBody>
+          <a:bodyPr/>
+          <a:lstStyle/>
+          <a:p>
+            <a:r>
+              <a:rPr lang="en-IE" dirty="0"/>
+              <a:t>TD(</a:t>
+            </a:r>
+            <a:r>
+              <a:rPr lang="en-IE" dirty="0">
+                <a:sym typeface="Symbol" panose="05050102010706020507" pitchFamily="18" charset="2"/>
+              </a:rPr>
+              <a:t></a:t>
+            </a:r>
+            <a:r>
+              <a:rPr lang="en-IE" dirty="0"/>
+              <a:t>), </a:t>
+            </a:r>
+            <a:r>
+              <a:rPr lang="en-IE" dirty="0">
+                <a:sym typeface="Symbol" panose="05050102010706020507" pitchFamily="18" charset="2"/>
+              </a:rPr>
+              <a:t></a:t>
+            </a:r>
+            <a:r>
+              <a:rPr lang="en-IE" dirty="0"/>
+              <a:t> = 1.0</a:t>
+            </a:r>
+          </a:p>
+        </p:txBody>
+      </p:sp>
+      <p:sp>
+        <p:nvSpPr>
+          <p:cNvPr id="3" name="Slide Number Placeholder 2">
+            <a:extLst>
+              <a:ext uri="{FF2B5EF4-FFF2-40B4-BE49-F238E27FC236}">
+                <a16:creationId xmlns:a16="http://schemas.microsoft.com/office/drawing/2014/main" id="{0AF8DEE5-2C7E-43ED-962D-DE1BDE41DF8D}"/>
+              </a:ext>
+            </a:extLst>
+          </p:cNvPr>
+          <p:cNvSpPr>
+            <a:spLocks noGrp="1"/>
+          </p:cNvSpPr>
+          <p:nvPr>
+            <p:ph type="sldNum" sz="quarter" idx="12"/>
+          </p:nvPr>
+        </p:nvSpPr>
+        <p:spPr/>
+        <p:txBody>
+          <a:bodyPr/>
+          <a:lstStyle/>
+          <a:p>
+            <a:fld id="{62D96F91-737B-4795-86FD-3CFC620DA94D}" type="slidenum">
+              <a:rPr lang="en-US" smtClean="0"/>
+              <a:t>26</a:t>
+            </a:fld>
+            <a:endParaRPr lang="en-US"/>
+          </a:p>
+        </p:txBody>
+      </p:sp>
+      <p:pic>
+        <p:nvPicPr>
+          <p:cNvPr id="5" name="Picture 4">
+            <a:extLst>
+              <a:ext uri="{FF2B5EF4-FFF2-40B4-BE49-F238E27FC236}">
+                <a16:creationId xmlns:a16="http://schemas.microsoft.com/office/drawing/2014/main" id="{8C41D5F2-28D0-4A65-9325-0CA7414BB73B}"/>
+              </a:ext>
+            </a:extLst>
+          </p:cNvPr>
+          <p:cNvPicPr>
+            <a:picLocks noChangeAspect="1"/>
+          </p:cNvPicPr>
+          <p:nvPr/>
+        </p:nvPicPr>
+        <p:blipFill>
+          <a:blip r:embed="rId2"/>
+          <a:stretch>
+            <a:fillRect/>
+          </a:stretch>
+        </p:blipFill>
+        <p:spPr>
+          <a:xfrm>
+            <a:off x="0" y="1586903"/>
+            <a:ext cx="9144000" cy="4722417"/>
+          </a:xfrm>
+          <a:prstGeom prst="rect">
+            <a:avLst/>
+          </a:prstGeom>
+        </p:spPr>
+      </p:pic>
+    </p:spTree>
+    <p:extLst>
+      <p:ext uri="{BB962C8B-B14F-4D97-AF65-F5344CB8AC3E}">
+        <p14:creationId xmlns:p14="http://schemas.microsoft.com/office/powerpoint/2010/main" val="1693589699"/>
+      </p:ext>
+    </p:extLst>
+  </p:cSld>
+  <p:clrMapOvr>
+    <a:masterClrMapping/>
+  </p:clrMapOvr>
+</p:sld>
+</file>
+
+<file path=ppt/slides/slide27.xml><?xml version="1.0" encoding="utf-8"?>
+<p:sld xmlns:a="http://schemas.openxmlformats.org/drawingml/2006/main" xmlns:r="http://schemas.openxmlformats.org/officeDocument/2006/relationships" xmlns:p="http://schemas.openxmlformats.org/presentationml/2006/main">
+  <p:cSld>
+    <p:spTree>
+      <p:nvGrpSpPr>
+        <p:cNvPr id="1" name=""/>
+        <p:cNvGrpSpPr/>
+        <p:nvPr/>
+      </p:nvGrpSpPr>
+      <p:grpSpPr>
+        <a:xfrm>
+          <a:off x="0" y="0"/>
+          <a:ext cx="0" cy="0"/>
+          <a:chOff x="0" y="0"/>
+          <a:chExt cx="0" cy="0"/>
+        </a:xfrm>
+      </p:grpSpPr>
+      <p:sp>
+        <p:nvSpPr>
+          <p:cNvPr id="2" name="Title 1">
+            <a:extLst>
+              <a:ext uri="{FF2B5EF4-FFF2-40B4-BE49-F238E27FC236}">
+                <a16:creationId xmlns:a16="http://schemas.microsoft.com/office/drawing/2014/main" id="{596AF7DD-023F-4557-ACDF-DF35615A9C83}"/>
+              </a:ext>
+            </a:extLst>
+          </p:cNvPr>
+          <p:cNvSpPr>
+            <a:spLocks noGrp="1"/>
+          </p:cNvSpPr>
+          <p:nvPr>
+            <p:ph type="title"/>
+          </p:nvPr>
+        </p:nvSpPr>
+        <p:spPr/>
+        <p:txBody>
+          <a:bodyPr/>
+          <a:lstStyle/>
+          <a:p>
+            <a:r>
+              <a:rPr lang="en-IE" dirty="0"/>
+              <a:t>ATD(</a:t>
+            </a:r>
+            <a:r>
+              <a:rPr lang="en-IE" dirty="0">
+                <a:sym typeface="Symbol" panose="05050102010706020507" pitchFamily="18" charset="2"/>
+              </a:rPr>
+              <a:t></a:t>
+            </a:r>
+            <a:r>
+              <a:rPr lang="en-IE" dirty="0"/>
+              <a:t>), </a:t>
+            </a:r>
+            <a:r>
+              <a:rPr lang="en-IE" dirty="0">
+                <a:sym typeface="Symbol" panose="05050102010706020507" pitchFamily="18" charset="2"/>
+              </a:rPr>
+              <a:t></a:t>
+            </a:r>
+            <a:r>
+              <a:rPr lang="en-IE" dirty="0"/>
+              <a:t> = 1.0</a:t>
+            </a:r>
+          </a:p>
+        </p:txBody>
+      </p:sp>
+      <p:sp>
+        <p:nvSpPr>
+          <p:cNvPr id="3" name="Slide Number Placeholder 2">
+            <a:extLst>
+              <a:ext uri="{FF2B5EF4-FFF2-40B4-BE49-F238E27FC236}">
+                <a16:creationId xmlns:a16="http://schemas.microsoft.com/office/drawing/2014/main" id="{BCF1536B-2BEF-4970-BA7C-0A052348B81E}"/>
+              </a:ext>
+            </a:extLst>
+          </p:cNvPr>
+          <p:cNvSpPr>
+            <a:spLocks noGrp="1"/>
+          </p:cNvSpPr>
+          <p:nvPr>
+            <p:ph type="sldNum" sz="quarter" idx="12"/>
+          </p:nvPr>
+        </p:nvSpPr>
+        <p:spPr/>
+        <p:txBody>
+          <a:bodyPr/>
+          <a:lstStyle/>
+          <a:p>
+            <a:fld id="{62D96F91-737B-4795-86FD-3CFC620DA94D}" type="slidenum">
+              <a:rPr lang="en-US" smtClean="0"/>
+              <a:t>27</a:t>
+            </a:fld>
+            <a:endParaRPr lang="en-US"/>
+          </a:p>
+        </p:txBody>
+      </p:sp>
+      <p:pic>
+        <p:nvPicPr>
+          <p:cNvPr id="5" name="Picture 4">
+            <a:extLst>
+              <a:ext uri="{FF2B5EF4-FFF2-40B4-BE49-F238E27FC236}">
+                <a16:creationId xmlns:a16="http://schemas.microsoft.com/office/drawing/2014/main" id="{BA816873-5C53-4417-9CF2-2657EC2FAFA5}"/>
+              </a:ext>
+            </a:extLst>
+          </p:cNvPr>
+          <p:cNvPicPr>
+            <a:picLocks noChangeAspect="1"/>
+          </p:cNvPicPr>
+          <p:nvPr/>
+        </p:nvPicPr>
+        <p:blipFill>
+          <a:blip r:embed="rId2"/>
+          <a:stretch>
+            <a:fillRect/>
+          </a:stretch>
+        </p:blipFill>
+        <p:spPr>
+          <a:xfrm>
+            <a:off x="0" y="1579665"/>
+            <a:ext cx="9144000" cy="4729655"/>
+          </a:xfrm>
+          <a:prstGeom prst="rect">
+            <a:avLst/>
+          </a:prstGeom>
+        </p:spPr>
+      </p:pic>
+    </p:spTree>
+    <p:extLst>
+      <p:ext uri="{BB962C8B-B14F-4D97-AF65-F5344CB8AC3E}">
+        <p14:creationId xmlns:p14="http://schemas.microsoft.com/office/powerpoint/2010/main" val="115175239"/>
+      </p:ext>
+    </p:extLst>
+  </p:cSld>
+  <p:clrMapOvr>
+    <a:masterClrMapping/>
+  </p:clrMapOvr>
+</p:sld>
+</file>
+
+<file path=ppt/slides/slide28.xml><?xml version="1.0" encoding="utf-8"?>
+<p:sld xmlns:a="http://schemas.openxmlformats.org/drawingml/2006/main" xmlns:r="http://schemas.openxmlformats.org/officeDocument/2006/relationships" xmlns:p="http://schemas.openxmlformats.org/presentationml/2006/main">
+  <p:cSld>
+    <p:spTree>
+      <p:nvGrpSpPr>
+        <p:cNvPr id="1" name=""/>
+        <p:cNvGrpSpPr/>
+        <p:nvPr/>
+      </p:nvGrpSpPr>
+      <p:grpSpPr>
+        <a:xfrm>
+          <a:off x="0" y="0"/>
+          <a:ext cx="0" cy="0"/>
+          <a:chOff x="0" y="0"/>
+          <a:chExt cx="0" cy="0"/>
+        </a:xfrm>
+      </p:grpSpPr>
+      <p:sp>
+        <p:nvSpPr>
+          <p:cNvPr id="2" name="Title 1">
+            <a:extLst>
+              <a:ext uri="{FF2B5EF4-FFF2-40B4-BE49-F238E27FC236}">
+                <a16:creationId xmlns:a16="http://schemas.microsoft.com/office/drawing/2014/main" id="{171E044D-47C9-498A-881A-BD5132984D7F}"/>
+              </a:ext>
+            </a:extLst>
+          </p:cNvPr>
+          <p:cNvSpPr>
+            <a:spLocks noGrp="1"/>
+          </p:cNvSpPr>
+          <p:nvPr>
+            <p:ph type="title"/>
+          </p:nvPr>
+        </p:nvSpPr>
+        <p:spPr/>
+        <p:txBody>
+          <a:bodyPr/>
+          <a:lstStyle/>
+          <a:p>
+            <a:r>
+              <a:rPr lang="en-IE" dirty="0"/>
+              <a:t>HATD(</a:t>
+            </a:r>
+            <a:r>
+              <a:rPr lang="en-IE" dirty="0">
+                <a:sym typeface="Symbol" panose="05050102010706020507" pitchFamily="18" charset="2"/>
+              </a:rPr>
+              <a:t></a:t>
+            </a:r>
+            <a:r>
+              <a:rPr lang="en-IE" dirty="0"/>
+              <a:t>), </a:t>
+            </a:r>
+            <a:r>
+              <a:rPr lang="en-IE" dirty="0">
+                <a:sym typeface="Symbol" panose="05050102010706020507" pitchFamily="18" charset="2"/>
+              </a:rPr>
+              <a:t></a:t>
+            </a:r>
+            <a:r>
+              <a:rPr lang="en-IE" dirty="0"/>
+              <a:t> = 1.0</a:t>
+            </a:r>
+          </a:p>
+        </p:txBody>
+      </p:sp>
+      <p:sp>
+        <p:nvSpPr>
+          <p:cNvPr id="3" name="Slide Number Placeholder 2">
+            <a:extLst>
+              <a:ext uri="{FF2B5EF4-FFF2-40B4-BE49-F238E27FC236}">
+                <a16:creationId xmlns:a16="http://schemas.microsoft.com/office/drawing/2014/main" id="{800214FB-3D56-423E-AA4A-1B724BB1A09F}"/>
+              </a:ext>
+            </a:extLst>
+          </p:cNvPr>
+          <p:cNvSpPr>
+            <a:spLocks noGrp="1"/>
+          </p:cNvSpPr>
+          <p:nvPr>
+            <p:ph type="sldNum" sz="quarter" idx="12"/>
+          </p:nvPr>
+        </p:nvSpPr>
+        <p:spPr/>
+        <p:txBody>
+          <a:bodyPr/>
+          <a:lstStyle/>
+          <a:p>
+            <a:fld id="{62D96F91-737B-4795-86FD-3CFC620DA94D}" type="slidenum">
+              <a:rPr lang="en-US" smtClean="0"/>
+              <a:t>28</a:t>
+            </a:fld>
+            <a:endParaRPr lang="en-US"/>
+          </a:p>
+        </p:txBody>
+      </p:sp>
+      <p:pic>
+        <p:nvPicPr>
+          <p:cNvPr id="5" name="Picture 4">
+            <a:extLst>
+              <a:ext uri="{FF2B5EF4-FFF2-40B4-BE49-F238E27FC236}">
+                <a16:creationId xmlns:a16="http://schemas.microsoft.com/office/drawing/2014/main" id="{3FE581A0-8572-4517-956B-09D7CD975A37}"/>
+              </a:ext>
+            </a:extLst>
+          </p:cNvPr>
+          <p:cNvPicPr>
+            <a:picLocks noChangeAspect="1"/>
+          </p:cNvPicPr>
+          <p:nvPr/>
+        </p:nvPicPr>
+        <p:blipFill>
+          <a:blip r:embed="rId2"/>
+          <a:stretch>
+            <a:fillRect/>
+          </a:stretch>
+        </p:blipFill>
+        <p:spPr>
+          <a:xfrm>
+            <a:off x="0" y="1576531"/>
+            <a:ext cx="9144000" cy="4732789"/>
+          </a:xfrm>
+          <a:prstGeom prst="rect">
+            <a:avLst/>
+          </a:prstGeom>
+        </p:spPr>
+      </p:pic>
+    </p:spTree>
+    <p:extLst>
+      <p:ext uri="{BB962C8B-B14F-4D97-AF65-F5344CB8AC3E}">
+        <p14:creationId xmlns:p14="http://schemas.microsoft.com/office/powerpoint/2010/main" val="1651517206"/>
+      </p:ext>
+    </p:extLst>
+  </p:cSld>
+  <p:clrMapOvr>
+    <a:masterClrMapping/>
+  </p:clrMapOvr>
+</p:sld>
+</file>
+
+<file path=ppt/slides/slide29.xml><?xml version="1.0" encoding="utf-8"?>
+<p:sld xmlns:a="http://schemas.openxmlformats.org/drawingml/2006/main" xmlns:r="http://schemas.openxmlformats.org/officeDocument/2006/relationships" xmlns:p="http://schemas.openxmlformats.org/presentationml/2006/main">
+  <p:cSld>
+    <p:spTree>
+      <p:nvGrpSpPr>
+        <p:cNvPr id="1" name=""/>
+        <p:cNvGrpSpPr/>
+        <p:nvPr/>
+      </p:nvGrpSpPr>
+      <p:grpSpPr>
+        <a:xfrm>
+          <a:off x="0" y="0"/>
+          <a:ext cx="0" cy="0"/>
+          <a:chOff x="0" y="0"/>
+          <a:chExt cx="0" cy="0"/>
+        </a:xfrm>
+      </p:grpSpPr>
+      <p:sp>
+        <p:nvSpPr>
+          <p:cNvPr id="2" name="Title 1">
+            <a:extLst>
+              <a:ext uri="{FF2B5EF4-FFF2-40B4-BE49-F238E27FC236}">
+                <a16:creationId xmlns:a16="http://schemas.microsoft.com/office/drawing/2014/main" id="{422CC723-4F30-40BA-AF30-71C5EC34C3EF}"/>
+              </a:ext>
+            </a:extLst>
+          </p:cNvPr>
+          <p:cNvSpPr>
+            <a:spLocks noGrp="1"/>
+          </p:cNvSpPr>
+          <p:nvPr>
+            <p:ph type="title"/>
+          </p:nvPr>
+        </p:nvSpPr>
+        <p:spPr/>
+        <p:txBody>
+          <a:bodyPr/>
+          <a:lstStyle/>
+          <a:p>
+            <a:r>
+              <a:rPr lang="en-IE" dirty="0"/>
+              <a:t>TD(</a:t>
+            </a:r>
+            <a:r>
+              <a:rPr lang="en-IE" dirty="0">
+                <a:sym typeface="Symbol" panose="05050102010706020507" pitchFamily="18" charset="2"/>
+              </a:rPr>
+              <a:t></a:t>
+            </a:r>
+            <a:r>
+              <a:rPr lang="en-IE" dirty="0"/>
+              <a:t>), </a:t>
+            </a:r>
+            <a:r>
+              <a:rPr lang="en-IE" dirty="0">
+                <a:sym typeface="Symbol" panose="05050102010706020507" pitchFamily="18" charset="2"/>
+              </a:rPr>
+              <a:t></a:t>
+            </a:r>
+            <a:r>
+              <a:rPr lang="en-IE" dirty="0"/>
+              <a:t> = 0.1</a:t>
+            </a:r>
+          </a:p>
+        </p:txBody>
+      </p:sp>
+      <p:sp>
+        <p:nvSpPr>
+          <p:cNvPr id="3" name="Slide Number Placeholder 2">
+            <a:extLst>
+              <a:ext uri="{FF2B5EF4-FFF2-40B4-BE49-F238E27FC236}">
+                <a16:creationId xmlns:a16="http://schemas.microsoft.com/office/drawing/2014/main" id="{0AF8DEE5-2C7E-43ED-962D-DE1BDE41DF8D}"/>
+              </a:ext>
+            </a:extLst>
+          </p:cNvPr>
+          <p:cNvSpPr>
+            <a:spLocks noGrp="1"/>
+          </p:cNvSpPr>
+          <p:nvPr>
+            <p:ph type="sldNum" sz="quarter" idx="12"/>
+          </p:nvPr>
+        </p:nvSpPr>
+        <p:spPr/>
+        <p:txBody>
+          <a:bodyPr/>
+          <a:lstStyle/>
+          <a:p>
+            <a:fld id="{62D96F91-737B-4795-86FD-3CFC620DA94D}" type="slidenum">
+              <a:rPr lang="en-US" smtClean="0"/>
+              <a:t>29</a:t>
+            </a:fld>
+            <a:endParaRPr lang="en-US"/>
+          </a:p>
+        </p:txBody>
+      </p:sp>
+      <p:pic>
+        <p:nvPicPr>
+          <p:cNvPr id="5" name="Picture 4">
+            <a:extLst>
+              <a:ext uri="{FF2B5EF4-FFF2-40B4-BE49-F238E27FC236}">
+                <a16:creationId xmlns:a16="http://schemas.microsoft.com/office/drawing/2014/main" id="{DB3FB948-6B95-4B96-BA57-7379F29EFC07}"/>
+              </a:ext>
+            </a:extLst>
+          </p:cNvPr>
+          <p:cNvPicPr>
+            <a:picLocks noChangeAspect="1"/>
+          </p:cNvPicPr>
+          <p:nvPr/>
+        </p:nvPicPr>
+        <p:blipFill>
+          <a:blip r:embed="rId2"/>
+          <a:stretch>
+            <a:fillRect/>
+          </a:stretch>
+        </p:blipFill>
+        <p:spPr>
+          <a:xfrm>
+            <a:off x="0" y="1572658"/>
+            <a:ext cx="9144000" cy="4736662"/>
+          </a:xfrm>
+          <a:prstGeom prst="rect">
+            <a:avLst/>
+          </a:prstGeom>
+        </p:spPr>
+      </p:pic>
+    </p:spTree>
+    <p:extLst>
+      <p:ext uri="{BB962C8B-B14F-4D97-AF65-F5344CB8AC3E}">
+        <p14:creationId xmlns:p14="http://schemas.microsoft.com/office/powerpoint/2010/main" val="2910803004"/>
+      </p:ext>
+    </p:extLst>
+  </p:cSld>
+  <p:clrMapOvr>
+    <a:masterClrMapping/>
+  </p:clrMapOvr>
+</p:sld>
+</file>
+
+<file path=ppt/slides/slide3.xml><?xml version="1.0" encoding="utf-8"?>
+<p:sld xmlns:a="http://schemas.openxmlformats.org/drawingml/2006/main" xmlns:r="http://schemas.openxmlformats.org/officeDocument/2006/relationships" xmlns:p="http://schemas.openxmlformats.org/presentationml/2006/main">
+  <p:cSld>
+    <p:spTree>
+      <p:nvGrpSpPr>
+        <p:cNvPr id="1" name=""/>
+        <p:cNvGrpSpPr/>
+        <p:nvPr/>
+      </p:nvGrpSpPr>
+      <p:grpSpPr>
+        <a:xfrm>
+          <a:off x="0" y="0"/>
+          <a:ext cx="0" cy="0"/>
+          <a:chOff x="0" y="0"/>
+          <a:chExt cx="0" cy="0"/>
+        </a:xfrm>
+      </p:grpSpPr>
+      <p:sp>
+        <p:nvSpPr>
+          <p:cNvPr id="2" name="Title 1"/>
+          <p:cNvSpPr>
+            <a:spLocks noGrp="1"/>
+          </p:cNvSpPr>
+          <p:nvPr>
+            <p:ph type="ctrTitle"/>
+          </p:nvPr>
+        </p:nvSpPr>
+        <p:spPr/>
+        <p:txBody>
+          <a:bodyPr>
+            <a:normAutofit fontScale="90000"/>
+          </a:bodyPr>
+          <a:lstStyle/>
+          <a:p>
+            <a:r>
+              <a:rPr lang="en-US" sz="3600" dirty="0">
+                <a:sym typeface="Symbol"/>
+              </a:rPr>
+              <a:t>(A)</a:t>
             </a:r>
             <a:br>
-              <a:rPr lang="en-US" sz="2800" dirty="0" smtClean="0">
+              <a:rPr lang="en-US" sz="3600" dirty="0">
                 <a:sym typeface="Symbol"/>
               </a:rPr>
             </a:br>
             <a:r>
-              <a:rPr lang="en-US" sz="2400" dirty="0" smtClean="0">
-                <a:sym typeface="Symbol"/>
-              </a:rPr>
-              <a:t>Boltzmann law is a function of (t)/</a:t>
-            </a:r>
-            <a:r>
-              <a:rPr lang="en-US" sz="2400" i="1" dirty="0" smtClean="0">
+              <a:rPr lang="en-US" sz="3600" dirty="0">
+                <a:sym typeface="Symbol"/>
+              </a:rPr>
+              <a:t> adjusted by state count;</a:t>
+            </a:r>
+            <a:br>
+              <a:rPr lang="en-US" sz="3600" dirty="0">
+                <a:sym typeface="Symbol"/>
+              </a:rPr>
+            </a:br>
+            <a:r>
+              <a:rPr lang="en-US" sz="3600" dirty="0">
+                <a:sym typeface="Symbol"/>
+              </a:rPr>
+              <a:t>adaptive  as a function of (t)/V(S(t))</a:t>
+            </a:r>
+            <a:endParaRPr lang="en-US" sz="3600" dirty="0"/>
+          </a:p>
+        </p:txBody>
+      </p:sp>
+      <p:sp>
+        <p:nvSpPr>
+          <p:cNvPr id="3" name="Subtitle 2"/>
+          <p:cNvSpPr>
+            <a:spLocks noGrp="1"/>
+          </p:cNvSpPr>
+          <p:nvPr>
+            <p:ph type="subTitle" idx="1"/>
+          </p:nvPr>
+        </p:nvSpPr>
+        <p:spPr/>
+        <p:txBody>
+          <a:bodyPr/>
+          <a:lstStyle/>
+          <a:p>
+            <a:endParaRPr lang="en-US" dirty="0"/>
+          </a:p>
+        </p:txBody>
+      </p:sp>
+      <p:sp>
+        <p:nvSpPr>
+          <p:cNvPr id="4" name="Slide Number Placeholder 3"/>
+          <p:cNvSpPr>
+            <a:spLocks noGrp="1"/>
+          </p:cNvSpPr>
+          <p:nvPr>
+            <p:ph type="sldNum" sz="quarter" idx="12"/>
+          </p:nvPr>
+        </p:nvSpPr>
+        <p:spPr/>
+        <p:txBody>
+          <a:bodyPr/>
+          <a:lstStyle/>
+          <a:p>
+            <a:fld id="{62D96F91-737B-4795-86FD-3CFC620DA94D}" type="slidenum">
+              <a:rPr lang="en-US" smtClean="0"/>
+              <a:t>3</a:t>
+            </a:fld>
+            <a:endParaRPr lang="en-US"/>
+          </a:p>
+        </p:txBody>
+      </p:sp>
+    </p:spTree>
+    <p:extLst>
+      <p:ext uri="{BB962C8B-B14F-4D97-AF65-F5344CB8AC3E}">
+        <p14:creationId xmlns:p14="http://schemas.microsoft.com/office/powerpoint/2010/main" val="4265012169"/>
+      </p:ext>
+    </p:extLst>
+  </p:cSld>
+  <p:clrMapOvr>
+    <a:masterClrMapping/>
+  </p:clrMapOvr>
+</p:sld>
+</file>
+
+<file path=ppt/slides/slide30.xml><?xml version="1.0" encoding="utf-8"?>
+<p:sld xmlns:a="http://schemas.openxmlformats.org/drawingml/2006/main" xmlns:r="http://schemas.openxmlformats.org/officeDocument/2006/relationships" xmlns:p="http://schemas.openxmlformats.org/presentationml/2006/main">
+  <p:cSld>
+    <p:spTree>
+      <p:nvGrpSpPr>
+        <p:cNvPr id="1" name=""/>
+        <p:cNvGrpSpPr/>
+        <p:nvPr/>
+      </p:nvGrpSpPr>
+      <p:grpSpPr>
+        <a:xfrm>
+          <a:off x="0" y="0"/>
+          <a:ext cx="0" cy="0"/>
+          <a:chOff x="0" y="0"/>
+          <a:chExt cx="0" cy="0"/>
+        </a:xfrm>
+      </p:grpSpPr>
+      <p:sp>
+        <p:nvSpPr>
+          <p:cNvPr id="2" name="Title 1">
+            <a:extLst>
+              <a:ext uri="{FF2B5EF4-FFF2-40B4-BE49-F238E27FC236}">
+                <a16:creationId xmlns:a16="http://schemas.microsoft.com/office/drawing/2014/main" id="{596AF7DD-023F-4557-ACDF-DF35615A9C83}"/>
+              </a:ext>
+            </a:extLst>
+          </p:cNvPr>
+          <p:cNvSpPr>
+            <a:spLocks noGrp="1"/>
+          </p:cNvSpPr>
+          <p:nvPr>
+            <p:ph type="title"/>
+          </p:nvPr>
+        </p:nvSpPr>
+        <p:spPr/>
+        <p:txBody>
+          <a:bodyPr/>
+          <a:lstStyle/>
+          <a:p>
+            <a:r>
+              <a:rPr lang="en-IE" dirty="0"/>
+              <a:t>ATD(</a:t>
+            </a:r>
+            <a:r>
+              <a:rPr lang="en-IE" dirty="0">
+                <a:sym typeface="Symbol" panose="05050102010706020507" pitchFamily="18" charset="2"/>
+              </a:rPr>
+              <a:t></a:t>
+            </a:r>
+            <a:r>
+              <a:rPr lang="en-IE" dirty="0"/>
+              <a:t>), </a:t>
+            </a:r>
+            <a:r>
+              <a:rPr lang="en-IE" dirty="0">
+                <a:sym typeface="Symbol" panose="05050102010706020507" pitchFamily="18" charset="2"/>
+              </a:rPr>
+              <a:t></a:t>
+            </a:r>
+            <a:r>
+              <a:rPr lang="en-IE" dirty="0"/>
+              <a:t> ~ 0.1</a:t>
+            </a:r>
+          </a:p>
+        </p:txBody>
+      </p:sp>
+      <p:sp>
+        <p:nvSpPr>
+          <p:cNvPr id="3" name="Slide Number Placeholder 2">
+            <a:extLst>
+              <a:ext uri="{FF2B5EF4-FFF2-40B4-BE49-F238E27FC236}">
+                <a16:creationId xmlns:a16="http://schemas.microsoft.com/office/drawing/2014/main" id="{BCF1536B-2BEF-4970-BA7C-0A052348B81E}"/>
+              </a:ext>
+            </a:extLst>
+          </p:cNvPr>
+          <p:cNvSpPr>
+            <a:spLocks noGrp="1"/>
+          </p:cNvSpPr>
+          <p:nvPr>
+            <p:ph type="sldNum" sz="quarter" idx="12"/>
+          </p:nvPr>
+        </p:nvSpPr>
+        <p:spPr/>
+        <p:txBody>
+          <a:bodyPr/>
+          <a:lstStyle/>
+          <a:p>
+            <a:fld id="{62D96F91-737B-4795-86FD-3CFC620DA94D}" type="slidenum">
+              <a:rPr lang="en-US" smtClean="0"/>
+              <a:t>30</a:t>
+            </a:fld>
+            <a:endParaRPr lang="en-US"/>
+          </a:p>
+        </p:txBody>
+      </p:sp>
+      <p:pic>
+        <p:nvPicPr>
+          <p:cNvPr id="5" name="Picture 4">
+            <a:extLst>
+              <a:ext uri="{FF2B5EF4-FFF2-40B4-BE49-F238E27FC236}">
+                <a16:creationId xmlns:a16="http://schemas.microsoft.com/office/drawing/2014/main" id="{C90AA613-C04A-4407-94D7-9D10B63B0AF2}"/>
+              </a:ext>
+            </a:extLst>
+          </p:cNvPr>
+          <p:cNvPicPr>
+            <a:picLocks noChangeAspect="1"/>
+          </p:cNvPicPr>
+          <p:nvPr/>
+        </p:nvPicPr>
+        <p:blipFill>
+          <a:blip r:embed="rId2"/>
+          <a:stretch>
+            <a:fillRect/>
+          </a:stretch>
+        </p:blipFill>
+        <p:spPr>
+          <a:xfrm>
+            <a:off x="0" y="1569540"/>
+            <a:ext cx="9144000" cy="4739780"/>
+          </a:xfrm>
+          <a:prstGeom prst="rect">
+            <a:avLst/>
+          </a:prstGeom>
+        </p:spPr>
+      </p:pic>
+    </p:spTree>
+    <p:extLst>
+      <p:ext uri="{BB962C8B-B14F-4D97-AF65-F5344CB8AC3E}">
+        <p14:creationId xmlns:p14="http://schemas.microsoft.com/office/powerpoint/2010/main" val="55111231"/>
+      </p:ext>
+    </p:extLst>
+  </p:cSld>
+  <p:clrMapOvr>
+    <a:masterClrMapping/>
+  </p:clrMapOvr>
+</p:sld>
+</file>
+
+<file path=ppt/slides/slide31.xml><?xml version="1.0" encoding="utf-8"?>
+<p:sld xmlns:a="http://schemas.openxmlformats.org/drawingml/2006/main" xmlns:r="http://schemas.openxmlformats.org/officeDocument/2006/relationships" xmlns:p="http://schemas.openxmlformats.org/presentationml/2006/main">
+  <p:cSld>
+    <p:spTree>
+      <p:nvGrpSpPr>
+        <p:cNvPr id="1" name=""/>
+        <p:cNvGrpSpPr/>
+        <p:nvPr/>
+      </p:nvGrpSpPr>
+      <p:grpSpPr>
+        <a:xfrm>
+          <a:off x="0" y="0"/>
+          <a:ext cx="0" cy="0"/>
+          <a:chOff x="0" y="0"/>
+          <a:chExt cx="0" cy="0"/>
+        </a:xfrm>
+      </p:grpSpPr>
+      <p:sp>
+        <p:nvSpPr>
+          <p:cNvPr id="2" name="Title 1">
+            <a:extLst>
+              <a:ext uri="{FF2B5EF4-FFF2-40B4-BE49-F238E27FC236}">
+                <a16:creationId xmlns:a16="http://schemas.microsoft.com/office/drawing/2014/main" id="{171E044D-47C9-498A-881A-BD5132984D7F}"/>
+              </a:ext>
+            </a:extLst>
+          </p:cNvPr>
+          <p:cNvSpPr>
+            <a:spLocks noGrp="1"/>
+          </p:cNvSpPr>
+          <p:nvPr>
+            <p:ph type="title"/>
+          </p:nvPr>
+        </p:nvSpPr>
+        <p:spPr/>
+        <p:txBody>
+          <a:bodyPr/>
+          <a:lstStyle/>
+          <a:p>
+            <a:r>
+              <a:rPr lang="en-IE" dirty="0"/>
+              <a:t>HATD(</a:t>
+            </a:r>
+            <a:r>
+              <a:rPr lang="en-IE" dirty="0">
+                <a:sym typeface="Symbol" panose="05050102010706020507" pitchFamily="18" charset="2"/>
+              </a:rPr>
+              <a:t></a:t>
+            </a:r>
+            <a:r>
+              <a:rPr lang="en-IE" dirty="0"/>
+              <a:t>), </a:t>
+            </a:r>
+            <a:r>
+              <a:rPr lang="en-IE" dirty="0">
+                <a:sym typeface="Symbol" panose="05050102010706020507" pitchFamily="18" charset="2"/>
+              </a:rPr>
+              <a:t></a:t>
+            </a:r>
+            <a:r>
+              <a:rPr lang="en-IE" dirty="0"/>
+              <a:t> ~ 0.1</a:t>
+            </a:r>
+          </a:p>
+        </p:txBody>
+      </p:sp>
+      <p:sp>
+        <p:nvSpPr>
+          <p:cNvPr id="3" name="Slide Number Placeholder 2">
+            <a:extLst>
+              <a:ext uri="{FF2B5EF4-FFF2-40B4-BE49-F238E27FC236}">
+                <a16:creationId xmlns:a16="http://schemas.microsoft.com/office/drawing/2014/main" id="{800214FB-3D56-423E-AA4A-1B724BB1A09F}"/>
+              </a:ext>
+            </a:extLst>
+          </p:cNvPr>
+          <p:cNvSpPr>
+            <a:spLocks noGrp="1"/>
+          </p:cNvSpPr>
+          <p:nvPr>
+            <p:ph type="sldNum" sz="quarter" idx="12"/>
+          </p:nvPr>
+        </p:nvSpPr>
+        <p:spPr/>
+        <p:txBody>
+          <a:bodyPr/>
+          <a:lstStyle/>
+          <a:p>
+            <a:fld id="{62D96F91-737B-4795-86FD-3CFC620DA94D}" type="slidenum">
+              <a:rPr lang="en-US" smtClean="0"/>
+              <a:t>31</a:t>
+            </a:fld>
+            <a:endParaRPr lang="en-US"/>
+          </a:p>
+        </p:txBody>
+      </p:sp>
+      <p:pic>
+        <p:nvPicPr>
+          <p:cNvPr id="5" name="Picture 4">
+            <a:extLst>
+              <a:ext uri="{FF2B5EF4-FFF2-40B4-BE49-F238E27FC236}">
+                <a16:creationId xmlns:a16="http://schemas.microsoft.com/office/drawing/2014/main" id="{18ADD70F-F536-4B24-A0BD-C8C8AEC15C98}"/>
+              </a:ext>
+            </a:extLst>
+          </p:cNvPr>
+          <p:cNvPicPr>
+            <a:picLocks noChangeAspect="1"/>
+          </p:cNvPicPr>
+          <p:nvPr/>
+        </p:nvPicPr>
+        <p:blipFill>
+          <a:blip r:embed="rId2"/>
+          <a:stretch>
+            <a:fillRect/>
+          </a:stretch>
+        </p:blipFill>
+        <p:spPr>
+          <a:xfrm>
+            <a:off x="0" y="1579906"/>
+            <a:ext cx="9144000" cy="4729414"/>
+          </a:xfrm>
+          <a:prstGeom prst="rect">
+            <a:avLst/>
+          </a:prstGeom>
+        </p:spPr>
+      </p:pic>
+    </p:spTree>
+    <p:extLst>
+      <p:ext uri="{BB962C8B-B14F-4D97-AF65-F5344CB8AC3E}">
+        <p14:creationId xmlns:p14="http://schemas.microsoft.com/office/powerpoint/2010/main" val="355954283"/>
+      </p:ext>
+    </p:extLst>
+  </p:cSld>
+  <p:clrMapOvr>
+    <a:masterClrMapping/>
+  </p:clrMapOvr>
+</p:sld>
+</file>
+
+<file path=ppt/slides/slide32.xml><?xml version="1.0" encoding="utf-8"?>
+<p:sld xmlns:a="http://schemas.openxmlformats.org/drawingml/2006/main" xmlns:r="http://schemas.openxmlformats.org/officeDocument/2006/relationships" xmlns:p="http://schemas.openxmlformats.org/presentationml/2006/main">
+  <p:cSld>
+    <p:spTree>
+      <p:nvGrpSpPr>
+        <p:cNvPr id="1" name=""/>
+        <p:cNvGrpSpPr/>
+        <p:nvPr/>
+      </p:nvGrpSpPr>
+      <p:grpSpPr>
+        <a:xfrm>
+          <a:off x="0" y="0"/>
+          <a:ext cx="0" cy="0"/>
+          <a:chOff x="0" y="0"/>
+          <a:chExt cx="0" cy="0"/>
+        </a:xfrm>
+      </p:grpSpPr>
+      <p:sp>
+        <p:nvSpPr>
+          <p:cNvPr id="2" name="Title 1">
+            <a:extLst>
+              <a:ext uri="{FF2B5EF4-FFF2-40B4-BE49-F238E27FC236}">
+                <a16:creationId xmlns:a16="http://schemas.microsoft.com/office/drawing/2014/main" id="{596AF7DD-023F-4557-ACDF-DF35615A9C83}"/>
+              </a:ext>
+            </a:extLst>
+          </p:cNvPr>
+          <p:cNvSpPr>
+            <a:spLocks noGrp="1"/>
+          </p:cNvSpPr>
+          <p:nvPr>
+            <p:ph type="title"/>
+          </p:nvPr>
+        </p:nvSpPr>
+        <p:spPr/>
+        <p:txBody>
+          <a:bodyPr/>
+          <a:lstStyle/>
+          <a:p>
+            <a:r>
+              <a:rPr lang="en-IE" dirty="0"/>
+              <a:t>ATD(</a:t>
+            </a:r>
+            <a:r>
+              <a:rPr lang="en-IE" dirty="0">
+                <a:sym typeface="Symbol" panose="05050102010706020507" pitchFamily="18" charset="2"/>
+              </a:rPr>
+              <a:t></a:t>
+            </a:r>
+            <a:r>
+              <a:rPr lang="en-IE" dirty="0"/>
+              <a:t>), </a:t>
+            </a:r>
+            <a:r>
+              <a:rPr lang="en-IE" dirty="0">
+                <a:sym typeface="Symbol" panose="05050102010706020507" pitchFamily="18" charset="2"/>
+              </a:rPr>
+              <a:t></a:t>
+            </a:r>
+            <a:r>
+              <a:rPr lang="en-IE" dirty="0"/>
+              <a:t> ~ 0.1, 0.2, 0.3</a:t>
+            </a:r>
+          </a:p>
+        </p:txBody>
+      </p:sp>
+      <p:sp>
+        <p:nvSpPr>
+          <p:cNvPr id="3" name="Slide Number Placeholder 2">
+            <a:extLst>
+              <a:ext uri="{FF2B5EF4-FFF2-40B4-BE49-F238E27FC236}">
+                <a16:creationId xmlns:a16="http://schemas.microsoft.com/office/drawing/2014/main" id="{BCF1536B-2BEF-4970-BA7C-0A052348B81E}"/>
+              </a:ext>
+            </a:extLst>
+          </p:cNvPr>
+          <p:cNvSpPr>
+            <a:spLocks noGrp="1"/>
+          </p:cNvSpPr>
+          <p:nvPr>
+            <p:ph type="sldNum" sz="quarter" idx="12"/>
+          </p:nvPr>
+        </p:nvSpPr>
+        <p:spPr/>
+        <p:txBody>
+          <a:bodyPr/>
+          <a:lstStyle/>
+          <a:p>
+            <a:fld id="{62D96F91-737B-4795-86FD-3CFC620DA94D}" type="slidenum">
+              <a:rPr lang="en-US" smtClean="0"/>
+              <a:t>32</a:t>
+            </a:fld>
+            <a:endParaRPr lang="en-US"/>
+          </a:p>
+        </p:txBody>
+      </p:sp>
+    </p:spTree>
+    <p:extLst>
+      <p:ext uri="{BB962C8B-B14F-4D97-AF65-F5344CB8AC3E}">
+        <p14:creationId xmlns:p14="http://schemas.microsoft.com/office/powerpoint/2010/main" val="3539052485"/>
+      </p:ext>
+    </p:extLst>
+  </p:cSld>
+  <p:clrMapOvr>
+    <a:masterClrMapping/>
+  </p:clrMapOvr>
+</p:sld>
+</file>
+
+<file path=ppt/slides/slide33.xml><?xml version="1.0" encoding="utf-8"?>
+<p:sld xmlns:a="http://schemas.openxmlformats.org/drawingml/2006/main" xmlns:r="http://schemas.openxmlformats.org/officeDocument/2006/relationships" xmlns:p="http://schemas.openxmlformats.org/presentationml/2006/main">
+  <p:cSld>
+    <p:spTree>
+      <p:nvGrpSpPr>
+        <p:cNvPr id="1" name=""/>
+        <p:cNvGrpSpPr/>
+        <p:nvPr/>
+      </p:nvGrpSpPr>
+      <p:grpSpPr>
+        <a:xfrm>
+          <a:off x="0" y="0"/>
+          <a:ext cx="0" cy="0"/>
+          <a:chOff x="0" y="0"/>
+          <a:chExt cx="0" cy="0"/>
+        </a:xfrm>
+      </p:grpSpPr>
+      <p:sp>
+        <p:nvSpPr>
+          <p:cNvPr id="2" name="Title 1">
+            <a:extLst>
+              <a:ext uri="{FF2B5EF4-FFF2-40B4-BE49-F238E27FC236}">
+                <a16:creationId xmlns:a16="http://schemas.microsoft.com/office/drawing/2014/main" id="{171E044D-47C9-498A-881A-BD5132984D7F}"/>
+              </a:ext>
+            </a:extLst>
+          </p:cNvPr>
+          <p:cNvSpPr>
+            <a:spLocks noGrp="1"/>
+          </p:cNvSpPr>
+          <p:nvPr>
+            <p:ph type="title"/>
+          </p:nvPr>
+        </p:nvSpPr>
+        <p:spPr/>
+        <p:txBody>
+          <a:bodyPr/>
+          <a:lstStyle/>
+          <a:p>
+            <a:r>
+              <a:rPr lang="en-IE" dirty="0"/>
+              <a:t>HATD(</a:t>
+            </a:r>
+            <a:r>
+              <a:rPr lang="en-IE" dirty="0">
+                <a:sym typeface="Symbol" panose="05050102010706020507" pitchFamily="18" charset="2"/>
+              </a:rPr>
+              <a:t></a:t>
+            </a:r>
+            <a:r>
+              <a:rPr lang="en-IE" dirty="0"/>
+              <a:t>), </a:t>
+            </a:r>
+            <a:r>
+              <a:rPr lang="en-IE" dirty="0">
+                <a:sym typeface="Symbol" panose="05050102010706020507" pitchFamily="18" charset="2"/>
+              </a:rPr>
+              <a:t></a:t>
+            </a:r>
+            <a:r>
+              <a:rPr lang="en-IE" dirty="0"/>
+              <a:t> ~ 0.1, 0.2, 0.3</a:t>
+            </a:r>
+          </a:p>
+        </p:txBody>
+      </p:sp>
+      <p:sp>
+        <p:nvSpPr>
+          <p:cNvPr id="3" name="Slide Number Placeholder 2">
+            <a:extLst>
+              <a:ext uri="{FF2B5EF4-FFF2-40B4-BE49-F238E27FC236}">
+                <a16:creationId xmlns:a16="http://schemas.microsoft.com/office/drawing/2014/main" id="{800214FB-3D56-423E-AA4A-1B724BB1A09F}"/>
+              </a:ext>
+            </a:extLst>
+          </p:cNvPr>
+          <p:cNvSpPr>
+            <a:spLocks noGrp="1"/>
+          </p:cNvSpPr>
+          <p:nvPr>
+            <p:ph type="sldNum" sz="quarter" idx="12"/>
+          </p:nvPr>
+        </p:nvSpPr>
+        <p:spPr/>
+        <p:txBody>
+          <a:bodyPr/>
+          <a:lstStyle/>
+          <a:p>
+            <a:fld id="{62D96F91-737B-4795-86FD-3CFC620DA94D}" type="slidenum">
+              <a:rPr lang="en-US" smtClean="0"/>
+              <a:t>33</a:t>
+            </a:fld>
+            <a:endParaRPr lang="en-US"/>
+          </a:p>
+        </p:txBody>
+      </p:sp>
+    </p:spTree>
+    <p:extLst>
+      <p:ext uri="{BB962C8B-B14F-4D97-AF65-F5344CB8AC3E}">
+        <p14:creationId xmlns:p14="http://schemas.microsoft.com/office/powerpoint/2010/main" val="3750968882"/>
+      </p:ext>
+    </p:extLst>
+  </p:cSld>
+  <p:clrMapOvr>
+    <a:masterClrMapping/>
+  </p:clrMapOvr>
+</p:sld>
+</file>
+
+<file path=ppt/slides/slide34.xml><?xml version="1.0" encoding="utf-8"?>
+<p:sld xmlns:a="http://schemas.openxmlformats.org/drawingml/2006/main" xmlns:r="http://schemas.openxmlformats.org/officeDocument/2006/relationships" xmlns:p="http://schemas.openxmlformats.org/presentationml/2006/main">
+  <p:cSld>
+    <p:spTree>
+      <p:nvGrpSpPr>
+        <p:cNvPr id="1" name=""/>
+        <p:cNvGrpSpPr/>
+        <p:nvPr/>
+      </p:nvGrpSpPr>
+      <p:grpSpPr>
+        <a:xfrm>
+          <a:off x="0" y="0"/>
+          <a:ext cx="0" cy="0"/>
+          <a:chOff x="0" y="0"/>
+          <a:chExt cx="0" cy="0"/>
+        </a:xfrm>
+      </p:grpSpPr>
+      <p:sp>
+        <p:nvSpPr>
+          <p:cNvPr id="2" name="Title 1">
+            <a:extLst>
+              <a:ext uri="{FF2B5EF4-FFF2-40B4-BE49-F238E27FC236}">
+                <a16:creationId xmlns:a16="http://schemas.microsoft.com/office/drawing/2014/main" id="{B79C7CA6-05E3-4A81-9281-56492FAF2D30}"/>
+              </a:ext>
+            </a:extLst>
+          </p:cNvPr>
+          <p:cNvSpPr>
+            <a:spLocks noGrp="1"/>
+          </p:cNvSpPr>
+          <p:nvPr>
+            <p:ph type="title"/>
+          </p:nvPr>
+        </p:nvSpPr>
+        <p:spPr/>
+        <p:txBody>
+          <a:bodyPr>
+            <a:normAutofit fontScale="90000"/>
+          </a:bodyPr>
+          <a:lstStyle/>
+          <a:p>
+            <a:r>
+              <a:rPr lang="es-AR" dirty="0"/>
+              <a:t>TD(</a:t>
+            </a:r>
+            <a:r>
+              <a:rPr lang="es-AR" dirty="0">
+                <a:sym typeface="Symbol" panose="05050102010706020507" pitchFamily="18" charset="2"/>
+              </a:rPr>
+              <a:t>) and ATD() </a:t>
+            </a:r>
+            <a:r>
+              <a:rPr lang="es-AR" dirty="0" err="1">
+                <a:sym typeface="Symbol" panose="05050102010706020507" pitchFamily="18" charset="2"/>
+              </a:rPr>
+              <a:t>for</a:t>
+            </a:r>
+            <a:r>
+              <a:rPr lang="es-AR" dirty="0">
+                <a:sym typeface="Symbol" panose="05050102010706020507" pitchFamily="18" charset="2"/>
+              </a:rPr>
+              <a:t> </a:t>
+            </a:r>
+            <a:r>
+              <a:rPr lang="es-AR" dirty="0" err="1">
+                <a:sym typeface="Symbol" panose="05050102010706020507" pitchFamily="18" charset="2"/>
+              </a:rPr>
+              <a:t>different</a:t>
+            </a:r>
+            <a:r>
+              <a:rPr lang="es-AR" dirty="0">
+                <a:sym typeface="Symbol" panose="05050102010706020507" pitchFamily="18" charset="2"/>
+              </a:rPr>
+              <a:t> ’s</a:t>
+            </a:r>
+            <a:br>
+              <a:rPr lang="es-AR" dirty="0">
+                <a:sym typeface="Symbol" panose="05050102010706020507" pitchFamily="18" charset="2"/>
+              </a:rPr>
+            </a:br>
+            <a:r>
+              <a:rPr lang="es-AR" dirty="0">
+                <a:sym typeface="Symbol" panose="05050102010706020507" pitchFamily="18" charset="2"/>
+              </a:rPr>
+              <a:t>7-state 1D </a:t>
+            </a:r>
+            <a:r>
+              <a:rPr lang="es-AR" dirty="0" err="1">
+                <a:sym typeface="Symbol" panose="05050102010706020507" pitchFamily="18" charset="2"/>
+              </a:rPr>
+              <a:t>gridworld</a:t>
+            </a:r>
+            <a:endParaRPr lang="en-IE" dirty="0"/>
+          </a:p>
+        </p:txBody>
+      </p:sp>
+      <p:sp>
+        <p:nvSpPr>
+          <p:cNvPr id="3" name="Slide Number Placeholder 2">
+            <a:extLst>
+              <a:ext uri="{FF2B5EF4-FFF2-40B4-BE49-F238E27FC236}">
+                <a16:creationId xmlns:a16="http://schemas.microsoft.com/office/drawing/2014/main" id="{4D32CB7C-6840-413D-A5D2-423CA6F81407}"/>
+              </a:ext>
+            </a:extLst>
+          </p:cNvPr>
+          <p:cNvSpPr>
+            <a:spLocks noGrp="1"/>
+          </p:cNvSpPr>
+          <p:nvPr>
+            <p:ph type="sldNum" sz="quarter" idx="12"/>
+          </p:nvPr>
+        </p:nvSpPr>
+        <p:spPr/>
+        <p:txBody>
+          <a:bodyPr/>
+          <a:lstStyle/>
+          <a:p>
+            <a:fld id="{62D96F91-737B-4795-86FD-3CFC620DA94D}" type="slidenum">
+              <a:rPr lang="en-US" smtClean="0"/>
+              <a:t>34</a:t>
+            </a:fld>
+            <a:endParaRPr lang="en-US"/>
+          </a:p>
+        </p:txBody>
+      </p:sp>
+      <p:pic>
+        <p:nvPicPr>
+          <p:cNvPr id="13" name="Picture 12">
+            <a:extLst>
+              <a:ext uri="{FF2B5EF4-FFF2-40B4-BE49-F238E27FC236}">
+                <a16:creationId xmlns:a16="http://schemas.microsoft.com/office/drawing/2014/main" id="{7A7293FE-7206-49EF-AC47-D9E352C45A2A}"/>
+              </a:ext>
+            </a:extLst>
+          </p:cNvPr>
+          <p:cNvPicPr>
+            <a:picLocks noChangeAspect="1"/>
+          </p:cNvPicPr>
+          <p:nvPr/>
+        </p:nvPicPr>
+        <p:blipFill>
+          <a:blip r:embed="rId2"/>
+          <a:stretch>
+            <a:fillRect/>
+          </a:stretch>
+        </p:blipFill>
+        <p:spPr>
+          <a:xfrm>
+            <a:off x="107504" y="1515960"/>
+            <a:ext cx="4612952" cy="3652790"/>
+          </a:xfrm>
+          <a:prstGeom prst="rect">
+            <a:avLst/>
+          </a:prstGeom>
+        </p:spPr>
+      </p:pic>
+      <p:pic>
+        <p:nvPicPr>
+          <p:cNvPr id="14" name="Picture 13">
+            <a:extLst>
+              <a:ext uri="{FF2B5EF4-FFF2-40B4-BE49-F238E27FC236}">
+                <a16:creationId xmlns:a16="http://schemas.microsoft.com/office/drawing/2014/main" id="{6CB28D77-083A-40EE-B7A2-333BCDB5B4AC}"/>
+              </a:ext>
+            </a:extLst>
+          </p:cNvPr>
+          <p:cNvPicPr>
+            <a:picLocks noChangeAspect="1"/>
+          </p:cNvPicPr>
+          <p:nvPr/>
+        </p:nvPicPr>
+        <p:blipFill>
+          <a:blip r:embed="rId3"/>
+          <a:stretch>
+            <a:fillRect/>
+          </a:stretch>
+        </p:blipFill>
+        <p:spPr>
+          <a:xfrm>
+            <a:off x="4867931" y="1453080"/>
+            <a:ext cx="3665584" cy="2768008"/>
+          </a:xfrm>
+          <a:prstGeom prst="rect">
+            <a:avLst/>
+          </a:prstGeom>
+        </p:spPr>
+      </p:pic>
+    </p:spTree>
+    <p:extLst>
+      <p:ext uri="{BB962C8B-B14F-4D97-AF65-F5344CB8AC3E}">
+        <p14:creationId xmlns:p14="http://schemas.microsoft.com/office/powerpoint/2010/main" val="3793483422"/>
+      </p:ext>
+    </p:extLst>
+  </p:cSld>
+  <p:clrMapOvr>
+    <a:masterClrMapping/>
+  </p:clrMapOvr>
+</p:sld>
+</file>
+
+<file path=ppt/slides/slide35.xml><?xml version="1.0" encoding="utf-8"?>
+<p:sld xmlns:a="http://schemas.openxmlformats.org/drawingml/2006/main" xmlns:r="http://schemas.openxmlformats.org/officeDocument/2006/relationships" xmlns:p="http://schemas.openxmlformats.org/presentationml/2006/main">
+  <p:cSld>
+    <p:spTree>
+      <p:nvGrpSpPr>
+        <p:cNvPr id="1" name=""/>
+        <p:cNvGrpSpPr/>
+        <p:nvPr/>
+      </p:nvGrpSpPr>
+      <p:grpSpPr>
+        <a:xfrm>
+          <a:off x="0" y="0"/>
+          <a:ext cx="0" cy="0"/>
+          <a:chOff x="0" y="0"/>
+          <a:chExt cx="0" cy="0"/>
+        </a:xfrm>
+      </p:grpSpPr>
+      <p:sp>
+        <p:nvSpPr>
+          <p:cNvPr id="2" name="Title 1">
+            <a:extLst>
+              <a:ext uri="{FF2B5EF4-FFF2-40B4-BE49-F238E27FC236}">
+                <a16:creationId xmlns:a16="http://schemas.microsoft.com/office/drawing/2014/main" id="{B79C7CA6-05E3-4A81-9281-56492FAF2D30}"/>
+              </a:ext>
+            </a:extLst>
+          </p:cNvPr>
+          <p:cNvSpPr>
+            <a:spLocks noGrp="1"/>
+          </p:cNvSpPr>
+          <p:nvPr>
+            <p:ph type="title"/>
+          </p:nvPr>
+        </p:nvSpPr>
+        <p:spPr/>
+        <p:txBody>
+          <a:bodyPr>
+            <a:normAutofit fontScale="90000"/>
+          </a:bodyPr>
+          <a:lstStyle/>
+          <a:p>
+            <a:r>
+              <a:rPr lang="es-AR" dirty="0"/>
+              <a:t>TD(</a:t>
+            </a:r>
+            <a:r>
+              <a:rPr lang="es-AR" dirty="0">
+                <a:sym typeface="Symbol" panose="05050102010706020507" pitchFamily="18" charset="2"/>
+              </a:rPr>
+              <a:t>) and HATD() </a:t>
+            </a:r>
+            <a:r>
+              <a:rPr lang="es-AR" dirty="0" err="1">
+                <a:sym typeface="Symbol" panose="05050102010706020507" pitchFamily="18" charset="2"/>
+              </a:rPr>
+              <a:t>for</a:t>
+            </a:r>
+            <a:r>
+              <a:rPr lang="es-AR" dirty="0">
+                <a:sym typeface="Symbol" panose="05050102010706020507" pitchFamily="18" charset="2"/>
+              </a:rPr>
+              <a:t> </a:t>
+            </a:r>
+            <a:r>
+              <a:rPr lang="es-AR" dirty="0" err="1">
+                <a:sym typeface="Symbol" panose="05050102010706020507" pitchFamily="18" charset="2"/>
+              </a:rPr>
+              <a:t>different</a:t>
+            </a:r>
+            <a:r>
+              <a:rPr lang="es-AR" dirty="0">
+                <a:sym typeface="Symbol" panose="05050102010706020507" pitchFamily="18" charset="2"/>
+              </a:rPr>
+              <a:t> ’s</a:t>
+            </a:r>
+            <a:br>
+              <a:rPr lang="es-AR" dirty="0">
+                <a:sym typeface="Symbol" panose="05050102010706020507" pitchFamily="18" charset="2"/>
+              </a:rPr>
+            </a:br>
+            <a:r>
+              <a:rPr lang="es-AR" dirty="0">
+                <a:sym typeface="Symbol" panose="05050102010706020507" pitchFamily="18" charset="2"/>
+              </a:rPr>
+              <a:t>7-state 1D </a:t>
+            </a:r>
+            <a:r>
+              <a:rPr lang="es-AR" dirty="0" err="1">
+                <a:sym typeface="Symbol" panose="05050102010706020507" pitchFamily="18" charset="2"/>
+              </a:rPr>
+              <a:t>gridworld</a:t>
+            </a:r>
+            <a:endParaRPr lang="en-IE" dirty="0"/>
+          </a:p>
+        </p:txBody>
+      </p:sp>
+      <p:sp>
+        <p:nvSpPr>
+          <p:cNvPr id="3" name="Slide Number Placeholder 2">
+            <a:extLst>
+              <a:ext uri="{FF2B5EF4-FFF2-40B4-BE49-F238E27FC236}">
+                <a16:creationId xmlns:a16="http://schemas.microsoft.com/office/drawing/2014/main" id="{4D32CB7C-6840-413D-A5D2-423CA6F81407}"/>
+              </a:ext>
+            </a:extLst>
+          </p:cNvPr>
+          <p:cNvSpPr>
+            <a:spLocks noGrp="1"/>
+          </p:cNvSpPr>
+          <p:nvPr>
+            <p:ph type="sldNum" sz="quarter" idx="12"/>
+          </p:nvPr>
+        </p:nvSpPr>
+        <p:spPr/>
+        <p:txBody>
+          <a:bodyPr/>
+          <a:lstStyle/>
+          <a:p>
+            <a:fld id="{62D96F91-737B-4795-86FD-3CFC620DA94D}" type="slidenum">
+              <a:rPr lang="en-US" smtClean="0"/>
+              <a:t>35</a:t>
+            </a:fld>
+            <a:endParaRPr lang="en-US"/>
+          </a:p>
+        </p:txBody>
+      </p:sp>
+      <p:pic>
+        <p:nvPicPr>
+          <p:cNvPr id="4" name="Picture 3">
+            <a:extLst>
+              <a:ext uri="{FF2B5EF4-FFF2-40B4-BE49-F238E27FC236}">
+                <a16:creationId xmlns:a16="http://schemas.microsoft.com/office/drawing/2014/main" id="{F6B38252-D100-4CF4-903F-AE7CBBD0575F}"/>
+              </a:ext>
+            </a:extLst>
+          </p:cNvPr>
+          <p:cNvPicPr>
+            <a:picLocks noChangeAspect="1"/>
+          </p:cNvPicPr>
+          <p:nvPr/>
+        </p:nvPicPr>
+        <p:blipFill>
+          <a:blip r:embed="rId2"/>
+          <a:stretch>
+            <a:fillRect/>
+          </a:stretch>
+        </p:blipFill>
+        <p:spPr>
+          <a:xfrm>
+            <a:off x="167412" y="1532981"/>
+            <a:ext cx="4692620" cy="3624211"/>
+          </a:xfrm>
+          <a:prstGeom prst="rect">
+            <a:avLst/>
+          </a:prstGeom>
+        </p:spPr>
+      </p:pic>
+      <p:pic>
+        <p:nvPicPr>
+          <p:cNvPr id="6" name="Picture 5">
+            <a:extLst>
+              <a:ext uri="{FF2B5EF4-FFF2-40B4-BE49-F238E27FC236}">
+                <a16:creationId xmlns:a16="http://schemas.microsoft.com/office/drawing/2014/main" id="{B3C08F8F-05E0-41AE-9840-DC8CA8B1B569}"/>
+              </a:ext>
+            </a:extLst>
+          </p:cNvPr>
+          <p:cNvPicPr>
+            <a:picLocks noChangeAspect="1"/>
+          </p:cNvPicPr>
+          <p:nvPr/>
+        </p:nvPicPr>
+        <p:blipFill>
+          <a:blip r:embed="rId3"/>
+          <a:stretch>
+            <a:fillRect/>
+          </a:stretch>
+        </p:blipFill>
+        <p:spPr>
+          <a:xfrm>
+            <a:off x="4881529" y="1340768"/>
+            <a:ext cx="3600400" cy="2679105"/>
+          </a:xfrm>
+          <a:prstGeom prst="rect">
+            <a:avLst/>
+          </a:prstGeom>
+        </p:spPr>
+      </p:pic>
+    </p:spTree>
+    <p:extLst>
+      <p:ext uri="{BB962C8B-B14F-4D97-AF65-F5344CB8AC3E}">
+        <p14:creationId xmlns:p14="http://schemas.microsoft.com/office/powerpoint/2010/main" val="2093851036"/>
+      </p:ext>
+    </p:extLst>
+  </p:cSld>
+  <p:clrMapOvr>
+    <a:masterClrMapping/>
+  </p:clrMapOvr>
+</p:sld>
+</file>
+
+<file path=ppt/slides/slide36.xml><?xml version="1.0" encoding="utf-8"?>
+<p:sld xmlns:a="http://schemas.openxmlformats.org/drawingml/2006/main" xmlns:r="http://schemas.openxmlformats.org/officeDocument/2006/relationships" xmlns:p="http://schemas.openxmlformats.org/presentationml/2006/main">
+  <p:cSld>
+    <p:spTree>
+      <p:nvGrpSpPr>
+        <p:cNvPr id="1" name=""/>
+        <p:cNvGrpSpPr/>
+        <p:nvPr/>
+      </p:nvGrpSpPr>
+      <p:grpSpPr>
+        <a:xfrm>
+          <a:off x="0" y="0"/>
+          <a:ext cx="0" cy="0"/>
+          <a:chOff x="0" y="0"/>
+          <a:chExt cx="0" cy="0"/>
+        </a:xfrm>
+      </p:grpSpPr>
+      <p:pic>
+        <p:nvPicPr>
+          <p:cNvPr id="6" name="Picture 5">
+            <a:extLst>
+              <a:ext uri="{FF2B5EF4-FFF2-40B4-BE49-F238E27FC236}">
+                <a16:creationId xmlns:a16="http://schemas.microsoft.com/office/drawing/2014/main" id="{5C5372E4-2CB2-4AF0-B83A-0400689E9446}"/>
+              </a:ext>
+            </a:extLst>
+          </p:cNvPr>
+          <p:cNvPicPr>
+            <a:picLocks noChangeAspect="1"/>
+          </p:cNvPicPr>
+          <p:nvPr/>
+        </p:nvPicPr>
+        <p:blipFill>
+          <a:blip r:embed="rId2"/>
+          <a:stretch>
+            <a:fillRect/>
+          </a:stretch>
+        </p:blipFill>
+        <p:spPr>
+          <a:xfrm>
+            <a:off x="4755155" y="4012405"/>
+            <a:ext cx="3707167" cy="2800971"/>
+          </a:xfrm>
+          <a:prstGeom prst="rect">
+            <a:avLst/>
+          </a:prstGeom>
+        </p:spPr>
+      </p:pic>
+      <p:sp>
+        <p:nvSpPr>
+          <p:cNvPr id="2" name="Title 1">
+            <a:extLst>
+              <a:ext uri="{FF2B5EF4-FFF2-40B4-BE49-F238E27FC236}">
+                <a16:creationId xmlns:a16="http://schemas.microsoft.com/office/drawing/2014/main" id="{B79C7CA6-05E3-4A81-9281-56492FAF2D30}"/>
+              </a:ext>
+            </a:extLst>
+          </p:cNvPr>
+          <p:cNvSpPr>
+            <a:spLocks noGrp="1"/>
+          </p:cNvSpPr>
+          <p:nvPr>
+            <p:ph type="title"/>
+          </p:nvPr>
+        </p:nvSpPr>
+        <p:spPr/>
+        <p:txBody>
+          <a:bodyPr>
+            <a:normAutofit fontScale="90000"/>
+          </a:bodyPr>
+          <a:lstStyle/>
+          <a:p>
+            <a:r>
+              <a:rPr lang="es-AR" dirty="0"/>
+              <a:t>TD(</a:t>
+            </a:r>
+            <a:r>
+              <a:rPr lang="es-AR" dirty="0">
+                <a:sym typeface="Symbol" panose="05050102010706020507" pitchFamily="18" charset="2"/>
+              </a:rPr>
+              <a:t>) and ATD() </a:t>
+            </a:r>
+            <a:r>
+              <a:rPr lang="es-AR" dirty="0" err="1">
+                <a:sym typeface="Symbol" panose="05050102010706020507" pitchFamily="18" charset="2"/>
+              </a:rPr>
+              <a:t>for</a:t>
+            </a:r>
+            <a:r>
+              <a:rPr lang="es-AR" dirty="0">
+                <a:sym typeface="Symbol" panose="05050102010706020507" pitchFamily="18" charset="2"/>
+              </a:rPr>
+              <a:t> </a:t>
+            </a:r>
+            <a:r>
+              <a:rPr lang="es-AR" dirty="0" err="1">
+                <a:sym typeface="Symbol" panose="05050102010706020507" pitchFamily="18" charset="2"/>
+              </a:rPr>
+              <a:t>different</a:t>
+            </a:r>
+            <a:r>
+              <a:rPr lang="es-AR" dirty="0">
+                <a:sym typeface="Symbol" panose="05050102010706020507" pitchFamily="18" charset="2"/>
+              </a:rPr>
+              <a:t> ’s</a:t>
+            </a:r>
+            <a:br>
+              <a:rPr lang="es-AR" dirty="0">
+                <a:sym typeface="Symbol" panose="05050102010706020507" pitchFamily="18" charset="2"/>
+              </a:rPr>
+            </a:br>
+            <a:r>
+              <a:rPr lang="es-AR" dirty="0">
+                <a:sym typeface="Symbol" panose="05050102010706020507" pitchFamily="18" charset="2"/>
+              </a:rPr>
+              <a:t>19-state 1D </a:t>
+            </a:r>
+            <a:r>
+              <a:rPr lang="es-AR" dirty="0" err="1">
+                <a:sym typeface="Symbol" panose="05050102010706020507" pitchFamily="18" charset="2"/>
+              </a:rPr>
+              <a:t>gridworld</a:t>
+            </a:r>
+            <a:endParaRPr lang="en-IE" dirty="0"/>
+          </a:p>
+        </p:txBody>
+      </p:sp>
+      <p:sp>
+        <p:nvSpPr>
+          <p:cNvPr id="3" name="Slide Number Placeholder 2">
+            <a:extLst>
+              <a:ext uri="{FF2B5EF4-FFF2-40B4-BE49-F238E27FC236}">
+                <a16:creationId xmlns:a16="http://schemas.microsoft.com/office/drawing/2014/main" id="{4D32CB7C-6840-413D-A5D2-423CA6F81407}"/>
+              </a:ext>
+            </a:extLst>
+          </p:cNvPr>
+          <p:cNvSpPr>
+            <a:spLocks noGrp="1"/>
+          </p:cNvSpPr>
+          <p:nvPr>
+            <p:ph type="sldNum" sz="quarter" idx="12"/>
+          </p:nvPr>
+        </p:nvSpPr>
+        <p:spPr/>
+        <p:txBody>
+          <a:bodyPr/>
+          <a:lstStyle/>
+          <a:p>
+            <a:fld id="{62D96F91-737B-4795-86FD-3CFC620DA94D}" type="slidenum">
+              <a:rPr lang="en-US" smtClean="0"/>
+              <a:t>36</a:t>
+            </a:fld>
+            <a:endParaRPr lang="en-US"/>
+          </a:p>
+        </p:txBody>
+      </p:sp>
+      <p:pic>
+        <p:nvPicPr>
+          <p:cNvPr id="8" name="Picture 7">
+            <a:extLst>
+              <a:ext uri="{FF2B5EF4-FFF2-40B4-BE49-F238E27FC236}">
+                <a16:creationId xmlns:a16="http://schemas.microsoft.com/office/drawing/2014/main" id="{8C6A6E13-6B8C-4BF0-80EA-C9A9B23B0DE8}"/>
+              </a:ext>
+            </a:extLst>
+          </p:cNvPr>
+          <p:cNvPicPr>
+            <a:picLocks noChangeAspect="1"/>
+          </p:cNvPicPr>
+          <p:nvPr/>
+        </p:nvPicPr>
+        <p:blipFill>
+          <a:blip r:embed="rId3"/>
+          <a:stretch>
+            <a:fillRect/>
+          </a:stretch>
+        </p:blipFill>
+        <p:spPr>
+          <a:xfrm>
+            <a:off x="170833" y="1531949"/>
+            <a:ext cx="4545183" cy="3625243"/>
+          </a:xfrm>
+          <a:prstGeom prst="rect">
+            <a:avLst/>
+          </a:prstGeom>
+        </p:spPr>
+      </p:pic>
+      <p:pic>
+        <p:nvPicPr>
+          <p:cNvPr id="9" name="Picture 8">
+            <a:extLst>
+              <a:ext uri="{FF2B5EF4-FFF2-40B4-BE49-F238E27FC236}">
+                <a16:creationId xmlns:a16="http://schemas.microsoft.com/office/drawing/2014/main" id="{35931032-B00E-4D9D-9732-EBB91E5AC50F}"/>
+              </a:ext>
+            </a:extLst>
+          </p:cNvPr>
+          <p:cNvPicPr>
+            <a:picLocks noChangeAspect="1"/>
+          </p:cNvPicPr>
+          <p:nvPr/>
+        </p:nvPicPr>
+        <p:blipFill>
+          <a:blip r:embed="rId4"/>
+          <a:stretch>
+            <a:fillRect/>
+          </a:stretch>
+        </p:blipFill>
+        <p:spPr>
+          <a:xfrm>
+            <a:off x="4734550" y="1388865"/>
+            <a:ext cx="3709238" cy="2800972"/>
+          </a:xfrm>
+          <a:prstGeom prst="rect">
+            <a:avLst/>
+          </a:prstGeom>
+        </p:spPr>
+      </p:pic>
+      <p:sp>
+        <p:nvSpPr>
+          <p:cNvPr id="7" name="TextBox 6">
+            <a:extLst>
+              <a:ext uri="{FF2B5EF4-FFF2-40B4-BE49-F238E27FC236}">
+                <a16:creationId xmlns:a16="http://schemas.microsoft.com/office/drawing/2014/main" id="{8A8B91FB-EE4D-4137-9A66-B3C987A33B75}"/>
+              </a:ext>
+            </a:extLst>
+          </p:cNvPr>
+          <p:cNvSpPr txBox="1"/>
+          <p:nvPr/>
+        </p:nvSpPr>
+        <p:spPr>
+          <a:xfrm rot="16200000">
+            <a:off x="7658837" y="5079207"/>
+            <a:ext cx="1872208" cy="369332"/>
+          </a:xfrm>
+          <a:prstGeom prst="rect">
+            <a:avLst/>
+          </a:prstGeom>
+          <a:noFill/>
+        </p:spPr>
+        <p:txBody>
+          <a:bodyPr wrap="square" rtlCol="0">
+            <a:spAutoFit/>
+          </a:bodyPr>
+          <a:lstStyle/>
+          <a:p>
+            <a:pPr algn="ctr"/>
+            <a:r>
+              <a:rPr lang="en-IE" dirty="0">
+                <a:sym typeface="Symbol" panose="05050102010706020507" pitchFamily="18" charset="2"/>
+              </a:rPr>
+              <a:t>max = 0.99</a:t>
+            </a:r>
+            <a:endParaRPr lang="en-IE" dirty="0"/>
+          </a:p>
+        </p:txBody>
+      </p:sp>
+      <p:sp>
+        <p:nvSpPr>
+          <p:cNvPr id="10" name="TextBox 9">
+            <a:extLst>
+              <a:ext uri="{FF2B5EF4-FFF2-40B4-BE49-F238E27FC236}">
+                <a16:creationId xmlns:a16="http://schemas.microsoft.com/office/drawing/2014/main" id="{22E5FCB4-2D1F-4C39-AE1B-75FB1210D9C4}"/>
+              </a:ext>
+            </a:extLst>
+          </p:cNvPr>
+          <p:cNvSpPr txBox="1"/>
+          <p:nvPr/>
+        </p:nvSpPr>
+        <p:spPr>
+          <a:xfrm rot="16200000">
+            <a:off x="7658837" y="2497133"/>
+            <a:ext cx="1872208" cy="369332"/>
+          </a:xfrm>
+          <a:prstGeom prst="rect">
+            <a:avLst/>
+          </a:prstGeom>
+          <a:noFill/>
+        </p:spPr>
+        <p:txBody>
+          <a:bodyPr wrap="square" rtlCol="0">
+            <a:spAutoFit/>
+          </a:bodyPr>
+          <a:lstStyle/>
+          <a:p>
+            <a:pPr algn="ctr"/>
+            <a:r>
+              <a:rPr lang="en-IE" dirty="0">
+                <a:sym typeface="Symbol" panose="05050102010706020507" pitchFamily="18" charset="2"/>
+              </a:rPr>
+              <a:t>max = 0.95</a:t>
+            </a:r>
+            <a:endParaRPr lang="en-IE" dirty="0"/>
+          </a:p>
+        </p:txBody>
+      </p:sp>
+    </p:spTree>
+    <p:extLst>
+      <p:ext uri="{BB962C8B-B14F-4D97-AF65-F5344CB8AC3E}">
+        <p14:creationId xmlns:p14="http://schemas.microsoft.com/office/powerpoint/2010/main" val="2515077707"/>
+      </p:ext>
+    </p:extLst>
+  </p:cSld>
+  <p:clrMapOvr>
+    <a:masterClrMapping/>
+  </p:clrMapOvr>
+</p:sld>
+</file>
+
+<file path=ppt/slides/slide37.xml><?xml version="1.0" encoding="utf-8"?>
+<p:sld xmlns:a="http://schemas.openxmlformats.org/drawingml/2006/main" xmlns:r="http://schemas.openxmlformats.org/officeDocument/2006/relationships" xmlns:p="http://schemas.openxmlformats.org/presentationml/2006/main">
+  <p:cSld>
+    <p:spTree>
+      <p:nvGrpSpPr>
+        <p:cNvPr id="1" name=""/>
+        <p:cNvGrpSpPr/>
+        <p:nvPr/>
+      </p:nvGrpSpPr>
+      <p:grpSpPr>
+        <a:xfrm>
+          <a:off x="0" y="0"/>
+          <a:ext cx="0" cy="0"/>
+          <a:chOff x="0" y="0"/>
+          <a:chExt cx="0" cy="0"/>
+        </a:xfrm>
+      </p:grpSpPr>
+      <p:pic>
+        <p:nvPicPr>
+          <p:cNvPr id="8" name="Picture 7">
+            <a:extLst>
+              <a:ext uri="{FF2B5EF4-FFF2-40B4-BE49-F238E27FC236}">
+                <a16:creationId xmlns:a16="http://schemas.microsoft.com/office/drawing/2014/main" id="{4326245F-127D-4803-8B57-DF01D5A4CBFF}"/>
+              </a:ext>
+            </a:extLst>
+          </p:cNvPr>
+          <p:cNvPicPr>
+            <a:picLocks noChangeAspect="1"/>
+          </p:cNvPicPr>
+          <p:nvPr/>
+        </p:nvPicPr>
+        <p:blipFill>
+          <a:blip r:embed="rId2"/>
+          <a:stretch>
+            <a:fillRect/>
+          </a:stretch>
+        </p:blipFill>
+        <p:spPr>
+          <a:xfrm>
+            <a:off x="4788024" y="4052462"/>
+            <a:ext cx="3600400" cy="2688906"/>
+          </a:xfrm>
+          <a:prstGeom prst="rect">
+            <a:avLst/>
+          </a:prstGeom>
+        </p:spPr>
+      </p:pic>
+      <p:sp>
+        <p:nvSpPr>
+          <p:cNvPr id="2" name="Title 1">
+            <a:extLst>
+              <a:ext uri="{FF2B5EF4-FFF2-40B4-BE49-F238E27FC236}">
+                <a16:creationId xmlns:a16="http://schemas.microsoft.com/office/drawing/2014/main" id="{B79C7CA6-05E3-4A81-9281-56492FAF2D30}"/>
+              </a:ext>
+            </a:extLst>
+          </p:cNvPr>
+          <p:cNvSpPr>
+            <a:spLocks noGrp="1"/>
+          </p:cNvSpPr>
+          <p:nvPr>
+            <p:ph type="title"/>
+          </p:nvPr>
+        </p:nvSpPr>
+        <p:spPr/>
+        <p:txBody>
+          <a:bodyPr>
+            <a:normAutofit fontScale="90000"/>
+          </a:bodyPr>
+          <a:lstStyle/>
+          <a:p>
+            <a:r>
+              <a:rPr lang="es-AR" dirty="0"/>
+              <a:t>TD(</a:t>
+            </a:r>
+            <a:r>
+              <a:rPr lang="es-AR" dirty="0">
+                <a:sym typeface="Symbol" panose="05050102010706020507" pitchFamily="18" charset="2"/>
+              </a:rPr>
+              <a:t>) and HATD() </a:t>
+            </a:r>
+            <a:r>
+              <a:rPr lang="es-AR" dirty="0" err="1">
+                <a:sym typeface="Symbol" panose="05050102010706020507" pitchFamily="18" charset="2"/>
+              </a:rPr>
+              <a:t>for</a:t>
+            </a:r>
+            <a:r>
+              <a:rPr lang="es-AR" dirty="0">
+                <a:sym typeface="Symbol" panose="05050102010706020507" pitchFamily="18" charset="2"/>
+              </a:rPr>
+              <a:t> </a:t>
+            </a:r>
+            <a:r>
+              <a:rPr lang="es-AR" dirty="0" err="1">
+                <a:sym typeface="Symbol" panose="05050102010706020507" pitchFamily="18" charset="2"/>
+              </a:rPr>
+              <a:t>different</a:t>
+            </a:r>
+            <a:r>
+              <a:rPr lang="es-AR" dirty="0">
+                <a:sym typeface="Symbol" panose="05050102010706020507" pitchFamily="18" charset="2"/>
+              </a:rPr>
+              <a:t> ’s</a:t>
+            </a:r>
+            <a:br>
+              <a:rPr lang="es-AR" dirty="0">
+                <a:sym typeface="Symbol" panose="05050102010706020507" pitchFamily="18" charset="2"/>
+              </a:rPr>
+            </a:br>
+            <a:r>
+              <a:rPr lang="es-AR" dirty="0">
+                <a:sym typeface="Symbol" panose="05050102010706020507" pitchFamily="18" charset="2"/>
+              </a:rPr>
+              <a:t>19-state 1D </a:t>
+            </a:r>
+            <a:r>
+              <a:rPr lang="es-AR" dirty="0" err="1">
+                <a:sym typeface="Symbol" panose="05050102010706020507" pitchFamily="18" charset="2"/>
+              </a:rPr>
+              <a:t>gridworld</a:t>
+            </a:r>
+            <a:endParaRPr lang="en-IE" dirty="0"/>
+          </a:p>
+        </p:txBody>
+      </p:sp>
+      <p:sp>
+        <p:nvSpPr>
+          <p:cNvPr id="3" name="Slide Number Placeholder 2">
+            <a:extLst>
+              <a:ext uri="{FF2B5EF4-FFF2-40B4-BE49-F238E27FC236}">
+                <a16:creationId xmlns:a16="http://schemas.microsoft.com/office/drawing/2014/main" id="{4D32CB7C-6840-413D-A5D2-423CA6F81407}"/>
+              </a:ext>
+            </a:extLst>
+          </p:cNvPr>
+          <p:cNvSpPr>
+            <a:spLocks noGrp="1"/>
+          </p:cNvSpPr>
+          <p:nvPr>
+            <p:ph type="sldNum" sz="quarter" idx="12"/>
+          </p:nvPr>
+        </p:nvSpPr>
+        <p:spPr/>
+        <p:txBody>
+          <a:bodyPr/>
+          <a:lstStyle/>
+          <a:p>
+            <a:fld id="{62D96F91-737B-4795-86FD-3CFC620DA94D}" type="slidenum">
+              <a:rPr lang="en-US" smtClean="0"/>
+              <a:t>37</a:t>
+            </a:fld>
+            <a:endParaRPr lang="en-US"/>
+          </a:p>
+        </p:txBody>
+      </p:sp>
+      <p:pic>
+        <p:nvPicPr>
+          <p:cNvPr id="6" name="Picture 5">
+            <a:extLst>
+              <a:ext uri="{FF2B5EF4-FFF2-40B4-BE49-F238E27FC236}">
+                <a16:creationId xmlns:a16="http://schemas.microsoft.com/office/drawing/2014/main" id="{C19C212C-6773-4372-9CEE-6B2A3E1D395F}"/>
+              </a:ext>
+            </a:extLst>
+          </p:cNvPr>
+          <p:cNvPicPr>
+            <a:picLocks noChangeAspect="1"/>
+          </p:cNvPicPr>
+          <p:nvPr/>
+        </p:nvPicPr>
+        <p:blipFill>
+          <a:blip r:embed="rId3"/>
+          <a:stretch>
+            <a:fillRect/>
+          </a:stretch>
+        </p:blipFill>
+        <p:spPr>
+          <a:xfrm>
+            <a:off x="179512" y="1556792"/>
+            <a:ext cx="4524271" cy="3585400"/>
+          </a:xfrm>
+          <a:prstGeom prst="rect">
+            <a:avLst/>
+          </a:prstGeom>
+        </p:spPr>
+      </p:pic>
+      <p:pic>
+        <p:nvPicPr>
+          <p:cNvPr id="7" name="Picture 6">
+            <a:extLst>
+              <a:ext uri="{FF2B5EF4-FFF2-40B4-BE49-F238E27FC236}">
+                <a16:creationId xmlns:a16="http://schemas.microsoft.com/office/drawing/2014/main" id="{498224DB-22CB-48FB-A673-32077FEBCB75}"/>
+              </a:ext>
+            </a:extLst>
+          </p:cNvPr>
+          <p:cNvPicPr>
+            <a:picLocks noChangeAspect="1"/>
+          </p:cNvPicPr>
+          <p:nvPr/>
+        </p:nvPicPr>
+        <p:blipFill>
+          <a:blip r:embed="rId4"/>
+          <a:stretch>
+            <a:fillRect/>
+          </a:stretch>
+        </p:blipFill>
+        <p:spPr>
+          <a:xfrm>
+            <a:off x="4788024" y="1417638"/>
+            <a:ext cx="3629079" cy="2703235"/>
+          </a:xfrm>
+          <a:prstGeom prst="rect">
+            <a:avLst/>
+          </a:prstGeom>
+        </p:spPr>
+      </p:pic>
+      <p:sp>
+        <p:nvSpPr>
+          <p:cNvPr id="4" name="TextBox 3">
+            <a:extLst>
+              <a:ext uri="{FF2B5EF4-FFF2-40B4-BE49-F238E27FC236}">
+                <a16:creationId xmlns:a16="http://schemas.microsoft.com/office/drawing/2014/main" id="{975B72BF-EFEB-4A1E-9225-34AD50547DA8}"/>
+              </a:ext>
+            </a:extLst>
+          </p:cNvPr>
+          <p:cNvSpPr txBox="1"/>
+          <p:nvPr/>
+        </p:nvSpPr>
+        <p:spPr>
+          <a:xfrm rot="16200000">
+            <a:off x="7658837" y="5079207"/>
+            <a:ext cx="1872208" cy="369332"/>
+          </a:xfrm>
+          <a:prstGeom prst="rect">
+            <a:avLst/>
+          </a:prstGeom>
+          <a:noFill/>
+        </p:spPr>
+        <p:txBody>
+          <a:bodyPr wrap="square" rtlCol="0">
+            <a:spAutoFit/>
+          </a:bodyPr>
+          <a:lstStyle/>
+          <a:p>
+            <a:pPr algn="ctr"/>
+            <a:r>
+              <a:rPr lang="en-IE" dirty="0">
+                <a:sym typeface="Symbol" panose="05050102010706020507" pitchFamily="18" charset="2"/>
+              </a:rPr>
+              <a:t>max = 0.8</a:t>
+            </a:r>
+            <a:endParaRPr lang="en-IE" dirty="0"/>
+          </a:p>
+        </p:txBody>
+      </p:sp>
+      <p:sp>
+        <p:nvSpPr>
+          <p:cNvPr id="9" name="TextBox 8">
+            <a:extLst>
+              <a:ext uri="{FF2B5EF4-FFF2-40B4-BE49-F238E27FC236}">
+                <a16:creationId xmlns:a16="http://schemas.microsoft.com/office/drawing/2014/main" id="{45DE23BB-2048-48D2-BD97-B791B5640E0A}"/>
+              </a:ext>
+            </a:extLst>
+          </p:cNvPr>
+          <p:cNvSpPr txBox="1"/>
+          <p:nvPr/>
+        </p:nvSpPr>
+        <p:spPr>
+          <a:xfrm rot="16200000">
+            <a:off x="7658837" y="2497133"/>
+            <a:ext cx="1872208" cy="369332"/>
+          </a:xfrm>
+          <a:prstGeom prst="rect">
+            <a:avLst/>
+          </a:prstGeom>
+          <a:noFill/>
+        </p:spPr>
+        <p:txBody>
+          <a:bodyPr wrap="square" rtlCol="0">
+            <a:spAutoFit/>
+          </a:bodyPr>
+          <a:lstStyle/>
+          <a:p>
+            <a:pPr algn="ctr"/>
+            <a:r>
+              <a:rPr lang="en-IE" dirty="0">
+                <a:sym typeface="Symbol" panose="05050102010706020507" pitchFamily="18" charset="2"/>
+              </a:rPr>
+              <a:t>max = 0.95</a:t>
+            </a:r>
+            <a:endParaRPr lang="en-IE" dirty="0"/>
+          </a:p>
+        </p:txBody>
+      </p:sp>
+      <p:pic>
+        <p:nvPicPr>
+          <p:cNvPr id="5" name="Picture 4">
+            <a:extLst>
+              <a:ext uri="{FF2B5EF4-FFF2-40B4-BE49-F238E27FC236}">
+                <a16:creationId xmlns:a16="http://schemas.microsoft.com/office/drawing/2014/main" id="{4F83A3BE-779E-4B26-9316-3FEA7EC18417}"/>
+              </a:ext>
+            </a:extLst>
+          </p:cNvPr>
+          <p:cNvPicPr>
+            <a:picLocks noChangeAspect="1"/>
+          </p:cNvPicPr>
+          <p:nvPr/>
+        </p:nvPicPr>
+        <p:blipFill>
+          <a:blip r:embed="rId5"/>
+          <a:stretch>
+            <a:fillRect/>
+          </a:stretch>
+        </p:blipFill>
+        <p:spPr>
+          <a:xfrm>
+            <a:off x="2428080" y="5045733"/>
+            <a:ext cx="2061568" cy="1555161"/>
+          </a:xfrm>
+          <a:prstGeom prst="rect">
+            <a:avLst/>
+          </a:prstGeom>
+        </p:spPr>
+      </p:pic>
+      <p:sp>
+        <p:nvSpPr>
+          <p:cNvPr id="10" name="TextBox 9">
+            <a:extLst>
+              <a:ext uri="{FF2B5EF4-FFF2-40B4-BE49-F238E27FC236}">
+                <a16:creationId xmlns:a16="http://schemas.microsoft.com/office/drawing/2014/main" id="{2776E753-C6B5-4D0C-BE6D-38874B75C347}"/>
+              </a:ext>
+            </a:extLst>
+          </p:cNvPr>
+          <p:cNvSpPr txBox="1"/>
+          <p:nvPr/>
+        </p:nvSpPr>
+        <p:spPr>
+          <a:xfrm rot="16200000">
+            <a:off x="1223069" y="5638647"/>
+            <a:ext cx="1872208" cy="369332"/>
+          </a:xfrm>
+          <a:prstGeom prst="rect">
+            <a:avLst/>
+          </a:prstGeom>
+          <a:noFill/>
+        </p:spPr>
+        <p:txBody>
+          <a:bodyPr wrap="square" rtlCol="0">
+            <a:spAutoFit/>
+          </a:bodyPr>
+          <a:lstStyle/>
+          <a:p>
+            <a:pPr algn="ctr"/>
+            <a:r>
+              <a:rPr lang="en-IE" dirty="0">
+                <a:sym typeface="Symbol" panose="05050102010706020507" pitchFamily="18" charset="2"/>
+              </a:rPr>
+              <a:t>max </a:t>
+            </a:r>
+            <a:r>
+              <a:rPr lang="en-IE">
+                <a:sym typeface="Symbol" panose="05050102010706020507" pitchFamily="18" charset="2"/>
+              </a:rPr>
+              <a:t>= 0.5</a:t>
+            </a:r>
+            <a:endParaRPr lang="en-IE" dirty="0"/>
+          </a:p>
+        </p:txBody>
+      </p:sp>
+    </p:spTree>
+    <p:extLst>
+      <p:ext uri="{BB962C8B-B14F-4D97-AF65-F5344CB8AC3E}">
+        <p14:creationId xmlns:p14="http://schemas.microsoft.com/office/powerpoint/2010/main" val="970704355"/>
+      </p:ext>
+    </p:extLst>
+  </p:cSld>
+  <p:clrMapOvr>
+    <a:masterClrMapping/>
+  </p:clrMapOvr>
+</p:sld>
+</file>
+
+<file path=ppt/slides/slide38.xml><?xml version="1.0" encoding="utf-8"?>
+<p:sld xmlns:a="http://schemas.openxmlformats.org/drawingml/2006/main" xmlns:r="http://schemas.openxmlformats.org/officeDocument/2006/relationships" xmlns:p="http://schemas.openxmlformats.org/presentationml/2006/main">
+  <p:cSld>
+    <p:spTree>
+      <p:nvGrpSpPr>
+        <p:cNvPr id="1" name=""/>
+        <p:cNvGrpSpPr/>
+        <p:nvPr/>
+      </p:nvGrpSpPr>
+      <p:grpSpPr>
+        <a:xfrm>
+          <a:off x="0" y="0"/>
+          <a:ext cx="0" cy="0"/>
+          <a:chOff x="0" y="0"/>
+          <a:chExt cx="0" cy="0"/>
+        </a:xfrm>
+      </p:grpSpPr>
+      <p:sp>
+        <p:nvSpPr>
+          <p:cNvPr id="2" name="Title 1"/>
+          <p:cNvSpPr>
+            <a:spLocks noGrp="1"/>
+          </p:cNvSpPr>
+          <p:nvPr>
+            <p:ph type="ctrTitle"/>
+          </p:nvPr>
+        </p:nvSpPr>
+        <p:spPr/>
+        <p:txBody>
+          <a:bodyPr/>
+          <a:lstStyle/>
+          <a:p>
+            <a:r>
+              <a:rPr lang="en-US" dirty="0">
+                <a:sym typeface="Symbol"/>
+              </a:rPr>
+              <a:t>APPENDIX</a:t>
+            </a:r>
+            <a:endParaRPr lang="en-US" dirty="0"/>
+          </a:p>
+        </p:txBody>
+      </p:sp>
+      <p:sp>
+        <p:nvSpPr>
+          <p:cNvPr id="3" name="Subtitle 2"/>
+          <p:cNvSpPr>
+            <a:spLocks noGrp="1"/>
+          </p:cNvSpPr>
+          <p:nvPr>
+            <p:ph type="subTitle" idx="1"/>
+          </p:nvPr>
+        </p:nvSpPr>
+        <p:spPr/>
+        <p:txBody>
+          <a:bodyPr/>
+          <a:lstStyle/>
+          <a:p>
+            <a:endParaRPr lang="en-US" dirty="0"/>
+          </a:p>
+        </p:txBody>
+      </p:sp>
+      <p:sp>
+        <p:nvSpPr>
+          <p:cNvPr id="4" name="Slide Number Placeholder 3"/>
+          <p:cNvSpPr>
+            <a:spLocks noGrp="1"/>
+          </p:cNvSpPr>
+          <p:nvPr>
+            <p:ph type="sldNum" sz="quarter" idx="12"/>
+          </p:nvPr>
+        </p:nvSpPr>
+        <p:spPr/>
+        <p:txBody>
+          <a:bodyPr/>
+          <a:lstStyle/>
+          <a:p>
+            <a:fld id="{62D96F91-737B-4795-86FD-3CFC620DA94D}" type="slidenum">
+              <a:rPr lang="en-US" smtClean="0"/>
+              <a:t>38</a:t>
+            </a:fld>
+            <a:endParaRPr lang="en-US"/>
+          </a:p>
+        </p:txBody>
+      </p:sp>
+    </p:spTree>
+    <p:extLst>
+      <p:ext uri="{BB962C8B-B14F-4D97-AF65-F5344CB8AC3E}">
+        <p14:creationId xmlns:p14="http://schemas.microsoft.com/office/powerpoint/2010/main" val="2823538222"/>
+      </p:ext>
+    </p:extLst>
+  </p:cSld>
+  <p:clrMapOvr>
+    <a:masterClrMapping/>
+  </p:clrMapOvr>
+</p:sld>
+</file>
+
+<file path=ppt/slides/slide39.xml><?xml version="1.0" encoding="utf-8"?>
+<p:sld xmlns:a="http://schemas.openxmlformats.org/drawingml/2006/main" xmlns:r="http://schemas.openxmlformats.org/officeDocument/2006/relationships" xmlns:p="http://schemas.openxmlformats.org/presentationml/2006/main">
+  <p:cSld>
+    <p:spTree>
+      <p:nvGrpSpPr>
+        <p:cNvPr id="1" name=""/>
+        <p:cNvGrpSpPr/>
+        <p:nvPr/>
+      </p:nvGrpSpPr>
+      <p:grpSpPr>
+        <a:xfrm>
+          <a:off x="0" y="0"/>
+          <a:ext cx="0" cy="0"/>
+          <a:chOff x="0" y="0"/>
+          <a:chExt cx="0" cy="0"/>
+        </a:xfrm>
+      </p:grpSpPr>
+      <p:sp>
+        <p:nvSpPr>
+          <p:cNvPr id="2" name="Title 1"/>
+          <p:cNvSpPr>
+            <a:spLocks noGrp="1"/>
+          </p:cNvSpPr>
+          <p:nvPr>
+            <p:ph type="title"/>
+          </p:nvPr>
+        </p:nvSpPr>
+        <p:spPr/>
+        <p:txBody>
+          <a:bodyPr>
+            <a:normAutofit/>
+          </a:bodyPr>
+          <a:lstStyle/>
+          <a:p>
+            <a:r>
+              <a:rPr lang="en-US" sz="2800" dirty="0">
+                <a:sym typeface="Symbol"/>
+              </a:rPr>
+              <a:t>Distribution of  by state over time</a:t>
+            </a:r>
+            <a:br>
+              <a:rPr lang="en-US" sz="2800" dirty="0">
+                <a:sym typeface="Symbol"/>
+              </a:rPr>
+            </a:br>
+            <a:r>
+              <a:rPr lang="en-US" sz="2400" dirty="0">
+                <a:sym typeface="Symbol"/>
+              </a:rPr>
+              <a:t>Boltzmann law f(x) = 1 – exp(-|x|) is a function of x = (t)/</a:t>
+            </a:r>
+            <a:r>
+              <a:rPr lang="en-US" sz="2400" i="1" dirty="0">
                 <a:solidFill>
                   <a:srgbClr val="C00000"/>
                 </a:solidFill>
@@ -7333,7 +9705,7 @@
           <a:p>
             <a:fld id="{62D96F91-737B-4795-86FD-3CFC620DA94D}" type="slidenum">
               <a:rPr lang="en-US" smtClean="0"/>
-              <a:t>23</a:t>
+              <a:t>39</a:t>
             </a:fld>
             <a:endParaRPr lang="en-US"/>
           </a:p>
@@ -7363,17 +9735,16 @@
           <a:p>
             <a:pPr algn="ctr"/>
             <a:r>
-              <a:rPr lang="en-US" sz="1400" b="1" dirty="0" smtClean="0"/>
+              <a:rPr lang="en-US" sz="1400" b="1" dirty="0"/>
               <a:t>First</a:t>
             </a:r>
           </a:p>
           <a:p>
             <a:pPr algn="ctr"/>
             <a:r>
-              <a:rPr lang="en-US" sz="1400" b="1" dirty="0" smtClean="0"/>
+              <a:rPr lang="en-US" sz="1400" b="1" dirty="0"/>
               <a:t>20 episodes</a:t>
             </a:r>
-            <a:endParaRPr lang="en-US" sz="1400" b="1" dirty="0"/>
           </a:p>
         </p:txBody>
       </p:sp>
@@ -7542,17 +9913,16 @@
           <a:p>
             <a:pPr algn="ctr"/>
             <a:r>
-              <a:rPr lang="en-US" sz="1400" b="1" dirty="0" smtClean="0"/>
+              <a:rPr lang="en-US" sz="1400" b="1" dirty="0"/>
               <a:t>First</a:t>
             </a:r>
           </a:p>
           <a:p>
             <a:pPr algn="ctr"/>
             <a:r>
-              <a:rPr lang="en-US" sz="1400" b="1" dirty="0" smtClean="0"/>
+              <a:rPr lang="en-US" sz="1400" b="1" dirty="0"/>
               <a:t>200 episodes</a:t>
             </a:r>
-            <a:endParaRPr lang="en-US" sz="1400" b="1" dirty="0"/>
           </a:p>
         </p:txBody>
       </p:sp>
@@ -7580,17 +9950,16 @@
           <a:p>
             <a:pPr algn="ctr"/>
             <a:r>
-              <a:rPr lang="en-US" sz="1400" b="1" dirty="0" smtClean="0"/>
+              <a:rPr lang="en-US" sz="1400" b="1" dirty="0"/>
               <a:t>First</a:t>
             </a:r>
           </a:p>
           <a:p>
             <a:pPr algn="ctr"/>
             <a:r>
-              <a:rPr lang="en-US" sz="1400" b="1" dirty="0" smtClean="0"/>
+              <a:rPr lang="en-US" sz="1400" b="1" dirty="0"/>
               <a:t>1000 episodes</a:t>
             </a:r>
-            <a:endParaRPr lang="en-US" sz="1400" b="1" dirty="0"/>
           </a:p>
         </p:txBody>
       </p:sp>
@@ -7617,23 +9986,23 @@
           <a:lstStyle/>
           <a:p>
             <a:r>
-              <a:rPr lang="en-US" sz="1600" dirty="0" smtClean="0"/>
+              <a:rPr lang="en-US" sz="1600" dirty="0"/>
               <a:t>We observe that the distribution of </a:t>
             </a:r>
             <a:r>
-              <a:rPr lang="en-US" sz="1600" dirty="0" smtClean="0">
+              <a:rPr lang="en-US" sz="1600" dirty="0">
                 <a:sym typeface="Symbol"/>
               </a:rPr>
               <a:t> by state tends to an Atari shape… which is </a:t>
             </a:r>
             <a:r>
-              <a:rPr lang="en-US" sz="1600" b="1" dirty="0" smtClean="0">
+              <a:rPr lang="en-US" sz="1600" b="1" dirty="0">
                 <a:sym typeface="Symbol"/>
               </a:rPr>
               <a:t>due to the division by V(S(t)) which is very small for middle states</a:t>
             </a:r>
             <a:r>
-              <a:rPr lang="en-US" sz="1600" dirty="0" smtClean="0">
+              <a:rPr lang="en-US" sz="1600" dirty="0">
                 <a:sym typeface="Symbol"/>
               </a:rPr>
               <a:t>, explaining the larger values of  for those states compared to border states.</a:t>
@@ -7652,17 +10021,10 @@
   <p:clrMapOvr>
     <a:masterClrMapping/>
   </p:clrMapOvr>
-  <p:timing>
-    <p:tnLst>
-      <p:par>
-        <p:cTn id="1" dur="indefinite" restart="never" nodeType="tmRoot"/>
-      </p:par>
-    </p:tnLst>
-  </p:timing>
 </p:sld>
 </file>
 
-<file path=ppt/slides/slide24.xml><?xml version="1.0" encoding="utf-8"?>
+<file path=ppt/slides/slide4.xml><?xml version="1.0" encoding="utf-8"?>
 <p:sld xmlns:a="http://schemas.openxmlformats.org/drawingml/2006/main" xmlns:r="http://schemas.openxmlformats.org/officeDocument/2006/relationships" xmlns:p="http://schemas.openxmlformats.org/presentationml/2006/main">
   <p:cSld>
     <p:spTree>
@@ -7679,8 +10041,216 @@
           <a:chExt cx="0" cy="0"/>
         </a:xfrm>
       </p:grpSpPr>
-      <mc:AlternateContent xmlns:mc="http://schemas.openxmlformats.org/markup-compatibility/2006">
-        <mc:Choice xmlns:a14="http://schemas.microsoft.com/office/drawing/2010/main" Requires="a14">
+      <p:sp>
+        <p:nvSpPr>
+          <p:cNvPr id="2" name="Title 1"/>
+          <p:cNvSpPr>
+            <a:spLocks noGrp="1"/>
+          </p:cNvSpPr>
+          <p:nvPr>
+            <p:ph type="title"/>
+          </p:nvPr>
+        </p:nvSpPr>
+        <p:spPr/>
+        <p:txBody>
+          <a:bodyPr>
+            <a:noAutofit/>
+          </a:bodyPr>
+          <a:lstStyle/>
+          <a:p>
+            <a:r>
+              <a:rPr lang="en-US" sz="3600" dirty="0"/>
+              <a:t>MC, </a:t>
+            </a:r>
+            <a:r>
+              <a:rPr lang="en-US" sz="3600" dirty="0">
+                <a:sym typeface="Symbol"/>
+              </a:rPr>
+              <a:t>-</a:t>
+            </a:r>
+            <a:r>
+              <a:rPr lang="en-US" sz="3600" dirty="0"/>
+              <a:t>adjust by first-visit State Count</a:t>
+            </a:r>
+            <a:br>
+              <a:rPr lang="en-US" sz="3600" dirty="0"/>
+            </a:br>
+            <a:r>
+              <a:rPr lang="en-US" sz="3600" dirty="0"/>
+              <a:t>seed=1717, #</a:t>
+            </a:r>
+            <a:r>
+              <a:rPr lang="en-US" sz="3600" dirty="0" err="1"/>
+              <a:t>exp</a:t>
+            </a:r>
+            <a:r>
+              <a:rPr lang="en-US" sz="3600" dirty="0"/>
+              <a:t>=10, start=10</a:t>
+            </a:r>
+          </a:p>
+        </p:txBody>
+      </p:sp>
+      <p:sp>
+        <p:nvSpPr>
+          <p:cNvPr id="4" name="TextBox 3"/>
+          <p:cNvSpPr txBox="1"/>
+          <p:nvPr/>
+        </p:nvSpPr>
+        <p:spPr>
+          <a:xfrm>
+            <a:off x="1115616" y="6309320"/>
+            <a:ext cx="7128792" cy="307777"/>
+          </a:xfrm>
+          <a:prstGeom prst="rect">
+            <a:avLst/>
+          </a:prstGeom>
+          <a:noFill/>
+        </p:spPr>
+        <p:txBody>
+          <a:bodyPr wrap="square" rtlCol="0">
+            <a:spAutoFit/>
+          </a:bodyPr>
+          <a:lstStyle/>
+          <a:p>
+            <a:r>
+              <a:rPr lang="en-US" sz="1400" i="1" dirty="0"/>
+              <a:t>The variability observed across experiments (not plotted) is reasonable</a:t>
+            </a:r>
+          </a:p>
+        </p:txBody>
+      </p:sp>
+      <p:sp>
+        <p:nvSpPr>
+          <p:cNvPr id="5" name="TextBox 4"/>
+          <p:cNvSpPr txBox="1"/>
+          <p:nvPr/>
+        </p:nvSpPr>
+        <p:spPr>
+          <a:xfrm>
+            <a:off x="1115616" y="6033434"/>
+            <a:ext cx="7128792" cy="307777"/>
+          </a:xfrm>
+          <a:prstGeom prst="rect">
+            <a:avLst/>
+          </a:prstGeom>
+          <a:noFill/>
+        </p:spPr>
+        <p:txBody>
+          <a:bodyPr wrap="square" rtlCol="0">
+            <a:spAutoFit/>
+          </a:bodyPr>
+          <a:lstStyle/>
+          <a:p>
+            <a:r>
+              <a:rPr lang="en-US" sz="1400" i="1" dirty="0"/>
+              <a:t>Initial </a:t>
+            </a:r>
+            <a:r>
+              <a:rPr lang="en-US" sz="1400" i="1" dirty="0">
+                <a:sym typeface="Symbol"/>
+              </a:rPr>
+              <a:t> = 1</a:t>
+            </a:r>
+            <a:endParaRPr lang="en-US" sz="1400" i="1" dirty="0"/>
+          </a:p>
+        </p:txBody>
+      </p:sp>
+      <p:sp>
+        <p:nvSpPr>
+          <p:cNvPr id="3" name="Slide Number Placeholder 2"/>
+          <p:cNvSpPr>
+            <a:spLocks noGrp="1"/>
+          </p:cNvSpPr>
+          <p:nvPr>
+            <p:ph type="sldNum" sz="quarter" idx="12"/>
+          </p:nvPr>
+        </p:nvSpPr>
+        <p:spPr/>
+        <p:txBody>
+          <a:bodyPr/>
+          <a:lstStyle/>
+          <a:p>
+            <a:fld id="{62D96F91-737B-4795-86FD-3CFC620DA94D}" type="slidenum">
+              <a:rPr lang="en-US" smtClean="0"/>
+              <a:t>4</a:t>
+            </a:fld>
+            <a:endParaRPr lang="en-US"/>
+          </a:p>
+        </p:txBody>
+      </p:sp>
+      <p:pic>
+        <p:nvPicPr>
+          <p:cNvPr id="3074" name="Picture 2" descr="E:\Daniel\Projects\PhD-RL-Toulouse\projects\RL-001-MemoryManagement\results\SimulateTDLambda-DifferentLambdas&amp;Adaptive\mc_adjust_by_count_first_visit.png"/>
+          <p:cNvPicPr>
+            <a:picLocks noChangeAspect="1" noChangeArrowheads="1"/>
+          </p:cNvPicPr>
+          <p:nvPr/>
+        </p:nvPicPr>
+        <p:blipFill>
+          <a:blip r:embed="rId2">
+            <a:extLst>
+              <a:ext uri="{28A0092B-C50C-407E-A947-70E740481C1C}">
+                <a14:useLocalDpi xmlns:a14="http://schemas.microsoft.com/office/drawing/2010/main" val="0"/>
+              </a:ext>
+            </a:extLst>
+          </a:blip>
+          <a:srcRect/>
+          <a:stretch>
+            <a:fillRect/>
+          </a:stretch>
+        </p:blipFill>
+        <p:spPr bwMode="auto">
+          <a:xfrm>
+            <a:off x="0" y="1620000"/>
+            <a:ext cx="9144000" cy="4317628"/>
+          </a:xfrm>
+          <a:prstGeom prst="rect">
+            <a:avLst/>
+          </a:prstGeom>
+          <a:noFill/>
+          <a:extLst>
+            <a:ext uri="{909E8E84-426E-40DD-AFC4-6F175D3DCCD1}">
+              <a14:hiddenFill xmlns:a14="http://schemas.microsoft.com/office/drawing/2010/main">
+                <a:solidFill>
+                  <a:srgbClr val="FFFFFF"/>
+                </a:solidFill>
+              </a14:hiddenFill>
+            </a:ext>
+          </a:extLst>
+        </p:spPr>
+      </p:pic>
+    </p:spTree>
+    <p:extLst>
+      <p:ext uri="{BB962C8B-B14F-4D97-AF65-F5344CB8AC3E}">
+        <p14:creationId xmlns:p14="http://schemas.microsoft.com/office/powerpoint/2010/main" val="3080975124"/>
+      </p:ext>
+    </p:extLst>
+  </p:cSld>
+  <p:clrMapOvr>
+    <a:masterClrMapping/>
+  </p:clrMapOvr>
+</p:sld>
+</file>
+
+<file path=ppt/slides/slide40.xml><?xml version="1.0" encoding="utf-8"?>
+<p:sld xmlns:a="http://schemas.openxmlformats.org/drawingml/2006/main" xmlns:r="http://schemas.openxmlformats.org/officeDocument/2006/relationships" xmlns:p="http://schemas.openxmlformats.org/presentationml/2006/main">
+  <p:cSld>
+    <p:spTree>
+      <p:nvGrpSpPr>
+        <p:cNvPr id="1" name=""/>
+        <p:cNvGrpSpPr/>
+        <p:nvPr/>
+      </p:nvGrpSpPr>
+      <p:grpSpPr>
+        <a:xfrm>
+          <a:off x="0" y="0"/>
+          <a:ext cx="0" cy="0"/>
+          <a:chOff x="0" y="0"/>
+          <a:chExt cx="0" cy="0"/>
+        </a:xfrm>
+      </p:grpSpPr>
+      <mc:AlternateContent xmlns:mc="http://schemas.openxmlformats.org/markup-compatibility/2006" xmlns:a14="http://schemas.microsoft.com/office/drawing/2010/main">
+        <mc:Choice Requires="a14">
           <p:sp>
             <p:nvSpPr>
               <p:cNvPr id="2" name="Title 1"/>
@@ -7699,28 +10269,10 @@
               <a:lstStyle/>
               <a:p>
                 <a:r>
-                  <a:rPr lang="en-US" sz="2800" dirty="0" smtClean="0">
-                    <a:sym typeface="Symbol"/>
-                  </a:rPr>
-                  <a:t>Distribution </a:t>
-                </a:r>
-                <a:r>
                   <a:rPr lang="en-US" sz="2800" dirty="0">
                     <a:sym typeface="Symbol"/>
                   </a:rPr>
-                  <a:t>of  by state </a:t>
-                </a:r>
-                <a:r>
-                  <a:rPr lang="en-US" sz="2800" dirty="0" smtClean="0">
-                    <a:sym typeface="Symbol"/>
-                  </a:rPr>
-                  <a:t>over time</a:t>
-                </a:r>
-                <a:r>
-                  <a:rPr lang="en-US" sz="2800" dirty="0">
-                    <a:sym typeface="Symbol"/>
-                  </a:rPr>
-                  <a:t/>
+                  <a:t>Distribution of  by state over time</a:t>
                 </a:r>
                 <a:br>
                   <a:rPr lang="en-US" sz="2800" dirty="0">
@@ -7728,34 +10280,10 @@
                   </a:rPr>
                 </a:br>
                 <a:r>
-                  <a:rPr lang="en-US" sz="2400" dirty="0" smtClean="0">
-                    <a:sym typeface="Symbol"/>
-                  </a:rPr>
-                  <a:t>Boltzmann </a:t>
-                </a:r>
-                <a:r>
                   <a:rPr lang="en-US" sz="2400" dirty="0">
                     <a:sym typeface="Symbol"/>
                   </a:rPr>
-                  <a:t>law </a:t>
-                </a:r>
-                <a:r>
-                  <a:rPr lang="en-US" sz="2400" dirty="0" smtClean="0">
-                    <a:sym typeface="Symbol"/>
-                  </a:rPr>
-                  <a:t>is </a:t>
-                </a:r>
-                <a:r>
-                  <a:rPr lang="en-US" sz="2400" dirty="0">
-                    <a:sym typeface="Symbol"/>
-                  </a:rPr>
-                  <a:t>a function of (t</a:t>
-                </a:r>
-                <a:r>
-                  <a:rPr lang="en-US" sz="2400" dirty="0" smtClean="0">
-                    <a:sym typeface="Symbol"/>
-                  </a:rPr>
-                  <a:t>)/</a:t>
+                  <a:t>Boltzmann law is a function of (t)/</a:t>
                 </a:r>
                 <a14:m>
                   <m:oMath xmlns:m="http://schemas.openxmlformats.org/officeDocument/2006/math">
@@ -7767,12 +10295,22 @@
                             <a:solidFill>
                               <a:srgbClr val="00B050"/>
                             </a:solidFill>
-                            <a:latin typeface="Cambria Math"/>
+                            <a:latin typeface="Cambria Math" panose="02040503050406030204" pitchFamily="18" charset="0"/>
                             <a:sym typeface="Symbol"/>
                           </a:rPr>
                         </m:ctrlPr>
                       </m:accPr>
                       <m:e>
+                        <m:r>
+                          <a:rPr lang="es-AR" sz="2400" b="0" i="1" smtClean="0">
+                            <a:solidFill>
+                              <a:srgbClr val="00B050"/>
+                            </a:solidFill>
+                            <a:latin typeface="Cambria Math" panose="02040503050406030204" pitchFamily="18" charset="0"/>
+                            <a:sym typeface="Symbol"/>
+                          </a:rPr>
+                          <m:t>|</m:t>
+                        </m:r>
                         <m:r>
                           <a:rPr lang="en-US" sz="2400" b="0" i="1" smtClean="0">
                             <a:solidFill>
@@ -7785,35 +10323,40 @@
                         </m:r>
                       </m:e>
                     </m:acc>
+                    <m:d>
+                      <m:dPr>
+                        <m:ctrlPr>
+                          <a:rPr lang="en-US" sz="2400" b="0" i="1" smtClean="0">
+                            <a:solidFill>
+                              <a:srgbClr val="00B050"/>
+                            </a:solidFill>
+                            <a:latin typeface="Cambria Math" panose="02040503050406030204" pitchFamily="18" charset="0"/>
+                            <a:sym typeface="Symbol"/>
+                          </a:rPr>
+                        </m:ctrlPr>
+                      </m:dPr>
+                      <m:e>
+                        <m:r>
+                          <a:rPr lang="en-US" sz="2400" b="0" i="1" smtClean="0">
+                            <a:solidFill>
+                              <a:srgbClr val="00B050"/>
+                            </a:solidFill>
+                            <a:latin typeface="Cambria Math"/>
+                            <a:sym typeface="Symbol"/>
+                          </a:rPr>
+                          <m:t>𝑡</m:t>
+                        </m:r>
+                      </m:e>
+                    </m:d>
                     <m:r>
-                      <a:rPr lang="en-US" sz="2400" b="0" i="1" smtClean="0">
+                      <a:rPr lang="es-AR" sz="2400" b="0" i="1" smtClean="0">
                         <a:solidFill>
                           <a:srgbClr val="00B050"/>
                         </a:solidFill>
-                        <a:latin typeface="Cambria Math"/>
+                        <a:latin typeface="Cambria Math" panose="02040503050406030204" pitchFamily="18" charset="0"/>
                         <a:sym typeface="Symbol"/>
                       </a:rPr>
-                      <m:t>(</m:t>
-                    </m:r>
-                    <m:r>
-                      <a:rPr lang="en-US" sz="2400" b="0" i="1" smtClean="0">
-                        <a:solidFill>
-                          <a:srgbClr val="00B050"/>
-                        </a:solidFill>
-                        <a:latin typeface="Cambria Math"/>
-                        <a:sym typeface="Symbol"/>
-                      </a:rPr>
-                      <m:t>𝑡</m:t>
-                    </m:r>
-                    <m:r>
-                      <a:rPr lang="en-US" sz="2400" b="0" i="1" smtClean="0">
-                        <a:solidFill>
-                          <a:srgbClr val="00B050"/>
-                        </a:solidFill>
-                        <a:latin typeface="Cambria Math"/>
-                        <a:sym typeface="Symbol"/>
-                      </a:rPr>
-                      <m:t>)</m:t>
+                      <m:t>|</m:t>
                     </m:r>
                   </m:oMath>
                 </a14:m>
@@ -7822,7 +10365,7 @@
             </p:txBody>
           </p:sp>
         </mc:Choice>
-        <mc:Fallback>
+        <mc:Fallback xmlns="">
           <p:sp>
             <p:nvSpPr>
               <p:cNvPr id="2" name="Title 1"/>
@@ -7834,10 +10377,10 @@
               </p:nvPr>
             </p:nvSpPr>
             <p:spPr>
-              <a:blipFill rotWithShape="1">
+              <a:blipFill>
                 <a:blip r:embed="rId2"/>
                 <a:stretch>
-                  <a:fillRect b="-532"/>
+                  <a:fillRect b="-1596"/>
                 </a:stretch>
               </a:blipFill>
             </p:spPr>
@@ -7846,7 +10389,7 @@
               <a:lstStyle/>
               <a:p>
                 <a:r>
-                  <a:rPr lang="en-US">
+                  <a:rPr lang="en-IE">
                     <a:noFill/>
                   </a:rPr>
                   <a:t> </a:t>
@@ -7873,7 +10416,7 @@
           <a:p>
             <a:fld id="{62D96F91-737B-4795-86FD-3CFC620DA94D}" type="slidenum">
               <a:rPr lang="en-US" smtClean="0"/>
-              <a:t>24</a:t>
+              <a:t>40</a:t>
             </a:fld>
             <a:endParaRPr lang="en-US"/>
           </a:p>
@@ -7902,23 +10445,23 @@
           <a:lstStyle/>
           <a:p>
             <a:r>
-              <a:rPr lang="en-US" sz="1600" dirty="0" smtClean="0"/>
+              <a:rPr lang="en-US" sz="1600" dirty="0"/>
               <a:t>In this case </a:t>
             </a:r>
             <a:r>
-              <a:rPr lang="en-US" sz="1600" b="1" dirty="0" smtClean="0"/>
+              <a:rPr lang="en-US" sz="1600" b="1" dirty="0"/>
               <a:t>we avoid a division by a very small state value</a:t>
             </a:r>
             <a:r>
-              <a:rPr lang="en-US" sz="1600" dirty="0" smtClean="0"/>
+              <a:rPr lang="en-US" sz="1600" dirty="0"/>
               <a:t> for middle states by replacing V(S(t)) with the value function averaged over all states at time t. This still gives a </a:t>
             </a:r>
             <a:r>
-              <a:rPr lang="en-US" sz="1600" b="1" dirty="0" smtClean="0"/>
+              <a:rPr lang="en-US" sz="1600" b="1" dirty="0"/>
               <a:t>qualitative measure of the magnitude of </a:t>
             </a:r>
             <a:r>
-              <a:rPr lang="en-US" sz="1600" b="1" dirty="0" smtClean="0">
+              <a:rPr lang="en-US" sz="1600" b="1" dirty="0">
                 <a:sym typeface="Symbol"/>
               </a:rPr>
               <a:t>(t)</a:t>
@@ -7927,22 +10470,16 @@
               <a:rPr lang="en-US" sz="1600" dirty="0">
                 <a:sym typeface="Symbol"/>
               </a:rPr>
-              <a:t> </a:t>
-            </a:r>
-            <a:r>
-              <a:rPr lang="en-US" sz="1600" dirty="0" smtClean="0">
-                <a:sym typeface="Symbol"/>
-              </a:rPr>
-              <a:t>(i.e. whether it is large or small) which is essential to correctly define . After introducing this change we see that the state distribution of  tends to </a:t>
-            </a:r>
-            <a:r>
-              <a:rPr lang="en-US" sz="1600" b="1" dirty="0" smtClean="0">
+              <a:t> (i.e. whether it is large or small) which is essential to correctly define . After introducing this change we see that the state distribution of  tends to </a:t>
+            </a:r>
+            <a:r>
+              <a:rPr lang="en-US" sz="1600" b="1" dirty="0">
                 <a:sym typeface="Symbol"/>
               </a:rPr>
               <a:t>almost a constant value</a:t>
             </a:r>
             <a:r>
-              <a:rPr lang="en-US" sz="1600" dirty="0" smtClean="0">
+              <a:rPr lang="en-US" sz="1600" dirty="0">
                 <a:sym typeface="Symbol"/>
               </a:rPr>
               <a:t>.</a:t>
@@ -7974,34 +10511,33 @@
           <a:lstStyle/>
           <a:p>
             <a:r>
-              <a:rPr lang="en-US" sz="1400" i="1" dirty="0" smtClean="0"/>
+              <a:rPr lang="en-US" sz="1400" i="1" dirty="0"/>
               <a:t>Note that the constant value is a characteristic of this 1D </a:t>
             </a:r>
             <a:r>
-              <a:rPr lang="en-US" sz="1400" i="1" dirty="0" err="1" smtClean="0"/>
+              <a:rPr lang="en-US" sz="1400" i="1" dirty="0" err="1"/>
               <a:t>gridworld</a:t>
             </a:r>
             <a:r>
-              <a:rPr lang="en-US" sz="1400" i="1" dirty="0" smtClean="0"/>
+              <a:rPr lang="en-US" sz="1400" i="1" dirty="0"/>
               <a:t>, where all state values differ from their </a:t>
             </a:r>
             <a:r>
-              <a:rPr lang="en-US" sz="1400" i="1" dirty="0" err="1" smtClean="0"/>
+              <a:rPr lang="en-US" sz="1400" i="1" dirty="0" err="1"/>
               <a:t>neighbour’s</a:t>
             </a:r>
             <a:r>
-              <a:rPr lang="en-US" sz="1400" i="1" dirty="0" smtClean="0"/>
+              <a:rPr lang="en-US" sz="1400" i="1" dirty="0"/>
               <a:t> by a constant value (= 0.1 in the 19-state 1D </a:t>
             </a:r>
             <a:r>
-              <a:rPr lang="en-US" sz="1400" i="1" dirty="0" err="1" smtClean="0"/>
+              <a:rPr lang="en-US" sz="1400" i="1" dirty="0" err="1"/>
               <a:t>gridworld</a:t>
             </a:r>
             <a:r>
-              <a:rPr lang="en-US" sz="1400" i="1" dirty="0" smtClean="0"/>
+              <a:rPr lang="en-US" sz="1400" i="1" dirty="0"/>
               <a:t>).</a:t>
             </a:r>
-            <a:endParaRPr lang="en-US" sz="1400" i="1" dirty="0"/>
           </a:p>
         </p:txBody>
       </p:sp>
@@ -8070,7 +10606,7 @@
 </p:sld>
 </file>
 
-<file path=ppt/slides/slide25.xml><?xml version="1.0" encoding="utf-8"?>
+<file path=ppt/slides/slide41.xml><?xml version="1.0" encoding="utf-8"?>
 <p:sld xmlns:a="http://schemas.openxmlformats.org/drawingml/2006/main" xmlns:r="http://schemas.openxmlformats.org/officeDocument/2006/relationships" xmlns:p="http://schemas.openxmlformats.org/presentationml/2006/main">
   <p:cSld>
     <p:spTree>
@@ -8105,11 +10641,11 @@
           <a:lstStyle/>
           <a:p>
             <a:r>
-              <a:rPr lang="en-US" sz="2800" dirty="0" smtClean="0"/>
+              <a:rPr lang="en-US" sz="2800" dirty="0"/>
               <a:t>Comparison of the average </a:t>
             </a:r>
             <a:r>
-              <a:rPr lang="en-US" sz="2800" dirty="0" smtClean="0">
+              <a:rPr lang="en-US" sz="2800" dirty="0">
                 <a:sym typeface="Symbol"/>
               </a:rPr>
               <a:t> by episode and estimated value function between the two Boltzmann laws</a:t>
@@ -8135,7 +10671,7 @@
           <a:p>
             <a:fld id="{62D96F91-737B-4795-86FD-3CFC620DA94D}" type="slidenum">
               <a:rPr lang="en-US" smtClean="0"/>
-              <a:t>25</a:t>
+              <a:t>41</a:t>
             </a:fld>
             <a:endParaRPr lang="en-US"/>
           </a:p>
@@ -8372,22 +10908,13 @@
           <a:lstStyle/>
           <a:p>
             <a:r>
-              <a:rPr lang="en-US" b="1" dirty="0" smtClean="0">
-                <a:solidFill>
-                  <a:srgbClr val="C00000"/>
-                </a:solidFill>
-                <a:sym typeface="Symbol"/>
-              </a:rPr>
-              <a:t>Boltzmann(</a:t>
-            </a:r>
-            <a:r>
               <a:rPr lang="en-US" b="1" dirty="0">
                 <a:solidFill>
                   <a:srgbClr val="C00000"/>
                 </a:solidFill>
                 <a:sym typeface="Symbol"/>
               </a:rPr>
-              <a:t>(t)/</a:t>
+              <a:t>Boltzmann((t)/</a:t>
             </a:r>
             <a:r>
               <a:rPr lang="en-US" b="1" i="1" dirty="0">
@@ -8396,19 +10923,10 @@
                 </a:solidFill>
                 <a:sym typeface="Symbol"/>
               </a:rPr>
-              <a:t>V(S(t</a:t>
-            </a:r>
-            <a:r>
-              <a:rPr lang="en-US" b="1" i="1" dirty="0" smtClean="0">
-                <a:solidFill>
-                  <a:srgbClr val="C00000"/>
-                </a:solidFill>
-                <a:sym typeface="Symbol"/>
-              </a:rPr>
-              <a:t>))</a:t>
-            </a:r>
-            <a:r>
-              <a:rPr lang="en-US" b="1" dirty="0" smtClean="0">
+              <a:t>V(S(t))</a:t>
+            </a:r>
+            <a:r>
+              <a:rPr lang="en-US" b="1" dirty="0">
                 <a:solidFill>
                   <a:srgbClr val="C00000"/>
                 </a:solidFill>
@@ -8424,8 +10942,8 @@
           </a:p>
         </p:txBody>
       </p:sp>
-      <mc:AlternateContent xmlns:mc="http://schemas.openxmlformats.org/markup-compatibility/2006">
-        <mc:Choice xmlns:a14="http://schemas.microsoft.com/office/drawing/2010/main" Requires="a14">
+      <mc:AlternateContent xmlns:mc="http://schemas.openxmlformats.org/markup-compatibility/2006" xmlns:a14="http://schemas.microsoft.com/office/drawing/2010/main">
+        <mc:Choice Requires="a14">
           <p:sp>
             <p:nvSpPr>
               <p:cNvPr id="9" name="TextBox 8"/>
@@ -8435,7 +10953,7 @@
             <p:spPr>
               <a:xfrm>
                 <a:off x="5545654" y="1356704"/>
-                <a:ext cx="2236638" cy="369332"/>
+                <a:ext cx="2451312" cy="369332"/>
               </a:xfrm>
               <a:prstGeom prst="rect">
                 <a:avLst/>
@@ -8449,22 +10967,13 @@
               <a:lstStyle/>
               <a:p>
                 <a:r>
-                  <a:rPr lang="en-US" b="1" dirty="0" smtClean="0">
-                    <a:solidFill>
-                      <a:srgbClr val="00B050"/>
-                    </a:solidFill>
-                    <a:sym typeface="Symbol"/>
-                  </a:rPr>
-                  <a:t>Boltzmann(</a:t>
-                </a:r>
-                <a:r>
                   <a:rPr lang="en-US" b="1" dirty="0">
                     <a:solidFill>
                       <a:srgbClr val="00B050"/>
                     </a:solidFill>
                     <a:sym typeface="Symbol"/>
                   </a:rPr>
-                  <a:t>(t)/</a:t>
+                  <a:t>Boltzmann((t)/|</a:t>
                 </a:r>
                 <a14:m>
                   <m:oMath xmlns:m="http://schemas.openxmlformats.org/officeDocument/2006/math">
@@ -8476,7 +10985,7 @@
                             <a:solidFill>
                               <a:srgbClr val="00B050"/>
                             </a:solidFill>
-                            <a:latin typeface="Cambria Math"/>
+                            <a:latin typeface="Cambria Math" panose="02040503050406030204" pitchFamily="18" charset="0"/>
                             <a:sym typeface="Symbol"/>
                           </a:rPr>
                         </m:ctrlPr>
@@ -8527,13 +11036,13 @@
                   </m:oMath>
                 </a14:m>
                 <a:r>
-                  <a:rPr lang="en-US" b="1" dirty="0" smtClean="0">
+                  <a:rPr lang="en-US" b="1" dirty="0">
                     <a:solidFill>
                       <a:srgbClr val="00B050"/>
                     </a:solidFill>
                     <a:sym typeface="Symbol"/>
                   </a:rPr>
-                  <a:t>)</a:t>
+                  <a:t>|)</a:t>
                 </a:r>
                 <a:endParaRPr lang="en-US" b="1" dirty="0">
                   <a:solidFill>
@@ -8544,7 +11053,7 @@
             </p:txBody>
           </p:sp>
         </mc:Choice>
-        <mc:Fallback>
+        <mc:Fallback xmlns="">
           <p:sp>
             <p:nvSpPr>
               <p:cNvPr id="9" name="TextBox 8"/>
@@ -8556,15 +11065,15 @@
             <p:spPr>
               <a:xfrm>
                 <a:off x="5545654" y="1356704"/>
-                <a:ext cx="2236638" cy="369332"/>
+                <a:ext cx="2451312" cy="369332"/>
               </a:xfrm>
               <a:prstGeom prst="rect">
                 <a:avLst/>
               </a:prstGeom>
-              <a:blipFill rotWithShape="1">
+              <a:blipFill>
                 <a:blip r:embed="rId6"/>
                 <a:stretch>
-                  <a:fillRect l="-2452" t="-11667" r="-1635" b="-26667"/>
+                  <a:fillRect l="-2239" t="-13333" r="-1741" b="-26667"/>
                 </a:stretch>
               </a:blipFill>
             </p:spPr>
@@ -8573,7 +11082,7 @@
               <a:lstStyle/>
               <a:p>
                 <a:r>
-                  <a:rPr lang="en-US">
+                  <a:rPr lang="en-IE">
                     <a:noFill/>
                   </a:rPr>
                   <a:t> </a:t>
@@ -8606,11 +11115,11 @@
           <a:lstStyle/>
           <a:p>
             <a:r>
-              <a:rPr lang="en-US" sz="1600" dirty="0" smtClean="0"/>
+              <a:rPr lang="en-US" sz="1600" dirty="0"/>
               <a:t>Both estimated functions after 1000 episodes are of good quality, but the </a:t>
             </a:r>
             <a:r>
-              <a:rPr lang="en-US" sz="1600" b="1" dirty="0" smtClean="0">
+              <a:rPr lang="en-US" sz="1600" b="1" dirty="0">
                 <a:solidFill>
                   <a:srgbClr val="C00000"/>
                 </a:solidFill>
@@ -8618,11 +11127,11 @@
               <a:t>red Boltzmann law</a:t>
             </a:r>
             <a:r>
-              <a:rPr lang="en-US" sz="1600" dirty="0" smtClean="0"/>
+              <a:rPr lang="en-US" sz="1600" dirty="0"/>
               <a:t> (left) generates a </a:t>
             </a:r>
             <a:r>
-              <a:rPr lang="en-US" sz="1600" b="1" dirty="0" smtClean="0">
+              <a:rPr lang="en-US" sz="1600" b="1" dirty="0">
                 <a:solidFill>
                   <a:srgbClr val="C00000"/>
                 </a:solidFill>
@@ -8630,7 +11139,7 @@
               <a:t>very “noisy” </a:t>
             </a:r>
             <a:r>
-              <a:rPr lang="en-US" sz="1600" b="1" dirty="0" smtClean="0">
+              <a:rPr lang="en-US" sz="1600" b="1" dirty="0">
                 <a:solidFill>
                   <a:srgbClr val="C00000"/>
                 </a:solidFill>
@@ -8639,7 +11148,7 @@
               <a:t> structure</a:t>
             </a:r>
             <a:r>
-              <a:rPr lang="en-US" sz="1600" dirty="0" smtClean="0">
+              <a:rPr lang="en-US" sz="1600" dirty="0">
                 <a:sym typeface="Symbol"/>
               </a:rPr>
               <a:t>, which is clearly an artifact since, near convergence, all states have similar (t)’s, namely around 0.1, which is the difference in state value for contiguous states.</a:t>
@@ -8648,8 +11157,8 @@
           </a:p>
         </p:txBody>
       </p:sp>
-      <mc:AlternateContent xmlns:mc="http://schemas.openxmlformats.org/markup-compatibility/2006">
-        <mc:Choice xmlns:a14="http://schemas.microsoft.com/office/drawing/2010/main" Requires="a14">
+      <mc:AlternateContent xmlns:mc="http://schemas.openxmlformats.org/markup-compatibility/2006" xmlns:a14="http://schemas.microsoft.com/office/drawing/2010/main">
+        <mc:Choice Requires="a14">
           <p:sp>
             <p:nvSpPr>
               <p:cNvPr id="11" name="TextBox 10"/>
@@ -8673,11 +11182,11 @@
               <a:lstStyle/>
               <a:p>
                 <a:r>
-                  <a:rPr lang="en-US" sz="1600" dirty="0" smtClean="0"/>
+                  <a:rPr lang="en-US" sz="1600" dirty="0"/>
                   <a:t>On the contrary, the </a:t>
                 </a:r>
                 <a:r>
-                  <a:rPr lang="en-US" sz="1600" b="1" dirty="0" smtClean="0">
+                  <a:rPr lang="en-US" sz="1600" b="1" dirty="0">
                     <a:solidFill>
                       <a:srgbClr val="00B050"/>
                     </a:solidFill>
@@ -8685,11 +11194,11 @@
                   <a:t>green Boltzmann law</a:t>
                 </a:r>
                 <a:r>
-                  <a:rPr lang="en-US" sz="1600" dirty="0" smtClean="0"/>
+                  <a:rPr lang="en-US" sz="1600" dirty="0"/>
                   <a:t> (right) generates a </a:t>
                 </a:r>
                 <a:r>
-                  <a:rPr lang="en-US" sz="1600" b="1" dirty="0" smtClean="0">
+                  <a:rPr lang="en-US" sz="1600" b="1" dirty="0">
                     <a:solidFill>
                       <a:srgbClr val="00B050"/>
                     </a:solidFill>
@@ -8698,19 +11207,19 @@
                   <a:t> structure that converges to ~ 0.2</a:t>
                 </a:r>
                 <a:r>
-                  <a:rPr lang="en-US" sz="1600" dirty="0" smtClean="0">
+                  <a:rPr lang="en-US" sz="1600" dirty="0">
                     <a:sym typeface="Symbol"/>
                   </a:rPr>
                   <a:t>, which is ~ 1 – </a:t>
                 </a:r>
                 <a:r>
-                  <a:rPr lang="en-US" sz="1600" dirty="0" err="1" smtClean="0">
+                  <a:rPr lang="en-US" sz="1600" dirty="0" err="1">
                     <a:sym typeface="Symbol"/>
                   </a:rPr>
                   <a:t>exp</a:t>
                 </a:r>
                 <a:r>
-                  <a:rPr lang="en-US" sz="1600" dirty="0" smtClean="0">
+                  <a:rPr lang="en-US" sz="1600" dirty="0">
                     <a:sym typeface="Symbol"/>
                   </a:rPr>
                   <a:t>(-0.1/0.5) = 0.18, which comes from the fact that () ~= 0.1 is and </a:t>
@@ -8725,7 +11234,7 @@
                             <a:solidFill>
                               <a:schemeClr val="tx1"/>
                             </a:solidFill>
-                            <a:latin typeface="Cambria Math"/>
+                            <a:latin typeface="Cambria Math" panose="02040503050406030204" pitchFamily="18" charset="0"/>
                             <a:sym typeface="Symbol"/>
                           </a:rPr>
                         </m:ctrlPr>
@@ -8776,7 +11285,7 @@
                   </m:oMath>
                 </a14:m>
                 <a:r>
-                  <a:rPr lang="en-US" sz="1600" dirty="0" smtClean="0">
+                  <a:rPr lang="en-US" sz="1600" dirty="0">
                     <a:sym typeface="Symbol"/>
                   </a:rPr>
                   <a:t> ~= 0.5. </a:t>
@@ -8786,7 +11295,7 @@
             </p:txBody>
           </p:sp>
         </mc:Choice>
-        <mc:Fallback>
+        <mc:Fallback xmlns="">
           <p:sp>
             <p:nvSpPr>
               <p:cNvPr id="11" name="TextBox 10"/>
@@ -8838,7 +11347,7 @@
 </p:sld>
 </file>
 
-<file path=ppt/slides/slide26.xml><?xml version="1.0" encoding="utf-8"?>
+<file path=ppt/slides/slide42.xml><?xml version="1.0" encoding="utf-8"?>
 <p:sld xmlns:a="http://schemas.openxmlformats.org/drawingml/2006/main" xmlns:r="http://schemas.openxmlformats.org/officeDocument/2006/relationships" xmlns:p="http://schemas.openxmlformats.org/presentationml/2006/main">
   <p:cSld>
     <p:spTree>
@@ -8873,49 +11382,37 @@
           <a:lstStyle/>
           <a:p>
             <a:r>
-              <a:rPr lang="en-US" sz="3600" dirty="0" smtClean="0"/>
+              <a:rPr lang="en-US" sz="3600" dirty="0"/>
               <a:t>When </a:t>
             </a:r>
             <a:r>
-              <a:rPr lang="en-US" sz="3600" dirty="0" smtClean="0">
+              <a:rPr lang="en-US" sz="3600" dirty="0">
                 <a:sym typeface="Symbol"/>
               </a:rPr>
               <a:t> is adjusted by the </a:t>
             </a:r>
             <a:r>
-              <a:rPr lang="en-US" sz="3600" i="1" dirty="0" smtClean="0">
+              <a:rPr lang="en-US" sz="3600" i="1" dirty="0">
                 <a:sym typeface="Symbol"/>
               </a:rPr>
               <a:t>absolute</a:t>
             </a:r>
             <a:r>
-              <a:rPr lang="en-US" sz="3600" dirty="0" smtClean="0">
+              <a:rPr lang="en-US" sz="3600" dirty="0">
                 <a:sym typeface="Symbol"/>
               </a:rPr>
               <a:t> (t)…</a:t>
             </a:r>
             <a:br>
-              <a:rPr lang="en-US" sz="3600" dirty="0" smtClean="0">
+              <a:rPr lang="en-US" sz="3600" dirty="0">
                 <a:sym typeface="Symbol"/>
               </a:rPr>
             </a:br>
             <a:r>
-              <a:rPr lang="en-US" sz="2400" dirty="0" smtClean="0">
-                <a:sym typeface="Symbol"/>
-              </a:rPr>
-              <a:t>Boltzmann </a:t>
-            </a:r>
-            <a:r>
               <a:rPr lang="en-US" sz="2400" dirty="0">
                 <a:sym typeface="Symbol"/>
               </a:rPr>
-              <a:t>law is a </a:t>
-            </a:r>
-            <a:r>
-              <a:rPr lang="en-US" sz="2400" dirty="0" smtClean="0">
-                <a:sym typeface="Symbol"/>
-              </a:rPr>
-              <a:t>function of (t)</a:t>
+              <a:t>Boltzmann law is a function of (t)</a:t>
             </a:r>
             <a:endParaRPr lang="en-US" sz="2400" dirty="0"/>
           </a:p>
@@ -8938,7 +11435,7 @@
           <a:p>
             <a:fld id="{62D96F91-737B-4795-86FD-3CFC620DA94D}" type="slidenum">
               <a:rPr lang="en-US" smtClean="0"/>
-              <a:t>26</a:t>
+              <a:t>42</a:t>
             </a:fld>
             <a:endParaRPr lang="en-US"/>
           </a:p>
@@ -9123,23 +11620,23 @@
           <a:lstStyle/>
           <a:p>
             <a:r>
-              <a:rPr lang="en-US" sz="1600" dirty="0" smtClean="0"/>
+              <a:rPr lang="en-US" sz="1600" dirty="0"/>
               <a:t>We observe the following:</a:t>
             </a:r>
           </a:p>
           <a:p>
             <a:r>
-              <a:rPr lang="en-US" sz="1600" dirty="0" smtClean="0"/>
+              <a:rPr lang="en-US" sz="1600" dirty="0"/>
               <a:t>- The </a:t>
             </a:r>
             <a:r>
-              <a:rPr lang="en-US" sz="1600" b="1" dirty="0" smtClean="0">
+              <a:rPr lang="en-US" sz="1600" b="1" dirty="0">
                 <a:sym typeface="Symbol"/>
               </a:rPr>
               <a:t> structure tends to ~ 0.1</a:t>
             </a:r>
             <a:r>
-              <a:rPr lang="en-US" sz="1600" dirty="0" smtClean="0">
+              <a:rPr lang="en-US" sz="1600" dirty="0">
                 <a:sym typeface="Symbol"/>
               </a:rPr>
               <a:t>, which is the value of ().</a:t>
@@ -9147,58 +11644,58 @@
           </a:p>
           <a:p>
             <a:r>
-              <a:rPr lang="en-US" sz="1600" dirty="0" smtClean="0"/>
+              <a:rPr lang="en-US" sz="1600" dirty="0"/>
               <a:t>- Although the </a:t>
             </a:r>
             <a:r>
-              <a:rPr lang="en-US" sz="1600" dirty="0" smtClean="0">
+              <a:rPr lang="en-US" sz="1600" dirty="0">
                 <a:sym typeface="Symbol"/>
               </a:rPr>
               <a:t></a:t>
             </a:r>
             <a:r>
-              <a:rPr lang="en-US" sz="1600" dirty="0" smtClean="0"/>
+              <a:rPr lang="en-US" sz="1600" dirty="0"/>
               <a:t> structure is </a:t>
             </a:r>
             <a:r>
-              <a:rPr lang="en-US" sz="1600" i="1" dirty="0" smtClean="0"/>
+              <a:rPr lang="en-US" sz="1600" i="1" dirty="0"/>
               <a:t>not </a:t>
             </a:r>
             <a:r>
-              <a:rPr lang="en-US" sz="1600" dirty="0" smtClean="0"/>
+              <a:rPr lang="en-US" sz="1600" dirty="0"/>
               <a:t>noisy, the </a:t>
             </a:r>
             <a:r>
-              <a:rPr lang="en-US" sz="1600" b="1" dirty="0" smtClean="0"/>
+              <a:rPr lang="en-US" sz="1600" b="1" dirty="0"/>
               <a:t>convergence to the true value function is slower </a:t>
             </a:r>
             <a:r>
-              <a:rPr lang="en-US" sz="1600" dirty="0" smtClean="0"/>
+              <a:rPr lang="en-US" sz="1600" dirty="0"/>
               <a:t>than in the other two cases presented earlier.</a:t>
             </a:r>
           </a:p>
           <a:p>
             <a:r>
-              <a:rPr lang="en-US" sz="1600" dirty="0" smtClean="0"/>
+              <a:rPr lang="en-US" sz="1600" dirty="0"/>
               <a:t>- Contrary to the other two cases, </a:t>
             </a:r>
             <a:r>
-              <a:rPr lang="en-US" sz="1600" b="1" dirty="0" smtClean="0"/>
+              <a:rPr lang="en-US" sz="1600" b="1" dirty="0"/>
               <a:t>the values of </a:t>
             </a:r>
             <a:r>
-              <a:rPr lang="en-US" sz="1600" b="1" dirty="0" smtClean="0">
+              <a:rPr lang="en-US" sz="1600" b="1" dirty="0">
                 <a:sym typeface="Symbol"/>
               </a:rPr>
               <a:t> don’t “jump immediately” to the limit value</a:t>
             </a:r>
             <a:r>
-              <a:rPr lang="en-US" sz="1600" dirty="0" smtClean="0">
+              <a:rPr lang="en-US" sz="1600" dirty="0">
                 <a:sym typeface="Symbol"/>
               </a:rPr>
               <a:t>, but tends to it more slowly.</a:t>
             </a:r>
-            <a:endParaRPr lang="en-US" sz="1600" dirty="0" smtClean="0"/>
+            <a:endParaRPr lang="en-US" sz="1600" dirty="0"/>
           </a:p>
         </p:txBody>
       </p:sp>
@@ -9226,17 +11723,17 @@
           <a:p>
             <a:pPr algn="ctr"/>
             <a:r>
-              <a:rPr lang="en-US" sz="1400" b="1" dirty="0" smtClean="0"/>
+              <a:rPr lang="en-US" sz="1400" b="1" dirty="0"/>
               <a:t>Distribution of </a:t>
             </a:r>
             <a:r>
-              <a:rPr lang="en-US" sz="1400" b="1" dirty="0" smtClean="0">
+              <a:rPr lang="en-US" sz="1400" b="1" dirty="0">
                 <a:sym typeface="Symbol"/>
               </a:rPr>
               <a:t> by state </a:t>
             </a:r>
             <a:r>
-              <a:rPr lang="en-US" sz="1400" b="1" smtClean="0">
+              <a:rPr lang="en-US" sz="1400" b="1">
                 <a:sym typeface="Symbol"/>
               </a:rPr>
               <a:t>over time</a:t>
@@ -9269,11 +11766,11 @@
           <a:p>
             <a:pPr algn="ctr"/>
             <a:r>
-              <a:rPr lang="en-US" sz="1400" b="1" dirty="0" smtClean="0"/>
+              <a:rPr lang="en-US" sz="1400" b="1" dirty="0"/>
               <a:t>Convergence speed and average </a:t>
             </a:r>
             <a:r>
-              <a:rPr lang="en-US" sz="1400" b="1" dirty="0" smtClean="0">
+              <a:rPr lang="en-US" sz="1400" b="1" dirty="0">
                 <a:sym typeface="Symbol"/>
               </a:rPr>
               <a:t> by episode</a:t>
@@ -9295,7 +11792,7 @@
 </p:sld>
 </file>
 
-<file path=ppt/slides/slide27.xml><?xml version="1.0" encoding="utf-8"?>
+<file path=ppt/slides/slide43.xml><?xml version="1.0" encoding="utf-8"?>
 <p:sld xmlns:a="http://schemas.openxmlformats.org/drawingml/2006/main" xmlns:r="http://schemas.openxmlformats.org/officeDocument/2006/relationships" xmlns:p="http://schemas.openxmlformats.org/presentationml/2006/main">
   <p:cSld>
     <p:spTree>
@@ -9328,7 +11825,7 @@
           <a:lstStyle/>
           <a:p>
             <a:r>
-              <a:rPr lang="en-US" dirty="0" smtClean="0">
+              <a:rPr lang="en-US" dirty="0">
                 <a:sym typeface="Symbol"/>
               </a:rPr>
               <a:t>DRAFT</a:t>
@@ -9373,7 +11870,7 @@
           <a:p>
             <a:fld id="{62D96F91-737B-4795-86FD-3CFC620DA94D}" type="slidenum">
               <a:rPr lang="en-US" smtClean="0"/>
-              <a:t>27</a:t>
+              <a:t>43</a:t>
             </a:fld>
             <a:endParaRPr lang="en-US"/>
           </a:p>
@@ -9389,17 +11886,10 @@
   <p:clrMapOvr>
     <a:masterClrMapping/>
   </p:clrMapOvr>
-  <p:timing>
-    <p:tnLst>
-      <p:par>
-        <p:cTn id="1" dur="indefinite" restart="never" nodeType="tmRoot"/>
-      </p:par>
-    </p:tnLst>
-  </p:timing>
 </p:sld>
 </file>
 
-<file path=ppt/slides/slide28.xml><?xml version="1.0" encoding="utf-8"?>
+<file path=ppt/slides/slide44.xml><?xml version="1.0" encoding="utf-8"?>
 <p:sld xmlns:a="http://schemas.openxmlformats.org/drawingml/2006/main" xmlns:r="http://schemas.openxmlformats.org/officeDocument/2006/relationships" xmlns:p="http://schemas.openxmlformats.org/presentationml/2006/main">
   <p:cSld>
     <p:spTree>
@@ -9434,22 +11924,22 @@
           <a:lstStyle/>
           <a:p>
             <a:r>
-              <a:rPr lang="en-US" dirty="0" smtClean="0"/>
+              <a:rPr lang="en-US" dirty="0"/>
               <a:t>Adaptive TD(</a:t>
             </a:r>
             <a:r>
-              <a:rPr lang="en-US" dirty="0" smtClean="0">
+              <a:rPr lang="en-US" dirty="0">
                 <a:sym typeface="Symbol"/>
               </a:rPr>
               <a:t>) -  distribution</a:t>
             </a:r>
             <a:br>
-              <a:rPr lang="en-US" dirty="0" smtClean="0">
+              <a:rPr lang="en-US" dirty="0">
                 <a:sym typeface="Symbol"/>
               </a:rPr>
             </a:br>
             <a:r>
-              <a:rPr lang="en-US" sz="3100" dirty="0" smtClean="0">
+              <a:rPr lang="en-US" sz="3100" dirty="0">
                 <a:sym typeface="Symbol"/>
               </a:rPr>
               <a:t>Three ways of adjusting  as a function of (t)</a:t>
@@ -9475,7 +11965,7 @@
           <a:p>
             <a:fld id="{62D96F91-737B-4795-86FD-3CFC620DA94D}" type="slidenum">
               <a:rPr lang="en-US" smtClean="0"/>
-              <a:t>28</a:t>
+              <a:t>44</a:t>
             </a:fld>
             <a:endParaRPr lang="en-US"/>
           </a:p>
@@ -9559,27 +12049,26 @@
           <a:p>
             <a:pPr algn="ctr"/>
             <a:r>
-              <a:rPr lang="en-US" sz="1400" b="1" dirty="0" smtClean="0"/>
+              <a:rPr lang="en-US" sz="1400" b="1" dirty="0"/>
               <a:t>Relative to state’s value</a:t>
             </a:r>
             <a:br>
-              <a:rPr lang="en-US" sz="1400" b="1" dirty="0" smtClean="0"/>
+              <a:rPr lang="en-US" sz="1400" b="1" dirty="0"/>
             </a:br>
             <a:r>
-              <a:rPr lang="en-US" sz="1400" b="1" dirty="0" smtClean="0"/>
+              <a:rPr lang="en-US" sz="1400" b="1" dirty="0"/>
               <a:t>~ |</a:t>
             </a:r>
             <a:r>
-              <a:rPr lang="en-US" sz="1400" b="1" dirty="0" smtClean="0">
+              <a:rPr lang="en-US" sz="1400" b="1" dirty="0">
                 <a:sym typeface="Symbol"/>
               </a:rPr>
               <a:t>(t)</a:t>
             </a:r>
             <a:r>
-              <a:rPr lang="en-US" sz="1400" b="1" dirty="0" smtClean="0"/>
+              <a:rPr lang="en-US" sz="1400" b="1" dirty="0"/>
               <a:t>| / |V(S(t)) |</a:t>
             </a:r>
-            <a:endParaRPr lang="en-US" sz="1400" b="1" dirty="0"/>
           </a:p>
         </p:txBody>
       </p:sp>
@@ -9607,43 +12096,38 @@
           <a:p>
             <a:pPr algn="ctr"/>
             <a:r>
-              <a:rPr lang="en-US" sz="1400" b="1" dirty="0" smtClean="0"/>
+              <a:rPr lang="en-US" sz="1400" b="1" dirty="0"/>
               <a:t>Relative, </a:t>
             </a:r>
             <a:r>
-              <a:rPr lang="en-US" sz="1400" b="1" i="1" dirty="0" smtClean="0"/>
+              <a:rPr lang="en-US" sz="1400" b="1" i="1" dirty="0"/>
               <a:t>but avoiding division by 0</a:t>
             </a:r>
-            <a:r>
-              <a:rPr lang="en-US" sz="1400" b="1" dirty="0" smtClean="0"/>
-              <a:t/>
-            </a:r>
             <a:br>
-              <a:rPr lang="en-US" sz="1400" b="1" dirty="0" smtClean="0"/>
+              <a:rPr lang="en-US" sz="1400" b="1" dirty="0"/>
             </a:br>
             <a:r>
-              <a:rPr lang="en-US" sz="1400" b="1" dirty="0" smtClean="0"/>
+              <a:rPr lang="en-US" sz="1400" b="1" dirty="0"/>
               <a:t>~ </a:t>
             </a:r>
             <a:r>
-              <a:rPr lang="en-US" sz="1400" b="1" dirty="0" err="1" smtClean="0"/>
+              <a:rPr lang="en-US" sz="1400" b="1" dirty="0" err="1"/>
               <a:t>exp</a:t>
             </a:r>
             <a:r>
-              <a:rPr lang="en-US" sz="1400" b="1" dirty="0" smtClean="0"/>
+              <a:rPr lang="en-US" sz="1400" b="1" dirty="0"/>
               <a:t>( |</a:t>
             </a:r>
             <a:r>
-              <a:rPr lang="en-US" sz="1400" b="1" dirty="0" smtClean="0">
+              <a:rPr lang="en-US" sz="1400" b="1" dirty="0">
                 <a:sym typeface="Symbol"/>
               </a:rPr>
               <a:t>(t)</a:t>
             </a:r>
             <a:r>
-              <a:rPr lang="en-US" sz="1400" b="1" dirty="0" smtClean="0"/>
+              <a:rPr lang="en-US" sz="1400" b="1" dirty="0"/>
               <a:t>| - |V(S(t)| )</a:t>
             </a:r>
-            <a:endParaRPr lang="en-US" sz="1400" b="1" dirty="0"/>
           </a:p>
         </p:txBody>
       </p:sp>
@@ -9671,27 +12155,26 @@
           <a:p>
             <a:pPr algn="ctr"/>
             <a:r>
-              <a:rPr lang="en-US" sz="1400" b="1" smtClean="0"/>
+              <a:rPr lang="en-US" sz="1400" b="1"/>
               <a:t>Absolute</a:t>
             </a:r>
           </a:p>
           <a:p>
             <a:pPr algn="ctr"/>
             <a:r>
-              <a:rPr lang="en-US" sz="1400" b="1" dirty="0" smtClean="0"/>
+              <a:rPr lang="en-US" sz="1400" b="1" dirty="0"/>
               <a:t>~ |</a:t>
             </a:r>
             <a:r>
-              <a:rPr lang="en-US" sz="1400" b="1" dirty="0" smtClean="0">
+              <a:rPr lang="en-US" sz="1400" b="1" dirty="0">
                 <a:sym typeface="Symbol"/>
               </a:rPr>
               <a:t>(t)</a:t>
             </a:r>
             <a:r>
-              <a:rPr lang="en-US" sz="1400" b="1" dirty="0" smtClean="0"/>
+              <a:rPr lang="en-US" sz="1400" b="1" dirty="0"/>
               <a:t>|</a:t>
             </a:r>
-            <a:endParaRPr lang="en-US" sz="1400" b="1" dirty="0"/>
           </a:p>
         </p:txBody>
       </p:sp>
@@ -9705,17 +12188,10 @@
   <p:clrMapOvr>
     <a:masterClrMapping/>
   </p:clrMapOvr>
-  <p:timing>
-    <p:tnLst>
-      <p:par>
-        <p:cTn id="1" dur="indefinite" restart="never" nodeType="tmRoot"/>
-      </p:par>
-    </p:tnLst>
-  </p:timing>
 </p:sld>
 </file>
 
-<file path=ppt/slides/slide29.xml><?xml version="1.0" encoding="utf-8"?>
+<file path=ppt/slides/slide45.xml><?xml version="1.0" encoding="utf-8"?>
 <p:sld xmlns:a="http://schemas.openxmlformats.org/drawingml/2006/main" xmlns:r="http://schemas.openxmlformats.org/officeDocument/2006/relationships" xmlns:p="http://schemas.openxmlformats.org/presentationml/2006/main">
   <p:cSld>
     <p:spTree>
@@ -9750,17 +12226,17 @@
           <a:lstStyle/>
           <a:p>
             <a:r>
-              <a:rPr lang="en-US" dirty="0" smtClean="0">
+              <a:rPr lang="en-US" dirty="0">
                 <a:sym typeface="Symbol"/>
               </a:rPr>
               <a:t> adjusted ~ </a:t>
             </a:r>
             <a:r>
-              <a:rPr lang="en-US" dirty="0" err="1" smtClean="0"/>
+              <a:rPr lang="en-US" dirty="0" err="1"/>
               <a:t>exp</a:t>
             </a:r>
             <a:r>
-              <a:rPr lang="en-US" dirty="0" smtClean="0"/>
+              <a:rPr lang="en-US" dirty="0"/>
               <a:t>( |</a:t>
             </a:r>
             <a:r>
@@ -9771,53 +12247,37 @@
             </a:r>
             <a:r>
               <a:rPr lang="en-US" dirty="0"/>
-              <a:t>| - |V(S(t)| </a:t>
-            </a:r>
-            <a:r>
-              <a:rPr lang="en-US" dirty="0" smtClean="0"/>
-              <a:t>)</a:t>
+              <a:t>| - |V(S(t)| )</a:t>
             </a:r>
             <a:br>
-              <a:rPr lang="en-US" dirty="0" smtClean="0"/>
+              <a:rPr lang="en-US" dirty="0"/>
             </a:br>
             <a:r>
-              <a:rPr lang="en-US" sz="2700" dirty="0" smtClean="0">
-                <a:sym typeface="Symbol"/>
-              </a:rPr>
-              <a:t>Formula: </a:t>
-            </a:r>
-            <a:r>
               <a:rPr lang="en-US" sz="2700" dirty="0">
                 <a:sym typeface="Symbol"/>
               </a:rPr>
-              <a:t></a:t>
-            </a:r>
-            <a:r>
-              <a:rPr lang="en-US" sz="2700" dirty="0" smtClean="0">
-                <a:sym typeface="Symbol"/>
-              </a:rPr>
-              <a:t>(t) = 1 – </a:t>
-            </a:r>
-            <a:r>
-              <a:rPr lang="en-US" sz="2700" dirty="0" err="1" smtClean="0">
+              <a:t>Formula: (t) = 1 – </a:t>
+            </a:r>
+            <a:r>
+              <a:rPr lang="en-US" sz="2700" dirty="0" err="1">
                 <a:sym typeface="Symbol"/>
               </a:rPr>
               <a:t>exp</a:t>
             </a:r>
             <a:r>
-              <a:rPr lang="en-US" sz="2700" dirty="0" smtClean="0">
+              <a:rPr lang="en-US" sz="2700" dirty="0">
                 <a:sym typeface="Symbol"/>
               </a:rPr>
               <a:t>(-</a:t>
             </a:r>
             <a:r>
-              <a:rPr lang="en-US" sz="2700" dirty="0" err="1" smtClean="0">
+              <a:rPr lang="en-US" sz="2700" dirty="0" err="1">
                 <a:sym typeface="Symbol"/>
               </a:rPr>
               <a:t>exp</a:t>
             </a:r>
             <a:r>
-              <a:rPr lang="en-US" sz="2700" dirty="0" smtClean="0">
+              <a:rPr lang="en-US" sz="2700" dirty="0">
                 <a:sym typeface="Symbol"/>
               </a:rPr>
               <a:t>(</a:t>
@@ -9834,11 +12294,7 @@
             </a:r>
             <a:r>
               <a:rPr lang="en-US" sz="2700" dirty="0"/>
-              <a:t>| - |V(S(t</a:t>
-            </a:r>
-            <a:r>
-              <a:rPr lang="en-US" sz="2700" dirty="0" smtClean="0"/>
-              <a:t>)|))</a:t>
+              <a:t>| - |V(S(t)|))</a:t>
             </a:r>
             <a:endParaRPr lang="en-US" dirty="0"/>
           </a:p>
@@ -9861,7 +12317,7 @@
           <a:p>
             <a:fld id="{62D96F91-737B-4795-86FD-3CFC620DA94D}" type="slidenum">
               <a:rPr lang="en-US" smtClean="0"/>
-              <a:t>29</a:t>
+              <a:t>45</a:t>
             </a:fld>
             <a:endParaRPr lang="en-US"/>
           </a:p>
@@ -10046,21 +12502,21 @@
           <a:lstStyle/>
           <a:p>
             <a:r>
-              <a:rPr lang="en-US" dirty="0" smtClean="0"/>
+              <a:rPr lang="en-US" dirty="0"/>
               <a:t>The goal of using this </a:t>
             </a:r>
             <a:r>
-              <a:rPr lang="en-US" i="1" dirty="0" smtClean="0"/>
+              <a:rPr lang="en-US" i="1" dirty="0"/>
               <a:t>calculation as an indication of the “relative change of </a:t>
             </a:r>
             <a:r>
-              <a:rPr lang="en-US" i="1" dirty="0" smtClean="0">
+              <a:rPr lang="en-US" i="1" dirty="0">
                 <a:sym typeface="Symbol"/>
               </a:rPr>
               <a:t>(t)”</a:t>
             </a:r>
             <a:r>
-              <a:rPr lang="en-US" dirty="0" smtClean="0">
+              <a:rPr lang="en-US" dirty="0">
                 <a:sym typeface="Symbol"/>
               </a:rPr>
               <a:t> is to avoid division by 0 or by a very small value (e.g. for states near the middle of the grid).</a:t>
@@ -10073,7 +12529,7 @@
           </a:p>
           <a:p>
             <a:r>
-              <a:rPr lang="en-US" dirty="0" smtClean="0">
+              <a:rPr lang="en-US" dirty="0">
                 <a:sym typeface="Symbol"/>
               </a:rPr>
               <a:t>This option however has two drawbacks:</a:t>
@@ -10085,7 +12541,7 @@
               <a:buChar char="•"/>
             </a:pPr>
             <a:r>
-              <a:rPr lang="en-US" dirty="0" smtClean="0">
+              <a:rPr lang="en-US" dirty="0">
                 <a:sym typeface="Symbol"/>
               </a:rPr>
               <a:t> never reaches 0. Its minimum is around 0.4 (in fact, in order for  to reach a very small value, V(S(t)) should be much larger than (t) in absolute value, and in the “worst” case we could have |(t)| - |V(S(t))| ~= 0 - 1  = -1, for which  = 0.3 (still far from 0…))</a:t>
@@ -10097,13 +12553,13 @@
               <a:buChar char="•"/>
             </a:pPr>
             <a:r>
-              <a:rPr lang="en-US" dirty="0" smtClean="0">
+              <a:rPr lang="en-US" dirty="0">
                 <a:sym typeface="Symbol"/>
               </a:rPr>
               <a:t>The limit for is still “noisy”, as is the case with the relative (t) adjustment (</a:t>
             </a:r>
             <a:r>
-              <a:rPr lang="en-US" b="1" dirty="0" smtClean="0">
+              <a:rPr lang="en-US" b="1" dirty="0">
                 <a:solidFill>
                   <a:srgbClr val="C00000"/>
                 </a:solidFill>
@@ -10112,7 +12568,7 @@
               <a:t>red law</a:t>
             </a:r>
             <a:r>
-              <a:rPr lang="en-US" dirty="0" smtClean="0">
+              <a:rPr lang="en-US" dirty="0">
                 <a:sym typeface="Symbol"/>
               </a:rPr>
               <a:t>).</a:t>
@@ -10120,74 +12576,71 @@
           </a:p>
           <a:p>
             <a:r>
-              <a:rPr lang="en-US" sz="1400" i="1" dirty="0" smtClean="0">
+              <a:rPr lang="en-US" sz="1400" i="1" dirty="0">
                 <a:sym typeface="Symbol"/>
               </a:rPr>
               <a:t>Note that the limit for  should oscillate between 1 – </a:t>
             </a:r>
             <a:r>
-              <a:rPr lang="en-US" sz="1400" i="1" dirty="0" err="1" smtClean="0">
+              <a:rPr lang="en-US" sz="1400" i="1" dirty="0" err="1">
                 <a:sym typeface="Symbol"/>
               </a:rPr>
               <a:t>exp</a:t>
             </a:r>
             <a:r>
-              <a:rPr lang="en-US" sz="1400" i="1" dirty="0" smtClean="0">
+              <a:rPr lang="en-US" sz="1400" i="1" dirty="0">
                 <a:sym typeface="Symbol"/>
               </a:rPr>
               <a:t>(-</a:t>
             </a:r>
             <a:r>
-              <a:rPr lang="en-US" sz="1400" i="1" dirty="0" err="1" smtClean="0">
+              <a:rPr lang="en-US" sz="1400" i="1" dirty="0" err="1">
                 <a:sym typeface="Symbol"/>
               </a:rPr>
               <a:t>exp</a:t>
             </a:r>
             <a:r>
-              <a:rPr lang="en-US" sz="1400" i="1" dirty="0" smtClean="0">
+              <a:rPr lang="en-US" sz="1400" i="1" dirty="0">
                 <a:sym typeface="Symbol"/>
               </a:rPr>
               <a:t>(0.1 - 0.0)) and 1 – </a:t>
             </a:r>
             <a:r>
-              <a:rPr lang="en-US" sz="1400" i="1" dirty="0" err="1" smtClean="0">
+              <a:rPr lang="en-US" sz="1400" i="1" dirty="0" err="1">
                 <a:sym typeface="Symbol"/>
               </a:rPr>
               <a:t>exp</a:t>
             </a:r>
             <a:r>
-              <a:rPr lang="en-US" sz="1400" i="1" dirty="0" smtClean="0">
+              <a:rPr lang="en-US" sz="1400" i="1" dirty="0">
                 <a:sym typeface="Symbol"/>
               </a:rPr>
               <a:t>(-</a:t>
             </a:r>
             <a:r>
-              <a:rPr lang="en-US" sz="1400" i="1" dirty="0" err="1" smtClean="0">
+              <a:rPr lang="en-US" sz="1400" i="1" dirty="0" err="1">
                 <a:sym typeface="Symbol"/>
               </a:rPr>
               <a:t>exp</a:t>
             </a:r>
             <a:r>
-              <a:rPr lang="en-US" sz="1400" i="1" dirty="0" smtClean="0">
+              <a:rPr lang="en-US" sz="1400" i="1" dirty="0">
                 <a:sym typeface="Symbol"/>
               </a:rPr>
               <a:t>(0.1 – 0.9), i.e. between 0.67 and 0.36. The oscillation in the plot below is smaller than this range because we are plotting the </a:t>
             </a:r>
             <a:r>
-              <a:rPr lang="en-US" sz="1400" b="1" i="1" dirty="0" smtClean="0">
+              <a:rPr lang="en-US" sz="1400" b="1" i="1" dirty="0">
                 <a:sym typeface="Symbol"/>
               </a:rPr>
               <a:t>average</a:t>
             </a:r>
             <a:r>
-              <a:rPr lang="en-US" sz="1400" i="1" dirty="0" smtClean="0">
+              <a:rPr lang="en-US" sz="1400" i="1" dirty="0">
                 <a:sym typeface="Symbol"/>
               </a:rPr>
               <a:t>  over all states visited in the episode.</a:t>
             </a:r>
-            <a:endParaRPr lang="en-US" sz="1400" i="1" dirty="0">
-              <a:sym typeface="Symbol"/>
-            </a:endParaRPr>
           </a:p>
         </p:txBody>
       </p:sp>
@@ -10201,377 +12654,6 @@
   <p:clrMapOvr>
     <a:masterClrMapping/>
   </p:clrMapOvr>
-</p:sld>
-</file>
-
-<file path=ppt/slides/slide3.xml><?xml version="1.0" encoding="utf-8"?>
-<p:sld xmlns:a="http://schemas.openxmlformats.org/drawingml/2006/main" xmlns:r="http://schemas.openxmlformats.org/officeDocument/2006/relationships" xmlns:p="http://schemas.openxmlformats.org/presentationml/2006/main">
-  <p:cSld>
-    <p:spTree>
-      <p:nvGrpSpPr>
-        <p:cNvPr id="1" name=""/>
-        <p:cNvGrpSpPr/>
-        <p:nvPr/>
-      </p:nvGrpSpPr>
-      <p:grpSpPr>
-        <a:xfrm>
-          <a:off x="0" y="0"/>
-          <a:ext cx="0" cy="0"/>
-          <a:chOff x="0" y="0"/>
-          <a:chExt cx="0" cy="0"/>
-        </a:xfrm>
-      </p:grpSpPr>
-      <p:sp>
-        <p:nvSpPr>
-          <p:cNvPr id="2" name="Title 1"/>
-          <p:cNvSpPr>
-            <a:spLocks noGrp="1"/>
-          </p:cNvSpPr>
-          <p:nvPr>
-            <p:ph type="ctrTitle"/>
-          </p:nvPr>
-        </p:nvSpPr>
-        <p:spPr/>
-        <p:txBody>
-          <a:bodyPr>
-            <a:normAutofit fontScale="90000"/>
-          </a:bodyPr>
-          <a:lstStyle/>
-          <a:p>
-            <a:r>
-              <a:rPr lang="en-US" sz="3600" dirty="0" smtClean="0">
-                <a:sym typeface="Symbol"/>
-              </a:rPr>
-              <a:t>(A)</a:t>
-            </a:r>
-            <a:br>
-              <a:rPr lang="en-US" sz="3600" dirty="0" smtClean="0">
-                <a:sym typeface="Symbol"/>
-              </a:rPr>
-            </a:br>
-            <a:r>
-              <a:rPr lang="en-US" sz="3600" dirty="0" smtClean="0">
-                <a:sym typeface="Symbol"/>
-              </a:rPr>
-              <a:t> adjusted by state count;</a:t>
-            </a:r>
-            <a:r>
-              <a:rPr lang="en-US" sz="3600" dirty="0">
-                <a:sym typeface="Symbol"/>
-              </a:rPr>
-              <a:t/>
-            </a:r>
-            <a:br>
-              <a:rPr lang="en-US" sz="3600" dirty="0">
-                <a:sym typeface="Symbol"/>
-              </a:rPr>
-            </a:br>
-            <a:r>
-              <a:rPr lang="en-US" sz="3600" dirty="0" smtClean="0">
-                <a:sym typeface="Symbol"/>
-              </a:rPr>
-              <a:t>adaptive  </a:t>
-            </a:r>
-            <a:r>
-              <a:rPr lang="en-US" sz="3600" dirty="0">
-                <a:sym typeface="Symbol"/>
-              </a:rPr>
-              <a:t>as a function of (t)/</a:t>
-            </a:r>
-            <a:r>
-              <a:rPr lang="en-US" sz="3600" dirty="0" smtClean="0">
-                <a:sym typeface="Symbol"/>
-              </a:rPr>
-              <a:t>V(S(t))</a:t>
-            </a:r>
-            <a:endParaRPr lang="en-US" sz="3600" dirty="0"/>
-          </a:p>
-        </p:txBody>
-      </p:sp>
-      <p:sp>
-        <p:nvSpPr>
-          <p:cNvPr id="3" name="Subtitle 2"/>
-          <p:cNvSpPr>
-            <a:spLocks noGrp="1"/>
-          </p:cNvSpPr>
-          <p:nvPr>
-            <p:ph type="subTitle" idx="1"/>
-          </p:nvPr>
-        </p:nvSpPr>
-        <p:spPr/>
-        <p:txBody>
-          <a:bodyPr/>
-          <a:lstStyle/>
-          <a:p>
-            <a:endParaRPr lang="en-US" dirty="0"/>
-          </a:p>
-        </p:txBody>
-      </p:sp>
-      <p:sp>
-        <p:nvSpPr>
-          <p:cNvPr id="4" name="Slide Number Placeholder 3"/>
-          <p:cNvSpPr>
-            <a:spLocks noGrp="1"/>
-          </p:cNvSpPr>
-          <p:nvPr>
-            <p:ph type="sldNum" sz="quarter" idx="12"/>
-          </p:nvPr>
-        </p:nvSpPr>
-        <p:spPr/>
-        <p:txBody>
-          <a:bodyPr/>
-          <a:lstStyle/>
-          <a:p>
-            <a:fld id="{62D96F91-737B-4795-86FD-3CFC620DA94D}" type="slidenum">
-              <a:rPr lang="en-US" smtClean="0"/>
-              <a:t>3</a:t>
-            </a:fld>
-            <a:endParaRPr lang="en-US"/>
-          </a:p>
-        </p:txBody>
-      </p:sp>
-    </p:spTree>
-    <p:extLst>
-      <p:ext uri="{BB962C8B-B14F-4D97-AF65-F5344CB8AC3E}">
-        <p14:creationId xmlns:p14="http://schemas.microsoft.com/office/powerpoint/2010/main" val="4265012169"/>
-      </p:ext>
-    </p:extLst>
-  </p:cSld>
-  <p:clrMapOvr>
-    <a:masterClrMapping/>
-  </p:clrMapOvr>
-  <p:timing>
-    <p:tnLst>
-      <p:par>
-        <p:cTn id="1" dur="indefinite" restart="never" nodeType="tmRoot"/>
-      </p:par>
-    </p:tnLst>
-  </p:timing>
-</p:sld>
-</file>
-
-<file path=ppt/slides/slide4.xml><?xml version="1.0" encoding="utf-8"?>
-<p:sld xmlns:a="http://schemas.openxmlformats.org/drawingml/2006/main" xmlns:r="http://schemas.openxmlformats.org/officeDocument/2006/relationships" xmlns:p="http://schemas.openxmlformats.org/presentationml/2006/main">
-  <p:cSld>
-    <p:spTree>
-      <p:nvGrpSpPr>
-        <p:cNvPr id="1" name=""/>
-        <p:cNvGrpSpPr/>
-        <p:nvPr/>
-      </p:nvGrpSpPr>
-      <p:grpSpPr>
-        <a:xfrm>
-          <a:off x="0" y="0"/>
-          <a:ext cx="0" cy="0"/>
-          <a:chOff x="0" y="0"/>
-          <a:chExt cx="0" cy="0"/>
-        </a:xfrm>
-      </p:grpSpPr>
-      <p:sp>
-        <p:nvSpPr>
-          <p:cNvPr id="2" name="Title 1"/>
-          <p:cNvSpPr>
-            <a:spLocks noGrp="1"/>
-          </p:cNvSpPr>
-          <p:nvPr>
-            <p:ph type="title"/>
-          </p:nvPr>
-        </p:nvSpPr>
-        <p:spPr/>
-        <p:txBody>
-          <a:bodyPr>
-            <a:noAutofit/>
-          </a:bodyPr>
-          <a:lstStyle/>
-          <a:p>
-            <a:r>
-              <a:rPr lang="en-US" sz="3600" dirty="0" smtClean="0"/>
-              <a:t>MC, </a:t>
-            </a:r>
-            <a:r>
-              <a:rPr lang="en-US" sz="3600" dirty="0" smtClean="0">
-                <a:sym typeface="Symbol"/>
-              </a:rPr>
-              <a:t>-</a:t>
-            </a:r>
-            <a:r>
-              <a:rPr lang="en-US" sz="3600" dirty="0" smtClean="0"/>
-              <a:t>adjust by first-visit State Count</a:t>
-            </a:r>
-            <a:r>
-              <a:rPr lang="en-US" sz="3600" dirty="0"/>
-              <a:t/>
-            </a:r>
-            <a:br>
-              <a:rPr lang="en-US" sz="3600" dirty="0"/>
-            </a:br>
-            <a:r>
-              <a:rPr lang="en-US" sz="3600" dirty="0" smtClean="0"/>
-              <a:t>seed=1717</a:t>
-            </a:r>
-            <a:r>
-              <a:rPr lang="en-US" sz="3600" dirty="0"/>
-              <a:t>, #</a:t>
-            </a:r>
-            <a:r>
-              <a:rPr lang="en-US" sz="3600" dirty="0" err="1" smtClean="0"/>
-              <a:t>exp</a:t>
-            </a:r>
-            <a:r>
-              <a:rPr lang="en-US" sz="3600" dirty="0" smtClean="0"/>
-              <a:t>=10, start=10</a:t>
-            </a:r>
-            <a:endParaRPr lang="en-US" sz="3600" dirty="0"/>
-          </a:p>
-        </p:txBody>
-      </p:sp>
-      <p:sp>
-        <p:nvSpPr>
-          <p:cNvPr id="4" name="TextBox 3"/>
-          <p:cNvSpPr txBox="1"/>
-          <p:nvPr/>
-        </p:nvSpPr>
-        <p:spPr>
-          <a:xfrm>
-            <a:off x="1115616" y="6309320"/>
-            <a:ext cx="7128792" cy="307777"/>
-          </a:xfrm>
-          <a:prstGeom prst="rect">
-            <a:avLst/>
-          </a:prstGeom>
-          <a:noFill/>
-        </p:spPr>
-        <p:txBody>
-          <a:bodyPr wrap="square" rtlCol="0">
-            <a:spAutoFit/>
-          </a:bodyPr>
-          <a:lstStyle/>
-          <a:p>
-            <a:r>
-              <a:rPr lang="en-US" sz="1400" i="1" dirty="0" smtClean="0"/>
-              <a:t>The variability observed across experiments (not plotted) is reasonable</a:t>
-            </a:r>
-            <a:endParaRPr lang="en-US" sz="1400" i="1" dirty="0"/>
-          </a:p>
-        </p:txBody>
-      </p:sp>
-      <p:sp>
-        <p:nvSpPr>
-          <p:cNvPr id="5" name="TextBox 4"/>
-          <p:cNvSpPr txBox="1"/>
-          <p:nvPr/>
-        </p:nvSpPr>
-        <p:spPr>
-          <a:xfrm>
-            <a:off x="1115616" y="6033434"/>
-            <a:ext cx="7128792" cy="307777"/>
-          </a:xfrm>
-          <a:prstGeom prst="rect">
-            <a:avLst/>
-          </a:prstGeom>
-          <a:noFill/>
-        </p:spPr>
-        <p:txBody>
-          <a:bodyPr wrap="square" rtlCol="0">
-            <a:spAutoFit/>
-          </a:bodyPr>
-          <a:lstStyle/>
-          <a:p>
-            <a:r>
-              <a:rPr lang="en-US" sz="1400" i="1" dirty="0" smtClean="0"/>
-              <a:t>Initial </a:t>
-            </a:r>
-            <a:r>
-              <a:rPr lang="en-US" sz="1400" i="1" dirty="0" smtClean="0">
-                <a:sym typeface="Symbol"/>
-              </a:rPr>
-              <a:t> = 1</a:t>
-            </a:r>
-            <a:endParaRPr lang="en-US" sz="1400" i="1" dirty="0"/>
-          </a:p>
-        </p:txBody>
-      </p:sp>
-      <p:sp>
-        <p:nvSpPr>
-          <p:cNvPr id="3" name="Slide Number Placeholder 2"/>
-          <p:cNvSpPr>
-            <a:spLocks noGrp="1"/>
-          </p:cNvSpPr>
-          <p:nvPr>
-            <p:ph type="sldNum" sz="quarter" idx="12"/>
-          </p:nvPr>
-        </p:nvSpPr>
-        <p:spPr/>
-        <p:txBody>
-          <a:bodyPr/>
-          <a:lstStyle/>
-          <a:p>
-            <a:fld id="{62D96F91-737B-4795-86FD-3CFC620DA94D}" type="slidenum">
-              <a:rPr lang="en-US" smtClean="0"/>
-              <a:t>4</a:t>
-            </a:fld>
-            <a:endParaRPr lang="en-US"/>
-          </a:p>
-        </p:txBody>
-      </p:sp>
-      <p:pic>
-        <p:nvPicPr>
-          <p:cNvPr id="3074" name="Picture 2" descr="E:\Daniel\Projects\PhD-RL-Toulouse\projects\RL-001-MemoryManagement\results\SimulateTDLambda-DifferentLambdas&amp;Adaptive\mc_adjust_by_count_first_visit.png"/>
-          <p:cNvPicPr>
-            <a:picLocks noChangeAspect="1" noChangeArrowheads="1"/>
-          </p:cNvPicPr>
-          <p:nvPr/>
-        </p:nvPicPr>
-        <p:blipFill>
-          <a:blip r:embed="rId2">
-            <a:extLst>
-              <a:ext uri="{28A0092B-C50C-407E-A947-70E740481C1C}">
-                <a14:useLocalDpi xmlns:a14="http://schemas.microsoft.com/office/drawing/2010/main" val="0"/>
-              </a:ext>
-            </a:extLst>
-          </a:blip>
-          <a:srcRect/>
-          <a:stretch>
-            <a:fillRect/>
-          </a:stretch>
-        </p:blipFill>
-        <p:spPr bwMode="auto">
-          <a:xfrm>
-            <a:off x="0" y="1620000"/>
-            <a:ext cx="9144000" cy="4317628"/>
-          </a:xfrm>
-          <a:prstGeom prst="rect">
-            <a:avLst/>
-          </a:prstGeom>
-          <a:noFill/>
-          <a:extLst>
-            <a:ext uri="{909E8E84-426E-40DD-AFC4-6F175D3DCCD1}">
-              <a14:hiddenFill xmlns:a14="http://schemas.microsoft.com/office/drawing/2010/main">
-                <a:solidFill>
-                  <a:srgbClr val="FFFFFF"/>
-                </a:solidFill>
-              </a14:hiddenFill>
-            </a:ext>
-          </a:extLst>
-        </p:spPr>
-      </p:pic>
-    </p:spTree>
-    <p:extLst>
-      <p:ext uri="{BB962C8B-B14F-4D97-AF65-F5344CB8AC3E}">
-        <p14:creationId xmlns:p14="http://schemas.microsoft.com/office/powerpoint/2010/main" val="3080975124"/>
-      </p:ext>
-    </p:extLst>
-  </p:cSld>
-  <p:clrMapOvr>
-    <a:masterClrMapping/>
-  </p:clrMapOvr>
-  <p:timing>
-    <p:tnLst>
-      <p:par>
-        <p:cTn id="1" dur="indefinite" restart="never" nodeType="tmRoot"/>
-      </p:par>
-    </p:tnLst>
-  </p:timing>
 </p:sld>
 </file>
 
@@ -10610,55 +12692,44 @@
           <a:lstStyle/>
           <a:p>
             <a:r>
-              <a:rPr lang="en-US" sz="3600" dirty="0" smtClean="0"/>
+              <a:rPr lang="en-US" sz="3600" dirty="0"/>
               <a:t>TD(</a:t>
             </a:r>
             <a:r>
-              <a:rPr lang="en-US" sz="3600" dirty="0" smtClean="0">
+              <a:rPr lang="en-US" sz="3600" dirty="0">
                 <a:sym typeface="Symbol"/>
               </a:rPr>
               <a:t>)</a:t>
             </a:r>
             <a:r>
-              <a:rPr lang="en-US" sz="3600" dirty="0" smtClean="0"/>
+              <a:rPr lang="en-US" sz="3600" dirty="0"/>
               <a:t>, </a:t>
             </a:r>
             <a:r>
               <a:rPr lang="en-US" sz="3600" dirty="0">
                 <a:sym typeface="Symbol"/>
               </a:rPr>
-              <a:t></a:t>
-            </a:r>
-            <a:r>
-              <a:rPr lang="en-US" sz="3600" dirty="0" smtClean="0">
-                <a:sym typeface="Symbol"/>
-              </a:rPr>
-              <a:t>-</a:t>
-            </a:r>
-            <a:r>
-              <a:rPr lang="en-US" sz="3600" dirty="0" smtClean="0"/>
+              <a:t>-</a:t>
+            </a:r>
+            <a:r>
+              <a:rPr lang="en-US" sz="3600" dirty="0"/>
               <a:t>adjust by State Count</a:t>
             </a:r>
             <a:br>
-              <a:rPr lang="en-US" sz="3600" dirty="0" smtClean="0"/>
+              <a:rPr lang="en-US" sz="3600" dirty="0"/>
             </a:br>
             <a:r>
-              <a:rPr lang="en-US" sz="3600" dirty="0" smtClean="0"/>
-              <a:t>seed=1717</a:t>
-            </a:r>
-            <a:r>
               <a:rPr lang="en-US" sz="3600" dirty="0"/>
-              <a:t>, #</a:t>
-            </a:r>
-            <a:r>
-              <a:rPr lang="en-US" sz="3600" dirty="0" err="1" smtClean="0"/>
+              <a:t>seed=1717, #</a:t>
+            </a:r>
+            <a:r>
+              <a:rPr lang="en-US" sz="3600" dirty="0" err="1"/>
               <a:t>exp</a:t>
             </a:r>
             <a:r>
-              <a:rPr lang="en-US" sz="3600" dirty="0" smtClean="0"/>
+              <a:rPr lang="en-US" sz="3600" dirty="0"/>
               <a:t>=10, start=10</a:t>
             </a:r>
-            <a:endParaRPr lang="en-US" sz="3600" dirty="0"/>
           </a:p>
         </p:txBody>
       </p:sp>
@@ -10726,19 +12797,11 @@
           <a:lstStyle/>
           <a:p>
             <a:r>
-              <a:rPr lang="en-US" sz="1400" i="1" dirty="0" smtClean="0"/>
-              <a:t>The variability observed across experiments </a:t>
-            </a:r>
-            <a:r>
               <a:rPr lang="en-US" sz="1400" i="1" dirty="0"/>
-              <a:t>(not plotted) </a:t>
-            </a:r>
-            <a:r>
-              <a:rPr lang="en-US" sz="1400" i="1" dirty="0" smtClean="0"/>
-              <a:t>is reasonable, but increases for larger </a:t>
-            </a:r>
-            <a:r>
-              <a:rPr lang="en-US" sz="1400" i="1" dirty="0" smtClean="0">
+              <a:t>The variability observed across experiments (not plotted) is reasonable, but increases for larger </a:t>
+            </a:r>
+            <a:r>
+              <a:rPr lang="en-US" sz="1400" i="1" dirty="0">
                 <a:sym typeface="Symbol"/>
               </a:rPr>
               <a:t>’s</a:t>
@@ -10793,11 +12856,11 @@
           <a:lstStyle/>
           <a:p>
             <a:r>
-              <a:rPr lang="en-US" sz="1400" i="1" dirty="0" smtClean="0"/>
+              <a:rPr lang="en-US" sz="1400" i="1" dirty="0"/>
               <a:t>Initial </a:t>
             </a:r>
             <a:r>
-              <a:rPr lang="en-US" sz="1400" i="1" dirty="0" smtClean="0">
+              <a:rPr lang="en-US" sz="1400" i="1" dirty="0">
                 <a:sym typeface="Symbol"/>
               </a:rPr>
               <a:t> = 2</a:t>
@@ -10816,13 +12879,6 @@
   <p:clrMapOvr>
     <a:masterClrMapping/>
   </p:clrMapOvr>
-  <p:timing>
-    <p:tnLst>
-      <p:par>
-        <p:cTn id="1" dur="indefinite" restart="never" nodeType="tmRoot"/>
-      </p:par>
-    </p:tnLst>
-  </p:timing>
 </p:sld>
 </file>
 
@@ -10861,12 +12917,8 @@
           <a:lstStyle/>
           <a:p>
             <a:r>
-              <a:rPr lang="en-US" sz="3600" dirty="0" smtClean="0"/>
-              <a:t>Adaptive TD</a:t>
-            </a:r>
-            <a:r>
               <a:rPr lang="en-US" sz="3600" dirty="0"/>
-              <a:t>(</a:t>
+              <a:t>Adaptive TD(</a:t>
             </a:r>
             <a:r>
               <a:rPr lang="en-US" sz="3600" dirty="0">
@@ -10882,46 +12934,27 @@
               <a:rPr lang="en-US" sz="3600" dirty="0">
                 <a:sym typeface="Symbol"/>
               </a:rPr>
-              <a:t></a:t>
-            </a:r>
-            <a:r>
-              <a:rPr lang="en-US" sz="3600" dirty="0" smtClean="0">
-                <a:sym typeface="Symbol"/>
-              </a:rPr>
-              <a:t>-</a:t>
-            </a:r>
-            <a:r>
-              <a:rPr lang="en-US" sz="3600" dirty="0" smtClean="0"/>
-              <a:t>adjust </a:t>
+              <a:t>-</a:t>
             </a:r>
             <a:r>
               <a:rPr lang="en-US" sz="3600" dirty="0"/>
-              <a:t>by State Count </a:t>
-            </a:r>
-            <a:r>
-              <a:rPr lang="en-US" sz="3600" dirty="0" smtClean="0"/>
-              <a:t/>
+              <a:t>adjust by State Count </a:t>
             </a:r>
             <a:br>
-              <a:rPr lang="en-US" sz="3600" dirty="0" smtClean="0"/>
+              <a:rPr lang="en-US" sz="3600" dirty="0"/>
             </a:br>
             <a:r>
-              <a:rPr lang="en-US" sz="3600" dirty="0" smtClean="0"/>
-              <a:t>seed=1717</a:t>
-            </a:r>
-            <a:r>
               <a:rPr lang="en-US" sz="3600" dirty="0"/>
-              <a:t>, #</a:t>
-            </a:r>
-            <a:r>
-              <a:rPr lang="en-US" sz="3600" dirty="0" err="1" smtClean="0"/>
+              <a:t>seed=1717, #</a:t>
+            </a:r>
+            <a:r>
+              <a:rPr lang="en-US" sz="3600" dirty="0" err="1"/>
               <a:t>exp</a:t>
             </a:r>
             <a:r>
-              <a:rPr lang="en-US" sz="3600" dirty="0" smtClean="0"/>
+              <a:rPr lang="en-US" sz="3600" dirty="0"/>
               <a:t>=10, start=10</a:t>
             </a:r>
-            <a:endParaRPr lang="en-US" sz="3600" dirty="0"/>
           </a:p>
         </p:txBody>
       </p:sp>
@@ -10989,19 +13022,11 @@
           <a:lstStyle/>
           <a:p>
             <a:r>
-              <a:rPr lang="en-US" sz="1400" i="1" dirty="0" smtClean="0"/>
-              <a:t>The variability observed across experiments </a:t>
-            </a:r>
-            <a:r>
               <a:rPr lang="en-US" sz="1400" i="1" dirty="0"/>
-              <a:t>(not plotted) </a:t>
-            </a:r>
-            <a:r>
-              <a:rPr lang="en-US" sz="1400" i="1" dirty="0" smtClean="0"/>
-              <a:t>is reasonable, but increases for larger </a:t>
-            </a:r>
-            <a:r>
-              <a:rPr lang="en-US" sz="1400" i="1" dirty="0" smtClean="0">
+              <a:t>The variability observed across experiments (not plotted) is reasonable, but increases for larger </a:t>
+            </a:r>
+            <a:r>
+              <a:rPr lang="en-US" sz="1400" i="1" dirty="0">
                 <a:sym typeface="Symbol"/>
               </a:rPr>
               <a:t>’s</a:t>
@@ -11043,13 +13068,6 @@
   <p:clrMapOvr>
     <a:masterClrMapping/>
   </p:clrMapOvr>
-  <p:timing>
-    <p:tnLst>
-      <p:par>
-        <p:cTn id="1" dur="indefinite" restart="never" nodeType="tmRoot"/>
-      </p:par>
-    </p:tnLst>
-  </p:timing>
 </p:sld>
 </file>
 
@@ -11088,39 +13106,10 @@
           <a:lstStyle/>
           <a:p>
             <a:r>
-              <a:rPr lang="en-US" sz="3600" dirty="0" smtClean="0">
+              <a:rPr lang="en-US" sz="3600" dirty="0">
                 <a:sym typeface="Symbol"/>
               </a:rPr>
               <a:t>(B)</a:t>
-            </a:r>
-            <a:br>
-              <a:rPr lang="en-US" sz="3600" dirty="0" smtClean="0">
-                <a:sym typeface="Symbol"/>
-              </a:rPr>
-            </a:br>
-            <a:r>
-              <a:rPr lang="en-US" sz="3600" dirty="0" smtClean="0">
-                <a:sym typeface="Symbol"/>
-              </a:rPr>
-              <a:t> adjusted by </a:t>
-            </a:r>
-            <a:r>
-              <a:rPr lang="en-US" sz="3600" dirty="0">
-                <a:sym typeface="Symbol"/>
-              </a:rPr>
-              <a:t>e</a:t>
-            </a:r>
-            <a:r>
-              <a:rPr lang="en-US" sz="3600" dirty="0" smtClean="0">
-                <a:sym typeface="Symbol"/>
-              </a:rPr>
-              <a:t>pisode;</a:t>
-            </a:r>
-            <a:r>
-              <a:rPr lang="en-US" sz="3600" dirty="0">
-                <a:sym typeface="Symbol"/>
-              </a:rPr>
-              <a:t/>
             </a:r>
             <a:br>
               <a:rPr lang="en-US" sz="3600" dirty="0">
@@ -11128,22 +13117,21 @@
               </a:rPr>
             </a:br>
             <a:r>
-              <a:rPr lang="en-US" sz="3600" dirty="0" smtClean="0">
-                <a:sym typeface="Symbol"/>
-              </a:rPr>
-              <a:t>adaptive  </a:t>
-            </a:r>
-            <a:r>
               <a:rPr lang="en-US" sz="3600" dirty="0">
                 <a:sym typeface="Symbol"/>
               </a:rPr>
-              <a:t>as a function of (t)/</a:t>
-            </a:r>
-            <a:r>
-              <a:rPr lang="en-US" sz="3600" dirty="0" smtClean="0">
-                <a:sym typeface="Symbol"/>
-              </a:rPr>
-              <a:t>V(S(t))</a:t>
+              <a:t> adjusted by episode;</a:t>
+            </a:r>
+            <a:br>
+              <a:rPr lang="en-US" sz="3600" dirty="0">
+                <a:sym typeface="Symbol"/>
+              </a:rPr>
+            </a:br>
+            <a:r>
+              <a:rPr lang="en-US" sz="3600" dirty="0">
+                <a:sym typeface="Symbol"/>
+              </a:rPr>
+              <a:t>adaptive  as a function of (t)/V(S(t))</a:t>
             </a:r>
             <a:endParaRPr lang="en-US" sz="3600" dirty="0"/>
           </a:p>
@@ -11201,13 +13189,6 @@
   <p:clrMapOvr>
     <a:masterClrMapping/>
   </p:clrMapOvr>
-  <p:timing>
-    <p:tnLst>
-      <p:par>
-        <p:cTn id="1" dur="indefinite" restart="never" nodeType="tmRoot"/>
-      </p:par>
-    </p:tnLst>
-  </p:timing>
 </p:sld>
 </file>
 
@@ -11246,45 +13227,34 @@
           <a:lstStyle/>
           <a:p>
             <a:r>
-              <a:rPr lang="en-US" sz="3600" dirty="0" smtClean="0"/>
+              <a:rPr lang="en-US" sz="3600" dirty="0"/>
               <a:t>First-visit MC,</a:t>
             </a:r>
             <a:r>
               <a:rPr lang="en-US" sz="3600" dirty="0">
                 <a:sym typeface="Symbol"/>
               </a:rPr>
-              <a:t> </a:t>
-            </a:r>
-            <a:r>
-              <a:rPr lang="en-US" sz="3600" dirty="0" smtClean="0">
-                <a:sym typeface="Symbol"/>
-              </a:rPr>
-              <a:t>-</a:t>
-            </a:r>
-            <a:r>
-              <a:rPr lang="en-US" sz="3600" dirty="0" smtClean="0"/>
+              <a:t> -</a:t>
+            </a:r>
+            <a:r>
+              <a:rPr lang="en-US" sz="3600" dirty="0"/>
               <a:t>adjust by Episode</a:t>
             </a:r>
             <a:br>
-              <a:rPr lang="en-US" sz="3600" dirty="0" smtClean="0"/>
+              <a:rPr lang="en-US" sz="3600" dirty="0"/>
             </a:br>
             <a:r>
-              <a:rPr lang="en-US" sz="3600" dirty="0" smtClean="0"/>
-              <a:t>seed=1717</a:t>
-            </a:r>
-            <a:r>
               <a:rPr lang="en-US" sz="3600" dirty="0"/>
-              <a:t>, #</a:t>
-            </a:r>
-            <a:r>
-              <a:rPr lang="en-US" sz="3600" dirty="0" err="1" smtClean="0"/>
+              <a:t>seed=1717, #</a:t>
+            </a:r>
+            <a:r>
+              <a:rPr lang="en-US" sz="3600" dirty="0" err="1"/>
               <a:t>exp</a:t>
             </a:r>
             <a:r>
-              <a:rPr lang="en-US" sz="3600" dirty="0" smtClean="0"/>
+              <a:rPr lang="en-US" sz="3600" dirty="0"/>
               <a:t>=10, start=10</a:t>
             </a:r>
-            <a:endParaRPr lang="en-US" sz="3600" dirty="0"/>
           </a:p>
         </p:txBody>
       </p:sp>
@@ -11352,18 +13322,9 @@
           <a:lstStyle/>
           <a:p>
             <a:r>
-              <a:rPr lang="en-US" sz="1400" i="1" dirty="0" smtClean="0"/>
-              <a:t>The variability observed across experiments </a:t>
-            </a:r>
-            <a:r>
               <a:rPr lang="en-US" sz="1400" i="1" dirty="0"/>
-              <a:t>(not plotted) </a:t>
-            </a:r>
-            <a:r>
-              <a:rPr lang="en-US" sz="1400" i="1" dirty="0" smtClean="0"/>
-              <a:t>is reasonable</a:t>
-            </a:r>
-            <a:endParaRPr lang="en-US" sz="1400" i="1" dirty="0"/>
+              <a:t>The variability observed across experiments (not plotted) is reasonable</a:t>
+            </a:r>
           </a:p>
         </p:txBody>
       </p:sp>
@@ -11390,11 +13351,11 @@
           <a:lstStyle/>
           <a:p>
             <a:r>
-              <a:rPr lang="en-US" sz="1400" i="1" dirty="0" smtClean="0"/>
+              <a:rPr lang="en-US" sz="1400" i="1" dirty="0"/>
               <a:t>Initial </a:t>
             </a:r>
             <a:r>
-              <a:rPr lang="en-US" sz="1400" i="1" dirty="0" smtClean="0">
+              <a:rPr lang="en-US" sz="1400" i="1" dirty="0">
                 <a:sym typeface="Symbol"/>
               </a:rPr>
               <a:t> = 1</a:t>
@@ -11436,13 +13397,6 @@
   <p:clrMapOvr>
     <a:masterClrMapping/>
   </p:clrMapOvr>
-  <p:timing>
-    <p:tnLst>
-      <p:par>
-        <p:cTn id="1" dur="indefinite" restart="never" nodeType="tmRoot"/>
-      </p:par>
-    </p:tnLst>
-  </p:timing>
 </p:sld>
 </file>
 
@@ -11481,55 +13435,44 @@
           <a:lstStyle/>
           <a:p>
             <a:r>
-              <a:rPr lang="en-US" sz="3600" dirty="0" smtClean="0"/>
+              <a:rPr lang="en-US" sz="3600" dirty="0"/>
               <a:t>TD(</a:t>
             </a:r>
             <a:r>
-              <a:rPr lang="en-US" sz="3600" dirty="0" smtClean="0">
+              <a:rPr lang="en-US" sz="3600" dirty="0">
                 <a:sym typeface="Symbol"/>
               </a:rPr>
               <a:t>)</a:t>
             </a:r>
             <a:r>
-              <a:rPr lang="en-US" sz="3600" dirty="0" smtClean="0"/>
+              <a:rPr lang="en-US" sz="3600" dirty="0"/>
               <a:t>, </a:t>
             </a:r>
             <a:r>
               <a:rPr lang="en-US" sz="3600" dirty="0">
                 <a:sym typeface="Symbol"/>
               </a:rPr>
-              <a:t></a:t>
-            </a:r>
-            <a:r>
-              <a:rPr lang="en-US" sz="3600" dirty="0" smtClean="0">
-                <a:sym typeface="Symbol"/>
-              </a:rPr>
-              <a:t>-a</a:t>
-            </a:r>
-            <a:r>
-              <a:rPr lang="en-US" sz="3600" dirty="0" smtClean="0"/>
+              <a:t>-a</a:t>
+            </a:r>
+            <a:r>
+              <a:rPr lang="en-US" sz="3600" dirty="0"/>
               <a:t>djust by Episode</a:t>
             </a:r>
             <a:br>
-              <a:rPr lang="en-US" sz="3600" dirty="0" smtClean="0"/>
+              <a:rPr lang="en-US" sz="3600" dirty="0"/>
             </a:br>
             <a:r>
-              <a:rPr lang="en-US" sz="3600" dirty="0" smtClean="0"/>
-              <a:t>seed=1717</a:t>
-            </a:r>
-            <a:r>
               <a:rPr lang="en-US" sz="3600" dirty="0"/>
-              <a:t>, #</a:t>
-            </a:r>
-            <a:r>
-              <a:rPr lang="en-US" sz="3600" dirty="0" err="1" smtClean="0"/>
+              <a:t>seed=1717, #</a:t>
+            </a:r>
+            <a:r>
+              <a:rPr lang="en-US" sz="3600" dirty="0" err="1"/>
               <a:t>exp</a:t>
             </a:r>
             <a:r>
-              <a:rPr lang="en-US" sz="3600" dirty="0" smtClean="0"/>
+              <a:rPr lang="en-US" sz="3600" dirty="0"/>
               <a:t>=10, start=10</a:t>
             </a:r>
-            <a:endParaRPr lang="en-US" sz="3600" dirty="0"/>
           </a:p>
         </p:txBody>
       </p:sp>
@@ -11597,19 +13540,11 @@
           <a:lstStyle/>
           <a:p>
             <a:r>
-              <a:rPr lang="en-US" sz="1400" i="1" dirty="0" smtClean="0"/>
-              <a:t>The variability observed across experiments </a:t>
-            </a:r>
-            <a:r>
               <a:rPr lang="en-US" sz="1400" i="1" dirty="0"/>
-              <a:t>(not plotted) </a:t>
-            </a:r>
-            <a:r>
-              <a:rPr lang="en-US" sz="1400" i="1" dirty="0" smtClean="0"/>
-              <a:t>is reasonable, but increases for larger </a:t>
-            </a:r>
-            <a:r>
-              <a:rPr lang="en-US" sz="1400" i="1" dirty="0" smtClean="0">
+              <a:t>The variability observed across experiments (not plotted) is reasonable, but increases for larger </a:t>
+            </a:r>
+            <a:r>
+              <a:rPr lang="en-US" sz="1400" i="1" dirty="0">
                 <a:sym typeface="Symbol"/>
               </a:rPr>
               <a:t>’s</a:t>
@@ -11664,11 +13599,11 @@
           <a:lstStyle/>
           <a:p>
             <a:r>
-              <a:rPr lang="en-US" sz="1400" i="1" dirty="0" smtClean="0"/>
+              <a:rPr lang="en-US" sz="1400" i="1" dirty="0"/>
               <a:t>Initial </a:t>
             </a:r>
             <a:r>
-              <a:rPr lang="en-US" sz="1400" i="1" dirty="0" smtClean="0">
+              <a:rPr lang="en-US" sz="1400" i="1" dirty="0">
                 <a:sym typeface="Symbol"/>
               </a:rPr>
               <a:t> = 1</a:t>
@@ -11687,13 +13622,6 @@
   <p:clrMapOvr>
     <a:masterClrMapping/>
   </p:clrMapOvr>
-  <p:timing>
-    <p:tnLst>
-      <p:par>
-        <p:cTn id="1" dur="indefinite" restart="never" nodeType="tmRoot"/>
-      </p:par>
-    </p:tnLst>
-  </p:timing>
 </p:sld>
 </file>
 
